--- a/spectral-unmixing/ppt_presentations/midterm_project_report.pptx
+++ b/spectral-unmixing/ppt_presentations/midterm_project_report.pptx
@@ -7,6 +7,10 @@
   <p:sldIdLst>
     <p:sldId id="256" r:id="rId2"/>
     <p:sldId id="257" r:id="rId3"/>
+    <p:sldId id="258" r:id="rId4"/>
+    <p:sldId id="259" r:id="rId5"/>
+    <p:sldId id="260" r:id="rId6"/>
+    <p:sldId id="261" r:id="rId7"/>
   </p:sldIdLst>
   <p:sldSz cx="12192000" cy="6858000"/>
   <p:notesSz cx="6858000" cy="9144000"/>
@@ -105,6 +109,11 @@
       </a:defRPr>
     </a:lvl9pPr>
   </p:defaultTextStyle>
+  <p:extLst>
+    <p:ext uri="{EFAFB233-063F-42B5-8137-9DF3F51BA10A}">
+      <p15:sldGuideLst xmlns:p15="http://schemas.microsoft.com/office/powerpoint/2012/main"/>
+    </p:ext>
+  </p:extLst>
 </p:presentation>
 </file>
 
@@ -3351,7 +3360,7 @@
           <a:lstStyle/>
           <a:p>
             <a:r>
-              <a:rPr lang="en-US" sz="5400" dirty="0"/>
+              <a:rPr lang="en-US" sz="5400" b="1" dirty="0"/>
               <a:t>Multispectral Optoacoustic Tomography </a:t>
             </a:r>
           </a:p>
@@ -3380,11 +3389,13 @@
           </a:xfrm>
         </p:spPr>
         <p:txBody>
-          <a:bodyPr/>
-          <a:lstStyle/>
-          <a:p>
-            <a:r>
-              <a:rPr lang="en-US" dirty="0"/>
+          <a:bodyPr>
+            <a:noAutofit/>
+          </a:bodyPr>
+          <a:lstStyle/>
+          <a:p>
+            <a:r>
+              <a:rPr lang="en-US" sz="3600" dirty="0"/>
               <a:t>Kyle Jones</a:t>
             </a:r>
           </a:p>
@@ -3442,40 +3453,69 @@
           <a:lstStyle/>
           <a:p>
             <a:r>
+              <a:rPr lang="en-US" b="1" dirty="0"/>
+              <a:t>Background</a:t>
+            </a:r>
+          </a:p>
+        </p:txBody>
+      </p:sp>
+      <p:sp>
+        <p:nvSpPr>
+          <p:cNvPr id="3" name="Content Placeholder 2">
+            <a:extLst>
+              <a:ext uri="{FF2B5EF4-FFF2-40B4-BE49-F238E27FC236}">
+                <a16:creationId xmlns:a16="http://schemas.microsoft.com/office/drawing/2014/main" id="{7E7EA47C-BB5D-4E88-AB59-70CAA858D8B0}"/>
+              </a:ext>
+            </a:extLst>
+          </p:cNvPr>
+          <p:cNvSpPr>
+            <a:spLocks noGrp="1"/>
+          </p:cNvSpPr>
+          <p:nvPr>
+            <p:ph idx="1"/>
+          </p:nvPr>
+        </p:nvSpPr>
+        <p:spPr/>
+        <p:txBody>
+          <a:bodyPr/>
+          <a:lstStyle/>
+          <a:p>
+            <a:r>
+              <a:rPr lang="en-US" u="sng" dirty="0"/>
+              <a:t>Multispectral Optoacoustic Tomography (MSOT)</a:t>
+            </a:r>
+            <a:r>
               <a:rPr lang="en-US" dirty="0"/>
-              <a:t>Background</a:t>
-            </a:r>
-          </a:p>
-        </p:txBody>
-      </p:sp>
-      <p:sp>
-        <p:nvSpPr>
-          <p:cNvPr id="3" name="Content Placeholder 2">
-            <a:extLst>
-              <a:ext uri="{FF2B5EF4-FFF2-40B4-BE49-F238E27FC236}">
-                <a16:creationId xmlns:a16="http://schemas.microsoft.com/office/drawing/2014/main" id="{7E7EA47C-BB5D-4E88-AB59-70CAA858D8B0}"/>
-              </a:ext>
-            </a:extLst>
-          </p:cNvPr>
-          <p:cNvSpPr>
-            <a:spLocks noGrp="1"/>
-          </p:cNvSpPr>
-          <p:nvPr>
-            <p:ph idx="1"/>
-          </p:nvPr>
-        </p:nvSpPr>
-        <p:spPr/>
-        <p:txBody>
-          <a:bodyPr/>
-          <a:lstStyle/>
-          <a:p>
+              <a:t>: a non-invasive molecular imaging method that can be used to diagnose tumors and monitor treatment response.</a:t>
+            </a:r>
+          </a:p>
+          <a:p>
+            <a:pPr lvl="1">
+              <a:buFont typeface="Courier New" panose="02070309020205020404" pitchFamily="49" charset="0"/>
+              <a:buChar char="o"/>
+            </a:pPr>
             <a:r>
               <a:rPr lang="en-US" dirty="0"/>
-              <a:t>Multispectral Optoacoustic Tomography (MSOT) is a non-invasive method </a:t>
-            </a:r>
-            <a:r>
-              <a:rPr lang="en-US"/>
-              <a:t>of imaging </a:t>
+              <a:t>MSOT spectra contain information relevant to clinicians, such as tumor oxygenation and vascular perfusion</a:t>
+            </a:r>
+          </a:p>
+          <a:p>
+            <a:endParaRPr lang="en-US" dirty="0"/>
+          </a:p>
+          <a:p>
+            <a:r>
+              <a:rPr lang="en-US" dirty="0"/>
+              <a:t>MSOT spectra are currently evaluated using a spectral unmixing technique that works well under noise-free conditions, but poorly under noisy conditions.</a:t>
+            </a:r>
+          </a:p>
+          <a:p>
+            <a:pPr lvl="1">
+              <a:buFont typeface="Courier New" panose="02070309020205020404" pitchFamily="49" charset="0"/>
+              <a:buChar char="o"/>
+            </a:pPr>
+            <a:r>
+              <a:rPr lang="en-US" dirty="0"/>
+              <a:t>Machine learning algorithms may perform better under noisy conditions.</a:t>
             </a:r>
           </a:p>
         </p:txBody>
@@ -3484,6 +3524,2891 @@
     <p:extLst>
       <p:ext uri="{BB962C8B-B14F-4D97-AF65-F5344CB8AC3E}">
         <p14:creationId xmlns:p14="http://schemas.microsoft.com/office/powerpoint/2010/main" val="4105262995"/>
+      </p:ext>
+    </p:extLst>
+  </p:cSld>
+  <p:clrMapOvr>
+    <a:masterClrMapping/>
+  </p:clrMapOvr>
+</p:sld>
+</file>
+
+<file path=ppt/slides/slide3.xml><?xml version="1.0" encoding="utf-8"?>
+<p:sld xmlns:a="http://schemas.openxmlformats.org/drawingml/2006/main" xmlns:r="http://schemas.openxmlformats.org/officeDocument/2006/relationships" xmlns:p="http://schemas.openxmlformats.org/presentationml/2006/main">
+  <p:cSld>
+    <p:spTree>
+      <p:nvGrpSpPr>
+        <p:cNvPr id="1" name=""/>
+        <p:cNvGrpSpPr/>
+        <p:nvPr/>
+      </p:nvGrpSpPr>
+      <p:grpSpPr>
+        <a:xfrm>
+          <a:off x="0" y="0"/>
+          <a:ext cx="0" cy="0"/>
+          <a:chOff x="0" y="0"/>
+          <a:chExt cx="0" cy="0"/>
+        </a:xfrm>
+      </p:grpSpPr>
+      <p:sp>
+        <p:nvSpPr>
+          <p:cNvPr id="2" name="Title 1">
+            <a:extLst>
+              <a:ext uri="{FF2B5EF4-FFF2-40B4-BE49-F238E27FC236}">
+                <a16:creationId xmlns:a16="http://schemas.microsoft.com/office/drawing/2014/main" id="{EAB4C2F3-4F70-4283-9A80-4338A0A2701D}"/>
+              </a:ext>
+            </a:extLst>
+          </p:cNvPr>
+          <p:cNvSpPr>
+            <a:spLocks noGrp="1"/>
+          </p:cNvSpPr>
+          <p:nvPr>
+            <p:ph type="title"/>
+          </p:nvPr>
+        </p:nvSpPr>
+        <p:spPr/>
+        <p:txBody>
+          <a:bodyPr/>
+          <a:lstStyle/>
+          <a:p>
+            <a:r>
+              <a:rPr lang="en-US" b="1" dirty="0"/>
+              <a:t>Purpose</a:t>
+            </a:r>
+          </a:p>
+        </p:txBody>
+      </p:sp>
+      <p:sp>
+        <p:nvSpPr>
+          <p:cNvPr id="3" name="Content Placeholder 2">
+            <a:extLst>
+              <a:ext uri="{FF2B5EF4-FFF2-40B4-BE49-F238E27FC236}">
+                <a16:creationId xmlns:a16="http://schemas.microsoft.com/office/drawing/2014/main" id="{7E7EA47C-BB5D-4E88-AB59-70CAA858D8B0}"/>
+              </a:ext>
+            </a:extLst>
+          </p:cNvPr>
+          <p:cNvSpPr>
+            <a:spLocks noGrp="1"/>
+          </p:cNvSpPr>
+          <p:nvPr>
+            <p:ph idx="1"/>
+          </p:nvPr>
+        </p:nvSpPr>
+        <p:spPr>
+          <a:xfrm>
+            <a:off x="838200" y="1497107"/>
+            <a:ext cx="10515600" cy="4995768"/>
+          </a:xfrm>
+        </p:spPr>
+        <p:txBody>
+          <a:bodyPr>
+            <a:normAutofit lnSpcReduction="10000"/>
+          </a:bodyPr>
+          <a:lstStyle/>
+          <a:p>
+            <a:r>
+              <a:rPr lang="en-US" u="sng" dirty="0"/>
+              <a:t>Purpose 1</a:t>
+            </a:r>
+            <a:r>
+              <a:rPr lang="en-US" dirty="0"/>
+              <a:t>: compare the accuracy and precision of Hemoglobin (Hb), Oxygen (O2) and ICG fractional component measurements between the traditional spectral unmixing method and machine learning methods.</a:t>
+            </a:r>
+          </a:p>
+          <a:p>
+            <a:pPr lvl="1">
+              <a:buFont typeface="Courier New" panose="02070309020205020404" pitchFamily="49" charset="0"/>
+              <a:buChar char="o"/>
+            </a:pPr>
+            <a:r>
+              <a:rPr lang="en-US" dirty="0"/>
+              <a:t>Comparisons will be done under noise-free and noisy conditions.</a:t>
+            </a:r>
+          </a:p>
+          <a:p>
+            <a:endParaRPr lang="en-US" dirty="0"/>
+          </a:p>
+          <a:p>
+            <a:r>
+              <a:rPr lang="en-US" u="sng" dirty="0"/>
+              <a:t>Purpose 2</a:t>
+            </a:r>
+            <a:r>
+              <a:rPr lang="en-US" dirty="0"/>
+              <a:t>: determine the optimal frequency components when acquiring an MSOT spectrum</a:t>
+            </a:r>
+          </a:p>
+          <a:p>
+            <a:pPr lvl="1">
+              <a:buFont typeface="Courier New" panose="02070309020205020404" pitchFamily="49" charset="0"/>
+              <a:buChar char="o"/>
+            </a:pPr>
+            <a:r>
+              <a:rPr lang="en-US" dirty="0"/>
+              <a:t>Under in vivo conditions, it’s not realistic to acquire densely sampled spectra</a:t>
+            </a:r>
+          </a:p>
+          <a:p>
+            <a:pPr lvl="1">
+              <a:buFont typeface="Courier New" panose="02070309020205020404" pitchFamily="49" charset="0"/>
+              <a:buChar char="o"/>
+            </a:pPr>
+            <a:r>
+              <a:rPr lang="en-US" dirty="0"/>
+              <a:t>If we only have time to acquire 6 images (i.e., 6 frequencies), what frequencies will give the most accurate Hb, O2, and ICG measurements?</a:t>
+            </a:r>
+          </a:p>
+          <a:p>
+            <a:pPr lvl="1">
+              <a:buFont typeface="Courier New" panose="02070309020205020404" pitchFamily="49" charset="0"/>
+              <a:buChar char="o"/>
+            </a:pPr>
+            <a:r>
+              <a:rPr lang="en-US" dirty="0"/>
+              <a:t>Do machine learning methods work better than the traditional unmixing method when the MSOT spectrum is sparse?</a:t>
+            </a:r>
+          </a:p>
+        </p:txBody>
+      </p:sp>
+    </p:spTree>
+    <p:extLst>
+      <p:ext uri="{BB962C8B-B14F-4D97-AF65-F5344CB8AC3E}">
+        <p14:creationId xmlns:p14="http://schemas.microsoft.com/office/powerpoint/2010/main" val="3387029587"/>
+      </p:ext>
+    </p:extLst>
+  </p:cSld>
+  <p:clrMapOvr>
+    <a:masterClrMapping/>
+  </p:clrMapOvr>
+</p:sld>
+</file>
+
+<file path=ppt/slides/slide4.xml><?xml version="1.0" encoding="utf-8"?>
+<p:sld xmlns:a="http://schemas.openxmlformats.org/drawingml/2006/main" xmlns:r="http://schemas.openxmlformats.org/officeDocument/2006/relationships" xmlns:p="http://schemas.openxmlformats.org/presentationml/2006/main">
+  <p:cSld>
+    <p:spTree>
+      <p:nvGrpSpPr>
+        <p:cNvPr id="1" name=""/>
+        <p:cNvGrpSpPr/>
+        <p:nvPr/>
+      </p:nvGrpSpPr>
+      <p:grpSpPr>
+        <a:xfrm>
+          <a:off x="0" y="0"/>
+          <a:ext cx="0" cy="0"/>
+          <a:chOff x="0" y="0"/>
+          <a:chExt cx="0" cy="0"/>
+        </a:xfrm>
+      </p:grpSpPr>
+      <p:sp>
+        <p:nvSpPr>
+          <p:cNvPr id="2" name="Title 1">
+            <a:extLst>
+              <a:ext uri="{FF2B5EF4-FFF2-40B4-BE49-F238E27FC236}">
+                <a16:creationId xmlns:a16="http://schemas.microsoft.com/office/drawing/2014/main" id="{EAB4C2F3-4F70-4283-9A80-4338A0A2701D}"/>
+              </a:ext>
+            </a:extLst>
+          </p:cNvPr>
+          <p:cNvSpPr>
+            <a:spLocks noGrp="1"/>
+          </p:cNvSpPr>
+          <p:nvPr>
+            <p:ph type="title"/>
+          </p:nvPr>
+        </p:nvSpPr>
+        <p:spPr>
+          <a:xfrm>
+            <a:off x="2926977" y="2382183"/>
+            <a:ext cx="6485965" cy="1325563"/>
+          </a:xfrm>
+        </p:spPr>
+        <p:txBody>
+          <a:bodyPr/>
+          <a:lstStyle/>
+          <a:p>
+            <a:r>
+              <a:rPr lang="en-US" b="1" dirty="0"/>
+              <a:t>What has been done so far?</a:t>
+            </a:r>
+          </a:p>
+        </p:txBody>
+      </p:sp>
+    </p:spTree>
+    <p:extLst>
+      <p:ext uri="{BB962C8B-B14F-4D97-AF65-F5344CB8AC3E}">
+        <p14:creationId xmlns:p14="http://schemas.microsoft.com/office/powerpoint/2010/main" val="1344121547"/>
+      </p:ext>
+    </p:extLst>
+  </p:cSld>
+  <p:clrMapOvr>
+    <a:masterClrMapping/>
+  </p:clrMapOvr>
+</p:sld>
+</file>
+
+<file path=ppt/slides/slide5.xml><?xml version="1.0" encoding="utf-8"?>
+<p:sld xmlns:a="http://schemas.openxmlformats.org/drawingml/2006/main" xmlns:r="http://schemas.openxmlformats.org/officeDocument/2006/relationships" xmlns:p="http://schemas.openxmlformats.org/presentationml/2006/main">
+  <p:cSld>
+    <p:spTree>
+      <p:nvGrpSpPr>
+        <p:cNvPr id="1" name=""/>
+        <p:cNvGrpSpPr/>
+        <p:nvPr/>
+      </p:nvGrpSpPr>
+      <p:grpSpPr>
+        <a:xfrm>
+          <a:off x="0" y="0"/>
+          <a:ext cx="0" cy="0"/>
+          <a:chOff x="0" y="0"/>
+          <a:chExt cx="0" cy="0"/>
+        </a:xfrm>
+      </p:grpSpPr>
+      <p:sp>
+        <p:nvSpPr>
+          <p:cNvPr id="2" name="Title 1">
+            <a:extLst>
+              <a:ext uri="{FF2B5EF4-FFF2-40B4-BE49-F238E27FC236}">
+                <a16:creationId xmlns:a16="http://schemas.microsoft.com/office/drawing/2014/main" id="{EAB4C2F3-4F70-4283-9A80-4338A0A2701D}"/>
+              </a:ext>
+            </a:extLst>
+          </p:cNvPr>
+          <p:cNvSpPr>
+            <a:spLocks noGrp="1"/>
+          </p:cNvSpPr>
+          <p:nvPr>
+            <p:ph type="title"/>
+          </p:nvPr>
+        </p:nvSpPr>
+        <p:spPr>
+          <a:xfrm>
+            <a:off x="838200" y="69288"/>
+            <a:ext cx="10515600" cy="1325563"/>
+          </a:xfrm>
+        </p:spPr>
+        <p:txBody>
+          <a:bodyPr>
+            <a:normAutofit/>
+          </a:bodyPr>
+          <a:lstStyle/>
+          <a:p>
+            <a:r>
+              <a:rPr lang="en-US" sz="4000" b="1" dirty="0"/>
+              <a:t>Coded the traditional unmixing method in Python</a:t>
+            </a:r>
+          </a:p>
+        </p:txBody>
+      </p:sp>
+      <p:graphicFrame>
+        <p:nvGraphicFramePr>
+          <p:cNvPr id="6" name="Table 6">
+            <a:extLst>
+              <a:ext uri="{FF2B5EF4-FFF2-40B4-BE49-F238E27FC236}">
+                <a16:creationId xmlns:a16="http://schemas.microsoft.com/office/drawing/2014/main" id="{FB4E69D8-B061-4335-B65A-902631655F23}"/>
+              </a:ext>
+            </a:extLst>
+          </p:cNvPr>
+          <p:cNvGraphicFramePr>
+            <a:graphicFrameLocks noGrp="1"/>
+          </p:cNvGraphicFramePr>
+          <p:nvPr>
+            <p:extLst>
+              <p:ext uri="{D42A27DB-BD31-4B8C-83A1-F6EECF244321}">
+                <p14:modId xmlns:p14="http://schemas.microsoft.com/office/powerpoint/2010/main" val="2607105639"/>
+              </p:ext>
+            </p:extLst>
+          </p:nvPr>
+        </p:nvGraphicFramePr>
+        <p:xfrm>
+          <a:off x="147915" y="1308843"/>
+          <a:ext cx="11501721" cy="1752600"/>
+        </p:xfrm>
+        <a:graphic>
+          <a:graphicData uri="http://schemas.openxmlformats.org/drawingml/2006/table">
+            <a:tbl>
+              <a:tblPr firstRow="1" bandRow="1">
+                <a:tableStyleId>{5C22544A-7EE6-4342-B048-85BDC9FD1C3A}</a:tableStyleId>
+              </a:tblPr>
+              <a:tblGrid>
+                <a:gridCol w="2868709">
+                  <a:extLst>
+                    <a:ext uri="{9D8B030D-6E8A-4147-A177-3AD203B41FA5}">
+                      <a16:colId xmlns:a16="http://schemas.microsoft.com/office/drawing/2014/main" val="3058952261"/>
+                    </a:ext>
+                  </a:extLst>
+                </a:gridCol>
+                <a:gridCol w="2814918">
+                  <a:extLst>
+                    <a:ext uri="{9D8B030D-6E8A-4147-A177-3AD203B41FA5}">
+                      <a16:colId xmlns:a16="http://schemas.microsoft.com/office/drawing/2014/main" val="1233416698"/>
+                    </a:ext>
+                  </a:extLst>
+                </a:gridCol>
+                <a:gridCol w="2814917">
+                  <a:extLst>
+                    <a:ext uri="{9D8B030D-6E8A-4147-A177-3AD203B41FA5}">
+                      <a16:colId xmlns:a16="http://schemas.microsoft.com/office/drawing/2014/main" val="3002192346"/>
+                    </a:ext>
+                  </a:extLst>
+                </a:gridCol>
+                <a:gridCol w="3003177">
+                  <a:extLst>
+                    <a:ext uri="{9D8B030D-6E8A-4147-A177-3AD203B41FA5}">
+                      <a16:colId xmlns:a16="http://schemas.microsoft.com/office/drawing/2014/main" val="2150674968"/>
+                    </a:ext>
+                  </a:extLst>
+                </a:gridCol>
+              </a:tblGrid>
+              <a:tr h="370840">
+                <a:tc>
+                  <a:txBody>
+                    <a:bodyPr/>
+                    <a:lstStyle/>
+                    <a:p>
+                      <a:pPr algn="ctr"/>
+                      <a:r>
+                        <a:rPr lang="en-US" dirty="0"/>
+                        <a:t>Y </a:t>
+                      </a:r>
+                    </a:p>
+                    <a:p>
+                      <a:pPr algn="ctr"/>
+                      <a:r>
+                        <a:rPr lang="en-US" dirty="0"/>
+                        <a:t>(experimental MSOT signal)</a:t>
+                      </a:r>
+                    </a:p>
+                  </a:txBody>
+                  <a:tcPr/>
+                </a:tc>
+                <a:tc>
+                  <a:txBody>
+                    <a:bodyPr/>
+                    <a:lstStyle/>
+                    <a:p>
+                      <a:pPr algn="ctr"/>
+                      <a:r>
+                        <a:rPr lang="en-US" dirty="0"/>
+                        <a:t>Hb </a:t>
+                      </a:r>
+                    </a:p>
+                    <a:p>
+                      <a:pPr algn="ctr"/>
+                      <a:r>
+                        <a:rPr lang="en-US" dirty="0"/>
+                        <a:t>(known 100% Hb spectrum)</a:t>
+                      </a:r>
+                    </a:p>
+                  </a:txBody>
+                  <a:tcPr/>
+                </a:tc>
+                <a:tc>
+                  <a:txBody>
+                    <a:bodyPr/>
+                    <a:lstStyle/>
+                    <a:p>
+                      <a:pPr algn="ctr"/>
+                      <a:r>
+                        <a:rPr lang="en-US" dirty="0"/>
+                        <a:t>O2</a:t>
+                      </a:r>
+                    </a:p>
+                    <a:p>
+                      <a:pPr algn="ctr"/>
+                      <a:r>
+                        <a:rPr lang="en-US" dirty="0"/>
+                        <a:t>(known 100% O2 spectrum)</a:t>
+                      </a:r>
+                    </a:p>
+                  </a:txBody>
+                  <a:tcPr/>
+                </a:tc>
+                <a:tc>
+                  <a:txBody>
+                    <a:bodyPr/>
+                    <a:lstStyle/>
+                    <a:p>
+                      <a:pPr algn="ctr"/>
+                      <a:r>
+                        <a:rPr lang="en-US" dirty="0"/>
+                        <a:t>ICG</a:t>
+                      </a:r>
+                    </a:p>
+                    <a:p>
+                      <a:pPr algn="ctr"/>
+                      <a:r>
+                        <a:rPr lang="en-US" dirty="0"/>
+                        <a:t>(known 100% ICG spectrum)</a:t>
+                      </a:r>
+                    </a:p>
+                  </a:txBody>
+                  <a:tcPr/>
+                </a:tc>
+                <a:extLst>
+                  <a:ext uri="{0D108BD9-81ED-4DB2-BD59-A6C34878D82A}">
+                    <a16:rowId xmlns:a16="http://schemas.microsoft.com/office/drawing/2014/main" val="3591867232"/>
+                  </a:ext>
+                </a:extLst>
+              </a:tr>
+              <a:tr h="370840">
+                <a:tc>
+                  <a:txBody>
+                    <a:bodyPr/>
+                    <a:lstStyle/>
+                    <a:p>
+                      <a:pPr algn="ctr"/>
+                      <a:r>
+                        <a:rPr lang="en-US" dirty="0"/>
+                        <a:t>1</a:t>
+                      </a:r>
+                    </a:p>
+                  </a:txBody>
+                  <a:tcPr/>
+                </a:tc>
+                <a:tc>
+                  <a:txBody>
+                    <a:bodyPr/>
+                    <a:lstStyle/>
+                    <a:p>
+                      <a:pPr algn="ctr"/>
+                      <a:r>
+                        <a:rPr lang="en-US" dirty="0"/>
+                        <a:t>1</a:t>
+                      </a:r>
+                    </a:p>
+                  </a:txBody>
+                  <a:tcPr/>
+                </a:tc>
+                <a:tc>
+                  <a:txBody>
+                    <a:bodyPr/>
+                    <a:lstStyle/>
+                    <a:p>
+                      <a:pPr algn="ctr"/>
+                      <a:r>
+                        <a:rPr lang="en-US" dirty="0"/>
+                        <a:t>1</a:t>
+                      </a:r>
+                    </a:p>
+                  </a:txBody>
+                  <a:tcPr/>
+                </a:tc>
+                <a:tc>
+                  <a:txBody>
+                    <a:bodyPr/>
+                    <a:lstStyle/>
+                    <a:p>
+                      <a:pPr algn="ctr"/>
+                      <a:r>
+                        <a:rPr lang="en-US" dirty="0"/>
+                        <a:t>1</a:t>
+                      </a:r>
+                    </a:p>
+                  </a:txBody>
+                  <a:tcPr/>
+                </a:tc>
+                <a:extLst>
+                  <a:ext uri="{0D108BD9-81ED-4DB2-BD59-A6C34878D82A}">
+                    <a16:rowId xmlns:a16="http://schemas.microsoft.com/office/drawing/2014/main" val="4280959929"/>
+                  </a:ext>
+                </a:extLst>
+              </a:tr>
+              <a:tr h="370840">
+                <a:tc>
+                  <a:txBody>
+                    <a:bodyPr/>
+                    <a:lstStyle/>
+                    <a:p>
+                      <a:pPr algn="ctr"/>
+                      <a:r>
+                        <a:rPr lang="en-US" dirty="0"/>
+                        <a:t>0.8</a:t>
+                      </a:r>
+                    </a:p>
+                  </a:txBody>
+                  <a:tcPr/>
+                </a:tc>
+                <a:tc>
+                  <a:txBody>
+                    <a:bodyPr/>
+                    <a:lstStyle/>
+                    <a:p>
+                      <a:pPr algn="ctr"/>
+                      <a:r>
+                        <a:rPr lang="en-US" dirty="0"/>
+                        <a:t>0.9</a:t>
+                      </a:r>
+                    </a:p>
+                  </a:txBody>
+                  <a:tcPr/>
+                </a:tc>
+                <a:tc>
+                  <a:txBody>
+                    <a:bodyPr/>
+                    <a:lstStyle/>
+                    <a:p>
+                      <a:pPr algn="ctr"/>
+                      <a:r>
+                        <a:rPr lang="en-US" dirty="0"/>
+                        <a:t>0.7</a:t>
+                      </a:r>
+                    </a:p>
+                  </a:txBody>
+                  <a:tcPr/>
+                </a:tc>
+                <a:tc>
+                  <a:txBody>
+                    <a:bodyPr/>
+                    <a:lstStyle/>
+                    <a:p>
+                      <a:pPr algn="ctr"/>
+                      <a:r>
+                        <a:rPr lang="en-US" dirty="0"/>
+                        <a:t>0.5</a:t>
+                      </a:r>
+                    </a:p>
+                  </a:txBody>
+                  <a:tcPr/>
+                </a:tc>
+                <a:extLst>
+                  <a:ext uri="{0D108BD9-81ED-4DB2-BD59-A6C34878D82A}">
+                    <a16:rowId xmlns:a16="http://schemas.microsoft.com/office/drawing/2014/main" val="1624402395"/>
+                  </a:ext>
+                </a:extLst>
+              </a:tr>
+              <a:tr h="370840">
+                <a:tc>
+                  <a:txBody>
+                    <a:bodyPr/>
+                    <a:lstStyle/>
+                    <a:p>
+                      <a:pPr algn="ctr"/>
+                      <a:r>
+                        <a:rPr lang="en-US" dirty="0"/>
+                        <a:t>0.72</a:t>
+                      </a:r>
+                    </a:p>
+                  </a:txBody>
+                  <a:tcPr/>
+                </a:tc>
+                <a:tc>
+                  <a:txBody>
+                    <a:bodyPr/>
+                    <a:lstStyle/>
+                    <a:p>
+                      <a:pPr algn="ctr"/>
+                      <a:r>
+                        <a:rPr lang="en-US" dirty="0"/>
+                        <a:t>0.8</a:t>
+                      </a:r>
+                    </a:p>
+                  </a:txBody>
+                  <a:tcPr/>
+                </a:tc>
+                <a:tc>
+                  <a:txBody>
+                    <a:bodyPr/>
+                    <a:lstStyle/>
+                    <a:p>
+                      <a:pPr algn="ctr"/>
+                      <a:r>
+                        <a:rPr lang="en-US" dirty="0"/>
+                        <a:t>0.5</a:t>
+                      </a:r>
+                    </a:p>
+                  </a:txBody>
+                  <a:tcPr/>
+                </a:tc>
+                <a:tc>
+                  <a:txBody>
+                    <a:bodyPr/>
+                    <a:lstStyle/>
+                    <a:p>
+                      <a:pPr algn="ctr"/>
+                      <a:r>
+                        <a:rPr lang="en-US" dirty="0"/>
+                        <a:t>0.1</a:t>
+                      </a:r>
+                    </a:p>
+                  </a:txBody>
+                  <a:tcPr/>
+                </a:tc>
+                <a:extLst>
+                  <a:ext uri="{0D108BD9-81ED-4DB2-BD59-A6C34878D82A}">
+                    <a16:rowId xmlns:a16="http://schemas.microsoft.com/office/drawing/2014/main" val="1021223636"/>
+                  </a:ext>
+                </a:extLst>
+              </a:tr>
+            </a:tbl>
+          </a:graphicData>
+        </a:graphic>
+      </p:graphicFrame>
+      <p:sp>
+        <p:nvSpPr>
+          <p:cNvPr id="7" name="TextBox 6">
+            <a:extLst>
+              <a:ext uri="{FF2B5EF4-FFF2-40B4-BE49-F238E27FC236}">
+                <a16:creationId xmlns:a16="http://schemas.microsoft.com/office/drawing/2014/main" id="{2E2C6D67-0262-4EDC-B1EB-F9A578FEA7AF}"/>
+              </a:ext>
+            </a:extLst>
+          </p:cNvPr>
+          <p:cNvSpPr txBox="1"/>
+          <p:nvPr/>
+        </p:nvSpPr>
+        <p:spPr>
+          <a:xfrm>
+            <a:off x="147915" y="903305"/>
+            <a:ext cx="1213224" cy="461665"/>
+          </a:xfrm>
+          <a:prstGeom prst="rect">
+            <a:avLst/>
+          </a:prstGeom>
+          <a:noFill/>
+        </p:spPr>
+        <p:txBody>
+          <a:bodyPr wrap="square" rtlCol="0">
+            <a:spAutoFit/>
+          </a:bodyPr>
+          <a:lstStyle/>
+          <a:p>
+            <a:r>
+              <a:rPr lang="en-US" sz="2400" b="1" dirty="0"/>
+              <a:t>Dataset</a:t>
+            </a:r>
+          </a:p>
+        </p:txBody>
+      </p:sp>
+      <p:graphicFrame>
+        <p:nvGraphicFramePr>
+          <p:cNvPr id="8" name="Table 6">
+            <a:extLst>
+              <a:ext uri="{FF2B5EF4-FFF2-40B4-BE49-F238E27FC236}">
+                <a16:creationId xmlns:a16="http://schemas.microsoft.com/office/drawing/2014/main" id="{AEB1DAB4-1CF7-4828-9231-889AD37A1D32}"/>
+              </a:ext>
+            </a:extLst>
+          </p:cNvPr>
+          <p:cNvGraphicFramePr>
+            <a:graphicFrameLocks noGrp="1"/>
+          </p:cNvGraphicFramePr>
+          <p:nvPr>
+            <p:extLst>
+              <p:ext uri="{D42A27DB-BD31-4B8C-83A1-F6EECF244321}">
+                <p14:modId xmlns:p14="http://schemas.microsoft.com/office/powerpoint/2010/main" val="3095502129"/>
+              </p:ext>
+            </p:extLst>
+          </p:nvPr>
+        </p:nvGraphicFramePr>
+        <p:xfrm>
+          <a:off x="147915" y="3466981"/>
+          <a:ext cx="11501720" cy="369909"/>
+        </p:xfrm>
+        <a:graphic>
+          <a:graphicData uri="http://schemas.openxmlformats.org/drawingml/2006/table">
+            <a:tbl>
+              <a:tblPr firstRow="1" bandRow="1">
+                <a:tableStyleId>{5C22544A-7EE6-4342-B048-85BDC9FD1C3A}</a:tableStyleId>
+              </a:tblPr>
+              <a:tblGrid>
+                <a:gridCol w="2875430">
+                  <a:extLst>
+                    <a:ext uri="{9D8B030D-6E8A-4147-A177-3AD203B41FA5}">
+                      <a16:colId xmlns:a16="http://schemas.microsoft.com/office/drawing/2014/main" val="3058952261"/>
+                    </a:ext>
+                  </a:extLst>
+                </a:gridCol>
+                <a:gridCol w="2794750">
+                  <a:extLst>
+                    <a:ext uri="{9D8B030D-6E8A-4147-A177-3AD203B41FA5}">
+                      <a16:colId xmlns:a16="http://schemas.microsoft.com/office/drawing/2014/main" val="1233416698"/>
+                    </a:ext>
+                  </a:extLst>
+                </a:gridCol>
+                <a:gridCol w="2850776">
+                  <a:extLst>
+                    <a:ext uri="{9D8B030D-6E8A-4147-A177-3AD203B41FA5}">
+                      <a16:colId xmlns:a16="http://schemas.microsoft.com/office/drawing/2014/main" val="3002192346"/>
+                    </a:ext>
+                  </a:extLst>
+                </a:gridCol>
+                <a:gridCol w="2980764">
+                  <a:extLst>
+                    <a:ext uri="{9D8B030D-6E8A-4147-A177-3AD203B41FA5}">
+                      <a16:colId xmlns:a16="http://schemas.microsoft.com/office/drawing/2014/main" val="2150674968"/>
+                    </a:ext>
+                  </a:extLst>
+                </a:gridCol>
+              </a:tblGrid>
+              <a:tr h="369909">
+                <a:tc>
+                  <a:txBody>
+                    <a:bodyPr/>
+                    <a:lstStyle/>
+                    <a:p>
+                      <a:pPr algn="ctr"/>
+                      <a:r>
+                        <a:rPr lang="en-US" b="0" dirty="0">
+                          <a:solidFill>
+                            <a:schemeClr val="tx1"/>
+                          </a:solidFill>
+                        </a:rPr>
+                        <a:t>1</a:t>
+                      </a:r>
+                    </a:p>
+                  </a:txBody>
+                  <a:tcPr>
+                    <a:solidFill>
+                      <a:schemeClr val="accent1">
+                        <a:lumMod val="20000"/>
+                        <a:lumOff val="80000"/>
+                      </a:schemeClr>
+                    </a:solidFill>
+                  </a:tcPr>
+                </a:tc>
+                <a:tc>
+                  <a:txBody>
+                    <a:bodyPr/>
+                    <a:lstStyle/>
+                    <a:p>
+                      <a:pPr algn="ctr"/>
+                      <a:r>
+                        <a:rPr lang="en-US" b="0" dirty="0">
+                          <a:solidFill>
+                            <a:schemeClr val="tx1"/>
+                          </a:solidFill>
+                        </a:rPr>
+                        <a:t>1</a:t>
+                      </a:r>
+                    </a:p>
+                  </a:txBody>
+                  <a:tcPr>
+                    <a:solidFill>
+                      <a:schemeClr val="accent1">
+                        <a:lumMod val="20000"/>
+                        <a:lumOff val="80000"/>
+                      </a:schemeClr>
+                    </a:solidFill>
+                  </a:tcPr>
+                </a:tc>
+                <a:tc>
+                  <a:txBody>
+                    <a:bodyPr/>
+                    <a:lstStyle/>
+                    <a:p>
+                      <a:pPr algn="ctr"/>
+                      <a:r>
+                        <a:rPr lang="en-US" b="0" dirty="0">
+                          <a:solidFill>
+                            <a:schemeClr val="tx1"/>
+                          </a:solidFill>
+                        </a:rPr>
+                        <a:t>1</a:t>
+                      </a:r>
+                    </a:p>
+                  </a:txBody>
+                  <a:tcPr>
+                    <a:solidFill>
+                      <a:schemeClr val="accent1">
+                        <a:lumMod val="20000"/>
+                        <a:lumOff val="80000"/>
+                      </a:schemeClr>
+                    </a:solidFill>
+                  </a:tcPr>
+                </a:tc>
+                <a:tc>
+                  <a:txBody>
+                    <a:bodyPr/>
+                    <a:lstStyle/>
+                    <a:p>
+                      <a:pPr algn="ctr"/>
+                      <a:r>
+                        <a:rPr lang="en-US" b="0" dirty="0">
+                          <a:solidFill>
+                            <a:schemeClr val="tx1"/>
+                          </a:solidFill>
+                        </a:rPr>
+                        <a:t>1</a:t>
+                      </a:r>
+                    </a:p>
+                  </a:txBody>
+                  <a:tcPr>
+                    <a:solidFill>
+                      <a:schemeClr val="accent1">
+                        <a:lumMod val="20000"/>
+                        <a:lumOff val="80000"/>
+                      </a:schemeClr>
+                    </a:solidFill>
+                  </a:tcPr>
+                </a:tc>
+                <a:extLst>
+                  <a:ext uri="{0D108BD9-81ED-4DB2-BD59-A6C34878D82A}">
+                    <a16:rowId xmlns:a16="http://schemas.microsoft.com/office/drawing/2014/main" val="1021223636"/>
+                  </a:ext>
+                </a:extLst>
+              </a:tr>
+            </a:tbl>
+          </a:graphicData>
+        </a:graphic>
+      </p:graphicFrame>
+      <p:sp>
+        <p:nvSpPr>
+          <p:cNvPr id="9" name="TextBox 8">
+            <a:extLst>
+              <a:ext uri="{FF2B5EF4-FFF2-40B4-BE49-F238E27FC236}">
+                <a16:creationId xmlns:a16="http://schemas.microsoft.com/office/drawing/2014/main" id="{790DEB60-427D-4BF5-BE4E-0E264C1C7B0F}"/>
+              </a:ext>
+            </a:extLst>
+          </p:cNvPr>
+          <p:cNvSpPr txBox="1"/>
+          <p:nvPr/>
+        </p:nvSpPr>
+        <p:spPr>
+          <a:xfrm>
+            <a:off x="5661210" y="2943761"/>
+            <a:ext cx="475129" cy="523220"/>
+          </a:xfrm>
+          <a:prstGeom prst="rect">
+            <a:avLst/>
+          </a:prstGeom>
+          <a:noFill/>
+        </p:spPr>
+        <p:txBody>
+          <a:bodyPr wrap="square" rtlCol="0">
+            <a:spAutoFit/>
+          </a:bodyPr>
+          <a:lstStyle/>
+          <a:p>
+            <a:r>
+              <a:rPr lang="en-US" sz="2800" dirty="0"/>
+              <a:t>…</a:t>
+            </a:r>
+          </a:p>
+        </p:txBody>
+      </p:sp>
+      <p:sp>
+        <p:nvSpPr>
+          <p:cNvPr id="10" name="TextBox 9">
+            <a:extLst>
+              <a:ext uri="{FF2B5EF4-FFF2-40B4-BE49-F238E27FC236}">
+                <a16:creationId xmlns:a16="http://schemas.microsoft.com/office/drawing/2014/main" id="{FC73B3FD-0F20-4DA5-BCDE-83CACCCB9079}"/>
+              </a:ext>
+            </a:extLst>
+          </p:cNvPr>
+          <p:cNvSpPr txBox="1"/>
+          <p:nvPr/>
+        </p:nvSpPr>
+        <p:spPr>
+          <a:xfrm>
+            <a:off x="11672046" y="3562285"/>
+            <a:ext cx="381004" cy="461665"/>
+          </a:xfrm>
+          <a:prstGeom prst="rect">
+            <a:avLst/>
+          </a:prstGeom>
+          <a:noFill/>
+        </p:spPr>
+        <p:txBody>
+          <a:bodyPr wrap="square" rtlCol="0">
+            <a:spAutoFit/>
+          </a:bodyPr>
+          <a:lstStyle/>
+          <a:p>
+            <a:r>
+              <a:rPr lang="en-US" sz="2400" dirty="0"/>
+              <a:t>n</a:t>
+            </a:r>
+          </a:p>
+        </p:txBody>
+      </p:sp>
+      <p:cxnSp>
+        <p:nvCxnSpPr>
+          <p:cNvPr id="12" name="Straight Arrow Connector 11">
+            <a:extLst>
+              <a:ext uri="{FF2B5EF4-FFF2-40B4-BE49-F238E27FC236}">
+                <a16:creationId xmlns:a16="http://schemas.microsoft.com/office/drawing/2014/main" id="{765138B0-8F62-4160-A164-A800C001171E}"/>
+              </a:ext>
+            </a:extLst>
+          </p:cNvPr>
+          <p:cNvCxnSpPr>
+            <a:cxnSpLocks/>
+          </p:cNvCxnSpPr>
+          <p:nvPr/>
+        </p:nvCxnSpPr>
+        <p:spPr>
+          <a:xfrm>
+            <a:off x="1595718" y="3899644"/>
+            <a:ext cx="0" cy="358588"/>
+          </a:xfrm>
+          <a:prstGeom prst="straightConnector1">
+            <a:avLst/>
+          </a:prstGeom>
+          <a:ln>
+            <a:tailEnd type="triangle"/>
+          </a:ln>
+        </p:spPr>
+        <p:style>
+          <a:lnRef idx="1">
+            <a:schemeClr val="dk1"/>
+          </a:lnRef>
+          <a:fillRef idx="0">
+            <a:schemeClr val="dk1"/>
+          </a:fillRef>
+          <a:effectRef idx="0">
+            <a:schemeClr val="dk1"/>
+          </a:effectRef>
+          <a:fontRef idx="minor">
+            <a:schemeClr val="tx1"/>
+          </a:fontRef>
+        </p:style>
+      </p:cxnSp>
+      <p:sp>
+        <p:nvSpPr>
+          <p:cNvPr id="15" name="TextBox 14">
+            <a:extLst>
+              <a:ext uri="{FF2B5EF4-FFF2-40B4-BE49-F238E27FC236}">
+                <a16:creationId xmlns:a16="http://schemas.microsoft.com/office/drawing/2014/main" id="{059C6A78-0BE0-46AA-B820-8FE4B2762FFF}"/>
+              </a:ext>
+            </a:extLst>
+          </p:cNvPr>
+          <p:cNvSpPr txBox="1"/>
+          <p:nvPr/>
+        </p:nvSpPr>
+        <p:spPr>
+          <a:xfrm>
+            <a:off x="564779" y="4320986"/>
+            <a:ext cx="2061882" cy="584775"/>
+          </a:xfrm>
+          <a:prstGeom prst="rect">
+            <a:avLst/>
+          </a:prstGeom>
+          <a:noFill/>
+        </p:spPr>
+        <p:txBody>
+          <a:bodyPr wrap="square" rtlCol="0">
+            <a:spAutoFit/>
+          </a:bodyPr>
+          <a:lstStyle/>
+          <a:p>
+            <a:pPr algn="ctr"/>
+            <a:r>
+              <a:rPr lang="en-US" sz="1600" dirty="0"/>
+              <a:t>experimental MSOT signal at n frequencies</a:t>
+            </a:r>
+          </a:p>
+        </p:txBody>
+      </p:sp>
+      <p:cxnSp>
+        <p:nvCxnSpPr>
+          <p:cNvPr id="16" name="Straight Arrow Connector 15">
+            <a:extLst>
+              <a:ext uri="{FF2B5EF4-FFF2-40B4-BE49-F238E27FC236}">
+                <a16:creationId xmlns:a16="http://schemas.microsoft.com/office/drawing/2014/main" id="{56B5D1EC-B9C2-4350-A0BD-3E94807F3A06}"/>
+              </a:ext>
+            </a:extLst>
+          </p:cNvPr>
+          <p:cNvCxnSpPr>
+            <a:cxnSpLocks/>
+          </p:cNvCxnSpPr>
+          <p:nvPr/>
+        </p:nvCxnSpPr>
+        <p:spPr>
+          <a:xfrm>
+            <a:off x="4437529" y="3899644"/>
+            <a:ext cx="0" cy="358588"/>
+          </a:xfrm>
+          <a:prstGeom prst="straightConnector1">
+            <a:avLst/>
+          </a:prstGeom>
+          <a:ln>
+            <a:tailEnd type="triangle"/>
+          </a:ln>
+        </p:spPr>
+        <p:style>
+          <a:lnRef idx="1">
+            <a:schemeClr val="dk1"/>
+          </a:lnRef>
+          <a:fillRef idx="0">
+            <a:schemeClr val="dk1"/>
+          </a:fillRef>
+          <a:effectRef idx="0">
+            <a:schemeClr val="dk1"/>
+          </a:effectRef>
+          <a:fontRef idx="minor">
+            <a:schemeClr val="tx1"/>
+          </a:fontRef>
+        </p:style>
+      </p:cxnSp>
+      <p:cxnSp>
+        <p:nvCxnSpPr>
+          <p:cNvPr id="17" name="Straight Arrow Connector 16">
+            <a:extLst>
+              <a:ext uri="{FF2B5EF4-FFF2-40B4-BE49-F238E27FC236}">
+                <a16:creationId xmlns:a16="http://schemas.microsoft.com/office/drawing/2014/main" id="{60FAC565-632D-4E90-82F1-B2D934C5458D}"/>
+              </a:ext>
+            </a:extLst>
+          </p:cNvPr>
+          <p:cNvCxnSpPr>
+            <a:cxnSpLocks/>
+          </p:cNvCxnSpPr>
+          <p:nvPr/>
+        </p:nvCxnSpPr>
+        <p:spPr>
+          <a:xfrm>
+            <a:off x="7234518" y="3898444"/>
+            <a:ext cx="0" cy="358588"/>
+          </a:xfrm>
+          <a:prstGeom prst="straightConnector1">
+            <a:avLst/>
+          </a:prstGeom>
+          <a:ln>
+            <a:tailEnd type="triangle"/>
+          </a:ln>
+        </p:spPr>
+        <p:style>
+          <a:lnRef idx="1">
+            <a:schemeClr val="dk1"/>
+          </a:lnRef>
+          <a:fillRef idx="0">
+            <a:schemeClr val="dk1"/>
+          </a:fillRef>
+          <a:effectRef idx="0">
+            <a:schemeClr val="dk1"/>
+          </a:effectRef>
+          <a:fontRef idx="minor">
+            <a:schemeClr val="tx1"/>
+          </a:fontRef>
+        </p:style>
+      </p:cxnSp>
+      <p:cxnSp>
+        <p:nvCxnSpPr>
+          <p:cNvPr id="18" name="Straight Arrow Connector 17">
+            <a:extLst>
+              <a:ext uri="{FF2B5EF4-FFF2-40B4-BE49-F238E27FC236}">
+                <a16:creationId xmlns:a16="http://schemas.microsoft.com/office/drawing/2014/main" id="{A50EA231-2414-42C8-A02E-D5C74ED66189}"/>
+              </a:ext>
+            </a:extLst>
+          </p:cNvPr>
+          <p:cNvCxnSpPr>
+            <a:cxnSpLocks/>
+          </p:cNvCxnSpPr>
+          <p:nvPr/>
+        </p:nvCxnSpPr>
+        <p:spPr>
+          <a:xfrm>
+            <a:off x="10165976" y="3898444"/>
+            <a:ext cx="0" cy="358588"/>
+          </a:xfrm>
+          <a:prstGeom prst="straightConnector1">
+            <a:avLst/>
+          </a:prstGeom>
+          <a:ln>
+            <a:tailEnd type="triangle"/>
+          </a:ln>
+        </p:spPr>
+        <p:style>
+          <a:lnRef idx="1">
+            <a:schemeClr val="dk1"/>
+          </a:lnRef>
+          <a:fillRef idx="0">
+            <a:schemeClr val="dk1"/>
+          </a:fillRef>
+          <a:effectRef idx="0">
+            <a:schemeClr val="dk1"/>
+          </a:effectRef>
+          <a:fontRef idx="minor">
+            <a:schemeClr val="tx1"/>
+          </a:fontRef>
+        </p:style>
+      </p:cxnSp>
+      <p:sp>
+        <p:nvSpPr>
+          <p:cNvPr id="19" name="TextBox 18">
+            <a:extLst>
+              <a:ext uri="{FF2B5EF4-FFF2-40B4-BE49-F238E27FC236}">
+                <a16:creationId xmlns:a16="http://schemas.microsoft.com/office/drawing/2014/main" id="{BE07454D-9F19-4C5C-B19F-191A94720D3C}"/>
+              </a:ext>
+            </a:extLst>
+          </p:cNvPr>
+          <p:cNvSpPr txBox="1"/>
+          <p:nvPr/>
+        </p:nvSpPr>
+        <p:spPr>
+          <a:xfrm>
+            <a:off x="3379693" y="4320986"/>
+            <a:ext cx="2133600" cy="584775"/>
+          </a:xfrm>
+          <a:prstGeom prst="rect">
+            <a:avLst/>
+          </a:prstGeom>
+          <a:noFill/>
+        </p:spPr>
+        <p:txBody>
+          <a:bodyPr wrap="square" rtlCol="0">
+            <a:spAutoFit/>
+          </a:bodyPr>
+          <a:lstStyle/>
+          <a:p>
+            <a:pPr algn="ctr"/>
+            <a:r>
+              <a:rPr lang="en-US" sz="1600" dirty="0"/>
+              <a:t>known 100% Hb MSOT signal at n frequencies</a:t>
+            </a:r>
+          </a:p>
+        </p:txBody>
+      </p:sp>
+      <p:sp>
+        <p:nvSpPr>
+          <p:cNvPr id="20" name="TextBox 19">
+            <a:extLst>
+              <a:ext uri="{FF2B5EF4-FFF2-40B4-BE49-F238E27FC236}">
+                <a16:creationId xmlns:a16="http://schemas.microsoft.com/office/drawing/2014/main" id="{1B85B97E-A0CF-4727-BB17-573E4337B652}"/>
+              </a:ext>
+            </a:extLst>
+          </p:cNvPr>
+          <p:cNvSpPr txBox="1"/>
+          <p:nvPr/>
+        </p:nvSpPr>
+        <p:spPr>
+          <a:xfrm>
+            <a:off x="6185641" y="4318586"/>
+            <a:ext cx="2133599" cy="584775"/>
+          </a:xfrm>
+          <a:prstGeom prst="rect">
+            <a:avLst/>
+          </a:prstGeom>
+          <a:noFill/>
+        </p:spPr>
+        <p:txBody>
+          <a:bodyPr wrap="square" rtlCol="0">
+            <a:spAutoFit/>
+          </a:bodyPr>
+          <a:lstStyle/>
+          <a:p>
+            <a:pPr algn="ctr"/>
+            <a:r>
+              <a:rPr lang="en-US" sz="1600" dirty="0"/>
+              <a:t>known 100% O2 MSOT signal at n frequencies</a:t>
+            </a:r>
+          </a:p>
+        </p:txBody>
+      </p:sp>
+      <p:sp>
+        <p:nvSpPr>
+          <p:cNvPr id="21" name="TextBox 20">
+            <a:extLst>
+              <a:ext uri="{FF2B5EF4-FFF2-40B4-BE49-F238E27FC236}">
+                <a16:creationId xmlns:a16="http://schemas.microsoft.com/office/drawing/2014/main" id="{73AD9F73-BBCF-4C7C-BA3C-BFFA099A19DA}"/>
+              </a:ext>
+            </a:extLst>
+          </p:cNvPr>
+          <p:cNvSpPr txBox="1"/>
+          <p:nvPr/>
+        </p:nvSpPr>
+        <p:spPr>
+          <a:xfrm>
+            <a:off x="9072273" y="4318586"/>
+            <a:ext cx="2133599" cy="584775"/>
+          </a:xfrm>
+          <a:prstGeom prst="rect">
+            <a:avLst/>
+          </a:prstGeom>
+          <a:noFill/>
+        </p:spPr>
+        <p:txBody>
+          <a:bodyPr wrap="square" rtlCol="0">
+            <a:spAutoFit/>
+          </a:bodyPr>
+          <a:lstStyle/>
+          <a:p>
+            <a:pPr algn="ctr"/>
+            <a:r>
+              <a:rPr lang="en-US" sz="1600" dirty="0"/>
+              <a:t>known 100% ICG MSOT signal at n frequencies</a:t>
+            </a:r>
+          </a:p>
+        </p:txBody>
+      </p:sp>
+      <p:sp>
+        <p:nvSpPr>
+          <p:cNvPr id="22" name="TextBox 21">
+            <a:extLst>
+              <a:ext uri="{FF2B5EF4-FFF2-40B4-BE49-F238E27FC236}">
+                <a16:creationId xmlns:a16="http://schemas.microsoft.com/office/drawing/2014/main" id="{69662BD6-701A-4B39-8801-3C51D7240827}"/>
+              </a:ext>
+            </a:extLst>
+          </p:cNvPr>
+          <p:cNvSpPr txBox="1"/>
+          <p:nvPr/>
+        </p:nvSpPr>
+        <p:spPr>
+          <a:xfrm>
+            <a:off x="394447" y="5127812"/>
+            <a:ext cx="3729317" cy="461665"/>
+          </a:xfrm>
+          <a:prstGeom prst="rect">
+            <a:avLst/>
+          </a:prstGeom>
+          <a:noFill/>
+        </p:spPr>
+        <p:txBody>
+          <a:bodyPr wrap="square" rtlCol="0">
+            <a:spAutoFit/>
+          </a:bodyPr>
+          <a:lstStyle/>
+          <a:p>
+            <a:r>
+              <a:rPr lang="en-US" sz="2400" b="1" u="sng" dirty="0"/>
+              <a:t>Spectral Unmixing Method</a:t>
+            </a:r>
+          </a:p>
+        </p:txBody>
+      </p:sp>
+      <p:sp>
+        <p:nvSpPr>
+          <p:cNvPr id="23" name="TextBox 22">
+            <a:extLst>
+              <a:ext uri="{FF2B5EF4-FFF2-40B4-BE49-F238E27FC236}">
+                <a16:creationId xmlns:a16="http://schemas.microsoft.com/office/drawing/2014/main" id="{D172AE41-58EF-4EFA-8C49-BDADBEE3D98B}"/>
+              </a:ext>
+            </a:extLst>
+          </p:cNvPr>
+          <p:cNvSpPr txBox="1"/>
+          <p:nvPr/>
+        </p:nvSpPr>
+        <p:spPr>
+          <a:xfrm>
+            <a:off x="430308" y="5506426"/>
+            <a:ext cx="4814046" cy="523220"/>
+          </a:xfrm>
+          <a:prstGeom prst="rect">
+            <a:avLst/>
+          </a:prstGeom>
+          <a:noFill/>
+        </p:spPr>
+        <p:txBody>
+          <a:bodyPr wrap="square" rtlCol="0">
+            <a:spAutoFit/>
+          </a:bodyPr>
+          <a:lstStyle/>
+          <a:p>
+            <a:r>
+              <a:rPr lang="en-US" sz="2800" dirty="0"/>
+              <a:t>Y = B1 x Hb + B2 x O2 + B3 x ICG</a:t>
+            </a:r>
+          </a:p>
+        </p:txBody>
+      </p:sp>
+      <p:cxnSp>
+        <p:nvCxnSpPr>
+          <p:cNvPr id="24" name="Straight Arrow Connector 23">
+            <a:extLst>
+              <a:ext uri="{FF2B5EF4-FFF2-40B4-BE49-F238E27FC236}">
+                <a16:creationId xmlns:a16="http://schemas.microsoft.com/office/drawing/2014/main" id="{0125F408-5271-4BD4-B983-4559242F6BE9}"/>
+              </a:ext>
+            </a:extLst>
+          </p:cNvPr>
+          <p:cNvCxnSpPr>
+            <a:cxnSpLocks/>
+          </p:cNvCxnSpPr>
+          <p:nvPr/>
+        </p:nvCxnSpPr>
+        <p:spPr>
+          <a:xfrm>
+            <a:off x="1228165" y="6029646"/>
+            <a:ext cx="0" cy="358588"/>
+          </a:xfrm>
+          <a:prstGeom prst="straightConnector1">
+            <a:avLst/>
+          </a:prstGeom>
+          <a:ln>
+            <a:tailEnd type="triangle"/>
+          </a:ln>
+        </p:spPr>
+        <p:style>
+          <a:lnRef idx="1">
+            <a:schemeClr val="dk1"/>
+          </a:lnRef>
+          <a:fillRef idx="0">
+            <a:schemeClr val="dk1"/>
+          </a:fillRef>
+          <a:effectRef idx="0">
+            <a:schemeClr val="dk1"/>
+          </a:effectRef>
+          <a:fontRef idx="minor">
+            <a:schemeClr val="tx1"/>
+          </a:fontRef>
+        </p:style>
+      </p:cxnSp>
+      <p:sp>
+        <p:nvSpPr>
+          <p:cNvPr id="25" name="Rectangle 24">
+            <a:extLst>
+              <a:ext uri="{FF2B5EF4-FFF2-40B4-BE49-F238E27FC236}">
+                <a16:creationId xmlns:a16="http://schemas.microsoft.com/office/drawing/2014/main" id="{AA15E93C-CF7A-4D73-B9C1-1782C07D7B71}"/>
+              </a:ext>
+            </a:extLst>
+          </p:cNvPr>
+          <p:cNvSpPr/>
+          <p:nvPr/>
+        </p:nvSpPr>
+        <p:spPr>
+          <a:xfrm>
+            <a:off x="959224" y="5544526"/>
+            <a:ext cx="510988" cy="448269"/>
+          </a:xfrm>
+          <a:prstGeom prst="rect">
+            <a:avLst/>
+          </a:prstGeom>
+          <a:noFill/>
+          <a:ln w="25400">
+            <a:solidFill>
+              <a:srgbClr val="92D050"/>
+            </a:solidFill>
+          </a:ln>
+        </p:spPr>
+        <p:style>
+          <a:lnRef idx="2">
+            <a:schemeClr val="accent1">
+              <a:shade val="50000"/>
+            </a:schemeClr>
+          </a:lnRef>
+          <a:fillRef idx="1">
+            <a:schemeClr val="accent1"/>
+          </a:fillRef>
+          <a:effectRef idx="0">
+            <a:schemeClr val="accent1"/>
+          </a:effectRef>
+          <a:fontRef idx="minor">
+            <a:schemeClr val="lt1"/>
+          </a:fontRef>
+        </p:style>
+        <p:txBody>
+          <a:bodyPr rtlCol="0" anchor="ctr"/>
+          <a:lstStyle/>
+          <a:p>
+            <a:pPr algn="ctr"/>
+            <a:endParaRPr lang="en-US"/>
+          </a:p>
+        </p:txBody>
+      </p:sp>
+      <p:sp>
+        <p:nvSpPr>
+          <p:cNvPr id="26" name="Rectangle 25">
+            <a:extLst>
+              <a:ext uri="{FF2B5EF4-FFF2-40B4-BE49-F238E27FC236}">
+                <a16:creationId xmlns:a16="http://schemas.microsoft.com/office/drawing/2014/main" id="{F7E887DE-3DA4-4A82-AD28-4D49FC9E891B}"/>
+              </a:ext>
+            </a:extLst>
+          </p:cNvPr>
+          <p:cNvSpPr/>
+          <p:nvPr/>
+        </p:nvSpPr>
+        <p:spPr>
+          <a:xfrm>
+            <a:off x="2390217" y="5544526"/>
+            <a:ext cx="510988" cy="448269"/>
+          </a:xfrm>
+          <a:prstGeom prst="rect">
+            <a:avLst/>
+          </a:prstGeom>
+          <a:noFill/>
+          <a:ln w="25400">
+            <a:solidFill>
+              <a:srgbClr val="92D050"/>
+            </a:solidFill>
+          </a:ln>
+        </p:spPr>
+        <p:style>
+          <a:lnRef idx="2">
+            <a:schemeClr val="accent1">
+              <a:shade val="50000"/>
+            </a:schemeClr>
+          </a:lnRef>
+          <a:fillRef idx="1">
+            <a:schemeClr val="accent1"/>
+          </a:fillRef>
+          <a:effectRef idx="0">
+            <a:schemeClr val="accent1"/>
+          </a:effectRef>
+          <a:fontRef idx="minor">
+            <a:schemeClr val="lt1"/>
+          </a:fontRef>
+        </p:style>
+        <p:txBody>
+          <a:bodyPr rtlCol="0" anchor="ctr"/>
+          <a:lstStyle/>
+          <a:p>
+            <a:pPr algn="ctr"/>
+            <a:endParaRPr lang="en-US"/>
+          </a:p>
+        </p:txBody>
+      </p:sp>
+      <p:sp>
+        <p:nvSpPr>
+          <p:cNvPr id="27" name="Rectangle 26">
+            <a:extLst>
+              <a:ext uri="{FF2B5EF4-FFF2-40B4-BE49-F238E27FC236}">
+                <a16:creationId xmlns:a16="http://schemas.microsoft.com/office/drawing/2014/main" id="{E8D4E041-D85B-408D-922E-1D2719634EB1}"/>
+              </a:ext>
+            </a:extLst>
+          </p:cNvPr>
+          <p:cNvSpPr/>
+          <p:nvPr/>
+        </p:nvSpPr>
+        <p:spPr>
+          <a:xfrm>
+            <a:off x="3839696" y="5544526"/>
+            <a:ext cx="510988" cy="448269"/>
+          </a:xfrm>
+          <a:prstGeom prst="rect">
+            <a:avLst/>
+          </a:prstGeom>
+          <a:noFill/>
+          <a:ln w="25400">
+            <a:solidFill>
+              <a:srgbClr val="92D050"/>
+            </a:solidFill>
+          </a:ln>
+        </p:spPr>
+        <p:style>
+          <a:lnRef idx="2">
+            <a:schemeClr val="accent1">
+              <a:shade val="50000"/>
+            </a:schemeClr>
+          </a:lnRef>
+          <a:fillRef idx="1">
+            <a:schemeClr val="accent1"/>
+          </a:fillRef>
+          <a:effectRef idx="0">
+            <a:schemeClr val="accent1"/>
+          </a:effectRef>
+          <a:fontRef idx="minor">
+            <a:schemeClr val="lt1"/>
+          </a:fontRef>
+        </p:style>
+        <p:txBody>
+          <a:bodyPr rtlCol="0" anchor="ctr"/>
+          <a:lstStyle/>
+          <a:p>
+            <a:pPr algn="ctr"/>
+            <a:endParaRPr lang="en-US"/>
+          </a:p>
+        </p:txBody>
+      </p:sp>
+      <p:cxnSp>
+        <p:nvCxnSpPr>
+          <p:cNvPr id="28" name="Straight Arrow Connector 27">
+            <a:extLst>
+              <a:ext uri="{FF2B5EF4-FFF2-40B4-BE49-F238E27FC236}">
+                <a16:creationId xmlns:a16="http://schemas.microsoft.com/office/drawing/2014/main" id="{4647B2C6-495D-4195-B59D-5AF385EEB8DA}"/>
+              </a:ext>
+            </a:extLst>
+          </p:cNvPr>
+          <p:cNvCxnSpPr>
+            <a:cxnSpLocks/>
+          </p:cNvCxnSpPr>
+          <p:nvPr/>
+        </p:nvCxnSpPr>
+        <p:spPr>
+          <a:xfrm>
+            <a:off x="2664201" y="6029646"/>
+            <a:ext cx="0" cy="358588"/>
+          </a:xfrm>
+          <a:prstGeom prst="straightConnector1">
+            <a:avLst/>
+          </a:prstGeom>
+          <a:ln>
+            <a:tailEnd type="triangle"/>
+          </a:ln>
+        </p:spPr>
+        <p:style>
+          <a:lnRef idx="1">
+            <a:schemeClr val="dk1"/>
+          </a:lnRef>
+          <a:fillRef idx="0">
+            <a:schemeClr val="dk1"/>
+          </a:fillRef>
+          <a:effectRef idx="0">
+            <a:schemeClr val="dk1"/>
+          </a:effectRef>
+          <a:fontRef idx="minor">
+            <a:schemeClr val="tx1"/>
+          </a:fontRef>
+        </p:style>
+      </p:cxnSp>
+      <p:cxnSp>
+        <p:nvCxnSpPr>
+          <p:cNvPr id="29" name="Straight Arrow Connector 28">
+            <a:extLst>
+              <a:ext uri="{FF2B5EF4-FFF2-40B4-BE49-F238E27FC236}">
+                <a16:creationId xmlns:a16="http://schemas.microsoft.com/office/drawing/2014/main" id="{EDA79CC5-4194-49E1-BFE5-EE858DE6EF8D}"/>
+              </a:ext>
+            </a:extLst>
+          </p:cNvPr>
+          <p:cNvCxnSpPr>
+            <a:cxnSpLocks/>
+          </p:cNvCxnSpPr>
+          <p:nvPr/>
+        </p:nvCxnSpPr>
+        <p:spPr>
+          <a:xfrm>
+            <a:off x="4111441" y="6029646"/>
+            <a:ext cx="0" cy="358588"/>
+          </a:xfrm>
+          <a:prstGeom prst="straightConnector1">
+            <a:avLst/>
+          </a:prstGeom>
+          <a:ln>
+            <a:tailEnd type="triangle"/>
+          </a:ln>
+        </p:spPr>
+        <p:style>
+          <a:lnRef idx="1">
+            <a:schemeClr val="dk1"/>
+          </a:lnRef>
+          <a:fillRef idx="0">
+            <a:schemeClr val="dk1"/>
+          </a:fillRef>
+          <a:effectRef idx="0">
+            <a:schemeClr val="dk1"/>
+          </a:effectRef>
+          <a:fontRef idx="minor">
+            <a:schemeClr val="tx1"/>
+          </a:fontRef>
+        </p:style>
+      </p:cxnSp>
+      <p:sp>
+        <p:nvSpPr>
+          <p:cNvPr id="30" name="TextBox 29">
+            <a:extLst>
+              <a:ext uri="{FF2B5EF4-FFF2-40B4-BE49-F238E27FC236}">
+                <a16:creationId xmlns:a16="http://schemas.microsoft.com/office/drawing/2014/main" id="{9CE98BE2-ABB8-47E8-B2A1-F0C6C8241519}"/>
+              </a:ext>
+            </a:extLst>
+          </p:cNvPr>
+          <p:cNvSpPr txBox="1"/>
+          <p:nvPr/>
+        </p:nvSpPr>
+        <p:spPr>
+          <a:xfrm>
+            <a:off x="296957" y="6337923"/>
+            <a:ext cx="1835522" cy="584775"/>
+          </a:xfrm>
+          <a:prstGeom prst="rect">
+            <a:avLst/>
+          </a:prstGeom>
+          <a:noFill/>
+        </p:spPr>
+        <p:txBody>
+          <a:bodyPr wrap="square" rtlCol="0">
+            <a:spAutoFit/>
+          </a:bodyPr>
+          <a:lstStyle/>
+          <a:p>
+            <a:pPr algn="ctr"/>
+            <a:r>
+              <a:rPr lang="en-US" sz="1600" dirty="0"/>
+              <a:t>estimated Hb fraction in Y</a:t>
+            </a:r>
+          </a:p>
+        </p:txBody>
+      </p:sp>
+      <p:sp>
+        <p:nvSpPr>
+          <p:cNvPr id="31" name="TextBox 30">
+            <a:extLst>
+              <a:ext uri="{FF2B5EF4-FFF2-40B4-BE49-F238E27FC236}">
+                <a16:creationId xmlns:a16="http://schemas.microsoft.com/office/drawing/2014/main" id="{E8F57E7A-E46E-489A-9BD4-9EE38E4BECC8}"/>
+              </a:ext>
+            </a:extLst>
+          </p:cNvPr>
+          <p:cNvSpPr txBox="1"/>
+          <p:nvPr/>
+        </p:nvSpPr>
+        <p:spPr>
+          <a:xfrm>
+            <a:off x="1752599" y="6337922"/>
+            <a:ext cx="1835522" cy="584775"/>
+          </a:xfrm>
+          <a:prstGeom prst="rect">
+            <a:avLst/>
+          </a:prstGeom>
+          <a:noFill/>
+        </p:spPr>
+        <p:txBody>
+          <a:bodyPr wrap="square" rtlCol="0">
+            <a:spAutoFit/>
+          </a:bodyPr>
+          <a:lstStyle/>
+          <a:p>
+            <a:pPr algn="ctr"/>
+            <a:r>
+              <a:rPr lang="en-US" sz="1600" dirty="0"/>
+              <a:t>estimated O2 fraction in Y</a:t>
+            </a:r>
+          </a:p>
+        </p:txBody>
+      </p:sp>
+      <p:sp>
+        <p:nvSpPr>
+          <p:cNvPr id="32" name="TextBox 31">
+            <a:extLst>
+              <a:ext uri="{FF2B5EF4-FFF2-40B4-BE49-F238E27FC236}">
+                <a16:creationId xmlns:a16="http://schemas.microsoft.com/office/drawing/2014/main" id="{5D6A8F21-0862-4C0C-81B9-814266A25B0C}"/>
+              </a:ext>
+            </a:extLst>
+          </p:cNvPr>
+          <p:cNvSpPr txBox="1"/>
+          <p:nvPr/>
+        </p:nvSpPr>
+        <p:spPr>
+          <a:xfrm>
+            <a:off x="3208241" y="6337922"/>
+            <a:ext cx="1835522" cy="584775"/>
+          </a:xfrm>
+          <a:prstGeom prst="rect">
+            <a:avLst/>
+          </a:prstGeom>
+          <a:noFill/>
+        </p:spPr>
+        <p:txBody>
+          <a:bodyPr wrap="square" rtlCol="0">
+            <a:spAutoFit/>
+          </a:bodyPr>
+          <a:lstStyle/>
+          <a:p>
+            <a:pPr algn="ctr"/>
+            <a:r>
+              <a:rPr lang="en-US" sz="1600" dirty="0"/>
+              <a:t>estimated ICG fraction in Y</a:t>
+            </a:r>
+          </a:p>
+        </p:txBody>
+      </p:sp>
+      <p:cxnSp>
+        <p:nvCxnSpPr>
+          <p:cNvPr id="34" name="Straight Connector 33">
+            <a:extLst>
+              <a:ext uri="{FF2B5EF4-FFF2-40B4-BE49-F238E27FC236}">
+                <a16:creationId xmlns:a16="http://schemas.microsoft.com/office/drawing/2014/main" id="{E2D99A81-B937-4F04-A6FE-AFA2D80F9D92}"/>
+              </a:ext>
+            </a:extLst>
+          </p:cNvPr>
+          <p:cNvCxnSpPr/>
+          <p:nvPr/>
+        </p:nvCxnSpPr>
+        <p:spPr>
+          <a:xfrm>
+            <a:off x="5043763" y="6029646"/>
+            <a:ext cx="0" cy="179294"/>
+          </a:xfrm>
+          <a:prstGeom prst="line">
+            <a:avLst/>
+          </a:prstGeom>
+          <a:ln>
+            <a:solidFill>
+              <a:schemeClr val="tx1"/>
+            </a:solidFill>
+          </a:ln>
+        </p:spPr>
+        <p:style>
+          <a:lnRef idx="1">
+            <a:schemeClr val="accent1"/>
+          </a:lnRef>
+          <a:fillRef idx="0">
+            <a:schemeClr val="accent1"/>
+          </a:fillRef>
+          <a:effectRef idx="0">
+            <a:schemeClr val="accent1"/>
+          </a:effectRef>
+          <a:fontRef idx="minor">
+            <a:schemeClr val="tx1"/>
+          </a:fontRef>
+        </p:style>
+      </p:cxnSp>
+      <p:cxnSp>
+        <p:nvCxnSpPr>
+          <p:cNvPr id="36" name="Straight Connector 35">
+            <a:extLst>
+              <a:ext uri="{FF2B5EF4-FFF2-40B4-BE49-F238E27FC236}">
+                <a16:creationId xmlns:a16="http://schemas.microsoft.com/office/drawing/2014/main" id="{0F18D1E1-29A2-4DB8-9F49-7E02CA0E383C}"/>
+              </a:ext>
+            </a:extLst>
+          </p:cNvPr>
+          <p:cNvCxnSpPr/>
+          <p:nvPr/>
+        </p:nvCxnSpPr>
+        <p:spPr>
+          <a:xfrm>
+            <a:off x="5043763" y="6208940"/>
+            <a:ext cx="855011" cy="0"/>
+          </a:xfrm>
+          <a:prstGeom prst="line">
+            <a:avLst/>
+          </a:prstGeom>
+          <a:ln>
+            <a:tailEnd type="triangle"/>
+          </a:ln>
+        </p:spPr>
+        <p:style>
+          <a:lnRef idx="1">
+            <a:schemeClr val="dk1"/>
+          </a:lnRef>
+          <a:fillRef idx="0">
+            <a:schemeClr val="dk1"/>
+          </a:fillRef>
+          <a:effectRef idx="0">
+            <a:schemeClr val="dk1"/>
+          </a:effectRef>
+          <a:fontRef idx="minor">
+            <a:schemeClr val="tx1"/>
+          </a:fontRef>
+        </p:style>
+      </p:cxnSp>
+      <p:sp>
+        <p:nvSpPr>
+          <p:cNvPr id="37" name="TextBox 36">
+            <a:extLst>
+              <a:ext uri="{FF2B5EF4-FFF2-40B4-BE49-F238E27FC236}">
+                <a16:creationId xmlns:a16="http://schemas.microsoft.com/office/drawing/2014/main" id="{15F0C763-22F0-4104-83CA-6498A9DBB1F2}"/>
+              </a:ext>
+            </a:extLst>
+          </p:cNvPr>
+          <p:cNvSpPr txBox="1"/>
+          <p:nvPr/>
+        </p:nvSpPr>
+        <p:spPr>
+          <a:xfrm>
+            <a:off x="5895409" y="5747275"/>
+            <a:ext cx="5799042" cy="923330"/>
+          </a:xfrm>
+          <a:prstGeom prst="rect">
+            <a:avLst/>
+          </a:prstGeom>
+          <a:noFill/>
+        </p:spPr>
+        <p:txBody>
+          <a:bodyPr wrap="square" rtlCol="0">
+            <a:spAutoFit/>
+          </a:bodyPr>
+          <a:lstStyle/>
+          <a:p>
+            <a:r>
+              <a:rPr lang="en-US" dirty="0"/>
+              <a:t>estimate B1, B2, and B3 using linear regression with nonnegative least squares, to ensure you don’t get negative fractional components.</a:t>
+            </a:r>
+          </a:p>
+        </p:txBody>
+      </p:sp>
+    </p:spTree>
+    <p:extLst>
+      <p:ext uri="{BB962C8B-B14F-4D97-AF65-F5344CB8AC3E}">
+        <p14:creationId xmlns:p14="http://schemas.microsoft.com/office/powerpoint/2010/main" val="3461301916"/>
+      </p:ext>
+    </p:extLst>
+  </p:cSld>
+  <p:clrMapOvr>
+    <a:masterClrMapping/>
+  </p:clrMapOvr>
+</p:sld>
+</file>
+
+<file path=ppt/slides/slide6.xml><?xml version="1.0" encoding="utf-8"?>
+<p:sld xmlns:a="http://schemas.openxmlformats.org/drawingml/2006/main" xmlns:r="http://schemas.openxmlformats.org/officeDocument/2006/relationships" xmlns:p="http://schemas.openxmlformats.org/presentationml/2006/main">
+  <p:cSld>
+    <p:spTree>
+      <p:nvGrpSpPr>
+        <p:cNvPr id="1" name=""/>
+        <p:cNvGrpSpPr/>
+        <p:nvPr/>
+      </p:nvGrpSpPr>
+      <p:grpSpPr>
+        <a:xfrm>
+          <a:off x="0" y="0"/>
+          <a:ext cx="0" cy="0"/>
+          <a:chOff x="0" y="0"/>
+          <a:chExt cx="0" cy="0"/>
+        </a:xfrm>
+      </p:grpSpPr>
+      <p:sp>
+        <p:nvSpPr>
+          <p:cNvPr id="2" name="Title 1">
+            <a:extLst>
+              <a:ext uri="{FF2B5EF4-FFF2-40B4-BE49-F238E27FC236}">
+                <a16:creationId xmlns:a16="http://schemas.microsoft.com/office/drawing/2014/main" id="{EAB4C2F3-4F70-4283-9A80-4338A0A2701D}"/>
+              </a:ext>
+            </a:extLst>
+          </p:cNvPr>
+          <p:cNvSpPr>
+            <a:spLocks noGrp="1"/>
+          </p:cNvSpPr>
+          <p:nvPr>
+            <p:ph type="title"/>
+          </p:nvPr>
+        </p:nvSpPr>
+        <p:spPr>
+          <a:xfrm>
+            <a:off x="838200" y="69288"/>
+            <a:ext cx="10515600" cy="1325563"/>
+          </a:xfrm>
+        </p:spPr>
+        <p:txBody>
+          <a:bodyPr>
+            <a:normAutofit/>
+          </a:bodyPr>
+          <a:lstStyle/>
+          <a:p>
+            <a:r>
+              <a:rPr lang="en-US" sz="4000" b="1" dirty="0"/>
+              <a:t>Studied possible machine learning alternative</a:t>
+            </a:r>
+          </a:p>
+        </p:txBody>
+      </p:sp>
+      <p:graphicFrame>
+        <p:nvGraphicFramePr>
+          <p:cNvPr id="6" name="Table 6">
+            <a:extLst>
+              <a:ext uri="{FF2B5EF4-FFF2-40B4-BE49-F238E27FC236}">
+                <a16:creationId xmlns:a16="http://schemas.microsoft.com/office/drawing/2014/main" id="{FB4E69D8-B061-4335-B65A-902631655F23}"/>
+              </a:ext>
+            </a:extLst>
+          </p:cNvPr>
+          <p:cNvGraphicFramePr>
+            <a:graphicFrameLocks noGrp="1"/>
+          </p:cNvGraphicFramePr>
+          <p:nvPr>
+            <p:extLst>
+              <p:ext uri="{D42A27DB-BD31-4B8C-83A1-F6EECF244321}">
+                <p14:modId xmlns:p14="http://schemas.microsoft.com/office/powerpoint/2010/main" val="3983769533"/>
+              </p:ext>
+            </p:extLst>
+          </p:nvPr>
+        </p:nvGraphicFramePr>
+        <p:xfrm>
+          <a:off x="147913" y="1327261"/>
+          <a:ext cx="7209162" cy="2910828"/>
+        </p:xfrm>
+        <a:graphic>
+          <a:graphicData uri="http://schemas.openxmlformats.org/drawingml/2006/table">
+            <a:tbl>
+              <a:tblPr firstRow="1" bandRow="1">
+                <a:tableStyleId>{5C22544A-7EE6-4342-B048-85BDC9FD1C3A}</a:tableStyleId>
+              </a:tblPr>
+              <a:tblGrid>
+                <a:gridCol w="1432129">
+                  <a:extLst>
+                    <a:ext uri="{9D8B030D-6E8A-4147-A177-3AD203B41FA5}">
+                      <a16:colId xmlns:a16="http://schemas.microsoft.com/office/drawing/2014/main" val="3058952261"/>
+                    </a:ext>
+                  </a:extLst>
+                </a:gridCol>
+                <a:gridCol w="1532693">
+                  <a:extLst>
+                    <a:ext uri="{9D8B030D-6E8A-4147-A177-3AD203B41FA5}">
+                      <a16:colId xmlns:a16="http://schemas.microsoft.com/office/drawing/2014/main" val="1233416698"/>
+                    </a:ext>
+                  </a:extLst>
+                </a:gridCol>
+                <a:gridCol w="1609605">
+                  <a:extLst>
+                    <a:ext uri="{9D8B030D-6E8A-4147-A177-3AD203B41FA5}">
+                      <a16:colId xmlns:a16="http://schemas.microsoft.com/office/drawing/2014/main" val="3002192346"/>
+                    </a:ext>
+                  </a:extLst>
+                </a:gridCol>
+                <a:gridCol w="1332086">
+                  <a:extLst>
+                    <a:ext uri="{9D8B030D-6E8A-4147-A177-3AD203B41FA5}">
+                      <a16:colId xmlns:a16="http://schemas.microsoft.com/office/drawing/2014/main" val="2150674968"/>
+                    </a:ext>
+                  </a:extLst>
+                </a:gridCol>
+                <a:gridCol w="1302649">
+                  <a:extLst>
+                    <a:ext uri="{9D8B030D-6E8A-4147-A177-3AD203B41FA5}">
+                      <a16:colId xmlns:a16="http://schemas.microsoft.com/office/drawing/2014/main" val="16025062"/>
+                    </a:ext>
+                  </a:extLst>
+                </a:gridCol>
+              </a:tblGrid>
+              <a:tr h="634436">
+                <a:tc>
+                  <a:txBody>
+                    <a:bodyPr/>
+                    <a:lstStyle/>
+                    <a:p>
+                      <a:pPr algn="ctr"/>
+                      <a:r>
+                        <a:rPr lang="en-US" dirty="0"/>
+                        <a:t>Y1</a:t>
+                      </a:r>
+                    </a:p>
+                    <a:p>
+                      <a:pPr algn="ctr"/>
+                      <a:r>
+                        <a:rPr lang="en-US" dirty="0"/>
+                        <a:t>(Hb fraction)</a:t>
+                      </a:r>
+                    </a:p>
+                  </a:txBody>
+                  <a:tcPr/>
+                </a:tc>
+                <a:tc>
+                  <a:txBody>
+                    <a:bodyPr/>
+                    <a:lstStyle/>
+                    <a:p>
+                      <a:pPr algn="ctr"/>
+                      <a:r>
+                        <a:rPr lang="en-US" dirty="0"/>
+                        <a:t>Y2</a:t>
+                      </a:r>
+                    </a:p>
+                    <a:p>
+                      <a:pPr algn="ctr"/>
+                      <a:r>
+                        <a:rPr lang="en-US" dirty="0"/>
+                        <a:t>(O2 fraction)</a:t>
+                      </a:r>
+                    </a:p>
+                  </a:txBody>
+                  <a:tcPr/>
+                </a:tc>
+                <a:tc>
+                  <a:txBody>
+                    <a:bodyPr/>
+                    <a:lstStyle/>
+                    <a:p>
+                      <a:pPr algn="ctr"/>
+                      <a:r>
+                        <a:rPr lang="en-US" dirty="0"/>
+                        <a:t>Y3</a:t>
+                      </a:r>
+                    </a:p>
+                    <a:p>
+                      <a:pPr algn="ctr"/>
+                      <a:r>
+                        <a:rPr lang="en-US" dirty="0"/>
+                        <a:t>(ICG fraction)</a:t>
+                      </a:r>
+                    </a:p>
+                  </a:txBody>
+                  <a:tcPr/>
+                </a:tc>
+                <a:tc>
+                  <a:txBody>
+                    <a:bodyPr/>
+                    <a:lstStyle/>
+                    <a:p>
+                      <a:pPr algn="ctr"/>
+                      <a:r>
+                        <a:rPr lang="en-US" dirty="0"/>
+                        <a:t>X1</a:t>
+                      </a:r>
+                    </a:p>
+                    <a:p>
+                      <a:pPr algn="ctr"/>
+                      <a:endParaRPr lang="en-US" dirty="0"/>
+                    </a:p>
+                  </a:txBody>
+                  <a:tcPr/>
+                </a:tc>
+                <a:tc>
+                  <a:txBody>
+                    <a:bodyPr/>
+                    <a:lstStyle/>
+                    <a:p>
+                      <a:pPr algn="ctr"/>
+                      <a:r>
+                        <a:rPr lang="en-US" dirty="0"/>
+                        <a:t>X2</a:t>
+                      </a:r>
+                    </a:p>
+                  </a:txBody>
+                  <a:tcPr/>
+                </a:tc>
+                <a:extLst>
+                  <a:ext uri="{0D108BD9-81ED-4DB2-BD59-A6C34878D82A}">
+                    <a16:rowId xmlns:a16="http://schemas.microsoft.com/office/drawing/2014/main" val="3591867232"/>
+                  </a:ext>
+                </a:extLst>
+              </a:tr>
+              <a:tr h="378458">
+                <a:tc>
+                  <a:txBody>
+                    <a:bodyPr/>
+                    <a:lstStyle/>
+                    <a:p>
+                      <a:pPr algn="ctr"/>
+                      <a:r>
+                        <a:rPr lang="en-US" dirty="0"/>
+                        <a:t>1</a:t>
+                      </a:r>
+                    </a:p>
+                  </a:txBody>
+                  <a:tcPr/>
+                </a:tc>
+                <a:tc>
+                  <a:txBody>
+                    <a:bodyPr/>
+                    <a:lstStyle/>
+                    <a:p>
+                      <a:pPr algn="ctr"/>
+                      <a:r>
+                        <a:rPr lang="en-US" dirty="0"/>
+                        <a:t>0</a:t>
+                      </a:r>
+                    </a:p>
+                  </a:txBody>
+                  <a:tcPr/>
+                </a:tc>
+                <a:tc>
+                  <a:txBody>
+                    <a:bodyPr/>
+                    <a:lstStyle/>
+                    <a:p>
+                      <a:pPr algn="ctr"/>
+                      <a:r>
+                        <a:rPr lang="en-US" dirty="0"/>
+                        <a:t>0</a:t>
+                      </a:r>
+                    </a:p>
+                  </a:txBody>
+                  <a:tcPr/>
+                </a:tc>
+                <a:tc>
+                  <a:txBody>
+                    <a:bodyPr/>
+                    <a:lstStyle/>
+                    <a:p>
+                      <a:pPr algn="ctr"/>
+                      <a:endParaRPr lang="en-US" dirty="0"/>
+                    </a:p>
+                  </a:txBody>
+                  <a:tcPr/>
+                </a:tc>
+                <a:tc>
+                  <a:txBody>
+                    <a:bodyPr/>
+                    <a:lstStyle/>
+                    <a:p>
+                      <a:pPr algn="ctr"/>
+                      <a:endParaRPr lang="en-US" dirty="0"/>
+                    </a:p>
+                  </a:txBody>
+                  <a:tcPr/>
+                </a:tc>
+                <a:extLst>
+                  <a:ext uri="{0D108BD9-81ED-4DB2-BD59-A6C34878D82A}">
+                    <a16:rowId xmlns:a16="http://schemas.microsoft.com/office/drawing/2014/main" val="4280959929"/>
+                  </a:ext>
+                </a:extLst>
+              </a:tr>
+              <a:tr h="378458">
+                <a:tc>
+                  <a:txBody>
+                    <a:bodyPr/>
+                    <a:lstStyle/>
+                    <a:p>
+                      <a:pPr algn="ctr"/>
+                      <a:r>
+                        <a:rPr lang="en-US" dirty="0"/>
+                        <a:t>0.9</a:t>
+                      </a:r>
+                    </a:p>
+                  </a:txBody>
+                  <a:tcPr/>
+                </a:tc>
+                <a:tc>
+                  <a:txBody>
+                    <a:bodyPr/>
+                    <a:lstStyle/>
+                    <a:p>
+                      <a:pPr algn="ctr"/>
+                      <a:r>
+                        <a:rPr lang="en-US" dirty="0"/>
+                        <a:t>0.1</a:t>
+                      </a:r>
+                    </a:p>
+                  </a:txBody>
+                  <a:tcPr/>
+                </a:tc>
+                <a:tc>
+                  <a:txBody>
+                    <a:bodyPr/>
+                    <a:lstStyle/>
+                    <a:p>
+                      <a:pPr algn="ctr"/>
+                      <a:r>
+                        <a:rPr lang="en-US" dirty="0"/>
+                        <a:t>0</a:t>
+                      </a:r>
+                    </a:p>
+                  </a:txBody>
+                  <a:tcPr/>
+                </a:tc>
+                <a:tc>
+                  <a:txBody>
+                    <a:bodyPr/>
+                    <a:lstStyle/>
+                    <a:p>
+                      <a:pPr algn="ctr"/>
+                      <a:endParaRPr lang="en-US" dirty="0"/>
+                    </a:p>
+                  </a:txBody>
+                  <a:tcPr/>
+                </a:tc>
+                <a:tc>
+                  <a:txBody>
+                    <a:bodyPr/>
+                    <a:lstStyle/>
+                    <a:p>
+                      <a:pPr algn="ctr"/>
+                      <a:endParaRPr lang="en-US" dirty="0"/>
+                    </a:p>
+                  </a:txBody>
+                  <a:tcPr/>
+                </a:tc>
+                <a:extLst>
+                  <a:ext uri="{0D108BD9-81ED-4DB2-BD59-A6C34878D82A}">
+                    <a16:rowId xmlns:a16="http://schemas.microsoft.com/office/drawing/2014/main" val="1624402395"/>
+                  </a:ext>
+                </a:extLst>
+              </a:tr>
+              <a:tr h="378458">
+                <a:tc>
+                  <a:txBody>
+                    <a:bodyPr/>
+                    <a:lstStyle/>
+                    <a:p>
+                      <a:pPr algn="ctr"/>
+                      <a:r>
+                        <a:rPr lang="en-US" dirty="0"/>
+                        <a:t>0.8</a:t>
+                      </a:r>
+                    </a:p>
+                  </a:txBody>
+                  <a:tcPr/>
+                </a:tc>
+                <a:tc>
+                  <a:txBody>
+                    <a:bodyPr/>
+                    <a:lstStyle/>
+                    <a:p>
+                      <a:pPr algn="ctr"/>
+                      <a:r>
+                        <a:rPr lang="en-US" dirty="0"/>
+                        <a:t>0.2</a:t>
+                      </a:r>
+                    </a:p>
+                  </a:txBody>
+                  <a:tcPr/>
+                </a:tc>
+                <a:tc>
+                  <a:txBody>
+                    <a:bodyPr/>
+                    <a:lstStyle/>
+                    <a:p>
+                      <a:pPr algn="ctr"/>
+                      <a:r>
+                        <a:rPr lang="en-US" dirty="0"/>
+                        <a:t>0</a:t>
+                      </a:r>
+                    </a:p>
+                  </a:txBody>
+                  <a:tcPr/>
+                </a:tc>
+                <a:tc>
+                  <a:txBody>
+                    <a:bodyPr/>
+                    <a:lstStyle/>
+                    <a:p>
+                      <a:pPr algn="ctr"/>
+                      <a:endParaRPr lang="en-US" dirty="0"/>
+                    </a:p>
+                  </a:txBody>
+                  <a:tcPr/>
+                </a:tc>
+                <a:tc>
+                  <a:txBody>
+                    <a:bodyPr/>
+                    <a:lstStyle/>
+                    <a:p>
+                      <a:pPr algn="ctr"/>
+                      <a:endParaRPr lang="en-US" dirty="0"/>
+                    </a:p>
+                  </a:txBody>
+                  <a:tcPr/>
+                </a:tc>
+                <a:extLst>
+                  <a:ext uri="{0D108BD9-81ED-4DB2-BD59-A6C34878D82A}">
+                    <a16:rowId xmlns:a16="http://schemas.microsoft.com/office/drawing/2014/main" val="1021223636"/>
+                  </a:ext>
+                </a:extLst>
+              </a:tr>
+              <a:tr h="378458">
+                <a:tc>
+                  <a:txBody>
+                    <a:bodyPr/>
+                    <a:lstStyle/>
+                    <a:p>
+                      <a:pPr algn="ctr"/>
+                      <a:r>
+                        <a:rPr lang="en-US" dirty="0"/>
+                        <a:t>0.7</a:t>
+                      </a:r>
+                    </a:p>
+                  </a:txBody>
+                  <a:tcPr/>
+                </a:tc>
+                <a:tc>
+                  <a:txBody>
+                    <a:bodyPr/>
+                    <a:lstStyle/>
+                    <a:p>
+                      <a:pPr algn="ctr"/>
+                      <a:r>
+                        <a:rPr lang="en-US" dirty="0"/>
+                        <a:t>0.3</a:t>
+                      </a:r>
+                    </a:p>
+                  </a:txBody>
+                  <a:tcPr/>
+                </a:tc>
+                <a:tc>
+                  <a:txBody>
+                    <a:bodyPr/>
+                    <a:lstStyle/>
+                    <a:p>
+                      <a:pPr algn="ctr"/>
+                      <a:r>
+                        <a:rPr lang="en-US" dirty="0"/>
+                        <a:t>0</a:t>
+                      </a:r>
+                    </a:p>
+                  </a:txBody>
+                  <a:tcPr/>
+                </a:tc>
+                <a:tc>
+                  <a:txBody>
+                    <a:bodyPr/>
+                    <a:lstStyle/>
+                    <a:p>
+                      <a:pPr algn="ctr"/>
+                      <a:endParaRPr lang="en-US" dirty="0"/>
+                    </a:p>
+                  </a:txBody>
+                  <a:tcPr/>
+                </a:tc>
+                <a:tc>
+                  <a:txBody>
+                    <a:bodyPr/>
+                    <a:lstStyle/>
+                    <a:p>
+                      <a:pPr algn="ctr"/>
+                      <a:endParaRPr lang="en-US" dirty="0"/>
+                    </a:p>
+                  </a:txBody>
+                  <a:tcPr/>
+                </a:tc>
+                <a:extLst>
+                  <a:ext uri="{0D108BD9-81ED-4DB2-BD59-A6C34878D82A}">
+                    <a16:rowId xmlns:a16="http://schemas.microsoft.com/office/drawing/2014/main" val="589177795"/>
+                  </a:ext>
+                </a:extLst>
+              </a:tr>
+              <a:tr h="378458">
+                <a:tc>
+                  <a:txBody>
+                    <a:bodyPr/>
+                    <a:lstStyle/>
+                    <a:p>
+                      <a:pPr algn="ctr"/>
+                      <a:r>
+                        <a:rPr lang="en-US" dirty="0"/>
+                        <a:t>0.6</a:t>
+                      </a:r>
+                    </a:p>
+                  </a:txBody>
+                  <a:tcPr/>
+                </a:tc>
+                <a:tc>
+                  <a:txBody>
+                    <a:bodyPr/>
+                    <a:lstStyle/>
+                    <a:p>
+                      <a:pPr algn="ctr"/>
+                      <a:r>
+                        <a:rPr lang="en-US" dirty="0"/>
+                        <a:t>0.4</a:t>
+                      </a:r>
+                    </a:p>
+                  </a:txBody>
+                  <a:tcPr/>
+                </a:tc>
+                <a:tc>
+                  <a:txBody>
+                    <a:bodyPr/>
+                    <a:lstStyle/>
+                    <a:p>
+                      <a:pPr algn="ctr"/>
+                      <a:r>
+                        <a:rPr lang="en-US" dirty="0"/>
+                        <a:t>0</a:t>
+                      </a:r>
+                    </a:p>
+                  </a:txBody>
+                  <a:tcPr/>
+                </a:tc>
+                <a:tc>
+                  <a:txBody>
+                    <a:bodyPr/>
+                    <a:lstStyle/>
+                    <a:p>
+                      <a:pPr algn="ctr"/>
+                      <a:endParaRPr lang="en-US" dirty="0"/>
+                    </a:p>
+                  </a:txBody>
+                  <a:tcPr/>
+                </a:tc>
+                <a:tc>
+                  <a:txBody>
+                    <a:bodyPr/>
+                    <a:lstStyle/>
+                    <a:p>
+                      <a:pPr algn="ctr"/>
+                      <a:endParaRPr lang="en-US" dirty="0"/>
+                    </a:p>
+                  </a:txBody>
+                  <a:tcPr/>
+                </a:tc>
+                <a:extLst>
+                  <a:ext uri="{0D108BD9-81ED-4DB2-BD59-A6C34878D82A}">
+                    <a16:rowId xmlns:a16="http://schemas.microsoft.com/office/drawing/2014/main" val="4023027451"/>
+                  </a:ext>
+                </a:extLst>
+              </a:tr>
+              <a:tr h="378458">
+                <a:tc>
+                  <a:txBody>
+                    <a:bodyPr/>
+                    <a:lstStyle/>
+                    <a:p>
+                      <a:pPr algn="ctr"/>
+                      <a:r>
+                        <a:rPr lang="en-US" dirty="0"/>
+                        <a:t>0.5</a:t>
+                      </a:r>
+                    </a:p>
+                  </a:txBody>
+                  <a:tcPr/>
+                </a:tc>
+                <a:tc>
+                  <a:txBody>
+                    <a:bodyPr/>
+                    <a:lstStyle/>
+                    <a:p>
+                      <a:pPr algn="ctr"/>
+                      <a:r>
+                        <a:rPr lang="en-US" dirty="0"/>
+                        <a:t>0.5</a:t>
+                      </a:r>
+                    </a:p>
+                  </a:txBody>
+                  <a:tcPr/>
+                </a:tc>
+                <a:tc>
+                  <a:txBody>
+                    <a:bodyPr/>
+                    <a:lstStyle/>
+                    <a:p>
+                      <a:pPr algn="ctr"/>
+                      <a:r>
+                        <a:rPr lang="en-US" dirty="0"/>
+                        <a:t>0</a:t>
+                      </a:r>
+                    </a:p>
+                  </a:txBody>
+                  <a:tcPr/>
+                </a:tc>
+                <a:tc>
+                  <a:txBody>
+                    <a:bodyPr/>
+                    <a:lstStyle/>
+                    <a:p>
+                      <a:pPr algn="ctr"/>
+                      <a:endParaRPr lang="en-US" dirty="0"/>
+                    </a:p>
+                  </a:txBody>
+                  <a:tcPr/>
+                </a:tc>
+                <a:tc>
+                  <a:txBody>
+                    <a:bodyPr/>
+                    <a:lstStyle/>
+                    <a:p>
+                      <a:pPr algn="ctr"/>
+                      <a:endParaRPr lang="en-US" dirty="0"/>
+                    </a:p>
+                  </a:txBody>
+                  <a:tcPr/>
+                </a:tc>
+                <a:extLst>
+                  <a:ext uri="{0D108BD9-81ED-4DB2-BD59-A6C34878D82A}">
+                    <a16:rowId xmlns:a16="http://schemas.microsoft.com/office/drawing/2014/main" val="3000121794"/>
+                  </a:ext>
+                </a:extLst>
+              </a:tr>
+            </a:tbl>
+          </a:graphicData>
+        </a:graphic>
+      </p:graphicFrame>
+      <p:sp>
+        <p:nvSpPr>
+          <p:cNvPr id="7" name="TextBox 6">
+            <a:extLst>
+              <a:ext uri="{FF2B5EF4-FFF2-40B4-BE49-F238E27FC236}">
+                <a16:creationId xmlns:a16="http://schemas.microsoft.com/office/drawing/2014/main" id="{2E2C6D67-0262-4EDC-B1EB-F9A578FEA7AF}"/>
+              </a:ext>
+            </a:extLst>
+          </p:cNvPr>
+          <p:cNvSpPr txBox="1"/>
+          <p:nvPr/>
+        </p:nvSpPr>
+        <p:spPr>
+          <a:xfrm>
+            <a:off x="147915" y="903305"/>
+            <a:ext cx="1213224" cy="461665"/>
+          </a:xfrm>
+          <a:prstGeom prst="rect">
+            <a:avLst/>
+          </a:prstGeom>
+          <a:noFill/>
+        </p:spPr>
+        <p:txBody>
+          <a:bodyPr wrap="square" rtlCol="0">
+            <a:spAutoFit/>
+          </a:bodyPr>
+          <a:lstStyle/>
+          <a:p>
+            <a:r>
+              <a:rPr lang="en-US" sz="2400" b="1" dirty="0"/>
+              <a:t>Dataset</a:t>
+            </a:r>
+          </a:p>
+        </p:txBody>
+      </p:sp>
+      <p:sp>
+        <p:nvSpPr>
+          <p:cNvPr id="9" name="TextBox 8">
+            <a:extLst>
+              <a:ext uri="{FF2B5EF4-FFF2-40B4-BE49-F238E27FC236}">
+                <a16:creationId xmlns:a16="http://schemas.microsoft.com/office/drawing/2014/main" id="{790DEB60-427D-4BF5-BE4E-0E264C1C7B0F}"/>
+              </a:ext>
+            </a:extLst>
+          </p:cNvPr>
+          <p:cNvSpPr txBox="1"/>
+          <p:nvPr/>
+        </p:nvSpPr>
+        <p:spPr>
+          <a:xfrm rot="16200000">
+            <a:off x="7381123" y="2450702"/>
+            <a:ext cx="475129" cy="523220"/>
+          </a:xfrm>
+          <a:prstGeom prst="rect">
+            <a:avLst/>
+          </a:prstGeom>
+          <a:noFill/>
+        </p:spPr>
+        <p:txBody>
+          <a:bodyPr wrap="square" rtlCol="0">
+            <a:spAutoFit/>
+          </a:bodyPr>
+          <a:lstStyle/>
+          <a:p>
+            <a:r>
+              <a:rPr lang="en-US" sz="2800" dirty="0"/>
+              <a:t>…</a:t>
+            </a:r>
+          </a:p>
+        </p:txBody>
+      </p:sp>
+      <p:graphicFrame>
+        <p:nvGraphicFramePr>
+          <p:cNvPr id="35" name="Table 6">
+            <a:extLst>
+              <a:ext uri="{FF2B5EF4-FFF2-40B4-BE49-F238E27FC236}">
+                <a16:creationId xmlns:a16="http://schemas.microsoft.com/office/drawing/2014/main" id="{28EA80A9-4174-4B1E-BDCF-C2B088DE6055}"/>
+              </a:ext>
+            </a:extLst>
+          </p:cNvPr>
+          <p:cNvGraphicFramePr>
+            <a:graphicFrameLocks noGrp="1"/>
+          </p:cNvGraphicFramePr>
+          <p:nvPr>
+            <p:extLst>
+              <p:ext uri="{D42A27DB-BD31-4B8C-83A1-F6EECF244321}">
+                <p14:modId xmlns:p14="http://schemas.microsoft.com/office/powerpoint/2010/main" val="1292153395"/>
+              </p:ext>
+            </p:extLst>
+          </p:nvPr>
+        </p:nvGraphicFramePr>
+        <p:xfrm>
+          <a:off x="7989624" y="1327261"/>
+          <a:ext cx="1446495" cy="2910828"/>
+        </p:xfrm>
+        <a:graphic>
+          <a:graphicData uri="http://schemas.openxmlformats.org/drawingml/2006/table">
+            <a:tbl>
+              <a:tblPr firstRow="1" bandRow="1">
+                <a:tableStyleId>{5C22544A-7EE6-4342-B048-85BDC9FD1C3A}</a:tableStyleId>
+              </a:tblPr>
+              <a:tblGrid>
+                <a:gridCol w="1446495">
+                  <a:extLst>
+                    <a:ext uri="{9D8B030D-6E8A-4147-A177-3AD203B41FA5}">
+                      <a16:colId xmlns:a16="http://schemas.microsoft.com/office/drawing/2014/main" val="16025062"/>
+                    </a:ext>
+                  </a:extLst>
+                </a:gridCol>
+              </a:tblGrid>
+              <a:tr h="668916">
+                <a:tc>
+                  <a:txBody>
+                    <a:bodyPr/>
+                    <a:lstStyle/>
+                    <a:p>
+                      <a:pPr algn="ctr"/>
+                      <a:r>
+                        <a:rPr lang="en-US" dirty="0" err="1"/>
+                        <a:t>Xn</a:t>
+                      </a:r>
+                      <a:endParaRPr lang="en-US" dirty="0"/>
+                    </a:p>
+                  </a:txBody>
+                  <a:tcPr/>
+                </a:tc>
+                <a:extLst>
+                  <a:ext uri="{0D108BD9-81ED-4DB2-BD59-A6C34878D82A}">
+                    <a16:rowId xmlns:a16="http://schemas.microsoft.com/office/drawing/2014/main" val="3591867232"/>
+                  </a:ext>
+                </a:extLst>
+              </a:tr>
+              <a:tr h="373652">
+                <a:tc>
+                  <a:txBody>
+                    <a:bodyPr/>
+                    <a:lstStyle/>
+                    <a:p>
+                      <a:pPr algn="ctr"/>
+                      <a:endParaRPr lang="en-US" dirty="0"/>
+                    </a:p>
+                  </a:txBody>
+                  <a:tcPr/>
+                </a:tc>
+                <a:extLst>
+                  <a:ext uri="{0D108BD9-81ED-4DB2-BD59-A6C34878D82A}">
+                    <a16:rowId xmlns:a16="http://schemas.microsoft.com/office/drawing/2014/main" val="4280959929"/>
+                  </a:ext>
+                </a:extLst>
+              </a:tr>
+              <a:tr h="373652">
+                <a:tc>
+                  <a:txBody>
+                    <a:bodyPr/>
+                    <a:lstStyle/>
+                    <a:p>
+                      <a:pPr algn="ctr"/>
+                      <a:endParaRPr lang="en-US" dirty="0"/>
+                    </a:p>
+                  </a:txBody>
+                  <a:tcPr/>
+                </a:tc>
+                <a:extLst>
+                  <a:ext uri="{0D108BD9-81ED-4DB2-BD59-A6C34878D82A}">
+                    <a16:rowId xmlns:a16="http://schemas.microsoft.com/office/drawing/2014/main" val="1624402395"/>
+                  </a:ext>
+                </a:extLst>
+              </a:tr>
+              <a:tr h="373652">
+                <a:tc>
+                  <a:txBody>
+                    <a:bodyPr/>
+                    <a:lstStyle/>
+                    <a:p>
+                      <a:pPr algn="ctr"/>
+                      <a:endParaRPr lang="en-US" dirty="0"/>
+                    </a:p>
+                  </a:txBody>
+                  <a:tcPr/>
+                </a:tc>
+                <a:extLst>
+                  <a:ext uri="{0D108BD9-81ED-4DB2-BD59-A6C34878D82A}">
+                    <a16:rowId xmlns:a16="http://schemas.microsoft.com/office/drawing/2014/main" val="1021223636"/>
+                  </a:ext>
+                </a:extLst>
+              </a:tr>
+              <a:tr h="373652">
+                <a:tc>
+                  <a:txBody>
+                    <a:bodyPr/>
+                    <a:lstStyle/>
+                    <a:p>
+                      <a:pPr algn="ctr"/>
+                      <a:endParaRPr lang="en-US" dirty="0"/>
+                    </a:p>
+                  </a:txBody>
+                  <a:tcPr/>
+                </a:tc>
+                <a:extLst>
+                  <a:ext uri="{0D108BD9-81ED-4DB2-BD59-A6C34878D82A}">
+                    <a16:rowId xmlns:a16="http://schemas.microsoft.com/office/drawing/2014/main" val="589177795"/>
+                  </a:ext>
+                </a:extLst>
+              </a:tr>
+              <a:tr h="373652">
+                <a:tc>
+                  <a:txBody>
+                    <a:bodyPr/>
+                    <a:lstStyle/>
+                    <a:p>
+                      <a:pPr algn="ctr"/>
+                      <a:endParaRPr lang="en-US" dirty="0"/>
+                    </a:p>
+                  </a:txBody>
+                  <a:tcPr/>
+                </a:tc>
+                <a:extLst>
+                  <a:ext uri="{0D108BD9-81ED-4DB2-BD59-A6C34878D82A}">
+                    <a16:rowId xmlns:a16="http://schemas.microsoft.com/office/drawing/2014/main" val="4023027451"/>
+                  </a:ext>
+                </a:extLst>
+              </a:tr>
+              <a:tr h="373652">
+                <a:tc>
+                  <a:txBody>
+                    <a:bodyPr/>
+                    <a:lstStyle/>
+                    <a:p>
+                      <a:pPr algn="ctr"/>
+                      <a:endParaRPr lang="en-US" dirty="0"/>
+                    </a:p>
+                  </a:txBody>
+                  <a:tcPr/>
+                </a:tc>
+                <a:extLst>
+                  <a:ext uri="{0D108BD9-81ED-4DB2-BD59-A6C34878D82A}">
+                    <a16:rowId xmlns:a16="http://schemas.microsoft.com/office/drawing/2014/main" val="3000121794"/>
+                  </a:ext>
+                </a:extLst>
+              </a:tr>
+            </a:tbl>
+          </a:graphicData>
+        </a:graphic>
+      </p:graphicFrame>
+      <p:graphicFrame>
+        <p:nvGraphicFramePr>
+          <p:cNvPr id="38" name="Table 6">
+            <a:extLst>
+              <a:ext uri="{FF2B5EF4-FFF2-40B4-BE49-F238E27FC236}">
+                <a16:creationId xmlns:a16="http://schemas.microsoft.com/office/drawing/2014/main" id="{7469E770-6E5D-479D-BD89-894B944BF4D7}"/>
+              </a:ext>
+            </a:extLst>
+          </p:cNvPr>
+          <p:cNvGraphicFramePr>
+            <a:graphicFrameLocks noGrp="1"/>
+          </p:cNvGraphicFramePr>
+          <p:nvPr>
+            <p:extLst>
+              <p:ext uri="{D42A27DB-BD31-4B8C-83A1-F6EECF244321}">
+                <p14:modId xmlns:p14="http://schemas.microsoft.com/office/powerpoint/2010/main" val="1981599546"/>
+              </p:ext>
+            </p:extLst>
+          </p:nvPr>
+        </p:nvGraphicFramePr>
+        <p:xfrm>
+          <a:off x="147913" y="4479165"/>
+          <a:ext cx="7209165" cy="365760"/>
+        </p:xfrm>
+        <a:graphic>
+          <a:graphicData uri="http://schemas.openxmlformats.org/drawingml/2006/table">
+            <a:tbl>
+              <a:tblPr firstRow="1" bandRow="1">
+                <a:tableStyleId>{5C22544A-7EE6-4342-B048-85BDC9FD1C3A}</a:tableStyleId>
+              </a:tblPr>
+              <a:tblGrid>
+                <a:gridCol w="1438840">
+                  <a:extLst>
+                    <a:ext uri="{9D8B030D-6E8A-4147-A177-3AD203B41FA5}">
+                      <a16:colId xmlns:a16="http://schemas.microsoft.com/office/drawing/2014/main" val="3058952261"/>
+                    </a:ext>
+                  </a:extLst>
+                </a:gridCol>
+                <a:gridCol w="1550894">
+                  <a:extLst>
+                    <a:ext uri="{9D8B030D-6E8A-4147-A177-3AD203B41FA5}">
+                      <a16:colId xmlns:a16="http://schemas.microsoft.com/office/drawing/2014/main" val="1233416698"/>
+                    </a:ext>
+                  </a:extLst>
+                </a:gridCol>
+                <a:gridCol w="1595718">
+                  <a:extLst>
+                    <a:ext uri="{9D8B030D-6E8A-4147-A177-3AD203B41FA5}">
+                      <a16:colId xmlns:a16="http://schemas.microsoft.com/office/drawing/2014/main" val="3002192346"/>
+                    </a:ext>
+                  </a:extLst>
+                </a:gridCol>
+                <a:gridCol w="1308847">
+                  <a:extLst>
+                    <a:ext uri="{9D8B030D-6E8A-4147-A177-3AD203B41FA5}">
+                      <a16:colId xmlns:a16="http://schemas.microsoft.com/office/drawing/2014/main" val="2150674968"/>
+                    </a:ext>
+                  </a:extLst>
+                </a:gridCol>
+                <a:gridCol w="1314866">
+                  <a:extLst>
+                    <a:ext uri="{9D8B030D-6E8A-4147-A177-3AD203B41FA5}">
+                      <a16:colId xmlns:a16="http://schemas.microsoft.com/office/drawing/2014/main" val="2760810114"/>
+                    </a:ext>
+                  </a:extLst>
+                </a:gridCol>
+              </a:tblGrid>
+              <a:tr h="345922">
+                <a:tc>
+                  <a:txBody>
+                    <a:bodyPr/>
+                    <a:lstStyle/>
+                    <a:p>
+                      <a:pPr algn="ctr"/>
+                      <a:r>
+                        <a:rPr lang="en-US" b="0" dirty="0">
+                          <a:solidFill>
+                            <a:schemeClr val="tx1"/>
+                          </a:solidFill>
+                        </a:rPr>
+                        <a:t>1</a:t>
+                      </a:r>
+                    </a:p>
+                  </a:txBody>
+                  <a:tcPr>
+                    <a:solidFill>
+                      <a:schemeClr val="accent1">
+                        <a:lumMod val="20000"/>
+                        <a:lumOff val="80000"/>
+                      </a:schemeClr>
+                    </a:solidFill>
+                  </a:tcPr>
+                </a:tc>
+                <a:tc>
+                  <a:txBody>
+                    <a:bodyPr/>
+                    <a:lstStyle/>
+                    <a:p>
+                      <a:pPr algn="ctr"/>
+                      <a:r>
+                        <a:rPr lang="en-US" b="0" dirty="0">
+                          <a:solidFill>
+                            <a:schemeClr val="tx1"/>
+                          </a:solidFill>
+                        </a:rPr>
+                        <a:t>1</a:t>
+                      </a:r>
+                    </a:p>
+                  </a:txBody>
+                  <a:tcPr>
+                    <a:solidFill>
+                      <a:schemeClr val="accent1">
+                        <a:lumMod val="20000"/>
+                        <a:lumOff val="80000"/>
+                      </a:schemeClr>
+                    </a:solidFill>
+                  </a:tcPr>
+                </a:tc>
+                <a:tc>
+                  <a:txBody>
+                    <a:bodyPr/>
+                    <a:lstStyle/>
+                    <a:p>
+                      <a:pPr algn="ctr"/>
+                      <a:r>
+                        <a:rPr lang="en-US" b="0" dirty="0">
+                          <a:solidFill>
+                            <a:schemeClr val="tx1"/>
+                          </a:solidFill>
+                        </a:rPr>
+                        <a:t>1</a:t>
+                      </a:r>
+                    </a:p>
+                  </a:txBody>
+                  <a:tcPr>
+                    <a:solidFill>
+                      <a:schemeClr val="accent1">
+                        <a:lumMod val="20000"/>
+                        <a:lumOff val="80000"/>
+                      </a:schemeClr>
+                    </a:solidFill>
+                  </a:tcPr>
+                </a:tc>
+                <a:tc>
+                  <a:txBody>
+                    <a:bodyPr/>
+                    <a:lstStyle/>
+                    <a:p>
+                      <a:pPr algn="ctr"/>
+                      <a:r>
+                        <a:rPr lang="en-US" b="0" dirty="0">
+                          <a:solidFill>
+                            <a:schemeClr val="tx1"/>
+                          </a:solidFill>
+                        </a:rPr>
+                        <a:t>1</a:t>
+                      </a:r>
+                    </a:p>
+                  </a:txBody>
+                  <a:tcPr>
+                    <a:solidFill>
+                      <a:schemeClr val="accent1">
+                        <a:lumMod val="20000"/>
+                        <a:lumOff val="80000"/>
+                      </a:schemeClr>
+                    </a:solidFill>
+                  </a:tcPr>
+                </a:tc>
+                <a:tc>
+                  <a:txBody>
+                    <a:bodyPr/>
+                    <a:lstStyle/>
+                    <a:p>
+                      <a:pPr algn="ctr"/>
+                      <a:endParaRPr lang="en-US" b="0" dirty="0">
+                        <a:solidFill>
+                          <a:schemeClr val="tx1"/>
+                        </a:solidFill>
+                      </a:endParaRPr>
+                    </a:p>
+                  </a:txBody>
+                  <a:tcPr>
+                    <a:solidFill>
+                      <a:schemeClr val="accent1">
+                        <a:lumMod val="20000"/>
+                        <a:lumOff val="80000"/>
+                      </a:schemeClr>
+                    </a:solidFill>
+                  </a:tcPr>
+                </a:tc>
+                <a:extLst>
+                  <a:ext uri="{0D108BD9-81ED-4DB2-BD59-A6C34878D82A}">
+                    <a16:rowId xmlns:a16="http://schemas.microsoft.com/office/drawing/2014/main" val="1021223636"/>
+                  </a:ext>
+                </a:extLst>
+              </a:tr>
+            </a:tbl>
+          </a:graphicData>
+        </a:graphic>
+      </p:graphicFrame>
+    </p:spTree>
+    <p:extLst>
+      <p:ext uri="{BB962C8B-B14F-4D97-AF65-F5344CB8AC3E}">
+        <p14:creationId xmlns:p14="http://schemas.microsoft.com/office/powerpoint/2010/main" val="807876865"/>
       </p:ext>
     </p:extLst>
   </p:cSld>

--- a/spectral-unmixing/ppt_presentations/midterm_project_report.pptx
+++ b/spectral-unmixing/ppt_presentations/midterm_project_report.pptx
@@ -11,6 +11,10 @@
     <p:sldId id="259" r:id="rId5"/>
     <p:sldId id="260" r:id="rId6"/>
     <p:sldId id="261" r:id="rId7"/>
+    <p:sldId id="262" r:id="rId8"/>
+    <p:sldId id="263" r:id="rId9"/>
+    <p:sldId id="264" r:id="rId10"/>
+    <p:sldId id="265" r:id="rId11"/>
   </p:sldIdLst>
   <p:sldSz cx="12192000" cy="6858000"/>
   <p:notesSz cx="6858000" cy="9144000"/>
@@ -3414,6 +3418,99 @@
 </p:sld>
 </file>
 
+<file path=ppt/slides/slide10.xml><?xml version="1.0" encoding="utf-8"?>
+<p:sld xmlns:a="http://schemas.openxmlformats.org/drawingml/2006/main" xmlns:r="http://schemas.openxmlformats.org/officeDocument/2006/relationships" xmlns:p="http://schemas.openxmlformats.org/presentationml/2006/main">
+  <p:cSld>
+    <p:spTree>
+      <p:nvGrpSpPr>
+        <p:cNvPr id="1" name=""/>
+        <p:cNvGrpSpPr/>
+        <p:nvPr/>
+      </p:nvGrpSpPr>
+      <p:grpSpPr>
+        <a:xfrm>
+          <a:off x="0" y="0"/>
+          <a:ext cx="0" cy="0"/>
+          <a:chOff x="0" y="0"/>
+          <a:chExt cx="0" cy="0"/>
+        </a:xfrm>
+      </p:grpSpPr>
+      <p:sp>
+        <p:nvSpPr>
+          <p:cNvPr id="2" name="Title 1">
+            <a:extLst>
+              <a:ext uri="{FF2B5EF4-FFF2-40B4-BE49-F238E27FC236}">
+                <a16:creationId xmlns:a16="http://schemas.microsoft.com/office/drawing/2014/main" id="{EAB4C2F3-4F70-4283-9A80-4338A0A2701D}"/>
+              </a:ext>
+            </a:extLst>
+          </p:cNvPr>
+          <p:cNvSpPr>
+            <a:spLocks noGrp="1"/>
+          </p:cNvSpPr>
+          <p:nvPr>
+            <p:ph type="title"/>
+          </p:nvPr>
+        </p:nvSpPr>
+        <p:spPr/>
+        <p:txBody>
+          <a:bodyPr/>
+          <a:lstStyle/>
+          <a:p>
+            <a:r>
+              <a:rPr lang="en-US" b="1" dirty="0"/>
+              <a:t>Optimal wavelengths to collect</a:t>
+            </a:r>
+          </a:p>
+        </p:txBody>
+      </p:sp>
+      <p:sp>
+        <p:nvSpPr>
+          <p:cNvPr id="3" name="Content Placeholder 2">
+            <a:extLst>
+              <a:ext uri="{FF2B5EF4-FFF2-40B4-BE49-F238E27FC236}">
+                <a16:creationId xmlns:a16="http://schemas.microsoft.com/office/drawing/2014/main" id="{7E7EA47C-BB5D-4E88-AB59-70CAA858D8B0}"/>
+              </a:ext>
+            </a:extLst>
+          </p:cNvPr>
+          <p:cNvSpPr>
+            <a:spLocks noGrp="1"/>
+          </p:cNvSpPr>
+          <p:nvPr>
+            <p:ph idx="1"/>
+          </p:nvPr>
+        </p:nvSpPr>
+        <p:spPr>
+          <a:xfrm>
+            <a:off x="838200" y="1497107"/>
+            <a:ext cx="10515600" cy="4995768"/>
+          </a:xfrm>
+        </p:spPr>
+        <p:txBody>
+          <a:bodyPr>
+            <a:normAutofit/>
+          </a:bodyPr>
+          <a:lstStyle/>
+          <a:p>
+            <a:pPr marL="0" indent="0">
+              <a:buNone/>
+            </a:pPr>
+            <a:endParaRPr lang="en-US" dirty="0"/>
+          </a:p>
+        </p:txBody>
+      </p:sp>
+    </p:spTree>
+    <p:extLst>
+      <p:ext uri="{BB962C8B-B14F-4D97-AF65-F5344CB8AC3E}">
+        <p14:creationId xmlns:p14="http://schemas.microsoft.com/office/powerpoint/2010/main" val="235498645"/>
+      </p:ext>
+    </p:extLst>
+  </p:cSld>
+  <p:clrMapOvr>
+    <a:masterClrMapping/>
+  </p:clrMapOvr>
+</p:sld>
+</file>
+
 <file path=ppt/slides/slide2.xml><?xml version="1.0" encoding="utf-8"?>
 <p:sld xmlns:a="http://schemas.openxmlformats.org/drawingml/2006/main" xmlns:r="http://schemas.openxmlformats.org/officeDocument/2006/relationships" xmlns:p="http://schemas.openxmlformats.org/presentationml/2006/main">
   <p:cSld>
@@ -3635,7 +3732,7 @@
             </a:r>
             <a:r>
               <a:rPr lang="en-US" dirty="0"/>
-              <a:t>: determine the optimal frequency components when acquiring an MSOT spectrum</a:t>
+              <a:t>: determine the optimal wavelength components when acquiring an MSOT spectrum</a:t>
             </a:r>
           </a:p>
           <a:p>
@@ -3655,7 +3752,7 @@
             </a:pPr>
             <a:r>
               <a:rPr lang="en-US" dirty="0"/>
-              <a:t>If we only have time to acquire 6 images (i.e., 6 frequencies), what frequencies will give the most accurate Hb, O2, and ICG measurements?</a:t>
+              <a:t>If we only have time to acquire 6 images (i.e., 6 wavelengths), what wavelengths will give the most accurate Hb, O2, and ICG measurements?</a:t>
             </a:r>
           </a:p>
           <a:p>
@@ -4474,7 +4571,7 @@
         <p:spPr>
           <a:xfrm>
             <a:off x="564779" y="4320986"/>
-            <a:ext cx="2061882" cy="584775"/>
+            <a:ext cx="2099422" cy="584775"/>
           </a:xfrm>
           <a:prstGeom prst="rect">
             <a:avLst/>
@@ -4490,7 +4587,7 @@
             <a:pPr algn="ctr"/>
             <a:r>
               <a:rPr lang="en-US" sz="1600" dirty="0"/>
-              <a:t>experimental MSOT signal at n frequencies</a:t>
+              <a:t>experimental MSOT signal at n wavelengths</a:t>
             </a:r>
           </a:p>
         </p:txBody>
@@ -4649,7 +4746,7 @@
             <a:pPr algn="ctr"/>
             <a:r>
               <a:rPr lang="en-US" sz="1600" dirty="0"/>
-              <a:t>known 100% Hb MSOT signal at n frequencies</a:t>
+              <a:t>known 100% Hb MSOT signal at n wavelengths</a:t>
             </a:r>
           </a:p>
         </p:txBody>
@@ -4685,7 +4782,7 @@
             <a:pPr algn="ctr"/>
             <a:r>
               <a:rPr lang="en-US" sz="1600" dirty="0"/>
-              <a:t>known 100% O2 MSOT signal at n frequencies</a:t>
+              <a:t>known 100% O2 MSOT signal at n wavelengths</a:t>
             </a:r>
           </a:p>
         </p:txBody>
@@ -4721,7 +4818,7 @@
             <a:pPr algn="ctr"/>
             <a:r>
               <a:rPr lang="en-US" sz="1600" dirty="0"/>
-              <a:t>known 100% ICG MSOT signal at n frequencies</a:t>
+              <a:t>known 100% ICG MSOT signal at n wavelengths</a:t>
             </a:r>
           </a:p>
         </p:txBody>
@@ -5346,19 +5443,19 @@
         </p:nvSpPr>
         <p:spPr>
           <a:xfrm>
-            <a:off x="838200" y="69288"/>
-            <a:ext cx="10515600" cy="1325563"/>
+            <a:off x="838200" y="69289"/>
+            <a:ext cx="8054788" cy="1042336"/>
           </a:xfrm>
         </p:spPr>
         <p:txBody>
           <a:bodyPr>
-            <a:normAutofit/>
+            <a:normAutofit fontScale="90000"/>
           </a:bodyPr>
           <a:lstStyle/>
           <a:p>
             <a:r>
               <a:rPr lang="en-US" sz="4000" b="1" dirty="0"/>
-              <a:t>Studied possible machine learning alternative</a:t>
+              <a:t>Developed machine learning alternative</a:t>
             </a:r>
           </a:p>
         </p:txBody>
@@ -5378,7 +5475,7 @@
           <p:nvPr>
             <p:extLst>
               <p:ext uri="{D42A27DB-BD31-4B8C-83A1-F6EECF244321}">
-                <p14:modId xmlns:p14="http://schemas.microsoft.com/office/powerpoint/2010/main" val="3983769533"/>
+                <p14:modId xmlns:p14="http://schemas.microsoft.com/office/powerpoint/2010/main" val="3502107701"/>
               </p:ext>
             </p:extLst>
           </p:nvPr>
@@ -5580,22 +5677,40 @@
                     <a:bodyPr/>
                     <a:lstStyle/>
                     <a:p>
-                      <a:pPr algn="ctr"/>
-                      <a:endParaRPr lang="en-US" dirty="0"/>
+                      <a:pPr algn="ctr" fontAlgn="b"/>
+                      <a:r>
+                        <a:rPr lang="en-US" sz="1800" b="0" i="0" u="none" strike="noStrike" dirty="0">
+                          <a:solidFill>
+                            <a:srgbClr val="000000"/>
+                          </a:solidFill>
+                          <a:effectLst/>
+                          <a:latin typeface="Calibri" panose="020F0502020204030204" pitchFamily="34" charset="0"/>
+                        </a:rPr>
+                        <a:t>0.38</a:t>
+                      </a:r>
                     </a:p>
                   </a:txBody>
-                  <a:tcPr/>
+                  <a:tcPr marL="7620" marR="7620" marT="7620" marB="0" anchor="b"/>
                 </a:tc>
                 <a:tc>
                   <a:txBody>
                     <a:bodyPr/>
                     <a:lstStyle/>
                     <a:p>
-                      <a:pPr algn="ctr"/>
-                      <a:endParaRPr lang="en-US" dirty="0"/>
+                      <a:pPr algn="ctr" fontAlgn="b"/>
+                      <a:r>
+                        <a:rPr lang="en-US" sz="1800" b="0" i="0" u="none" strike="noStrike">
+                          <a:solidFill>
+                            <a:srgbClr val="000000"/>
+                          </a:solidFill>
+                          <a:effectLst/>
+                          <a:latin typeface="Calibri" panose="020F0502020204030204" pitchFamily="34" charset="0"/>
+                        </a:rPr>
+                        <a:t>0.67</a:t>
+                      </a:r>
                     </a:p>
                   </a:txBody>
-                  <a:tcPr/>
+                  <a:tcPr marL="7620" marR="7620" marT="7620" marB="0" anchor="b"/>
                 </a:tc>
                 <a:extLst>
                   <a:ext uri="{0D108BD9-81ED-4DB2-BD59-A6C34878D82A}">
@@ -5651,22 +5766,40 @@
                     <a:bodyPr/>
                     <a:lstStyle/>
                     <a:p>
-                      <a:pPr algn="ctr"/>
-                      <a:endParaRPr lang="en-US" dirty="0"/>
+                      <a:pPr algn="ctr" fontAlgn="b"/>
+                      <a:r>
+                        <a:rPr lang="en-US" sz="1800" b="0" i="0" u="none" strike="noStrike" dirty="0">
+                          <a:solidFill>
+                            <a:srgbClr val="000000"/>
+                          </a:solidFill>
+                          <a:effectLst/>
+                          <a:latin typeface="Calibri" panose="020F0502020204030204" pitchFamily="34" charset="0"/>
+                        </a:rPr>
+                        <a:t>0.22</a:t>
+                      </a:r>
                     </a:p>
                   </a:txBody>
-                  <a:tcPr/>
+                  <a:tcPr marL="7620" marR="7620" marT="7620" marB="0" anchor="b"/>
                 </a:tc>
                 <a:tc>
                   <a:txBody>
                     <a:bodyPr/>
                     <a:lstStyle/>
                     <a:p>
-                      <a:pPr algn="ctr"/>
-                      <a:endParaRPr lang="en-US" dirty="0"/>
+                      <a:pPr algn="ctr" fontAlgn="b"/>
+                      <a:r>
+                        <a:rPr lang="en-US" sz="1800" b="0" i="0" u="none" strike="noStrike" dirty="0">
+                          <a:solidFill>
+                            <a:srgbClr val="000000"/>
+                          </a:solidFill>
+                          <a:effectLst/>
+                          <a:latin typeface="Calibri" panose="020F0502020204030204" pitchFamily="34" charset="0"/>
+                        </a:rPr>
+                        <a:t>0.89</a:t>
+                      </a:r>
                     </a:p>
                   </a:txBody>
-                  <a:tcPr/>
+                  <a:tcPr marL="7620" marR="7620" marT="7620" marB="0" anchor="b"/>
                 </a:tc>
                 <a:extLst>
                   <a:ext uri="{0D108BD9-81ED-4DB2-BD59-A6C34878D82A}">
@@ -5722,22 +5855,40 @@
                     <a:bodyPr/>
                     <a:lstStyle/>
                     <a:p>
-                      <a:pPr algn="ctr"/>
-                      <a:endParaRPr lang="en-US" dirty="0"/>
+                      <a:pPr algn="ctr" fontAlgn="b"/>
+                      <a:r>
+                        <a:rPr lang="en-US" sz="1800" b="0" i="0" u="none" strike="noStrike">
+                          <a:solidFill>
+                            <a:srgbClr val="000000"/>
+                          </a:solidFill>
+                          <a:effectLst/>
+                          <a:latin typeface="Calibri" panose="020F0502020204030204" pitchFamily="34" charset="0"/>
+                        </a:rPr>
+                        <a:t>0.01</a:t>
+                      </a:r>
                     </a:p>
                   </a:txBody>
-                  <a:tcPr/>
+                  <a:tcPr marL="7620" marR="7620" marT="7620" marB="0" anchor="b"/>
                 </a:tc>
                 <a:tc>
                   <a:txBody>
                     <a:bodyPr/>
                     <a:lstStyle/>
                     <a:p>
-                      <a:pPr algn="ctr"/>
-                      <a:endParaRPr lang="en-US" dirty="0"/>
+                      <a:pPr algn="ctr" fontAlgn="b"/>
+                      <a:r>
+                        <a:rPr lang="en-US" sz="1800" b="0" i="0" u="none" strike="noStrike" dirty="0">
+                          <a:solidFill>
+                            <a:srgbClr val="000000"/>
+                          </a:solidFill>
+                          <a:effectLst/>
+                          <a:latin typeface="Calibri" panose="020F0502020204030204" pitchFamily="34" charset="0"/>
+                        </a:rPr>
+                        <a:t>0.96</a:t>
+                      </a:r>
                     </a:p>
                   </a:txBody>
-                  <a:tcPr/>
+                  <a:tcPr marL="7620" marR="7620" marT="7620" marB="0" anchor="b"/>
                 </a:tc>
                 <a:extLst>
                   <a:ext uri="{0D108BD9-81ED-4DB2-BD59-A6C34878D82A}">
@@ -5793,22 +5944,40 @@
                     <a:bodyPr/>
                     <a:lstStyle/>
                     <a:p>
-                      <a:pPr algn="ctr"/>
-                      <a:endParaRPr lang="en-US" dirty="0"/>
+                      <a:pPr algn="ctr" fontAlgn="b"/>
+                      <a:r>
+                        <a:rPr lang="en-US" sz="1800" b="0" i="0" u="none" strike="noStrike">
+                          <a:solidFill>
+                            <a:srgbClr val="000000"/>
+                          </a:solidFill>
+                          <a:effectLst/>
+                          <a:latin typeface="Calibri" panose="020F0502020204030204" pitchFamily="34" charset="0"/>
+                        </a:rPr>
+                        <a:t>0.57</a:t>
+                      </a:r>
                     </a:p>
                   </a:txBody>
-                  <a:tcPr/>
+                  <a:tcPr marL="7620" marR="7620" marT="7620" marB="0" anchor="b"/>
                 </a:tc>
                 <a:tc>
                   <a:txBody>
                     <a:bodyPr/>
                     <a:lstStyle/>
                     <a:p>
-                      <a:pPr algn="ctr"/>
-                      <a:endParaRPr lang="en-US" dirty="0"/>
+                      <a:pPr algn="ctr" fontAlgn="b"/>
+                      <a:r>
+                        <a:rPr lang="en-US" sz="1800" b="0" i="0" u="none" strike="noStrike" dirty="0">
+                          <a:solidFill>
+                            <a:srgbClr val="000000"/>
+                          </a:solidFill>
+                          <a:effectLst/>
+                          <a:latin typeface="Calibri" panose="020F0502020204030204" pitchFamily="34" charset="0"/>
+                        </a:rPr>
+                        <a:t>0.37</a:t>
+                      </a:r>
                     </a:p>
                   </a:txBody>
-                  <a:tcPr/>
+                  <a:tcPr marL="7620" marR="7620" marT="7620" marB="0" anchor="b"/>
                 </a:tc>
                 <a:extLst>
                   <a:ext uri="{0D108BD9-81ED-4DB2-BD59-A6C34878D82A}">
@@ -5864,22 +6033,40 @@
                     <a:bodyPr/>
                     <a:lstStyle/>
                     <a:p>
-                      <a:pPr algn="ctr"/>
-                      <a:endParaRPr lang="en-US" dirty="0"/>
+                      <a:pPr algn="ctr" fontAlgn="b"/>
+                      <a:r>
+                        <a:rPr lang="en-US" sz="1800" b="0" i="0" u="none" strike="noStrike">
+                          <a:solidFill>
+                            <a:srgbClr val="000000"/>
+                          </a:solidFill>
+                          <a:effectLst/>
+                          <a:latin typeface="Calibri" panose="020F0502020204030204" pitchFamily="34" charset="0"/>
+                        </a:rPr>
+                        <a:t>0.82</a:t>
+                      </a:r>
                     </a:p>
                   </a:txBody>
-                  <a:tcPr/>
+                  <a:tcPr marL="7620" marR="7620" marT="7620" marB="0" anchor="b"/>
                 </a:tc>
                 <a:tc>
                   <a:txBody>
                     <a:bodyPr/>
                     <a:lstStyle/>
                     <a:p>
-                      <a:pPr algn="ctr"/>
-                      <a:endParaRPr lang="en-US" dirty="0"/>
+                      <a:pPr algn="ctr" fontAlgn="b"/>
+                      <a:r>
+                        <a:rPr lang="en-US" sz="1800" b="0" i="0" u="none" strike="noStrike" dirty="0">
+                          <a:solidFill>
+                            <a:srgbClr val="000000"/>
+                          </a:solidFill>
+                          <a:effectLst/>
+                          <a:latin typeface="Calibri" panose="020F0502020204030204" pitchFamily="34" charset="0"/>
+                        </a:rPr>
+                        <a:t>0.85</a:t>
+                      </a:r>
                     </a:p>
                   </a:txBody>
-                  <a:tcPr/>
+                  <a:tcPr marL="7620" marR="7620" marT="7620" marB="0" anchor="b"/>
                 </a:tc>
                 <a:extLst>
                   <a:ext uri="{0D108BD9-81ED-4DB2-BD59-A6C34878D82A}">
@@ -5935,22 +6122,40 @@
                     <a:bodyPr/>
                     <a:lstStyle/>
                     <a:p>
-                      <a:pPr algn="ctr"/>
-                      <a:endParaRPr lang="en-US" dirty="0"/>
+                      <a:pPr algn="ctr" fontAlgn="b"/>
+                      <a:r>
+                        <a:rPr lang="en-US" sz="1800" b="0" i="0" u="none" strike="noStrike">
+                          <a:solidFill>
+                            <a:srgbClr val="000000"/>
+                          </a:solidFill>
+                          <a:effectLst/>
+                          <a:latin typeface="Calibri" panose="020F0502020204030204" pitchFamily="34" charset="0"/>
+                        </a:rPr>
+                        <a:t>0.86</a:t>
+                      </a:r>
                     </a:p>
                   </a:txBody>
-                  <a:tcPr/>
+                  <a:tcPr marL="7620" marR="7620" marT="7620" marB="0" anchor="b"/>
                 </a:tc>
                 <a:tc>
                   <a:txBody>
                     <a:bodyPr/>
                     <a:lstStyle/>
                     <a:p>
-                      <a:pPr algn="ctr"/>
-                      <a:endParaRPr lang="en-US" dirty="0"/>
+                      <a:pPr algn="ctr" fontAlgn="b"/>
+                      <a:r>
+                        <a:rPr lang="en-US" sz="1800" b="0" i="0" u="none" strike="noStrike" dirty="0">
+                          <a:solidFill>
+                            <a:srgbClr val="000000"/>
+                          </a:solidFill>
+                          <a:effectLst/>
+                          <a:latin typeface="Calibri" panose="020F0502020204030204" pitchFamily="34" charset="0"/>
+                        </a:rPr>
+                        <a:t>0.93</a:t>
+                      </a:r>
                     </a:p>
                   </a:txBody>
-                  <a:tcPr/>
+                  <a:tcPr marL="7620" marR="7620" marT="7620" marB="0" anchor="b"/>
                 </a:tc>
                 <a:extLst>
                   <a:ext uri="{0D108BD9-81ED-4DB2-BD59-A6C34878D82A}">
@@ -6011,7 +6216,7 @@
         </p:nvSpPr>
         <p:spPr>
           <a:xfrm rot="16200000">
-            <a:off x="7381123" y="2450702"/>
+            <a:off x="7381123" y="2881011"/>
             <a:ext cx="475129" cy="523220"/>
           </a:xfrm>
           <a:prstGeom prst="rect">
@@ -6047,7 +6252,7 @@
           <p:nvPr>
             <p:extLst>
               <p:ext uri="{D42A27DB-BD31-4B8C-83A1-F6EECF244321}">
-                <p14:modId xmlns:p14="http://schemas.microsoft.com/office/powerpoint/2010/main" val="1292153395"/>
+                <p14:modId xmlns:p14="http://schemas.microsoft.com/office/powerpoint/2010/main" val="2857261043"/>
               </p:ext>
             </p:extLst>
           </p:nvPr>
@@ -6080,7 +6285,7 @@
                       <a:pPr algn="ctr"/>
                       <a:r>
                         <a:rPr lang="en-US" dirty="0" err="1"/>
-                        <a:t>Xn</a:t>
+                        <a:t>Xp</a:t>
                       </a:r>
                       <a:endParaRPr lang="en-US" dirty="0"/>
                     </a:p>
@@ -6099,11 +6304,20 @@
                     <a:bodyPr/>
                     <a:lstStyle/>
                     <a:p>
-                      <a:pPr algn="ctr"/>
-                      <a:endParaRPr lang="en-US" dirty="0"/>
+                      <a:pPr algn="ctr" fontAlgn="b"/>
+                      <a:r>
+                        <a:rPr lang="en-US" sz="1800" b="0" i="0" u="none" strike="noStrike" dirty="0">
+                          <a:solidFill>
+                            <a:srgbClr val="000000"/>
+                          </a:solidFill>
+                          <a:effectLst/>
+                          <a:latin typeface="Calibri" panose="020F0502020204030204" pitchFamily="34" charset="0"/>
+                        </a:rPr>
+                        <a:t>0.45</a:t>
+                      </a:r>
                     </a:p>
                   </a:txBody>
-                  <a:tcPr/>
+                  <a:tcPr marL="7620" marR="7620" marT="7620" marB="0" anchor="b"/>
                 </a:tc>
                 <a:extLst>
                   <a:ext uri="{0D108BD9-81ED-4DB2-BD59-A6C34878D82A}">
@@ -6117,11 +6331,20 @@
                     <a:bodyPr/>
                     <a:lstStyle/>
                     <a:p>
-                      <a:pPr algn="ctr"/>
-                      <a:endParaRPr lang="en-US" dirty="0"/>
+                      <a:pPr algn="ctr" fontAlgn="b"/>
+                      <a:r>
+                        <a:rPr lang="en-US" sz="1800" b="0" i="0" u="none" strike="noStrike">
+                          <a:solidFill>
+                            <a:srgbClr val="000000"/>
+                          </a:solidFill>
+                          <a:effectLst/>
+                          <a:latin typeface="Calibri" panose="020F0502020204030204" pitchFamily="34" charset="0"/>
+                        </a:rPr>
+                        <a:t>1.00</a:t>
+                      </a:r>
                     </a:p>
                   </a:txBody>
-                  <a:tcPr/>
+                  <a:tcPr marL="7620" marR="7620" marT="7620" marB="0" anchor="b"/>
                 </a:tc>
                 <a:extLst>
                   <a:ext uri="{0D108BD9-81ED-4DB2-BD59-A6C34878D82A}">
@@ -6135,11 +6358,20 @@
                     <a:bodyPr/>
                     <a:lstStyle/>
                     <a:p>
-                      <a:pPr algn="ctr"/>
-                      <a:endParaRPr lang="en-US" dirty="0"/>
+                      <a:pPr algn="ctr" fontAlgn="b"/>
+                      <a:r>
+                        <a:rPr lang="en-US" sz="1800" b="0" i="0" u="none" strike="noStrike">
+                          <a:solidFill>
+                            <a:srgbClr val="000000"/>
+                          </a:solidFill>
+                          <a:effectLst/>
+                          <a:latin typeface="Calibri" panose="020F0502020204030204" pitchFamily="34" charset="0"/>
+                        </a:rPr>
+                        <a:t>0.47</a:t>
+                      </a:r>
                     </a:p>
                   </a:txBody>
-                  <a:tcPr/>
+                  <a:tcPr marL="7620" marR="7620" marT="7620" marB="0" anchor="b"/>
                 </a:tc>
                 <a:extLst>
                   <a:ext uri="{0D108BD9-81ED-4DB2-BD59-A6C34878D82A}">
@@ -6153,11 +6385,20 @@
                     <a:bodyPr/>
                     <a:lstStyle/>
                     <a:p>
-                      <a:pPr algn="ctr"/>
-                      <a:endParaRPr lang="en-US" dirty="0"/>
+                      <a:pPr algn="ctr" fontAlgn="b"/>
+                      <a:r>
+                        <a:rPr lang="en-US" sz="1800" b="0" i="0" u="none" strike="noStrike">
+                          <a:solidFill>
+                            <a:srgbClr val="000000"/>
+                          </a:solidFill>
+                          <a:effectLst/>
+                          <a:latin typeface="Calibri" panose="020F0502020204030204" pitchFamily="34" charset="0"/>
+                        </a:rPr>
+                        <a:t>0.66</a:t>
+                      </a:r>
                     </a:p>
                   </a:txBody>
-                  <a:tcPr/>
+                  <a:tcPr marL="7620" marR="7620" marT="7620" marB="0" anchor="b"/>
                 </a:tc>
                 <a:extLst>
                   <a:ext uri="{0D108BD9-81ED-4DB2-BD59-A6C34878D82A}">
@@ -6171,11 +6412,20 @@
                     <a:bodyPr/>
                     <a:lstStyle/>
                     <a:p>
-                      <a:pPr algn="ctr"/>
-                      <a:endParaRPr lang="en-US" dirty="0"/>
+                      <a:pPr algn="ctr" fontAlgn="b"/>
+                      <a:r>
+                        <a:rPr lang="en-US" sz="1800" b="0" i="0" u="none" strike="noStrike">
+                          <a:solidFill>
+                            <a:srgbClr val="000000"/>
+                          </a:solidFill>
+                          <a:effectLst/>
+                          <a:latin typeface="Calibri" panose="020F0502020204030204" pitchFamily="34" charset="0"/>
+                        </a:rPr>
+                        <a:t>0.28</a:t>
+                      </a:r>
                     </a:p>
                   </a:txBody>
-                  <a:tcPr/>
+                  <a:tcPr marL="7620" marR="7620" marT="7620" marB="0" anchor="b"/>
                 </a:tc>
                 <a:extLst>
                   <a:ext uri="{0D108BD9-81ED-4DB2-BD59-A6C34878D82A}">
@@ -6189,11 +6439,20 @@
                     <a:bodyPr/>
                     <a:lstStyle/>
                     <a:p>
-                      <a:pPr algn="ctr"/>
-                      <a:endParaRPr lang="en-US" dirty="0"/>
+                      <a:pPr algn="ctr" fontAlgn="b"/>
+                      <a:r>
+                        <a:rPr lang="en-US" sz="1800" b="0" i="0" u="none" strike="noStrike" dirty="0">
+                          <a:solidFill>
+                            <a:srgbClr val="000000"/>
+                          </a:solidFill>
+                          <a:effectLst/>
+                          <a:latin typeface="Calibri" panose="020F0502020204030204" pitchFamily="34" charset="0"/>
+                        </a:rPr>
+                        <a:t>0.93</a:t>
+                      </a:r>
                     </a:p>
                   </a:txBody>
-                  <a:tcPr/>
+                  <a:tcPr marL="7620" marR="7620" marT="7620" marB="0" anchor="b"/>
                 </a:tc>
                 <a:extLst>
                   <a:ext uri="{0D108BD9-81ED-4DB2-BD59-A6C34878D82A}">
@@ -6220,13 +6479,13 @@
           <p:nvPr>
             <p:extLst>
               <p:ext uri="{D42A27DB-BD31-4B8C-83A1-F6EECF244321}">
-                <p14:modId xmlns:p14="http://schemas.microsoft.com/office/powerpoint/2010/main" val="1981599546"/>
+                <p14:modId xmlns:p14="http://schemas.microsoft.com/office/powerpoint/2010/main" val="801692866"/>
               </p:ext>
             </p:extLst>
           </p:nvPr>
         </p:nvGraphicFramePr>
         <p:xfrm>
-          <a:off x="147913" y="4479165"/>
+          <a:off x="147913" y="4532955"/>
           <a:ext cx="7209165" cy="365760"/>
         </p:xfrm>
         <a:graphic>
@@ -6285,7 +6544,32 @@
                             <a:schemeClr val="tx1"/>
                           </a:solidFill>
                         </a:rPr>
-                        <a:t>1</a:t>
+                        <a:t>0</a:t>
+                      </a:r>
+                    </a:p>
+                  </a:txBody>
+                  <a:tcPr>
+                    <a:solidFill>
+                      <a:schemeClr val="accent1">
+                        <a:lumMod val="20000"/>
+                        <a:lumOff val="80000"/>
+                      </a:schemeClr>
+                    </a:solidFill>
+                  </a:tcPr>
+                </a:tc>
+                <a:tc>
+                  <a:txBody>
+                    <a:bodyPr/>
+                    <a:lstStyle/>
+                    <a:p>
+                      <a:pPr algn="ctr"/>
+                      <a:r>
+                        <a:rPr lang="en-US" b="0" dirty="0">
+                          <a:solidFill>
+                            <a:schemeClr val="tx1"/>
+                          </a:solidFill>
+                        </a:rPr>
+                        <a:t>0</a:t>
                       </a:r>
                     </a:p>
                   </a:txBody>
@@ -6335,7 +6619,7 @@
                             <a:schemeClr val="tx1"/>
                           </a:solidFill>
                         </a:rPr>
-                        <a:t>1</a:t>
+                        <a:t>0.34</a:t>
                       </a:r>
                     </a:p>
                   </a:txBody>
@@ -6360,30 +6644,8 @@
                             <a:schemeClr val="tx1"/>
                           </a:solidFill>
                         </a:rPr>
-                        <a:t>1</a:t>
+                        <a:t>0.29</a:t>
                       </a:r>
-                    </a:p>
-                  </a:txBody>
-                  <a:tcPr>
-                    <a:solidFill>
-                      <a:schemeClr val="accent1">
-                        <a:lumMod val="20000"/>
-                        <a:lumOff val="80000"/>
-                      </a:schemeClr>
-                    </a:solidFill>
-                  </a:tcPr>
-                </a:tc>
-                <a:tc>
-                  <a:txBody>
-                    <a:bodyPr/>
-                    <a:lstStyle/>
-                    <a:p>
-                      <a:pPr algn="ctr"/>
-                      <a:endParaRPr lang="en-US" b="0" dirty="0">
-                        <a:solidFill>
-                          <a:schemeClr val="tx1"/>
-                        </a:solidFill>
-                      </a:endParaRPr>
                     </a:p>
                   </a:txBody>
                   <a:tcPr>
@@ -6405,10 +6667,1097 @@
           </a:graphicData>
         </a:graphic>
       </p:graphicFrame>
+      <p:graphicFrame>
+        <p:nvGraphicFramePr>
+          <p:cNvPr id="8" name="Table 6">
+            <a:extLst>
+              <a:ext uri="{FF2B5EF4-FFF2-40B4-BE49-F238E27FC236}">
+                <a16:creationId xmlns:a16="http://schemas.microsoft.com/office/drawing/2014/main" id="{0ED3D2D0-4D5F-4A0C-BE37-F378AA27DB24}"/>
+              </a:ext>
+            </a:extLst>
+          </p:cNvPr>
+          <p:cNvGraphicFramePr>
+            <a:graphicFrameLocks noGrp="1"/>
+          </p:cNvGraphicFramePr>
+          <p:nvPr>
+            <p:extLst>
+              <p:ext uri="{D42A27DB-BD31-4B8C-83A1-F6EECF244321}">
+                <p14:modId xmlns:p14="http://schemas.microsoft.com/office/powerpoint/2010/main" val="3882147545"/>
+              </p:ext>
+            </p:extLst>
+          </p:nvPr>
+        </p:nvGraphicFramePr>
+        <p:xfrm>
+          <a:off x="7989624" y="4532955"/>
+          <a:ext cx="1446494" cy="365760"/>
+        </p:xfrm>
+        <a:graphic>
+          <a:graphicData uri="http://schemas.openxmlformats.org/drawingml/2006/table">
+            <a:tbl>
+              <a:tblPr firstRow="1" bandRow="1">
+                <a:tableStyleId>{5C22544A-7EE6-4342-B048-85BDC9FD1C3A}</a:tableStyleId>
+              </a:tblPr>
+              <a:tblGrid>
+                <a:gridCol w="1446494">
+                  <a:extLst>
+                    <a:ext uri="{9D8B030D-6E8A-4147-A177-3AD203B41FA5}">
+                      <a16:colId xmlns:a16="http://schemas.microsoft.com/office/drawing/2014/main" val="2760810114"/>
+                    </a:ext>
+                  </a:extLst>
+                </a:gridCol>
+              </a:tblGrid>
+              <a:tr h="345922">
+                <a:tc>
+                  <a:txBody>
+                    <a:bodyPr/>
+                    <a:lstStyle/>
+                    <a:p>
+                      <a:pPr algn="ctr"/>
+                      <a:r>
+                        <a:rPr lang="en-US" b="0" dirty="0">
+                          <a:solidFill>
+                            <a:schemeClr val="tx1"/>
+                          </a:solidFill>
+                        </a:rPr>
+                        <a:t>0.16</a:t>
+                      </a:r>
+                    </a:p>
+                  </a:txBody>
+                  <a:tcPr>
+                    <a:solidFill>
+                      <a:schemeClr val="accent1">
+                        <a:lumMod val="20000"/>
+                        <a:lumOff val="80000"/>
+                      </a:schemeClr>
+                    </a:solidFill>
+                  </a:tcPr>
+                </a:tc>
+                <a:extLst>
+                  <a:ext uri="{0D108BD9-81ED-4DB2-BD59-A6C34878D82A}">
+                    <a16:rowId xmlns:a16="http://schemas.microsoft.com/office/drawing/2014/main" val="1021223636"/>
+                  </a:ext>
+                </a:extLst>
+              </a:tr>
+            </a:tbl>
+          </a:graphicData>
+        </a:graphic>
+      </p:graphicFrame>
+      <p:sp>
+        <p:nvSpPr>
+          <p:cNvPr id="10" name="TextBox 9">
+            <a:extLst>
+              <a:ext uri="{FF2B5EF4-FFF2-40B4-BE49-F238E27FC236}">
+                <a16:creationId xmlns:a16="http://schemas.microsoft.com/office/drawing/2014/main" id="{7F9C687C-0A9E-4512-A68F-2BB9647F369F}"/>
+              </a:ext>
+            </a:extLst>
+          </p:cNvPr>
+          <p:cNvSpPr txBox="1"/>
+          <p:nvPr/>
+        </p:nvSpPr>
+        <p:spPr>
+          <a:xfrm>
+            <a:off x="4513728" y="4028153"/>
+            <a:ext cx="475129" cy="523220"/>
+          </a:xfrm>
+          <a:prstGeom prst="rect">
+            <a:avLst/>
+          </a:prstGeom>
+          <a:noFill/>
+        </p:spPr>
+        <p:txBody>
+          <a:bodyPr wrap="square" rtlCol="0">
+            <a:spAutoFit/>
+          </a:bodyPr>
+          <a:lstStyle/>
+          <a:p>
+            <a:r>
+              <a:rPr lang="en-US" sz="2800" dirty="0"/>
+              <a:t>…</a:t>
+            </a:r>
+          </a:p>
+        </p:txBody>
+      </p:sp>
+      <p:cxnSp>
+        <p:nvCxnSpPr>
+          <p:cNvPr id="4" name="Straight Arrow Connector 3">
+            <a:extLst>
+              <a:ext uri="{FF2B5EF4-FFF2-40B4-BE49-F238E27FC236}">
+                <a16:creationId xmlns:a16="http://schemas.microsoft.com/office/drawing/2014/main" id="{B392D3DF-6184-45E8-819D-98BADAE85224}"/>
+              </a:ext>
+            </a:extLst>
+          </p:cNvPr>
+          <p:cNvCxnSpPr/>
+          <p:nvPr/>
+        </p:nvCxnSpPr>
+        <p:spPr>
+          <a:xfrm>
+            <a:off x="8892988" y="1506071"/>
+            <a:ext cx="941294" cy="0"/>
+          </a:xfrm>
+          <a:prstGeom prst="straightConnector1">
+            <a:avLst/>
+          </a:prstGeom>
+          <a:ln>
+            <a:tailEnd type="triangle"/>
+          </a:ln>
+        </p:spPr>
+        <p:style>
+          <a:lnRef idx="1">
+            <a:schemeClr val="dk1"/>
+          </a:lnRef>
+          <a:fillRef idx="0">
+            <a:schemeClr val="dk1"/>
+          </a:fillRef>
+          <a:effectRef idx="0">
+            <a:schemeClr val="dk1"/>
+          </a:effectRef>
+          <a:fontRef idx="minor">
+            <a:schemeClr val="tx1"/>
+          </a:fontRef>
+        </p:style>
+      </p:cxnSp>
+      <p:sp>
+        <p:nvSpPr>
+          <p:cNvPr id="12" name="TextBox 11">
+            <a:extLst>
+              <a:ext uri="{FF2B5EF4-FFF2-40B4-BE49-F238E27FC236}">
+                <a16:creationId xmlns:a16="http://schemas.microsoft.com/office/drawing/2014/main" id="{24449C77-7750-4BD9-AD50-F2F7250D212B}"/>
+              </a:ext>
+            </a:extLst>
+          </p:cNvPr>
+          <p:cNvSpPr txBox="1"/>
+          <p:nvPr/>
+        </p:nvSpPr>
+        <p:spPr>
+          <a:xfrm>
+            <a:off x="9730443" y="1213683"/>
+            <a:ext cx="2496666" cy="584775"/>
+          </a:xfrm>
+          <a:prstGeom prst="rect">
+            <a:avLst/>
+          </a:prstGeom>
+          <a:noFill/>
+        </p:spPr>
+        <p:txBody>
+          <a:bodyPr wrap="square" rtlCol="0">
+            <a:spAutoFit/>
+          </a:bodyPr>
+          <a:lstStyle/>
+          <a:p>
+            <a:pPr algn="ctr"/>
+            <a:r>
+              <a:rPr lang="en-US" sz="1600" dirty="0"/>
+              <a:t>p wavelengths, where each wavelength is a predictor.</a:t>
+            </a:r>
+          </a:p>
+        </p:txBody>
+      </p:sp>
+      <p:cxnSp>
+        <p:nvCxnSpPr>
+          <p:cNvPr id="11" name="Straight Connector 10">
+            <a:extLst>
+              <a:ext uri="{FF2B5EF4-FFF2-40B4-BE49-F238E27FC236}">
+                <a16:creationId xmlns:a16="http://schemas.microsoft.com/office/drawing/2014/main" id="{6FF142DE-7A61-4A84-9968-D34325C0B078}"/>
+              </a:ext>
+            </a:extLst>
+          </p:cNvPr>
+          <p:cNvCxnSpPr/>
+          <p:nvPr/>
+        </p:nvCxnSpPr>
+        <p:spPr>
+          <a:xfrm>
+            <a:off x="4778187" y="5029200"/>
+            <a:ext cx="0" cy="286871"/>
+          </a:xfrm>
+          <a:prstGeom prst="line">
+            <a:avLst/>
+          </a:prstGeom>
+          <a:ln>
+            <a:solidFill>
+              <a:schemeClr val="tx1"/>
+            </a:solidFill>
+          </a:ln>
+        </p:spPr>
+        <p:style>
+          <a:lnRef idx="1">
+            <a:schemeClr val="accent1"/>
+          </a:lnRef>
+          <a:fillRef idx="0">
+            <a:schemeClr val="accent1"/>
+          </a:fillRef>
+          <a:effectRef idx="0">
+            <a:schemeClr val="accent1"/>
+          </a:effectRef>
+          <a:fontRef idx="minor">
+            <a:schemeClr val="tx1"/>
+          </a:fontRef>
+        </p:style>
+      </p:cxnSp>
+      <p:cxnSp>
+        <p:nvCxnSpPr>
+          <p:cNvPr id="14" name="Straight Connector 13">
+            <a:extLst>
+              <a:ext uri="{FF2B5EF4-FFF2-40B4-BE49-F238E27FC236}">
+                <a16:creationId xmlns:a16="http://schemas.microsoft.com/office/drawing/2014/main" id="{238CDFA5-7373-4894-9E83-5FF3BEE5F9A7}"/>
+              </a:ext>
+            </a:extLst>
+          </p:cNvPr>
+          <p:cNvCxnSpPr>
+            <a:cxnSpLocks/>
+          </p:cNvCxnSpPr>
+          <p:nvPr/>
+        </p:nvCxnSpPr>
+        <p:spPr>
+          <a:xfrm>
+            <a:off x="4778187" y="5316071"/>
+            <a:ext cx="4616829" cy="0"/>
+          </a:xfrm>
+          <a:prstGeom prst="line">
+            <a:avLst/>
+          </a:prstGeom>
+          <a:ln>
+            <a:solidFill>
+              <a:schemeClr val="tx1"/>
+            </a:solidFill>
+          </a:ln>
+        </p:spPr>
+        <p:style>
+          <a:lnRef idx="1">
+            <a:schemeClr val="accent1"/>
+          </a:lnRef>
+          <a:fillRef idx="0">
+            <a:schemeClr val="accent1"/>
+          </a:fillRef>
+          <a:effectRef idx="0">
+            <a:schemeClr val="accent1"/>
+          </a:effectRef>
+          <a:fontRef idx="minor">
+            <a:schemeClr val="tx1"/>
+          </a:fontRef>
+        </p:style>
+      </p:cxnSp>
+      <p:cxnSp>
+        <p:nvCxnSpPr>
+          <p:cNvPr id="18" name="Straight Connector 17">
+            <a:extLst>
+              <a:ext uri="{FF2B5EF4-FFF2-40B4-BE49-F238E27FC236}">
+                <a16:creationId xmlns:a16="http://schemas.microsoft.com/office/drawing/2014/main" id="{A61FB332-D198-4382-AFEE-9F689B3E6BF4}"/>
+              </a:ext>
+            </a:extLst>
+          </p:cNvPr>
+          <p:cNvCxnSpPr/>
+          <p:nvPr/>
+        </p:nvCxnSpPr>
+        <p:spPr>
+          <a:xfrm>
+            <a:off x="9395016" y="5029199"/>
+            <a:ext cx="0" cy="286871"/>
+          </a:xfrm>
+          <a:prstGeom prst="line">
+            <a:avLst/>
+          </a:prstGeom>
+          <a:ln>
+            <a:solidFill>
+              <a:schemeClr val="tx1"/>
+            </a:solidFill>
+          </a:ln>
+        </p:spPr>
+        <p:style>
+          <a:lnRef idx="1">
+            <a:schemeClr val="accent1"/>
+          </a:lnRef>
+          <a:fillRef idx="0">
+            <a:schemeClr val="accent1"/>
+          </a:fillRef>
+          <a:effectRef idx="0">
+            <a:schemeClr val="accent1"/>
+          </a:effectRef>
+          <a:fontRef idx="minor">
+            <a:schemeClr val="tx1"/>
+          </a:fontRef>
+        </p:style>
+      </p:cxnSp>
+      <p:cxnSp>
+        <p:nvCxnSpPr>
+          <p:cNvPr id="19" name="Straight Connector 18">
+            <a:extLst>
+              <a:ext uri="{FF2B5EF4-FFF2-40B4-BE49-F238E27FC236}">
+                <a16:creationId xmlns:a16="http://schemas.microsoft.com/office/drawing/2014/main" id="{74853B40-10BB-42AB-A634-456C7E0AA7F0}"/>
+              </a:ext>
+            </a:extLst>
+          </p:cNvPr>
+          <p:cNvCxnSpPr>
+            <a:cxnSpLocks/>
+          </p:cNvCxnSpPr>
+          <p:nvPr/>
+        </p:nvCxnSpPr>
+        <p:spPr>
+          <a:xfrm>
+            <a:off x="156876" y="5029200"/>
+            <a:ext cx="0" cy="286871"/>
+          </a:xfrm>
+          <a:prstGeom prst="line">
+            <a:avLst/>
+          </a:prstGeom>
+          <a:ln>
+            <a:solidFill>
+              <a:schemeClr val="tx1"/>
+            </a:solidFill>
+          </a:ln>
+        </p:spPr>
+        <p:style>
+          <a:lnRef idx="1">
+            <a:schemeClr val="accent1"/>
+          </a:lnRef>
+          <a:fillRef idx="0">
+            <a:schemeClr val="accent1"/>
+          </a:fillRef>
+          <a:effectRef idx="0">
+            <a:schemeClr val="accent1"/>
+          </a:effectRef>
+          <a:fontRef idx="minor">
+            <a:schemeClr val="tx1"/>
+          </a:fontRef>
+        </p:style>
+      </p:cxnSp>
+      <p:cxnSp>
+        <p:nvCxnSpPr>
+          <p:cNvPr id="20" name="Straight Connector 19">
+            <a:extLst>
+              <a:ext uri="{FF2B5EF4-FFF2-40B4-BE49-F238E27FC236}">
+                <a16:creationId xmlns:a16="http://schemas.microsoft.com/office/drawing/2014/main" id="{23F346DC-4897-466E-9417-094431B20BF6}"/>
+              </a:ext>
+            </a:extLst>
+          </p:cNvPr>
+          <p:cNvCxnSpPr>
+            <a:cxnSpLocks/>
+          </p:cNvCxnSpPr>
+          <p:nvPr/>
+        </p:nvCxnSpPr>
+        <p:spPr>
+          <a:xfrm>
+            <a:off x="4686300" y="5029198"/>
+            <a:ext cx="0" cy="286871"/>
+          </a:xfrm>
+          <a:prstGeom prst="line">
+            <a:avLst/>
+          </a:prstGeom>
+          <a:ln>
+            <a:solidFill>
+              <a:schemeClr val="tx1"/>
+            </a:solidFill>
+          </a:ln>
+        </p:spPr>
+        <p:style>
+          <a:lnRef idx="1">
+            <a:schemeClr val="accent1"/>
+          </a:lnRef>
+          <a:fillRef idx="0">
+            <a:schemeClr val="accent1"/>
+          </a:fillRef>
+          <a:effectRef idx="0">
+            <a:schemeClr val="accent1"/>
+          </a:effectRef>
+          <a:fontRef idx="minor">
+            <a:schemeClr val="tx1"/>
+          </a:fontRef>
+        </p:style>
+      </p:cxnSp>
+      <p:cxnSp>
+        <p:nvCxnSpPr>
+          <p:cNvPr id="21" name="Straight Connector 20">
+            <a:extLst>
+              <a:ext uri="{FF2B5EF4-FFF2-40B4-BE49-F238E27FC236}">
+                <a16:creationId xmlns:a16="http://schemas.microsoft.com/office/drawing/2014/main" id="{A42C92AE-EC9B-48B2-B9FB-210AF508C7D3}"/>
+              </a:ext>
+            </a:extLst>
+          </p:cNvPr>
+          <p:cNvCxnSpPr>
+            <a:cxnSpLocks/>
+          </p:cNvCxnSpPr>
+          <p:nvPr/>
+        </p:nvCxnSpPr>
+        <p:spPr>
+          <a:xfrm>
+            <a:off x="147913" y="5316069"/>
+            <a:ext cx="4538387" cy="0"/>
+          </a:xfrm>
+          <a:prstGeom prst="line">
+            <a:avLst/>
+          </a:prstGeom>
+          <a:ln>
+            <a:solidFill>
+              <a:schemeClr val="tx1"/>
+            </a:solidFill>
+          </a:ln>
+        </p:spPr>
+        <p:style>
+          <a:lnRef idx="1">
+            <a:schemeClr val="accent1"/>
+          </a:lnRef>
+          <a:fillRef idx="0">
+            <a:schemeClr val="accent1"/>
+          </a:fillRef>
+          <a:effectRef idx="0">
+            <a:schemeClr val="accent1"/>
+          </a:effectRef>
+          <a:fontRef idx="minor">
+            <a:schemeClr val="tx1"/>
+          </a:fontRef>
+        </p:style>
+      </p:cxnSp>
+      <p:sp>
+        <p:nvSpPr>
+          <p:cNvPr id="17" name="TextBox 16">
+            <a:extLst>
+              <a:ext uri="{FF2B5EF4-FFF2-40B4-BE49-F238E27FC236}">
+                <a16:creationId xmlns:a16="http://schemas.microsoft.com/office/drawing/2014/main" id="{BAFBD948-405A-4F24-84E9-61AB20E8500A}"/>
+              </a:ext>
+            </a:extLst>
+          </p:cNvPr>
+          <p:cNvSpPr txBox="1"/>
+          <p:nvPr/>
+        </p:nvSpPr>
+        <p:spPr>
+          <a:xfrm>
+            <a:off x="6774311" y="4920726"/>
+            <a:ext cx="418387" cy="461665"/>
+          </a:xfrm>
+          <a:prstGeom prst="rect">
+            <a:avLst/>
+          </a:prstGeom>
+          <a:noFill/>
+        </p:spPr>
+        <p:txBody>
+          <a:bodyPr wrap="square" rtlCol="0">
+            <a:spAutoFit/>
+          </a:bodyPr>
+          <a:lstStyle/>
+          <a:p>
+            <a:r>
+              <a:rPr lang="en-US" sz="2400" dirty="0"/>
+              <a:t>X</a:t>
+            </a:r>
+          </a:p>
+        </p:txBody>
+      </p:sp>
+      <p:sp>
+        <p:nvSpPr>
+          <p:cNvPr id="24" name="TextBox 23">
+            <a:extLst>
+              <a:ext uri="{FF2B5EF4-FFF2-40B4-BE49-F238E27FC236}">
+                <a16:creationId xmlns:a16="http://schemas.microsoft.com/office/drawing/2014/main" id="{7F1032CF-94D6-44FD-8660-E849D7E08A7B}"/>
+              </a:ext>
+            </a:extLst>
+          </p:cNvPr>
+          <p:cNvSpPr txBox="1"/>
+          <p:nvPr/>
+        </p:nvSpPr>
+        <p:spPr>
+          <a:xfrm>
+            <a:off x="1998719" y="4929193"/>
+            <a:ext cx="418387" cy="461665"/>
+          </a:xfrm>
+          <a:prstGeom prst="rect">
+            <a:avLst/>
+          </a:prstGeom>
+          <a:noFill/>
+        </p:spPr>
+        <p:txBody>
+          <a:bodyPr wrap="square" rtlCol="0">
+            <a:spAutoFit/>
+          </a:bodyPr>
+          <a:lstStyle/>
+          <a:p>
+            <a:r>
+              <a:rPr lang="en-US" sz="2400" dirty="0"/>
+              <a:t>y</a:t>
+            </a:r>
+          </a:p>
+        </p:txBody>
+      </p:sp>
+      <p:sp>
+        <p:nvSpPr>
+          <p:cNvPr id="25" name="TextBox 24">
+            <a:extLst>
+              <a:ext uri="{FF2B5EF4-FFF2-40B4-BE49-F238E27FC236}">
+                <a16:creationId xmlns:a16="http://schemas.microsoft.com/office/drawing/2014/main" id="{C8CE420F-F7B2-4E10-BC35-A9AEB0ECEAA0}"/>
+              </a:ext>
+            </a:extLst>
+          </p:cNvPr>
+          <p:cNvSpPr txBox="1"/>
+          <p:nvPr/>
+        </p:nvSpPr>
+        <p:spPr>
+          <a:xfrm>
+            <a:off x="9453278" y="4597878"/>
+            <a:ext cx="381004" cy="461665"/>
+          </a:xfrm>
+          <a:prstGeom prst="rect">
+            <a:avLst/>
+          </a:prstGeom>
+          <a:noFill/>
+        </p:spPr>
+        <p:txBody>
+          <a:bodyPr wrap="square" rtlCol="0">
+            <a:spAutoFit/>
+          </a:bodyPr>
+          <a:lstStyle/>
+          <a:p>
+            <a:r>
+              <a:rPr lang="en-US" sz="2400" dirty="0"/>
+              <a:t>n</a:t>
+            </a:r>
+          </a:p>
+        </p:txBody>
+      </p:sp>
+      <p:sp>
+        <p:nvSpPr>
+          <p:cNvPr id="29" name="TextBox 28">
+            <a:extLst>
+              <a:ext uri="{FF2B5EF4-FFF2-40B4-BE49-F238E27FC236}">
+                <a16:creationId xmlns:a16="http://schemas.microsoft.com/office/drawing/2014/main" id="{7DA0D627-6A06-46D5-A16F-8944DFC87724}"/>
+              </a:ext>
+            </a:extLst>
+          </p:cNvPr>
+          <p:cNvSpPr txBox="1"/>
+          <p:nvPr/>
+        </p:nvSpPr>
+        <p:spPr>
+          <a:xfrm>
+            <a:off x="10088641" y="4659433"/>
+            <a:ext cx="2103359" cy="338554"/>
+          </a:xfrm>
+          <a:prstGeom prst="rect">
+            <a:avLst/>
+          </a:prstGeom>
+          <a:noFill/>
+        </p:spPr>
+        <p:txBody>
+          <a:bodyPr wrap="square" rtlCol="0">
+            <a:spAutoFit/>
+          </a:bodyPr>
+          <a:lstStyle/>
+          <a:p>
+            <a:pPr algn="ctr"/>
+            <a:r>
+              <a:rPr lang="en-US" sz="1600" dirty="0"/>
+              <a:t>number of data points</a:t>
+            </a:r>
+          </a:p>
+        </p:txBody>
+      </p:sp>
+      <p:cxnSp>
+        <p:nvCxnSpPr>
+          <p:cNvPr id="30" name="Straight Arrow Connector 29">
+            <a:extLst>
+              <a:ext uri="{FF2B5EF4-FFF2-40B4-BE49-F238E27FC236}">
+                <a16:creationId xmlns:a16="http://schemas.microsoft.com/office/drawing/2014/main" id="{80BB4419-E7DB-4ED2-8AB0-F41973C4BCFE}"/>
+              </a:ext>
+            </a:extLst>
+          </p:cNvPr>
+          <p:cNvCxnSpPr>
+            <a:cxnSpLocks/>
+          </p:cNvCxnSpPr>
+          <p:nvPr/>
+        </p:nvCxnSpPr>
+        <p:spPr>
+          <a:xfrm>
+            <a:off x="9775268" y="4828710"/>
+            <a:ext cx="358198" cy="0"/>
+          </a:xfrm>
+          <a:prstGeom prst="straightConnector1">
+            <a:avLst/>
+          </a:prstGeom>
+          <a:ln>
+            <a:tailEnd type="triangle"/>
+          </a:ln>
+        </p:spPr>
+        <p:style>
+          <a:lnRef idx="1">
+            <a:schemeClr val="dk1"/>
+          </a:lnRef>
+          <a:fillRef idx="0">
+            <a:schemeClr val="dk1"/>
+          </a:fillRef>
+          <a:effectRef idx="0">
+            <a:schemeClr val="dk1"/>
+          </a:effectRef>
+          <a:fontRef idx="minor">
+            <a:schemeClr val="tx1"/>
+          </a:fontRef>
+        </p:style>
+      </p:cxnSp>
+      <p:sp>
+        <p:nvSpPr>
+          <p:cNvPr id="31" name="TextBox 30">
+            <a:extLst>
+              <a:ext uri="{FF2B5EF4-FFF2-40B4-BE49-F238E27FC236}">
+                <a16:creationId xmlns:a16="http://schemas.microsoft.com/office/drawing/2014/main" id="{1229B3D1-C388-4821-BB9A-A44E18AA63F8}"/>
+              </a:ext>
+            </a:extLst>
+          </p:cNvPr>
+          <p:cNvSpPr txBox="1"/>
+          <p:nvPr/>
+        </p:nvSpPr>
+        <p:spPr>
+          <a:xfrm>
+            <a:off x="951003" y="5518641"/>
+            <a:ext cx="7600577" cy="646331"/>
+          </a:xfrm>
+          <a:prstGeom prst="rect">
+            <a:avLst/>
+          </a:prstGeom>
+          <a:noFill/>
+        </p:spPr>
+        <p:txBody>
+          <a:bodyPr wrap="square" rtlCol="0">
+            <a:spAutoFit/>
+          </a:bodyPr>
+          <a:lstStyle/>
+          <a:p>
+            <a:pPr algn="ctr"/>
+            <a:r>
+              <a:rPr lang="en-US"/>
+              <a:t>There are machine learning algorithms that support multioutput predictions (e.g., linear regression, k-nearest neighbor, decision tree, etc.). </a:t>
+            </a:r>
+            <a:endParaRPr lang="en-US" dirty="0"/>
+          </a:p>
+        </p:txBody>
+      </p:sp>
+      <p:sp>
+        <p:nvSpPr>
+          <p:cNvPr id="36" name="TextBox 35">
+            <a:extLst>
+              <a:ext uri="{FF2B5EF4-FFF2-40B4-BE49-F238E27FC236}">
+                <a16:creationId xmlns:a16="http://schemas.microsoft.com/office/drawing/2014/main" id="{713B003F-AB54-4D32-9F0F-74F67B374230}"/>
+              </a:ext>
+            </a:extLst>
+          </p:cNvPr>
+          <p:cNvSpPr txBox="1"/>
+          <p:nvPr/>
+        </p:nvSpPr>
+        <p:spPr>
+          <a:xfrm>
+            <a:off x="3827130" y="6225772"/>
+            <a:ext cx="8106335" cy="369332"/>
+          </a:xfrm>
+          <a:prstGeom prst="rect">
+            <a:avLst/>
+          </a:prstGeom>
+          <a:noFill/>
+        </p:spPr>
+        <p:txBody>
+          <a:bodyPr wrap="square">
+            <a:spAutoFit/>
+          </a:bodyPr>
+          <a:lstStyle/>
+          <a:p>
+            <a:r>
+              <a:rPr lang="en-US" dirty="0">
+                <a:solidFill>
+                  <a:schemeClr val="accent1"/>
+                </a:solidFill>
+              </a:rPr>
+              <a:t>https://machinelearningmastery.com/multi-output-regression-models-with-python</a:t>
+            </a:r>
+          </a:p>
+        </p:txBody>
+      </p:sp>
+      <p:cxnSp>
+        <p:nvCxnSpPr>
+          <p:cNvPr id="34" name="Straight Connector 33">
+            <a:extLst>
+              <a:ext uri="{FF2B5EF4-FFF2-40B4-BE49-F238E27FC236}">
+                <a16:creationId xmlns:a16="http://schemas.microsoft.com/office/drawing/2014/main" id="{C150F9A1-71E6-454D-9F6F-5EC6C23A7C05}"/>
+              </a:ext>
+            </a:extLst>
+          </p:cNvPr>
+          <p:cNvCxnSpPr/>
+          <p:nvPr/>
+        </p:nvCxnSpPr>
+        <p:spPr>
+          <a:xfrm>
+            <a:off x="3146612" y="6137525"/>
+            <a:ext cx="0" cy="272913"/>
+          </a:xfrm>
+          <a:prstGeom prst="line">
+            <a:avLst/>
+          </a:prstGeom>
+        </p:spPr>
+        <p:style>
+          <a:lnRef idx="1">
+            <a:schemeClr val="dk1"/>
+          </a:lnRef>
+          <a:fillRef idx="0">
+            <a:schemeClr val="dk1"/>
+          </a:fillRef>
+          <a:effectRef idx="0">
+            <a:schemeClr val="dk1"/>
+          </a:effectRef>
+          <a:fontRef idx="minor">
+            <a:schemeClr val="tx1"/>
+          </a:fontRef>
+        </p:style>
+      </p:cxnSp>
+      <p:cxnSp>
+        <p:nvCxnSpPr>
+          <p:cNvPr id="39" name="Straight Connector 38">
+            <a:extLst>
+              <a:ext uri="{FF2B5EF4-FFF2-40B4-BE49-F238E27FC236}">
+                <a16:creationId xmlns:a16="http://schemas.microsoft.com/office/drawing/2014/main" id="{69F8DFA9-7FFA-456D-BF5B-D215F6534EF1}"/>
+              </a:ext>
+            </a:extLst>
+          </p:cNvPr>
+          <p:cNvCxnSpPr/>
+          <p:nvPr/>
+        </p:nvCxnSpPr>
+        <p:spPr>
+          <a:xfrm>
+            <a:off x="3146612" y="6410438"/>
+            <a:ext cx="605882" cy="0"/>
+          </a:xfrm>
+          <a:prstGeom prst="line">
+            <a:avLst/>
+          </a:prstGeom>
+          <a:ln>
+            <a:tailEnd type="triangle"/>
+          </a:ln>
+        </p:spPr>
+        <p:style>
+          <a:lnRef idx="1">
+            <a:schemeClr val="dk1"/>
+          </a:lnRef>
+          <a:fillRef idx="0">
+            <a:schemeClr val="dk1"/>
+          </a:fillRef>
+          <a:effectRef idx="0">
+            <a:schemeClr val="dk1"/>
+          </a:effectRef>
+          <a:fontRef idx="minor">
+            <a:schemeClr val="tx1"/>
+          </a:fontRef>
+        </p:style>
+      </p:cxnSp>
     </p:spTree>
     <p:extLst>
       <p:ext uri="{BB962C8B-B14F-4D97-AF65-F5344CB8AC3E}">
         <p14:creationId xmlns:p14="http://schemas.microsoft.com/office/powerpoint/2010/main" val="807876865"/>
+      </p:ext>
+    </p:extLst>
+  </p:cSld>
+  <p:clrMapOvr>
+    <a:masterClrMapping/>
+  </p:clrMapOvr>
+</p:sld>
+</file>
+
+<file path=ppt/slides/slide7.xml><?xml version="1.0" encoding="utf-8"?>
+<p:sld xmlns:a="http://schemas.openxmlformats.org/drawingml/2006/main" xmlns:r="http://schemas.openxmlformats.org/officeDocument/2006/relationships" xmlns:p="http://schemas.openxmlformats.org/presentationml/2006/main">
+  <p:cSld>
+    <p:spTree>
+      <p:nvGrpSpPr>
+        <p:cNvPr id="1" name=""/>
+        <p:cNvGrpSpPr/>
+        <p:nvPr/>
+      </p:nvGrpSpPr>
+      <p:grpSpPr>
+        <a:xfrm>
+          <a:off x="0" y="0"/>
+          <a:ext cx="0" cy="0"/>
+          <a:chOff x="0" y="0"/>
+          <a:chExt cx="0" cy="0"/>
+        </a:xfrm>
+      </p:grpSpPr>
+      <p:sp>
+        <p:nvSpPr>
+          <p:cNvPr id="2" name="Title 1">
+            <a:extLst>
+              <a:ext uri="{FF2B5EF4-FFF2-40B4-BE49-F238E27FC236}">
+                <a16:creationId xmlns:a16="http://schemas.microsoft.com/office/drawing/2014/main" id="{EAB4C2F3-4F70-4283-9A80-4338A0A2701D}"/>
+              </a:ext>
+            </a:extLst>
+          </p:cNvPr>
+          <p:cNvSpPr>
+            <a:spLocks noGrp="1"/>
+          </p:cNvSpPr>
+          <p:nvPr>
+            <p:ph type="title"/>
+          </p:nvPr>
+        </p:nvSpPr>
+        <p:spPr/>
+        <p:txBody>
+          <a:bodyPr/>
+          <a:lstStyle/>
+          <a:p>
+            <a:r>
+              <a:rPr lang="en-US" b="1" dirty="0"/>
+              <a:t>Developed data collection plan</a:t>
+            </a:r>
+          </a:p>
+        </p:txBody>
+      </p:sp>
+      <p:sp>
+        <p:nvSpPr>
+          <p:cNvPr id="6" name="TextBox 5">
+            <a:extLst>
+              <a:ext uri="{FF2B5EF4-FFF2-40B4-BE49-F238E27FC236}">
+                <a16:creationId xmlns:a16="http://schemas.microsoft.com/office/drawing/2014/main" id="{55FF3FE9-A4C1-4D69-9C7E-DC4C8B81CB94}"/>
+              </a:ext>
+            </a:extLst>
+          </p:cNvPr>
+          <p:cNvSpPr txBox="1"/>
+          <p:nvPr/>
+        </p:nvSpPr>
+        <p:spPr>
+          <a:xfrm>
+            <a:off x="1156448" y="1874728"/>
+            <a:ext cx="10089776" cy="3108543"/>
+          </a:xfrm>
+          <a:prstGeom prst="rect">
+            <a:avLst/>
+          </a:prstGeom>
+          <a:noFill/>
+        </p:spPr>
+        <p:txBody>
+          <a:bodyPr wrap="square" rtlCol="0">
+            <a:spAutoFit/>
+          </a:bodyPr>
+          <a:lstStyle/>
+          <a:p>
+            <a:pPr marL="285750" indent="-285750">
+              <a:buFont typeface="Arial" panose="020B0604020202020204" pitchFamily="34" charset="0"/>
+              <a:buChar char="•"/>
+            </a:pPr>
+            <a:r>
+              <a:rPr lang="en-US" sz="2800" dirty="0"/>
+              <a:t>Acquire high SNR MSOT spectra at 1 mm wavelength steps between 680 nm to 900 nm. </a:t>
+            </a:r>
+          </a:p>
+          <a:p>
+            <a:pPr marL="914400" lvl="1" indent="-457200">
+              <a:buFont typeface="Courier New" panose="02070309020205020404" pitchFamily="49" charset="0"/>
+              <a:buChar char="o"/>
+            </a:pPr>
+            <a:endParaRPr lang="en-US" sz="2800" dirty="0"/>
+          </a:p>
+          <a:p>
+            <a:pPr marL="457200" indent="-457200">
+              <a:buFont typeface="Arial" panose="020B0604020202020204" pitchFamily="34" charset="0"/>
+              <a:buChar char="•"/>
+            </a:pPr>
+            <a:r>
+              <a:rPr lang="en-US" sz="2800" dirty="0">
+                <a:solidFill>
+                  <a:srgbClr val="FF0000"/>
+                </a:solidFill>
+              </a:rPr>
+              <a:t>X</a:t>
+            </a:r>
+            <a:r>
+              <a:rPr lang="en-US" sz="2800" dirty="0"/>
+              <a:t> MSOT spectra will be collected at </a:t>
+            </a:r>
+            <a:r>
+              <a:rPr lang="en-US" sz="2800" dirty="0">
+                <a:solidFill>
+                  <a:srgbClr val="FF0000"/>
+                </a:solidFill>
+              </a:rPr>
+              <a:t>X</a:t>
+            </a:r>
+            <a:r>
+              <a:rPr lang="en-US" sz="2800" dirty="0"/>
+              <a:t> different mixtures of Hb, O2, and ICG.</a:t>
+            </a:r>
+          </a:p>
+          <a:p>
+            <a:pPr marL="457200" indent="-457200">
+              <a:buFont typeface="Arial" panose="020B0604020202020204" pitchFamily="34" charset="0"/>
+              <a:buChar char="•"/>
+            </a:pPr>
+            <a:endParaRPr lang="en-US" sz="2800" dirty="0"/>
+          </a:p>
+          <a:p>
+            <a:pPr marL="457200" indent="-457200">
+              <a:buFont typeface="Arial" panose="020B0604020202020204" pitchFamily="34" charset="0"/>
+              <a:buChar char="•"/>
+            </a:pPr>
+            <a:r>
+              <a:rPr lang="en-US" sz="2800" dirty="0"/>
+              <a:t>Data will be collected by </a:t>
+            </a:r>
+            <a:r>
+              <a:rPr lang="en-US" sz="2800" dirty="0">
+                <a:solidFill>
+                  <a:srgbClr val="FF0000"/>
+                </a:solidFill>
+              </a:rPr>
+              <a:t>X</a:t>
+            </a:r>
+          </a:p>
+        </p:txBody>
+      </p:sp>
+    </p:spTree>
+    <p:extLst>
+      <p:ext uri="{BB962C8B-B14F-4D97-AF65-F5344CB8AC3E}">
+        <p14:creationId xmlns:p14="http://schemas.microsoft.com/office/powerpoint/2010/main" val="1757204623"/>
+      </p:ext>
+    </p:extLst>
+  </p:cSld>
+  <p:clrMapOvr>
+    <a:masterClrMapping/>
+  </p:clrMapOvr>
+</p:sld>
+</file>
+
+<file path=ppt/slides/slide8.xml><?xml version="1.0" encoding="utf-8"?>
+<p:sld xmlns:a="http://schemas.openxmlformats.org/drawingml/2006/main" xmlns:r="http://schemas.openxmlformats.org/officeDocument/2006/relationships" xmlns:p="http://schemas.openxmlformats.org/presentationml/2006/main">
+  <p:cSld>
+    <p:spTree>
+      <p:nvGrpSpPr>
+        <p:cNvPr id="1" name=""/>
+        <p:cNvGrpSpPr/>
+        <p:nvPr/>
+      </p:nvGrpSpPr>
+      <p:grpSpPr>
+        <a:xfrm>
+          <a:off x="0" y="0"/>
+          <a:ext cx="0" cy="0"/>
+          <a:chOff x="0" y="0"/>
+          <a:chExt cx="0" cy="0"/>
+        </a:xfrm>
+      </p:grpSpPr>
+      <p:sp>
+        <p:nvSpPr>
+          <p:cNvPr id="2" name="Title 1">
+            <a:extLst>
+              <a:ext uri="{FF2B5EF4-FFF2-40B4-BE49-F238E27FC236}">
+                <a16:creationId xmlns:a16="http://schemas.microsoft.com/office/drawing/2014/main" id="{EAB4C2F3-4F70-4283-9A80-4338A0A2701D}"/>
+              </a:ext>
+            </a:extLst>
+          </p:cNvPr>
+          <p:cNvSpPr>
+            <a:spLocks noGrp="1"/>
+          </p:cNvSpPr>
+          <p:nvPr>
+            <p:ph type="title"/>
+          </p:nvPr>
+        </p:nvSpPr>
+        <p:spPr>
+          <a:xfrm>
+            <a:off x="2926977" y="2382183"/>
+            <a:ext cx="6485965" cy="1325563"/>
+          </a:xfrm>
+        </p:spPr>
+        <p:txBody>
+          <a:bodyPr/>
+          <a:lstStyle/>
+          <a:p>
+            <a:r>
+              <a:rPr lang="en-US" b="1" dirty="0"/>
+              <a:t>Plans after data is collected?</a:t>
+            </a:r>
+          </a:p>
+        </p:txBody>
+      </p:sp>
+    </p:spTree>
+    <p:extLst>
+      <p:ext uri="{BB962C8B-B14F-4D97-AF65-F5344CB8AC3E}">
+        <p14:creationId xmlns:p14="http://schemas.microsoft.com/office/powerpoint/2010/main" val="3641404996"/>
+      </p:ext>
+    </p:extLst>
+  </p:cSld>
+  <p:clrMapOvr>
+    <a:masterClrMapping/>
+  </p:clrMapOvr>
+</p:sld>
+</file>
+
+<file path=ppt/slides/slide9.xml><?xml version="1.0" encoding="utf-8"?>
+<p:sld xmlns:a="http://schemas.openxmlformats.org/drawingml/2006/main" xmlns:r="http://schemas.openxmlformats.org/officeDocument/2006/relationships" xmlns:p="http://schemas.openxmlformats.org/presentationml/2006/main">
+  <p:cSld>
+    <p:spTree>
+      <p:nvGrpSpPr>
+        <p:cNvPr id="1" name=""/>
+        <p:cNvGrpSpPr/>
+        <p:nvPr/>
+      </p:nvGrpSpPr>
+      <p:grpSpPr>
+        <a:xfrm>
+          <a:off x="0" y="0"/>
+          <a:ext cx="0" cy="0"/>
+          <a:chOff x="0" y="0"/>
+          <a:chExt cx="0" cy="0"/>
+        </a:xfrm>
+      </p:grpSpPr>
+      <p:sp>
+        <p:nvSpPr>
+          <p:cNvPr id="2" name="Title 1">
+            <a:extLst>
+              <a:ext uri="{FF2B5EF4-FFF2-40B4-BE49-F238E27FC236}">
+                <a16:creationId xmlns:a16="http://schemas.microsoft.com/office/drawing/2014/main" id="{EAB4C2F3-4F70-4283-9A80-4338A0A2701D}"/>
+              </a:ext>
+            </a:extLst>
+          </p:cNvPr>
+          <p:cNvSpPr>
+            <a:spLocks noGrp="1"/>
+          </p:cNvSpPr>
+          <p:nvPr>
+            <p:ph type="title"/>
+          </p:nvPr>
+        </p:nvSpPr>
+        <p:spPr/>
+        <p:txBody>
+          <a:bodyPr/>
+          <a:lstStyle/>
+          <a:p>
+            <a:r>
+              <a:rPr lang="en-US" b="1" dirty="0"/>
+              <a:t>Machine learning vs. traditional method</a:t>
+            </a:r>
+          </a:p>
+        </p:txBody>
+      </p:sp>
+      <p:sp>
+        <p:nvSpPr>
+          <p:cNvPr id="3" name="Content Placeholder 2">
+            <a:extLst>
+              <a:ext uri="{FF2B5EF4-FFF2-40B4-BE49-F238E27FC236}">
+                <a16:creationId xmlns:a16="http://schemas.microsoft.com/office/drawing/2014/main" id="{7E7EA47C-BB5D-4E88-AB59-70CAA858D8B0}"/>
+              </a:ext>
+            </a:extLst>
+          </p:cNvPr>
+          <p:cNvSpPr>
+            <a:spLocks noGrp="1"/>
+          </p:cNvSpPr>
+          <p:nvPr>
+            <p:ph idx="1"/>
+          </p:nvPr>
+        </p:nvSpPr>
+        <p:spPr>
+          <a:xfrm>
+            <a:off x="838200" y="1497107"/>
+            <a:ext cx="10515600" cy="4995768"/>
+          </a:xfrm>
+        </p:spPr>
+        <p:txBody>
+          <a:bodyPr>
+            <a:normAutofit/>
+          </a:bodyPr>
+          <a:lstStyle/>
+          <a:p>
+            <a:pPr marL="0" indent="0">
+              <a:buNone/>
+            </a:pPr>
+            <a:endParaRPr lang="en-US" dirty="0"/>
+          </a:p>
+        </p:txBody>
+      </p:sp>
+    </p:spTree>
+    <p:extLst>
+      <p:ext uri="{BB962C8B-B14F-4D97-AF65-F5344CB8AC3E}">
+        <p14:creationId xmlns:p14="http://schemas.microsoft.com/office/powerpoint/2010/main" val="1021032332"/>
       </p:ext>
     </p:extLst>
   </p:cSld>

--- a/spectral-unmixing/ppt_presentations/midterm_project_report.pptx
+++ b/spectral-unmixing/ppt_presentations/midterm_project_report.pptx
@@ -3,18 +3,25 @@
 <p:presentation xmlns:a="http://schemas.openxmlformats.org/drawingml/2006/main" xmlns:r="http://schemas.openxmlformats.org/officeDocument/2006/relationships" xmlns:p="http://schemas.openxmlformats.org/presentationml/2006/main" saveSubsetFonts="1">
   <p:sldMasterIdLst>
     <p:sldMasterId id="2147483648" r:id="rId1"/>
+    <p:sldMasterId id="2147483660" r:id="rId2"/>
   </p:sldMasterIdLst>
+  <p:notesMasterIdLst>
+    <p:notesMasterId r:id="rId16"/>
+  </p:notesMasterIdLst>
   <p:sldIdLst>
-    <p:sldId id="256" r:id="rId2"/>
-    <p:sldId id="257" r:id="rId3"/>
-    <p:sldId id="258" r:id="rId4"/>
-    <p:sldId id="259" r:id="rId5"/>
-    <p:sldId id="260" r:id="rId6"/>
-    <p:sldId id="261" r:id="rId7"/>
-    <p:sldId id="262" r:id="rId8"/>
-    <p:sldId id="263" r:id="rId9"/>
-    <p:sldId id="264" r:id="rId10"/>
-    <p:sldId id="265" r:id="rId11"/>
+    <p:sldId id="1032" r:id="rId3"/>
+    <p:sldId id="257" r:id="rId4"/>
+    <p:sldId id="1034" r:id="rId5"/>
+    <p:sldId id="1035" r:id="rId6"/>
+    <p:sldId id="258" r:id="rId7"/>
+    <p:sldId id="259" r:id="rId8"/>
+    <p:sldId id="260" r:id="rId9"/>
+    <p:sldId id="261" r:id="rId10"/>
+    <p:sldId id="262" r:id="rId11"/>
+    <p:sldId id="1033" r:id="rId12"/>
+    <p:sldId id="263" r:id="rId13"/>
+    <p:sldId id="264" r:id="rId14"/>
+    <p:sldId id="265" r:id="rId15"/>
   </p:sldIdLst>
   <p:sldSz cx="12192000" cy="6858000"/>
   <p:notesSz cx="6858000" cy="9144000"/>
@@ -121,6 +128,506 @@
 </p:presentation>
 </file>
 
+<file path=ppt/notesMasters/notesMaster1.xml><?xml version="1.0" encoding="utf-8"?>
+<p:notesMaster xmlns:a="http://schemas.openxmlformats.org/drawingml/2006/main" xmlns:r="http://schemas.openxmlformats.org/officeDocument/2006/relationships" xmlns:p="http://schemas.openxmlformats.org/presentationml/2006/main">
+  <p:cSld>
+    <p:bg>
+      <p:bgRef idx="1001">
+        <a:schemeClr val="bg1"/>
+      </p:bgRef>
+    </p:bg>
+    <p:spTree>
+      <p:nvGrpSpPr>
+        <p:cNvPr id="1" name=""/>
+        <p:cNvGrpSpPr/>
+        <p:nvPr/>
+      </p:nvGrpSpPr>
+      <p:grpSpPr>
+        <a:xfrm>
+          <a:off x="0" y="0"/>
+          <a:ext cx="0" cy="0"/>
+          <a:chOff x="0" y="0"/>
+          <a:chExt cx="0" cy="0"/>
+        </a:xfrm>
+      </p:grpSpPr>
+      <p:sp>
+        <p:nvSpPr>
+          <p:cNvPr id="2" name="Header Placeholder 1"/>
+          <p:cNvSpPr>
+            <a:spLocks noGrp="1"/>
+          </p:cNvSpPr>
+          <p:nvPr>
+            <p:ph type="hdr" sz="quarter"/>
+          </p:nvPr>
+        </p:nvSpPr>
+        <p:spPr>
+          <a:xfrm>
+            <a:off x="0" y="0"/>
+            <a:ext cx="2971800" cy="458788"/>
+          </a:xfrm>
+          <a:prstGeom prst="rect">
+            <a:avLst/>
+          </a:prstGeom>
+        </p:spPr>
+        <p:txBody>
+          <a:bodyPr vert="horz" lIns="91440" tIns="45720" rIns="91440" bIns="45720" rtlCol="0"/>
+          <a:lstStyle>
+            <a:lvl1pPr algn="l">
+              <a:defRPr sz="1200"/>
+            </a:lvl1pPr>
+          </a:lstStyle>
+          <a:p>
+            <a:endParaRPr lang="en-US"/>
+          </a:p>
+        </p:txBody>
+      </p:sp>
+      <p:sp>
+        <p:nvSpPr>
+          <p:cNvPr id="3" name="Date Placeholder 2"/>
+          <p:cNvSpPr>
+            <a:spLocks noGrp="1"/>
+          </p:cNvSpPr>
+          <p:nvPr>
+            <p:ph type="dt" idx="1"/>
+          </p:nvPr>
+        </p:nvSpPr>
+        <p:spPr>
+          <a:xfrm>
+            <a:off x="3884613" y="0"/>
+            <a:ext cx="2971800" cy="458788"/>
+          </a:xfrm>
+          <a:prstGeom prst="rect">
+            <a:avLst/>
+          </a:prstGeom>
+        </p:spPr>
+        <p:txBody>
+          <a:bodyPr vert="horz" lIns="91440" tIns="45720" rIns="91440" bIns="45720" rtlCol="0"/>
+          <a:lstStyle>
+            <a:lvl1pPr algn="r">
+              <a:defRPr sz="1200"/>
+            </a:lvl1pPr>
+          </a:lstStyle>
+          <a:p>
+            <a:fld id="{EF08C773-0D72-4E39-BD67-01B27FF19E21}" type="datetimeFigureOut">
+              <a:rPr lang="en-US" smtClean="0"/>
+              <a:t>2/21/2022</a:t>
+            </a:fld>
+            <a:endParaRPr lang="en-US"/>
+          </a:p>
+        </p:txBody>
+      </p:sp>
+      <p:sp>
+        <p:nvSpPr>
+          <p:cNvPr id="4" name="Slide Image Placeholder 3"/>
+          <p:cNvSpPr>
+            <a:spLocks noGrp="1" noRot="1" noChangeAspect="1"/>
+          </p:cNvSpPr>
+          <p:nvPr>
+            <p:ph type="sldImg" idx="2"/>
+          </p:nvPr>
+        </p:nvSpPr>
+        <p:spPr>
+          <a:xfrm>
+            <a:off x="685800" y="1143000"/>
+            <a:ext cx="5486400" cy="3086100"/>
+          </a:xfrm>
+          <a:prstGeom prst="rect">
+            <a:avLst/>
+          </a:prstGeom>
+          <a:noFill/>
+          <a:ln w="12700">
+            <a:solidFill>
+              <a:prstClr val="black"/>
+            </a:solidFill>
+          </a:ln>
+        </p:spPr>
+        <p:txBody>
+          <a:bodyPr vert="horz" lIns="91440" tIns="45720" rIns="91440" bIns="45720" rtlCol="0" anchor="ctr"/>
+          <a:lstStyle/>
+          <a:p>
+            <a:endParaRPr lang="en-US"/>
+          </a:p>
+        </p:txBody>
+      </p:sp>
+      <p:sp>
+        <p:nvSpPr>
+          <p:cNvPr id="5" name="Notes Placeholder 4"/>
+          <p:cNvSpPr>
+            <a:spLocks noGrp="1"/>
+          </p:cNvSpPr>
+          <p:nvPr>
+            <p:ph type="body" sz="quarter" idx="3"/>
+          </p:nvPr>
+        </p:nvSpPr>
+        <p:spPr>
+          <a:xfrm>
+            <a:off x="685800" y="4400550"/>
+            <a:ext cx="5486400" cy="3600450"/>
+          </a:xfrm>
+          <a:prstGeom prst="rect">
+            <a:avLst/>
+          </a:prstGeom>
+        </p:spPr>
+        <p:txBody>
+          <a:bodyPr vert="horz" lIns="91440" tIns="45720" rIns="91440" bIns="45720" rtlCol="0"/>
+          <a:lstStyle/>
+          <a:p>
+            <a:pPr lvl="0"/>
+            <a:r>
+              <a:rPr lang="en-US"/>
+              <a:t>Click to edit Master text styles</a:t>
+            </a:r>
+          </a:p>
+          <a:p>
+            <a:pPr lvl="1"/>
+            <a:r>
+              <a:rPr lang="en-US"/>
+              <a:t>Second level</a:t>
+            </a:r>
+          </a:p>
+          <a:p>
+            <a:pPr lvl="2"/>
+            <a:r>
+              <a:rPr lang="en-US"/>
+              <a:t>Third level</a:t>
+            </a:r>
+          </a:p>
+          <a:p>
+            <a:pPr lvl="3"/>
+            <a:r>
+              <a:rPr lang="en-US"/>
+              <a:t>Fourth level</a:t>
+            </a:r>
+          </a:p>
+          <a:p>
+            <a:pPr lvl="4"/>
+            <a:r>
+              <a:rPr lang="en-US"/>
+              <a:t>Fifth level</a:t>
+            </a:r>
+          </a:p>
+        </p:txBody>
+      </p:sp>
+      <p:sp>
+        <p:nvSpPr>
+          <p:cNvPr id="6" name="Footer Placeholder 5"/>
+          <p:cNvSpPr>
+            <a:spLocks noGrp="1"/>
+          </p:cNvSpPr>
+          <p:nvPr>
+            <p:ph type="ftr" sz="quarter" idx="4"/>
+          </p:nvPr>
+        </p:nvSpPr>
+        <p:spPr>
+          <a:xfrm>
+            <a:off x="0" y="8685213"/>
+            <a:ext cx="2971800" cy="458787"/>
+          </a:xfrm>
+          <a:prstGeom prst="rect">
+            <a:avLst/>
+          </a:prstGeom>
+        </p:spPr>
+        <p:txBody>
+          <a:bodyPr vert="horz" lIns="91440" tIns="45720" rIns="91440" bIns="45720" rtlCol="0" anchor="b"/>
+          <a:lstStyle>
+            <a:lvl1pPr algn="l">
+              <a:defRPr sz="1200"/>
+            </a:lvl1pPr>
+          </a:lstStyle>
+          <a:p>
+            <a:endParaRPr lang="en-US"/>
+          </a:p>
+        </p:txBody>
+      </p:sp>
+      <p:sp>
+        <p:nvSpPr>
+          <p:cNvPr id="7" name="Slide Number Placeholder 6"/>
+          <p:cNvSpPr>
+            <a:spLocks noGrp="1"/>
+          </p:cNvSpPr>
+          <p:nvPr>
+            <p:ph type="sldNum" sz="quarter" idx="5"/>
+          </p:nvPr>
+        </p:nvSpPr>
+        <p:spPr>
+          <a:xfrm>
+            <a:off x="3884613" y="8685213"/>
+            <a:ext cx="2971800" cy="458787"/>
+          </a:xfrm>
+          <a:prstGeom prst="rect">
+            <a:avLst/>
+          </a:prstGeom>
+        </p:spPr>
+        <p:txBody>
+          <a:bodyPr vert="horz" lIns="91440" tIns="45720" rIns="91440" bIns="45720" rtlCol="0" anchor="b"/>
+          <a:lstStyle>
+            <a:lvl1pPr algn="r">
+              <a:defRPr sz="1200"/>
+            </a:lvl1pPr>
+          </a:lstStyle>
+          <a:p>
+            <a:fld id="{EF99918B-B209-49BB-AE7A-14FFF8B7E798}" type="slidenum">
+              <a:rPr lang="en-US" smtClean="0"/>
+              <a:t>‹#›</a:t>
+            </a:fld>
+            <a:endParaRPr lang="en-US"/>
+          </a:p>
+        </p:txBody>
+      </p:sp>
+    </p:spTree>
+    <p:extLst>
+      <p:ext uri="{BB962C8B-B14F-4D97-AF65-F5344CB8AC3E}">
+        <p14:creationId xmlns:p14="http://schemas.microsoft.com/office/powerpoint/2010/main" val="1577402900"/>
+      </p:ext>
+    </p:extLst>
+  </p:cSld>
+  <p:clrMap bg1="lt1" tx1="dk1" bg2="lt2" tx2="dk2" accent1="accent1" accent2="accent2" accent3="accent3" accent4="accent4" accent5="accent5" accent6="accent6" hlink="hlink" folHlink="folHlink"/>
+  <p:notesStyle>
+    <a:lvl1pPr marL="0" algn="l" defTabSz="914400" rtl="0" eaLnBrk="1" latinLnBrk="0" hangingPunct="1">
+      <a:defRPr sz="1200" kern="1200">
+        <a:solidFill>
+          <a:schemeClr val="tx1"/>
+        </a:solidFill>
+        <a:latin typeface="+mn-lt"/>
+        <a:ea typeface="+mn-ea"/>
+        <a:cs typeface="+mn-cs"/>
+      </a:defRPr>
+    </a:lvl1pPr>
+    <a:lvl2pPr marL="457200" algn="l" defTabSz="914400" rtl="0" eaLnBrk="1" latinLnBrk="0" hangingPunct="1">
+      <a:defRPr sz="1200" kern="1200">
+        <a:solidFill>
+          <a:schemeClr val="tx1"/>
+        </a:solidFill>
+        <a:latin typeface="+mn-lt"/>
+        <a:ea typeface="+mn-ea"/>
+        <a:cs typeface="+mn-cs"/>
+      </a:defRPr>
+    </a:lvl2pPr>
+    <a:lvl3pPr marL="914400" algn="l" defTabSz="914400" rtl="0" eaLnBrk="1" latinLnBrk="0" hangingPunct="1">
+      <a:defRPr sz="1200" kern="1200">
+        <a:solidFill>
+          <a:schemeClr val="tx1"/>
+        </a:solidFill>
+        <a:latin typeface="+mn-lt"/>
+        <a:ea typeface="+mn-ea"/>
+        <a:cs typeface="+mn-cs"/>
+      </a:defRPr>
+    </a:lvl3pPr>
+    <a:lvl4pPr marL="1371600" algn="l" defTabSz="914400" rtl="0" eaLnBrk="1" latinLnBrk="0" hangingPunct="1">
+      <a:defRPr sz="1200" kern="1200">
+        <a:solidFill>
+          <a:schemeClr val="tx1"/>
+        </a:solidFill>
+        <a:latin typeface="+mn-lt"/>
+        <a:ea typeface="+mn-ea"/>
+        <a:cs typeface="+mn-cs"/>
+      </a:defRPr>
+    </a:lvl4pPr>
+    <a:lvl5pPr marL="1828800" algn="l" defTabSz="914400" rtl="0" eaLnBrk="1" latinLnBrk="0" hangingPunct="1">
+      <a:defRPr sz="1200" kern="1200">
+        <a:solidFill>
+          <a:schemeClr val="tx1"/>
+        </a:solidFill>
+        <a:latin typeface="+mn-lt"/>
+        <a:ea typeface="+mn-ea"/>
+        <a:cs typeface="+mn-cs"/>
+      </a:defRPr>
+    </a:lvl5pPr>
+    <a:lvl6pPr marL="2286000" algn="l" defTabSz="914400" rtl="0" eaLnBrk="1" latinLnBrk="0" hangingPunct="1">
+      <a:defRPr sz="1200" kern="1200">
+        <a:solidFill>
+          <a:schemeClr val="tx1"/>
+        </a:solidFill>
+        <a:latin typeface="+mn-lt"/>
+        <a:ea typeface="+mn-ea"/>
+        <a:cs typeface="+mn-cs"/>
+      </a:defRPr>
+    </a:lvl6pPr>
+    <a:lvl7pPr marL="2743200" algn="l" defTabSz="914400" rtl="0" eaLnBrk="1" latinLnBrk="0" hangingPunct="1">
+      <a:defRPr sz="1200" kern="1200">
+        <a:solidFill>
+          <a:schemeClr val="tx1"/>
+        </a:solidFill>
+        <a:latin typeface="+mn-lt"/>
+        <a:ea typeface="+mn-ea"/>
+        <a:cs typeface="+mn-cs"/>
+      </a:defRPr>
+    </a:lvl7pPr>
+    <a:lvl8pPr marL="3200400" algn="l" defTabSz="914400" rtl="0" eaLnBrk="1" latinLnBrk="0" hangingPunct="1">
+      <a:defRPr sz="1200" kern="1200">
+        <a:solidFill>
+          <a:schemeClr val="tx1"/>
+        </a:solidFill>
+        <a:latin typeface="+mn-lt"/>
+        <a:ea typeface="+mn-ea"/>
+        <a:cs typeface="+mn-cs"/>
+      </a:defRPr>
+    </a:lvl8pPr>
+    <a:lvl9pPr marL="3657600" algn="l" defTabSz="914400" rtl="0" eaLnBrk="1" latinLnBrk="0" hangingPunct="1">
+      <a:defRPr sz="1200" kern="1200">
+        <a:solidFill>
+          <a:schemeClr val="tx1"/>
+        </a:solidFill>
+        <a:latin typeface="+mn-lt"/>
+        <a:ea typeface="+mn-ea"/>
+        <a:cs typeface="+mn-cs"/>
+      </a:defRPr>
+    </a:lvl9pPr>
+  </p:notesStyle>
+</p:notesMaster>
+</file>
+
+<file path=ppt/notesSlides/notesSlide1.xml><?xml version="1.0" encoding="utf-8"?>
+<p:notes xmlns:a="http://schemas.openxmlformats.org/drawingml/2006/main" xmlns:r="http://schemas.openxmlformats.org/officeDocument/2006/relationships" xmlns:p="http://schemas.openxmlformats.org/presentationml/2006/main">
+  <p:cSld>
+    <p:spTree>
+      <p:nvGrpSpPr>
+        <p:cNvPr id="1" name=""/>
+        <p:cNvGrpSpPr/>
+        <p:nvPr/>
+      </p:nvGrpSpPr>
+      <p:grpSpPr>
+        <a:xfrm>
+          <a:off x="0" y="0"/>
+          <a:ext cx="0" cy="0"/>
+          <a:chOff x="0" y="0"/>
+          <a:chExt cx="0" cy="0"/>
+        </a:xfrm>
+      </p:grpSpPr>
+      <p:sp>
+        <p:nvSpPr>
+          <p:cNvPr id="16386" name="Slide Image Placeholder 1"/>
+          <p:cNvSpPr>
+            <a:spLocks noGrp="1" noRot="1" noChangeAspect="1"/>
+          </p:cNvSpPr>
+          <p:nvPr>
+            <p:ph type="sldImg"/>
+          </p:nvPr>
+        </p:nvSpPr>
+        <p:spPr>
+          <a:ln/>
+        </p:spPr>
+      </p:sp>
+      <p:sp>
+        <p:nvSpPr>
+          <p:cNvPr id="16387" name="Notes Placeholder 2"/>
+          <p:cNvSpPr>
+            <a:spLocks noGrp="1"/>
+          </p:cNvSpPr>
+          <p:nvPr>
+            <p:ph type="body" idx="1"/>
+          </p:nvPr>
+        </p:nvSpPr>
+        <p:spPr>
+          <a:noFill/>
+          <a:ln/>
+        </p:spPr>
+        <p:txBody>
+          <a:bodyPr/>
+          <a:lstStyle/>
+          <a:p>
+            <a:endParaRPr lang="en-US" dirty="0"/>
+          </a:p>
+        </p:txBody>
+      </p:sp>
+      <p:sp>
+        <p:nvSpPr>
+          <p:cNvPr id="16388" name="Slide Number Placeholder 3"/>
+          <p:cNvSpPr>
+            <a:spLocks noGrp="1"/>
+          </p:cNvSpPr>
+          <p:nvPr>
+            <p:ph type="sldNum" sz="quarter" idx="5"/>
+          </p:nvPr>
+        </p:nvSpPr>
+        <p:spPr>
+          <a:noFill/>
+        </p:spPr>
+        <p:txBody>
+          <a:bodyPr/>
+          <a:lstStyle/>
+          <a:p>
+            <a:pPr marL="0" marR="0" lvl="0" indent="0" algn="r" defTabSz="457200" rtl="0" eaLnBrk="1" fontAlgn="auto" latinLnBrk="0" hangingPunct="1">
+              <a:lnSpc>
+                <a:spcPct val="100000"/>
+              </a:lnSpc>
+              <a:spcBef>
+                <a:spcPts val="0"/>
+              </a:spcBef>
+              <a:spcAft>
+                <a:spcPts val="0"/>
+              </a:spcAft>
+              <a:buClrTx/>
+              <a:buSzTx/>
+              <a:buFontTx/>
+              <a:buNone/>
+              <a:tabLst/>
+              <a:defRPr/>
+            </a:pPr>
+            <a:fld id="{49F3A4E7-7537-194F-83A4-E9071165E0DD}" type="slidenum">
+              <a:rPr kumimoji="0" lang="en-US" sz="1200" b="0" i="0" u="none" strike="noStrike" kern="1200" cap="none" spc="0" normalizeH="0" baseline="0" noProof="0" smtClean="0">
+                <a:ln>
+                  <a:noFill/>
+                </a:ln>
+                <a:solidFill>
+                  <a:prstClr val="black"/>
+                </a:solidFill>
+                <a:effectLst/>
+                <a:uLnTx/>
+                <a:uFillTx/>
+                <a:latin typeface="Calibri"/>
+                <a:ea typeface="+mn-ea"/>
+                <a:cs typeface="+mn-cs"/>
+              </a:rPr>
+              <a:pPr marL="0" marR="0" lvl="0" indent="0" algn="r" defTabSz="457200" rtl="0" eaLnBrk="1" fontAlgn="auto" latinLnBrk="0" hangingPunct="1">
+                <a:lnSpc>
+                  <a:spcPct val="100000"/>
+                </a:lnSpc>
+                <a:spcBef>
+                  <a:spcPts val="0"/>
+                </a:spcBef>
+                <a:spcAft>
+                  <a:spcPts val="0"/>
+                </a:spcAft>
+                <a:buClrTx/>
+                <a:buSzTx/>
+                <a:buFontTx/>
+                <a:buNone/>
+                <a:tabLst/>
+                <a:defRPr/>
+              </a:pPr>
+              <a:t>1</a:t>
+            </a:fld>
+            <a:endParaRPr kumimoji="0" lang="en-US" sz="1200" b="0" i="0" u="none" strike="noStrike" kern="1200" cap="none" spc="0" normalizeH="0" baseline="0" noProof="0">
+              <a:ln>
+                <a:noFill/>
+              </a:ln>
+              <a:solidFill>
+                <a:prstClr val="black"/>
+              </a:solidFill>
+              <a:effectLst/>
+              <a:uLnTx/>
+              <a:uFillTx/>
+              <a:latin typeface="Calibri"/>
+              <a:ea typeface="+mn-ea"/>
+              <a:cs typeface="+mn-cs"/>
+            </a:endParaRPr>
+          </a:p>
+        </p:txBody>
+      </p:sp>
+    </p:spTree>
+    <p:extLst>
+      <p:ext uri="{BB962C8B-B14F-4D97-AF65-F5344CB8AC3E}">
+        <p14:creationId xmlns:p14="http://schemas.microsoft.com/office/powerpoint/2010/main" val="1908384593"/>
+      </p:ext>
+    </p:extLst>
+  </p:cSld>
+  <p:clrMapOvr>
+    <a:masterClrMapping/>
+  </p:clrMapOvr>
+</p:notes>
+</file>
+
 <file path=ppt/slideLayouts/slideLayout1.xml><?xml version="1.0" encoding="utf-8"?>
 <p:sldLayout xmlns:a="http://schemas.openxmlformats.org/drawingml/2006/main" xmlns:r="http://schemas.openxmlformats.org/officeDocument/2006/relationships" xmlns:p="http://schemas.openxmlformats.org/presentationml/2006/main" type="title" preserve="1">
   <p:cSld name="Title Slide">
@@ -268,7 +775,7 @@
           <a:p>
             <a:fld id="{5EAA4195-56E2-40FA-8260-A07627050A0A}" type="datetimeFigureOut">
               <a:rPr lang="en-US" smtClean="0"/>
-              <a:t>2/19/2022</a:t>
+              <a:t>2/21/2022</a:t>
             </a:fld>
             <a:endParaRPr lang="en-US"/>
           </a:p>
@@ -466,7 +973,7 @@
           <a:p>
             <a:fld id="{5EAA4195-56E2-40FA-8260-A07627050A0A}" type="datetimeFigureOut">
               <a:rPr lang="en-US" smtClean="0"/>
-              <a:t>2/19/2022</a:t>
+              <a:t>2/21/2022</a:t>
             </a:fld>
             <a:endParaRPr lang="en-US"/>
           </a:p>
@@ -674,7 +1181,7 @@
           <a:p>
             <a:fld id="{5EAA4195-56E2-40FA-8260-A07627050A0A}" type="datetimeFigureOut">
               <a:rPr lang="en-US" smtClean="0"/>
-              <a:t>2/19/2022</a:t>
+              <a:t>2/21/2022</a:t>
             </a:fld>
             <a:endParaRPr lang="en-US"/>
           </a:p>
@@ -738,6 +1245,1915 @@
     <p:extLst>
       <p:ext uri="{BB962C8B-B14F-4D97-AF65-F5344CB8AC3E}">
         <p14:creationId xmlns:p14="http://schemas.microsoft.com/office/powerpoint/2010/main" val="3070955192"/>
+      </p:ext>
+    </p:extLst>
+  </p:cSld>
+  <p:clrMapOvr>
+    <a:masterClrMapping/>
+  </p:clrMapOvr>
+</p:sldLayout>
+</file>
+
+<file path=ppt/slideLayouts/slideLayout12.xml><?xml version="1.0" encoding="utf-8"?>
+<p:sldLayout xmlns:a="http://schemas.openxmlformats.org/drawingml/2006/main" xmlns:r="http://schemas.openxmlformats.org/officeDocument/2006/relationships" xmlns:p="http://schemas.openxmlformats.org/presentationml/2006/main" type="title" preserve="1">
+  <p:cSld name="Title Slide">
+    <p:bg>
+      <p:bgPr>
+        <a:solidFill>
+          <a:schemeClr val="bg2"/>
+        </a:solidFill>
+        <a:effectLst/>
+      </p:bgPr>
+    </p:bg>
+    <p:spTree>
+      <p:nvGrpSpPr>
+        <p:cNvPr id="1" name=""/>
+        <p:cNvGrpSpPr/>
+        <p:nvPr/>
+      </p:nvGrpSpPr>
+      <p:grpSpPr>
+        <a:xfrm>
+          <a:off x="0" y="0"/>
+          <a:ext cx="0" cy="0"/>
+          <a:chOff x="0" y="0"/>
+          <a:chExt cx="0" cy="0"/>
+        </a:xfrm>
+      </p:grpSpPr>
+      <p:sp>
+        <p:nvSpPr>
+          <p:cNvPr id="2" name="Title 1"/>
+          <p:cNvSpPr>
+            <a:spLocks noGrp="1"/>
+          </p:cNvSpPr>
+          <p:nvPr userDrawn="1">
+            <p:ph type="ctrTitle"/>
+          </p:nvPr>
+        </p:nvSpPr>
+        <p:spPr>
+          <a:xfrm>
+            <a:off x="914400" y="2088197"/>
+            <a:ext cx="10363200" cy="1470025"/>
+          </a:xfrm>
+        </p:spPr>
+        <p:txBody>
+          <a:bodyPr/>
+          <a:lstStyle>
+            <a:lvl1pPr>
+              <a:defRPr b="1">
+                <a:solidFill>
+                  <a:srgbClr val="FFFFFF"/>
+                </a:solidFill>
+              </a:defRPr>
+            </a:lvl1pPr>
+          </a:lstStyle>
+          <a:p>
+            <a:r>
+              <a:rPr lang="en-US" dirty="0"/>
+              <a:t>Click to edit Master title style</a:t>
+            </a:r>
+          </a:p>
+        </p:txBody>
+      </p:sp>
+      <p:sp>
+        <p:nvSpPr>
+          <p:cNvPr id="3" name="Subtitle 2"/>
+          <p:cNvSpPr>
+            <a:spLocks noGrp="1"/>
+          </p:cNvSpPr>
+          <p:nvPr userDrawn="1">
+            <p:ph type="subTitle" idx="1"/>
+          </p:nvPr>
+        </p:nvSpPr>
+        <p:spPr>
+          <a:xfrm>
+            <a:off x="1828800" y="3835485"/>
+            <a:ext cx="8534400" cy="1752600"/>
+          </a:xfrm>
+        </p:spPr>
+        <p:txBody>
+          <a:bodyPr>
+            <a:normAutofit/>
+          </a:bodyPr>
+          <a:lstStyle>
+            <a:lvl1pPr marL="0" indent="0" algn="ctr">
+              <a:buNone/>
+              <a:defRPr sz="3200">
+                <a:solidFill>
+                  <a:schemeClr val="tx1"/>
+                </a:solidFill>
+              </a:defRPr>
+            </a:lvl1pPr>
+            <a:lvl2pPr marL="457200" indent="0" algn="ctr">
+              <a:buNone/>
+              <a:defRPr>
+                <a:solidFill>
+                  <a:schemeClr val="tx1">
+                    <a:tint val="75000"/>
+                  </a:schemeClr>
+                </a:solidFill>
+              </a:defRPr>
+            </a:lvl2pPr>
+            <a:lvl3pPr marL="914400" indent="0" algn="ctr">
+              <a:buNone/>
+              <a:defRPr>
+                <a:solidFill>
+                  <a:schemeClr val="tx1">
+                    <a:tint val="75000"/>
+                  </a:schemeClr>
+                </a:solidFill>
+              </a:defRPr>
+            </a:lvl3pPr>
+            <a:lvl4pPr marL="1371600" indent="0" algn="ctr">
+              <a:buNone/>
+              <a:defRPr>
+                <a:solidFill>
+                  <a:schemeClr val="tx1">
+                    <a:tint val="75000"/>
+                  </a:schemeClr>
+                </a:solidFill>
+              </a:defRPr>
+            </a:lvl4pPr>
+            <a:lvl5pPr marL="1828800" indent="0" algn="ctr">
+              <a:buNone/>
+              <a:defRPr>
+                <a:solidFill>
+                  <a:schemeClr val="tx1">
+                    <a:tint val="75000"/>
+                  </a:schemeClr>
+                </a:solidFill>
+              </a:defRPr>
+            </a:lvl5pPr>
+            <a:lvl6pPr marL="2286000" indent="0" algn="ctr">
+              <a:buNone/>
+              <a:defRPr>
+                <a:solidFill>
+                  <a:schemeClr val="tx1">
+                    <a:tint val="75000"/>
+                  </a:schemeClr>
+                </a:solidFill>
+              </a:defRPr>
+            </a:lvl6pPr>
+            <a:lvl7pPr marL="2743200" indent="0" algn="ctr">
+              <a:buNone/>
+              <a:defRPr>
+                <a:solidFill>
+                  <a:schemeClr val="tx1">
+                    <a:tint val="75000"/>
+                  </a:schemeClr>
+                </a:solidFill>
+              </a:defRPr>
+            </a:lvl7pPr>
+            <a:lvl8pPr marL="3200400" indent="0" algn="ctr">
+              <a:buNone/>
+              <a:defRPr>
+                <a:solidFill>
+                  <a:schemeClr val="tx1">
+                    <a:tint val="75000"/>
+                  </a:schemeClr>
+                </a:solidFill>
+              </a:defRPr>
+            </a:lvl8pPr>
+            <a:lvl9pPr marL="3657600" indent="0" algn="ctr">
+              <a:buNone/>
+              <a:defRPr>
+                <a:solidFill>
+                  <a:schemeClr val="tx1">
+                    <a:tint val="75000"/>
+                  </a:schemeClr>
+                </a:solidFill>
+              </a:defRPr>
+            </a:lvl9pPr>
+          </a:lstStyle>
+          <a:p>
+            <a:r>
+              <a:rPr lang="en-US" dirty="0"/>
+              <a:t>Click to edit Master subtitle style</a:t>
+            </a:r>
+          </a:p>
+        </p:txBody>
+      </p:sp>
+      <p:sp>
+        <p:nvSpPr>
+          <p:cNvPr id="4" name="Date Placeholder 3"/>
+          <p:cNvSpPr>
+            <a:spLocks noGrp="1"/>
+          </p:cNvSpPr>
+          <p:nvPr userDrawn="1">
+            <p:ph type="dt" sz="half" idx="10"/>
+          </p:nvPr>
+        </p:nvSpPr>
+        <p:spPr/>
+        <p:txBody>
+          <a:bodyPr/>
+          <a:lstStyle/>
+          <a:p>
+            <a:fld id="{C7EA5AEF-268C-3E4A-9F8A-5D6EF85C0AA5}" type="datetimeFigureOut">
+              <a:rPr lang="en-US" smtClean="0"/>
+              <a:pPr/>
+              <a:t>2/21/2022</a:t>
+            </a:fld>
+            <a:endParaRPr lang="en-US" dirty="0"/>
+          </a:p>
+        </p:txBody>
+      </p:sp>
+      <p:sp>
+        <p:nvSpPr>
+          <p:cNvPr id="5" name="Footer Placeholder 4"/>
+          <p:cNvSpPr>
+            <a:spLocks noGrp="1"/>
+          </p:cNvSpPr>
+          <p:nvPr userDrawn="1">
+            <p:ph type="ftr" sz="quarter" idx="11"/>
+          </p:nvPr>
+        </p:nvSpPr>
+        <p:spPr/>
+        <p:txBody>
+          <a:bodyPr/>
+          <a:lstStyle/>
+          <a:p>
+            <a:endParaRPr lang="en-US"/>
+          </a:p>
+        </p:txBody>
+      </p:sp>
+      <p:sp>
+        <p:nvSpPr>
+          <p:cNvPr id="6" name="Slide Number Placeholder 5"/>
+          <p:cNvSpPr>
+            <a:spLocks noGrp="1"/>
+          </p:cNvSpPr>
+          <p:nvPr userDrawn="1">
+            <p:ph type="sldNum" sz="quarter" idx="12"/>
+          </p:nvPr>
+        </p:nvSpPr>
+        <p:spPr/>
+        <p:txBody>
+          <a:bodyPr/>
+          <a:lstStyle/>
+          <a:p>
+            <a:fld id="{54C322D8-1F22-FA42-A079-A02EB09617C1}" type="slidenum">
+              <a:rPr lang="en-US" smtClean="0"/>
+              <a:pPr/>
+              <a:t>‹#›</a:t>
+            </a:fld>
+            <a:endParaRPr lang="en-US"/>
+          </a:p>
+        </p:txBody>
+      </p:sp>
+    </p:spTree>
+    <p:extLst>
+      <p:ext uri="{BB962C8B-B14F-4D97-AF65-F5344CB8AC3E}">
+        <p14:creationId xmlns:p14="http://schemas.microsoft.com/office/powerpoint/2010/main" val="3787524468"/>
+      </p:ext>
+    </p:extLst>
+  </p:cSld>
+  <p:clrMapOvr>
+    <a:overrideClrMapping bg1="dk1" tx1="lt1" bg2="dk2" tx2="lt2" accent1="accent1" accent2="accent2" accent3="accent3" accent4="accent4" accent5="accent5" accent6="accent6" hlink="hlink" folHlink="folHlink"/>
+  </p:clrMapOvr>
+</p:sldLayout>
+</file>
+
+<file path=ppt/slideLayouts/slideLayout13.xml><?xml version="1.0" encoding="utf-8"?>
+<p:sldLayout xmlns:a="http://schemas.openxmlformats.org/drawingml/2006/main" xmlns:r="http://schemas.openxmlformats.org/officeDocument/2006/relationships" xmlns:p="http://schemas.openxmlformats.org/presentationml/2006/main" type="obj" preserve="1">
+  <p:cSld name="Title and Content">
+    <p:spTree>
+      <p:nvGrpSpPr>
+        <p:cNvPr id="1" name=""/>
+        <p:cNvGrpSpPr/>
+        <p:nvPr/>
+      </p:nvGrpSpPr>
+      <p:grpSpPr>
+        <a:xfrm>
+          <a:off x="0" y="0"/>
+          <a:ext cx="0" cy="0"/>
+          <a:chOff x="0" y="0"/>
+          <a:chExt cx="0" cy="0"/>
+        </a:xfrm>
+      </p:grpSpPr>
+      <p:sp>
+        <p:nvSpPr>
+          <p:cNvPr id="2" name="Title 1"/>
+          <p:cNvSpPr>
+            <a:spLocks noGrp="1"/>
+          </p:cNvSpPr>
+          <p:nvPr userDrawn="1">
+            <p:ph type="title"/>
+          </p:nvPr>
+        </p:nvSpPr>
+        <p:spPr/>
+        <p:txBody>
+          <a:bodyPr/>
+          <a:lstStyle>
+            <a:lvl1pPr>
+              <a:defRPr>
+                <a:solidFill>
+                  <a:schemeClr val="bg2"/>
+                </a:solidFill>
+              </a:defRPr>
+            </a:lvl1pPr>
+          </a:lstStyle>
+          <a:p>
+            <a:r>
+              <a:rPr lang="en-US" dirty="0"/>
+              <a:t>Click to edit Master title style</a:t>
+            </a:r>
+          </a:p>
+        </p:txBody>
+      </p:sp>
+      <p:sp>
+        <p:nvSpPr>
+          <p:cNvPr id="3" name="Content Placeholder 2"/>
+          <p:cNvSpPr>
+            <a:spLocks noGrp="1"/>
+          </p:cNvSpPr>
+          <p:nvPr userDrawn="1">
+            <p:ph idx="1"/>
+          </p:nvPr>
+        </p:nvSpPr>
+        <p:spPr/>
+        <p:txBody>
+          <a:bodyPr/>
+          <a:lstStyle/>
+          <a:p>
+            <a:pPr lvl="0"/>
+            <a:r>
+              <a:rPr lang="en-US" dirty="0"/>
+              <a:t>Click to edit Master text styles</a:t>
+            </a:r>
+          </a:p>
+          <a:p>
+            <a:pPr lvl="1"/>
+            <a:r>
+              <a:rPr lang="en-US" dirty="0"/>
+              <a:t>Second level</a:t>
+            </a:r>
+          </a:p>
+          <a:p>
+            <a:pPr lvl="2"/>
+            <a:r>
+              <a:rPr lang="en-US" dirty="0"/>
+              <a:t>Third level</a:t>
+            </a:r>
+          </a:p>
+          <a:p>
+            <a:pPr lvl="3"/>
+            <a:r>
+              <a:rPr lang="en-US" dirty="0"/>
+              <a:t>Fourth level</a:t>
+            </a:r>
+          </a:p>
+          <a:p>
+            <a:pPr lvl="4"/>
+            <a:r>
+              <a:rPr lang="en-US" dirty="0"/>
+              <a:t>Fifth level</a:t>
+            </a:r>
+          </a:p>
+        </p:txBody>
+      </p:sp>
+      <p:sp>
+        <p:nvSpPr>
+          <p:cNvPr id="4" name="Date Placeholder 3"/>
+          <p:cNvSpPr>
+            <a:spLocks noGrp="1"/>
+          </p:cNvSpPr>
+          <p:nvPr userDrawn="1">
+            <p:ph type="dt" sz="half" idx="10"/>
+          </p:nvPr>
+        </p:nvSpPr>
+        <p:spPr/>
+        <p:txBody>
+          <a:bodyPr/>
+          <a:lstStyle/>
+          <a:p>
+            <a:fld id="{C7EA5AEF-268C-3E4A-9F8A-5D6EF85C0AA5}" type="datetimeFigureOut">
+              <a:rPr lang="en-US" smtClean="0"/>
+              <a:pPr/>
+              <a:t>2/21/2022</a:t>
+            </a:fld>
+            <a:endParaRPr lang="en-US"/>
+          </a:p>
+        </p:txBody>
+      </p:sp>
+      <p:sp>
+        <p:nvSpPr>
+          <p:cNvPr id="5" name="Footer Placeholder 4"/>
+          <p:cNvSpPr>
+            <a:spLocks noGrp="1"/>
+          </p:cNvSpPr>
+          <p:nvPr userDrawn="1">
+            <p:ph type="ftr" sz="quarter" idx="11"/>
+          </p:nvPr>
+        </p:nvSpPr>
+        <p:spPr/>
+        <p:txBody>
+          <a:bodyPr/>
+          <a:lstStyle/>
+          <a:p>
+            <a:endParaRPr lang="en-US"/>
+          </a:p>
+        </p:txBody>
+      </p:sp>
+      <p:sp>
+        <p:nvSpPr>
+          <p:cNvPr id="6" name="Slide Number Placeholder 5"/>
+          <p:cNvSpPr>
+            <a:spLocks noGrp="1"/>
+          </p:cNvSpPr>
+          <p:nvPr userDrawn="1">
+            <p:ph type="sldNum" sz="quarter" idx="12"/>
+          </p:nvPr>
+        </p:nvSpPr>
+        <p:spPr/>
+        <p:txBody>
+          <a:bodyPr/>
+          <a:lstStyle/>
+          <a:p>
+            <a:fld id="{54C322D8-1F22-FA42-A079-A02EB09617C1}" type="slidenum">
+              <a:rPr lang="en-US" smtClean="0"/>
+              <a:pPr/>
+              <a:t>‹#›</a:t>
+            </a:fld>
+            <a:endParaRPr lang="en-US"/>
+          </a:p>
+        </p:txBody>
+      </p:sp>
+    </p:spTree>
+    <p:extLst>
+      <p:ext uri="{BB962C8B-B14F-4D97-AF65-F5344CB8AC3E}">
+        <p14:creationId xmlns:p14="http://schemas.microsoft.com/office/powerpoint/2010/main" val="1422681554"/>
+      </p:ext>
+    </p:extLst>
+  </p:cSld>
+  <p:clrMapOvr>
+    <a:masterClrMapping/>
+  </p:clrMapOvr>
+</p:sldLayout>
+</file>
+
+<file path=ppt/slideLayouts/slideLayout14.xml><?xml version="1.0" encoding="utf-8"?>
+<p:sldLayout xmlns:a="http://schemas.openxmlformats.org/drawingml/2006/main" xmlns:r="http://schemas.openxmlformats.org/officeDocument/2006/relationships" xmlns:p="http://schemas.openxmlformats.org/presentationml/2006/main" type="secHead" preserve="1">
+  <p:cSld name="Section Header">
+    <p:bg>
+      <p:bgRef idx="1001">
+        <a:schemeClr val="bg2"/>
+      </p:bgRef>
+    </p:bg>
+    <p:spTree>
+      <p:nvGrpSpPr>
+        <p:cNvPr id="1" name=""/>
+        <p:cNvGrpSpPr/>
+        <p:nvPr/>
+      </p:nvGrpSpPr>
+      <p:grpSpPr>
+        <a:xfrm>
+          <a:off x="0" y="0"/>
+          <a:ext cx="0" cy="0"/>
+          <a:chOff x="0" y="0"/>
+          <a:chExt cx="0" cy="0"/>
+        </a:xfrm>
+      </p:grpSpPr>
+      <p:sp>
+        <p:nvSpPr>
+          <p:cNvPr id="2" name="Title 1"/>
+          <p:cNvSpPr>
+            <a:spLocks noGrp="1"/>
+          </p:cNvSpPr>
+          <p:nvPr>
+            <p:ph type="title"/>
+          </p:nvPr>
+        </p:nvSpPr>
+        <p:spPr>
+          <a:xfrm>
+            <a:off x="963084" y="4406901"/>
+            <a:ext cx="10363200" cy="1362075"/>
+          </a:xfrm>
+        </p:spPr>
+        <p:txBody>
+          <a:bodyPr anchor="t"/>
+          <a:lstStyle>
+            <a:lvl1pPr algn="l">
+              <a:defRPr sz="4000" b="1" cap="all"/>
+            </a:lvl1pPr>
+          </a:lstStyle>
+          <a:p>
+            <a:r>
+              <a:rPr lang="en-US" dirty="0"/>
+              <a:t>Click to edit Master title style</a:t>
+            </a:r>
+          </a:p>
+        </p:txBody>
+      </p:sp>
+      <p:sp>
+        <p:nvSpPr>
+          <p:cNvPr id="3" name="Text Placeholder 2"/>
+          <p:cNvSpPr>
+            <a:spLocks noGrp="1"/>
+          </p:cNvSpPr>
+          <p:nvPr>
+            <p:ph type="body" idx="1"/>
+          </p:nvPr>
+        </p:nvSpPr>
+        <p:spPr>
+          <a:xfrm>
+            <a:off x="963084" y="2906713"/>
+            <a:ext cx="10363200" cy="1500187"/>
+          </a:xfrm>
+        </p:spPr>
+        <p:txBody>
+          <a:bodyPr anchor="b"/>
+          <a:lstStyle>
+            <a:lvl1pPr marL="0" indent="0">
+              <a:buNone/>
+              <a:defRPr sz="2000">
+                <a:solidFill>
+                  <a:schemeClr val="tx1">
+                    <a:tint val="75000"/>
+                  </a:schemeClr>
+                </a:solidFill>
+              </a:defRPr>
+            </a:lvl1pPr>
+            <a:lvl2pPr marL="457200" indent="0">
+              <a:buNone/>
+              <a:defRPr sz="1800">
+                <a:solidFill>
+                  <a:schemeClr val="tx1">
+                    <a:tint val="75000"/>
+                  </a:schemeClr>
+                </a:solidFill>
+              </a:defRPr>
+            </a:lvl2pPr>
+            <a:lvl3pPr marL="914400" indent="0">
+              <a:buNone/>
+              <a:defRPr sz="1600">
+                <a:solidFill>
+                  <a:schemeClr val="tx1">
+                    <a:tint val="75000"/>
+                  </a:schemeClr>
+                </a:solidFill>
+              </a:defRPr>
+            </a:lvl3pPr>
+            <a:lvl4pPr marL="1371600" indent="0">
+              <a:buNone/>
+              <a:defRPr sz="1400">
+                <a:solidFill>
+                  <a:schemeClr val="tx1">
+                    <a:tint val="75000"/>
+                  </a:schemeClr>
+                </a:solidFill>
+              </a:defRPr>
+            </a:lvl4pPr>
+            <a:lvl5pPr marL="1828800" indent="0">
+              <a:buNone/>
+              <a:defRPr sz="1400">
+                <a:solidFill>
+                  <a:schemeClr val="tx1">
+                    <a:tint val="75000"/>
+                  </a:schemeClr>
+                </a:solidFill>
+              </a:defRPr>
+            </a:lvl5pPr>
+            <a:lvl6pPr marL="2286000" indent="0">
+              <a:buNone/>
+              <a:defRPr sz="1400">
+                <a:solidFill>
+                  <a:schemeClr val="tx1">
+                    <a:tint val="75000"/>
+                  </a:schemeClr>
+                </a:solidFill>
+              </a:defRPr>
+            </a:lvl6pPr>
+            <a:lvl7pPr marL="2743200" indent="0">
+              <a:buNone/>
+              <a:defRPr sz="1400">
+                <a:solidFill>
+                  <a:schemeClr val="tx1">
+                    <a:tint val="75000"/>
+                  </a:schemeClr>
+                </a:solidFill>
+              </a:defRPr>
+            </a:lvl7pPr>
+            <a:lvl8pPr marL="3200400" indent="0">
+              <a:buNone/>
+              <a:defRPr sz="1400">
+                <a:solidFill>
+                  <a:schemeClr val="tx1">
+                    <a:tint val="75000"/>
+                  </a:schemeClr>
+                </a:solidFill>
+              </a:defRPr>
+            </a:lvl8pPr>
+            <a:lvl9pPr marL="3657600" indent="0">
+              <a:buNone/>
+              <a:defRPr sz="1400">
+                <a:solidFill>
+                  <a:schemeClr val="tx1">
+                    <a:tint val="75000"/>
+                  </a:schemeClr>
+                </a:solidFill>
+              </a:defRPr>
+            </a:lvl9pPr>
+          </a:lstStyle>
+          <a:p>
+            <a:pPr lvl="0"/>
+            <a:r>
+              <a:rPr lang="en-US" dirty="0"/>
+              <a:t>Click to edit Master text styles</a:t>
+            </a:r>
+          </a:p>
+        </p:txBody>
+      </p:sp>
+      <p:sp>
+        <p:nvSpPr>
+          <p:cNvPr id="4" name="Date Placeholder 3"/>
+          <p:cNvSpPr>
+            <a:spLocks noGrp="1"/>
+          </p:cNvSpPr>
+          <p:nvPr>
+            <p:ph type="dt" sz="half" idx="10"/>
+          </p:nvPr>
+        </p:nvSpPr>
+        <p:spPr/>
+        <p:txBody>
+          <a:bodyPr/>
+          <a:lstStyle/>
+          <a:p>
+            <a:fld id="{C7EA5AEF-268C-3E4A-9F8A-5D6EF85C0AA5}" type="datetimeFigureOut">
+              <a:rPr lang="en-US" smtClean="0"/>
+              <a:pPr/>
+              <a:t>2/21/2022</a:t>
+            </a:fld>
+            <a:endParaRPr lang="en-US"/>
+          </a:p>
+        </p:txBody>
+      </p:sp>
+      <p:sp>
+        <p:nvSpPr>
+          <p:cNvPr id="5" name="Footer Placeholder 4"/>
+          <p:cNvSpPr>
+            <a:spLocks noGrp="1"/>
+          </p:cNvSpPr>
+          <p:nvPr>
+            <p:ph type="ftr" sz="quarter" idx="11"/>
+          </p:nvPr>
+        </p:nvSpPr>
+        <p:spPr/>
+        <p:txBody>
+          <a:bodyPr/>
+          <a:lstStyle/>
+          <a:p>
+            <a:endParaRPr lang="en-US"/>
+          </a:p>
+        </p:txBody>
+      </p:sp>
+      <p:sp>
+        <p:nvSpPr>
+          <p:cNvPr id="6" name="Slide Number Placeholder 5"/>
+          <p:cNvSpPr>
+            <a:spLocks noGrp="1"/>
+          </p:cNvSpPr>
+          <p:nvPr>
+            <p:ph type="sldNum" sz="quarter" idx="12"/>
+          </p:nvPr>
+        </p:nvSpPr>
+        <p:spPr/>
+        <p:txBody>
+          <a:bodyPr/>
+          <a:lstStyle/>
+          <a:p>
+            <a:fld id="{54C322D8-1F22-FA42-A079-A02EB09617C1}" type="slidenum">
+              <a:rPr lang="en-US" smtClean="0"/>
+              <a:pPr/>
+              <a:t>‹#›</a:t>
+            </a:fld>
+            <a:endParaRPr lang="en-US"/>
+          </a:p>
+        </p:txBody>
+      </p:sp>
+    </p:spTree>
+    <p:extLst>
+      <p:ext uri="{BB962C8B-B14F-4D97-AF65-F5344CB8AC3E}">
+        <p14:creationId xmlns:p14="http://schemas.microsoft.com/office/powerpoint/2010/main" val="3054391155"/>
+      </p:ext>
+    </p:extLst>
+  </p:cSld>
+  <p:clrMapOvr>
+    <a:overrideClrMapping bg1="lt1" tx1="dk1" bg2="lt2" tx2="dk2" accent1="accent1" accent2="accent2" accent3="accent3" accent4="accent4" accent5="accent5" accent6="accent6" hlink="hlink" folHlink="folHlink"/>
+  </p:clrMapOvr>
+</p:sldLayout>
+</file>
+
+<file path=ppt/slideLayouts/slideLayout15.xml><?xml version="1.0" encoding="utf-8"?>
+<p:sldLayout xmlns:a="http://schemas.openxmlformats.org/drawingml/2006/main" xmlns:r="http://schemas.openxmlformats.org/officeDocument/2006/relationships" xmlns:p="http://schemas.openxmlformats.org/presentationml/2006/main" type="twoObj" preserve="1">
+  <p:cSld name="Two Content">
+    <p:spTree>
+      <p:nvGrpSpPr>
+        <p:cNvPr id="1" name=""/>
+        <p:cNvGrpSpPr/>
+        <p:nvPr/>
+      </p:nvGrpSpPr>
+      <p:grpSpPr>
+        <a:xfrm>
+          <a:off x="0" y="0"/>
+          <a:ext cx="0" cy="0"/>
+          <a:chOff x="0" y="0"/>
+          <a:chExt cx="0" cy="0"/>
+        </a:xfrm>
+      </p:grpSpPr>
+      <p:sp>
+        <p:nvSpPr>
+          <p:cNvPr id="2" name="Title 1"/>
+          <p:cNvSpPr>
+            <a:spLocks noGrp="1"/>
+          </p:cNvSpPr>
+          <p:nvPr>
+            <p:ph type="title"/>
+          </p:nvPr>
+        </p:nvSpPr>
+        <p:spPr/>
+        <p:txBody>
+          <a:bodyPr/>
+          <a:lstStyle>
+            <a:lvl1pPr>
+              <a:defRPr>
+                <a:solidFill>
+                  <a:srgbClr val="002147"/>
+                </a:solidFill>
+              </a:defRPr>
+            </a:lvl1pPr>
+          </a:lstStyle>
+          <a:p>
+            <a:r>
+              <a:rPr lang="en-US" dirty="0"/>
+              <a:t>Click to edit Master title style</a:t>
+            </a:r>
+          </a:p>
+        </p:txBody>
+      </p:sp>
+      <p:sp>
+        <p:nvSpPr>
+          <p:cNvPr id="3" name="Content Placeholder 2"/>
+          <p:cNvSpPr>
+            <a:spLocks noGrp="1"/>
+          </p:cNvSpPr>
+          <p:nvPr>
+            <p:ph sz="half" idx="1"/>
+          </p:nvPr>
+        </p:nvSpPr>
+        <p:spPr>
+          <a:xfrm>
+            <a:off x="609600" y="1600201"/>
+            <a:ext cx="5384800" cy="4525963"/>
+          </a:xfrm>
+        </p:spPr>
+        <p:txBody>
+          <a:bodyPr/>
+          <a:lstStyle>
+            <a:lvl1pPr>
+              <a:defRPr sz="2800"/>
+            </a:lvl1pPr>
+            <a:lvl2pPr>
+              <a:defRPr sz="2400"/>
+            </a:lvl2pPr>
+            <a:lvl3pPr>
+              <a:defRPr sz="2000"/>
+            </a:lvl3pPr>
+            <a:lvl4pPr>
+              <a:defRPr sz="1800"/>
+            </a:lvl4pPr>
+            <a:lvl5pPr>
+              <a:defRPr sz="1800"/>
+            </a:lvl5pPr>
+            <a:lvl6pPr>
+              <a:defRPr sz="1800"/>
+            </a:lvl6pPr>
+            <a:lvl7pPr>
+              <a:defRPr sz="1800"/>
+            </a:lvl7pPr>
+            <a:lvl8pPr>
+              <a:defRPr sz="1800"/>
+            </a:lvl8pPr>
+            <a:lvl9pPr>
+              <a:defRPr sz="1800"/>
+            </a:lvl9pPr>
+          </a:lstStyle>
+          <a:p>
+            <a:pPr lvl="0"/>
+            <a:r>
+              <a:rPr lang="en-US" dirty="0"/>
+              <a:t>Click to edit Master text styles</a:t>
+            </a:r>
+          </a:p>
+          <a:p>
+            <a:pPr lvl="1"/>
+            <a:r>
+              <a:rPr lang="en-US" dirty="0"/>
+              <a:t>Second level</a:t>
+            </a:r>
+          </a:p>
+          <a:p>
+            <a:pPr lvl="2"/>
+            <a:r>
+              <a:rPr lang="en-US" dirty="0"/>
+              <a:t>Third level</a:t>
+            </a:r>
+          </a:p>
+          <a:p>
+            <a:pPr lvl="3"/>
+            <a:r>
+              <a:rPr lang="en-US" dirty="0"/>
+              <a:t>Fourth level</a:t>
+            </a:r>
+          </a:p>
+          <a:p>
+            <a:pPr lvl="4"/>
+            <a:r>
+              <a:rPr lang="en-US" dirty="0"/>
+              <a:t>Fifth level</a:t>
+            </a:r>
+          </a:p>
+        </p:txBody>
+      </p:sp>
+      <p:sp>
+        <p:nvSpPr>
+          <p:cNvPr id="4" name="Content Placeholder 3"/>
+          <p:cNvSpPr>
+            <a:spLocks noGrp="1"/>
+          </p:cNvSpPr>
+          <p:nvPr>
+            <p:ph sz="half" idx="2"/>
+          </p:nvPr>
+        </p:nvSpPr>
+        <p:spPr>
+          <a:xfrm>
+            <a:off x="6197600" y="1600201"/>
+            <a:ext cx="5384800" cy="4525963"/>
+          </a:xfrm>
+        </p:spPr>
+        <p:txBody>
+          <a:bodyPr/>
+          <a:lstStyle>
+            <a:lvl1pPr>
+              <a:defRPr sz="2800"/>
+            </a:lvl1pPr>
+            <a:lvl2pPr>
+              <a:defRPr sz="2400"/>
+            </a:lvl2pPr>
+            <a:lvl3pPr>
+              <a:defRPr sz="2000"/>
+            </a:lvl3pPr>
+            <a:lvl4pPr>
+              <a:defRPr sz="1800"/>
+            </a:lvl4pPr>
+            <a:lvl5pPr>
+              <a:defRPr sz="1800"/>
+            </a:lvl5pPr>
+            <a:lvl6pPr>
+              <a:defRPr sz="1800"/>
+            </a:lvl6pPr>
+            <a:lvl7pPr>
+              <a:defRPr sz="1800"/>
+            </a:lvl7pPr>
+            <a:lvl8pPr>
+              <a:defRPr sz="1800"/>
+            </a:lvl8pPr>
+            <a:lvl9pPr>
+              <a:defRPr sz="1800"/>
+            </a:lvl9pPr>
+          </a:lstStyle>
+          <a:p>
+            <a:pPr lvl="0"/>
+            <a:r>
+              <a:rPr lang="en-US"/>
+              <a:t>Click to edit Master text styles</a:t>
+            </a:r>
+          </a:p>
+          <a:p>
+            <a:pPr lvl="1"/>
+            <a:r>
+              <a:rPr lang="en-US"/>
+              <a:t>Second level</a:t>
+            </a:r>
+          </a:p>
+          <a:p>
+            <a:pPr lvl="2"/>
+            <a:r>
+              <a:rPr lang="en-US"/>
+              <a:t>Third level</a:t>
+            </a:r>
+          </a:p>
+          <a:p>
+            <a:pPr lvl="3"/>
+            <a:r>
+              <a:rPr lang="en-US"/>
+              <a:t>Fourth level</a:t>
+            </a:r>
+          </a:p>
+          <a:p>
+            <a:pPr lvl="4"/>
+            <a:r>
+              <a:rPr lang="en-US"/>
+              <a:t>Fifth level</a:t>
+            </a:r>
+          </a:p>
+        </p:txBody>
+      </p:sp>
+      <p:sp>
+        <p:nvSpPr>
+          <p:cNvPr id="5" name="Date Placeholder 4"/>
+          <p:cNvSpPr>
+            <a:spLocks noGrp="1"/>
+          </p:cNvSpPr>
+          <p:nvPr>
+            <p:ph type="dt" sz="half" idx="10"/>
+          </p:nvPr>
+        </p:nvSpPr>
+        <p:spPr/>
+        <p:txBody>
+          <a:bodyPr/>
+          <a:lstStyle/>
+          <a:p>
+            <a:fld id="{C7EA5AEF-268C-3E4A-9F8A-5D6EF85C0AA5}" type="datetimeFigureOut">
+              <a:rPr lang="en-US" smtClean="0"/>
+              <a:pPr/>
+              <a:t>2/21/2022</a:t>
+            </a:fld>
+            <a:endParaRPr lang="en-US"/>
+          </a:p>
+        </p:txBody>
+      </p:sp>
+      <p:sp>
+        <p:nvSpPr>
+          <p:cNvPr id="6" name="Footer Placeholder 5"/>
+          <p:cNvSpPr>
+            <a:spLocks noGrp="1"/>
+          </p:cNvSpPr>
+          <p:nvPr>
+            <p:ph type="ftr" sz="quarter" idx="11"/>
+          </p:nvPr>
+        </p:nvSpPr>
+        <p:spPr/>
+        <p:txBody>
+          <a:bodyPr/>
+          <a:lstStyle/>
+          <a:p>
+            <a:endParaRPr lang="en-US"/>
+          </a:p>
+        </p:txBody>
+      </p:sp>
+      <p:sp>
+        <p:nvSpPr>
+          <p:cNvPr id="7" name="Slide Number Placeholder 6"/>
+          <p:cNvSpPr>
+            <a:spLocks noGrp="1"/>
+          </p:cNvSpPr>
+          <p:nvPr>
+            <p:ph type="sldNum" sz="quarter" idx="12"/>
+          </p:nvPr>
+        </p:nvSpPr>
+        <p:spPr/>
+        <p:txBody>
+          <a:bodyPr/>
+          <a:lstStyle/>
+          <a:p>
+            <a:fld id="{54C322D8-1F22-FA42-A079-A02EB09617C1}" type="slidenum">
+              <a:rPr lang="en-US" smtClean="0"/>
+              <a:pPr/>
+              <a:t>‹#›</a:t>
+            </a:fld>
+            <a:endParaRPr lang="en-US"/>
+          </a:p>
+        </p:txBody>
+      </p:sp>
+    </p:spTree>
+    <p:extLst>
+      <p:ext uri="{BB962C8B-B14F-4D97-AF65-F5344CB8AC3E}">
+        <p14:creationId xmlns:p14="http://schemas.microsoft.com/office/powerpoint/2010/main" val="4166123526"/>
+      </p:ext>
+    </p:extLst>
+  </p:cSld>
+  <p:clrMapOvr>
+    <a:masterClrMapping/>
+  </p:clrMapOvr>
+</p:sldLayout>
+</file>
+
+<file path=ppt/slideLayouts/slideLayout16.xml><?xml version="1.0" encoding="utf-8"?>
+<p:sldLayout xmlns:a="http://schemas.openxmlformats.org/drawingml/2006/main" xmlns:r="http://schemas.openxmlformats.org/officeDocument/2006/relationships" xmlns:p="http://schemas.openxmlformats.org/presentationml/2006/main" type="twoTxTwoObj" preserve="1">
+  <p:cSld name="Comparison">
+    <p:spTree>
+      <p:nvGrpSpPr>
+        <p:cNvPr id="1" name=""/>
+        <p:cNvGrpSpPr/>
+        <p:nvPr/>
+      </p:nvGrpSpPr>
+      <p:grpSpPr>
+        <a:xfrm>
+          <a:off x="0" y="0"/>
+          <a:ext cx="0" cy="0"/>
+          <a:chOff x="0" y="0"/>
+          <a:chExt cx="0" cy="0"/>
+        </a:xfrm>
+      </p:grpSpPr>
+      <p:sp>
+        <p:nvSpPr>
+          <p:cNvPr id="2" name="Title 1"/>
+          <p:cNvSpPr>
+            <a:spLocks noGrp="1"/>
+          </p:cNvSpPr>
+          <p:nvPr>
+            <p:ph type="title"/>
+          </p:nvPr>
+        </p:nvSpPr>
+        <p:spPr/>
+        <p:txBody>
+          <a:bodyPr/>
+          <a:lstStyle>
+            <a:lvl1pPr>
+              <a:defRPr>
+                <a:solidFill>
+                  <a:srgbClr val="002147"/>
+                </a:solidFill>
+              </a:defRPr>
+            </a:lvl1pPr>
+          </a:lstStyle>
+          <a:p>
+            <a:r>
+              <a:rPr lang="en-US"/>
+              <a:t>Click to edit Master title style</a:t>
+            </a:r>
+          </a:p>
+        </p:txBody>
+      </p:sp>
+      <p:sp>
+        <p:nvSpPr>
+          <p:cNvPr id="3" name="Text Placeholder 2"/>
+          <p:cNvSpPr>
+            <a:spLocks noGrp="1"/>
+          </p:cNvSpPr>
+          <p:nvPr>
+            <p:ph type="body" idx="1"/>
+          </p:nvPr>
+        </p:nvSpPr>
+        <p:spPr>
+          <a:xfrm>
+            <a:off x="609600" y="1535113"/>
+            <a:ext cx="5386917" cy="639762"/>
+          </a:xfrm>
+        </p:spPr>
+        <p:txBody>
+          <a:bodyPr anchor="b"/>
+          <a:lstStyle>
+            <a:lvl1pPr marL="0" indent="0">
+              <a:buNone/>
+              <a:defRPr sz="2400" b="1"/>
+            </a:lvl1pPr>
+            <a:lvl2pPr marL="457200" indent="0">
+              <a:buNone/>
+              <a:defRPr sz="2000" b="1"/>
+            </a:lvl2pPr>
+            <a:lvl3pPr marL="914400" indent="0">
+              <a:buNone/>
+              <a:defRPr sz="1800" b="1"/>
+            </a:lvl3pPr>
+            <a:lvl4pPr marL="1371600" indent="0">
+              <a:buNone/>
+              <a:defRPr sz="1600" b="1"/>
+            </a:lvl4pPr>
+            <a:lvl5pPr marL="1828800" indent="0">
+              <a:buNone/>
+              <a:defRPr sz="1600" b="1"/>
+            </a:lvl5pPr>
+            <a:lvl6pPr marL="2286000" indent="0">
+              <a:buNone/>
+              <a:defRPr sz="1600" b="1"/>
+            </a:lvl6pPr>
+            <a:lvl7pPr marL="2743200" indent="0">
+              <a:buNone/>
+              <a:defRPr sz="1600" b="1"/>
+            </a:lvl7pPr>
+            <a:lvl8pPr marL="3200400" indent="0">
+              <a:buNone/>
+              <a:defRPr sz="1600" b="1"/>
+            </a:lvl8pPr>
+            <a:lvl9pPr marL="3657600" indent="0">
+              <a:buNone/>
+              <a:defRPr sz="1600" b="1"/>
+            </a:lvl9pPr>
+          </a:lstStyle>
+          <a:p>
+            <a:pPr lvl="0"/>
+            <a:r>
+              <a:rPr lang="en-US"/>
+              <a:t>Click to edit Master text styles</a:t>
+            </a:r>
+          </a:p>
+        </p:txBody>
+      </p:sp>
+      <p:sp>
+        <p:nvSpPr>
+          <p:cNvPr id="4" name="Content Placeholder 3"/>
+          <p:cNvSpPr>
+            <a:spLocks noGrp="1"/>
+          </p:cNvSpPr>
+          <p:nvPr>
+            <p:ph sz="half" idx="2"/>
+          </p:nvPr>
+        </p:nvSpPr>
+        <p:spPr>
+          <a:xfrm>
+            <a:off x="609600" y="2174875"/>
+            <a:ext cx="5386917" cy="3951288"/>
+          </a:xfrm>
+        </p:spPr>
+        <p:txBody>
+          <a:bodyPr/>
+          <a:lstStyle>
+            <a:lvl1pPr>
+              <a:defRPr sz="2400"/>
+            </a:lvl1pPr>
+            <a:lvl2pPr>
+              <a:defRPr sz="2000"/>
+            </a:lvl2pPr>
+            <a:lvl3pPr>
+              <a:defRPr sz="1800"/>
+            </a:lvl3pPr>
+            <a:lvl4pPr>
+              <a:defRPr sz="1600"/>
+            </a:lvl4pPr>
+            <a:lvl5pPr>
+              <a:defRPr sz="1600"/>
+            </a:lvl5pPr>
+            <a:lvl6pPr>
+              <a:defRPr sz="1600"/>
+            </a:lvl6pPr>
+            <a:lvl7pPr>
+              <a:defRPr sz="1600"/>
+            </a:lvl7pPr>
+            <a:lvl8pPr>
+              <a:defRPr sz="1600"/>
+            </a:lvl8pPr>
+            <a:lvl9pPr>
+              <a:defRPr sz="1600"/>
+            </a:lvl9pPr>
+          </a:lstStyle>
+          <a:p>
+            <a:pPr lvl="0"/>
+            <a:r>
+              <a:rPr lang="en-US"/>
+              <a:t>Click to edit Master text styles</a:t>
+            </a:r>
+          </a:p>
+          <a:p>
+            <a:pPr lvl="1"/>
+            <a:r>
+              <a:rPr lang="en-US"/>
+              <a:t>Second level</a:t>
+            </a:r>
+          </a:p>
+          <a:p>
+            <a:pPr lvl="2"/>
+            <a:r>
+              <a:rPr lang="en-US"/>
+              <a:t>Third level</a:t>
+            </a:r>
+          </a:p>
+          <a:p>
+            <a:pPr lvl="3"/>
+            <a:r>
+              <a:rPr lang="en-US"/>
+              <a:t>Fourth level</a:t>
+            </a:r>
+          </a:p>
+          <a:p>
+            <a:pPr lvl="4"/>
+            <a:r>
+              <a:rPr lang="en-US"/>
+              <a:t>Fifth level</a:t>
+            </a:r>
+          </a:p>
+        </p:txBody>
+      </p:sp>
+      <p:sp>
+        <p:nvSpPr>
+          <p:cNvPr id="5" name="Text Placeholder 4"/>
+          <p:cNvSpPr>
+            <a:spLocks noGrp="1"/>
+          </p:cNvSpPr>
+          <p:nvPr>
+            <p:ph type="body" sz="quarter" idx="3"/>
+          </p:nvPr>
+        </p:nvSpPr>
+        <p:spPr>
+          <a:xfrm>
+            <a:off x="6193368" y="1535113"/>
+            <a:ext cx="5389033" cy="639762"/>
+          </a:xfrm>
+        </p:spPr>
+        <p:txBody>
+          <a:bodyPr anchor="b"/>
+          <a:lstStyle>
+            <a:lvl1pPr marL="0" indent="0">
+              <a:buNone/>
+              <a:defRPr sz="2400" b="1"/>
+            </a:lvl1pPr>
+            <a:lvl2pPr marL="457200" indent="0">
+              <a:buNone/>
+              <a:defRPr sz="2000" b="1"/>
+            </a:lvl2pPr>
+            <a:lvl3pPr marL="914400" indent="0">
+              <a:buNone/>
+              <a:defRPr sz="1800" b="1"/>
+            </a:lvl3pPr>
+            <a:lvl4pPr marL="1371600" indent="0">
+              <a:buNone/>
+              <a:defRPr sz="1600" b="1"/>
+            </a:lvl4pPr>
+            <a:lvl5pPr marL="1828800" indent="0">
+              <a:buNone/>
+              <a:defRPr sz="1600" b="1"/>
+            </a:lvl5pPr>
+            <a:lvl6pPr marL="2286000" indent="0">
+              <a:buNone/>
+              <a:defRPr sz="1600" b="1"/>
+            </a:lvl6pPr>
+            <a:lvl7pPr marL="2743200" indent="0">
+              <a:buNone/>
+              <a:defRPr sz="1600" b="1"/>
+            </a:lvl7pPr>
+            <a:lvl8pPr marL="3200400" indent="0">
+              <a:buNone/>
+              <a:defRPr sz="1600" b="1"/>
+            </a:lvl8pPr>
+            <a:lvl9pPr marL="3657600" indent="0">
+              <a:buNone/>
+              <a:defRPr sz="1600" b="1"/>
+            </a:lvl9pPr>
+          </a:lstStyle>
+          <a:p>
+            <a:pPr lvl="0"/>
+            <a:r>
+              <a:rPr lang="en-US"/>
+              <a:t>Click to edit Master text styles</a:t>
+            </a:r>
+          </a:p>
+        </p:txBody>
+      </p:sp>
+      <p:sp>
+        <p:nvSpPr>
+          <p:cNvPr id="6" name="Content Placeholder 5"/>
+          <p:cNvSpPr>
+            <a:spLocks noGrp="1"/>
+          </p:cNvSpPr>
+          <p:nvPr>
+            <p:ph sz="quarter" idx="4"/>
+          </p:nvPr>
+        </p:nvSpPr>
+        <p:spPr>
+          <a:xfrm>
+            <a:off x="6193368" y="2174875"/>
+            <a:ext cx="5389033" cy="3951288"/>
+          </a:xfrm>
+        </p:spPr>
+        <p:txBody>
+          <a:bodyPr/>
+          <a:lstStyle>
+            <a:lvl1pPr>
+              <a:defRPr sz="2400"/>
+            </a:lvl1pPr>
+            <a:lvl2pPr>
+              <a:defRPr sz="2000"/>
+            </a:lvl2pPr>
+            <a:lvl3pPr>
+              <a:defRPr sz="1800"/>
+            </a:lvl3pPr>
+            <a:lvl4pPr>
+              <a:defRPr sz="1600"/>
+            </a:lvl4pPr>
+            <a:lvl5pPr>
+              <a:defRPr sz="1600"/>
+            </a:lvl5pPr>
+            <a:lvl6pPr>
+              <a:defRPr sz="1600"/>
+            </a:lvl6pPr>
+            <a:lvl7pPr>
+              <a:defRPr sz="1600"/>
+            </a:lvl7pPr>
+            <a:lvl8pPr>
+              <a:defRPr sz="1600"/>
+            </a:lvl8pPr>
+            <a:lvl9pPr>
+              <a:defRPr sz="1600"/>
+            </a:lvl9pPr>
+          </a:lstStyle>
+          <a:p>
+            <a:pPr lvl="0"/>
+            <a:r>
+              <a:rPr lang="en-US"/>
+              <a:t>Click to edit Master text styles</a:t>
+            </a:r>
+          </a:p>
+          <a:p>
+            <a:pPr lvl="1"/>
+            <a:r>
+              <a:rPr lang="en-US"/>
+              <a:t>Second level</a:t>
+            </a:r>
+          </a:p>
+          <a:p>
+            <a:pPr lvl="2"/>
+            <a:r>
+              <a:rPr lang="en-US"/>
+              <a:t>Third level</a:t>
+            </a:r>
+          </a:p>
+          <a:p>
+            <a:pPr lvl="3"/>
+            <a:r>
+              <a:rPr lang="en-US"/>
+              <a:t>Fourth level</a:t>
+            </a:r>
+          </a:p>
+          <a:p>
+            <a:pPr lvl="4"/>
+            <a:r>
+              <a:rPr lang="en-US"/>
+              <a:t>Fifth level</a:t>
+            </a:r>
+          </a:p>
+        </p:txBody>
+      </p:sp>
+      <p:sp>
+        <p:nvSpPr>
+          <p:cNvPr id="7" name="Date Placeholder 6"/>
+          <p:cNvSpPr>
+            <a:spLocks noGrp="1"/>
+          </p:cNvSpPr>
+          <p:nvPr>
+            <p:ph type="dt" sz="half" idx="10"/>
+          </p:nvPr>
+        </p:nvSpPr>
+        <p:spPr/>
+        <p:txBody>
+          <a:bodyPr/>
+          <a:lstStyle/>
+          <a:p>
+            <a:fld id="{C7EA5AEF-268C-3E4A-9F8A-5D6EF85C0AA5}" type="datetimeFigureOut">
+              <a:rPr lang="en-US" smtClean="0"/>
+              <a:pPr/>
+              <a:t>2/21/2022</a:t>
+            </a:fld>
+            <a:endParaRPr lang="en-US"/>
+          </a:p>
+        </p:txBody>
+      </p:sp>
+      <p:sp>
+        <p:nvSpPr>
+          <p:cNvPr id="8" name="Footer Placeholder 7"/>
+          <p:cNvSpPr>
+            <a:spLocks noGrp="1"/>
+          </p:cNvSpPr>
+          <p:nvPr>
+            <p:ph type="ftr" sz="quarter" idx="11"/>
+          </p:nvPr>
+        </p:nvSpPr>
+        <p:spPr/>
+        <p:txBody>
+          <a:bodyPr/>
+          <a:lstStyle/>
+          <a:p>
+            <a:endParaRPr lang="en-US"/>
+          </a:p>
+        </p:txBody>
+      </p:sp>
+      <p:sp>
+        <p:nvSpPr>
+          <p:cNvPr id="9" name="Slide Number Placeholder 8"/>
+          <p:cNvSpPr>
+            <a:spLocks noGrp="1"/>
+          </p:cNvSpPr>
+          <p:nvPr>
+            <p:ph type="sldNum" sz="quarter" idx="12"/>
+          </p:nvPr>
+        </p:nvSpPr>
+        <p:spPr/>
+        <p:txBody>
+          <a:bodyPr/>
+          <a:lstStyle/>
+          <a:p>
+            <a:fld id="{54C322D8-1F22-FA42-A079-A02EB09617C1}" type="slidenum">
+              <a:rPr lang="en-US" smtClean="0"/>
+              <a:pPr/>
+              <a:t>‹#›</a:t>
+            </a:fld>
+            <a:endParaRPr lang="en-US"/>
+          </a:p>
+        </p:txBody>
+      </p:sp>
+    </p:spTree>
+    <p:extLst>
+      <p:ext uri="{BB962C8B-B14F-4D97-AF65-F5344CB8AC3E}">
+        <p14:creationId xmlns:p14="http://schemas.microsoft.com/office/powerpoint/2010/main" val="1470321037"/>
+      </p:ext>
+    </p:extLst>
+  </p:cSld>
+  <p:clrMapOvr>
+    <a:masterClrMapping/>
+  </p:clrMapOvr>
+</p:sldLayout>
+</file>
+
+<file path=ppt/slideLayouts/slideLayout17.xml><?xml version="1.0" encoding="utf-8"?>
+<p:sldLayout xmlns:a="http://schemas.openxmlformats.org/drawingml/2006/main" xmlns:r="http://schemas.openxmlformats.org/officeDocument/2006/relationships" xmlns:p="http://schemas.openxmlformats.org/presentationml/2006/main" type="titleOnly" preserve="1">
+  <p:cSld name="Title Only">
+    <p:spTree>
+      <p:nvGrpSpPr>
+        <p:cNvPr id="1" name=""/>
+        <p:cNvGrpSpPr/>
+        <p:nvPr/>
+      </p:nvGrpSpPr>
+      <p:grpSpPr>
+        <a:xfrm>
+          <a:off x="0" y="0"/>
+          <a:ext cx="0" cy="0"/>
+          <a:chOff x="0" y="0"/>
+          <a:chExt cx="0" cy="0"/>
+        </a:xfrm>
+      </p:grpSpPr>
+      <p:sp>
+        <p:nvSpPr>
+          <p:cNvPr id="2" name="Title 1"/>
+          <p:cNvSpPr>
+            <a:spLocks noGrp="1"/>
+          </p:cNvSpPr>
+          <p:nvPr>
+            <p:ph type="title"/>
+          </p:nvPr>
+        </p:nvSpPr>
+        <p:spPr/>
+        <p:txBody>
+          <a:bodyPr/>
+          <a:lstStyle>
+            <a:lvl1pPr>
+              <a:defRPr>
+                <a:solidFill>
+                  <a:srgbClr val="002147"/>
+                </a:solidFill>
+              </a:defRPr>
+            </a:lvl1pPr>
+          </a:lstStyle>
+          <a:p>
+            <a:r>
+              <a:rPr lang="en-US" dirty="0"/>
+              <a:t>Click to edit Master title style</a:t>
+            </a:r>
+          </a:p>
+        </p:txBody>
+      </p:sp>
+      <p:sp>
+        <p:nvSpPr>
+          <p:cNvPr id="3" name="Date Placeholder 2"/>
+          <p:cNvSpPr>
+            <a:spLocks noGrp="1"/>
+          </p:cNvSpPr>
+          <p:nvPr>
+            <p:ph type="dt" sz="half" idx="10"/>
+          </p:nvPr>
+        </p:nvSpPr>
+        <p:spPr/>
+        <p:txBody>
+          <a:bodyPr/>
+          <a:lstStyle/>
+          <a:p>
+            <a:fld id="{C7EA5AEF-268C-3E4A-9F8A-5D6EF85C0AA5}" type="datetimeFigureOut">
+              <a:rPr lang="en-US" smtClean="0"/>
+              <a:pPr/>
+              <a:t>2/21/2022</a:t>
+            </a:fld>
+            <a:endParaRPr lang="en-US"/>
+          </a:p>
+        </p:txBody>
+      </p:sp>
+      <p:sp>
+        <p:nvSpPr>
+          <p:cNvPr id="4" name="Footer Placeholder 3"/>
+          <p:cNvSpPr>
+            <a:spLocks noGrp="1"/>
+          </p:cNvSpPr>
+          <p:nvPr>
+            <p:ph type="ftr" sz="quarter" idx="11"/>
+          </p:nvPr>
+        </p:nvSpPr>
+        <p:spPr/>
+        <p:txBody>
+          <a:bodyPr/>
+          <a:lstStyle/>
+          <a:p>
+            <a:endParaRPr lang="en-US"/>
+          </a:p>
+        </p:txBody>
+      </p:sp>
+      <p:sp>
+        <p:nvSpPr>
+          <p:cNvPr id="5" name="Slide Number Placeholder 4"/>
+          <p:cNvSpPr>
+            <a:spLocks noGrp="1"/>
+          </p:cNvSpPr>
+          <p:nvPr>
+            <p:ph type="sldNum" sz="quarter" idx="12"/>
+          </p:nvPr>
+        </p:nvSpPr>
+        <p:spPr/>
+        <p:txBody>
+          <a:bodyPr/>
+          <a:lstStyle/>
+          <a:p>
+            <a:fld id="{54C322D8-1F22-FA42-A079-A02EB09617C1}" type="slidenum">
+              <a:rPr lang="en-US" smtClean="0"/>
+              <a:pPr/>
+              <a:t>‹#›</a:t>
+            </a:fld>
+            <a:endParaRPr lang="en-US"/>
+          </a:p>
+        </p:txBody>
+      </p:sp>
+    </p:spTree>
+    <p:extLst>
+      <p:ext uri="{BB962C8B-B14F-4D97-AF65-F5344CB8AC3E}">
+        <p14:creationId xmlns:p14="http://schemas.microsoft.com/office/powerpoint/2010/main" val="873571883"/>
+      </p:ext>
+    </p:extLst>
+  </p:cSld>
+  <p:clrMapOvr>
+    <a:masterClrMapping/>
+  </p:clrMapOvr>
+</p:sldLayout>
+</file>
+
+<file path=ppt/slideLayouts/slideLayout18.xml><?xml version="1.0" encoding="utf-8"?>
+<p:sldLayout xmlns:a="http://schemas.openxmlformats.org/drawingml/2006/main" xmlns:r="http://schemas.openxmlformats.org/officeDocument/2006/relationships" xmlns:p="http://schemas.openxmlformats.org/presentationml/2006/main" type="blank" preserve="1">
+  <p:cSld name="Blank">
+    <p:spTree>
+      <p:nvGrpSpPr>
+        <p:cNvPr id="1" name=""/>
+        <p:cNvGrpSpPr/>
+        <p:nvPr/>
+      </p:nvGrpSpPr>
+      <p:grpSpPr>
+        <a:xfrm>
+          <a:off x="0" y="0"/>
+          <a:ext cx="0" cy="0"/>
+          <a:chOff x="0" y="0"/>
+          <a:chExt cx="0" cy="0"/>
+        </a:xfrm>
+      </p:grpSpPr>
+      <p:sp>
+        <p:nvSpPr>
+          <p:cNvPr id="2" name="Date Placeholder 1"/>
+          <p:cNvSpPr>
+            <a:spLocks noGrp="1"/>
+          </p:cNvSpPr>
+          <p:nvPr>
+            <p:ph type="dt" sz="half" idx="10"/>
+          </p:nvPr>
+        </p:nvSpPr>
+        <p:spPr/>
+        <p:txBody>
+          <a:bodyPr/>
+          <a:lstStyle/>
+          <a:p>
+            <a:fld id="{C7EA5AEF-268C-3E4A-9F8A-5D6EF85C0AA5}" type="datetimeFigureOut">
+              <a:rPr lang="en-US" smtClean="0"/>
+              <a:pPr/>
+              <a:t>2/21/2022</a:t>
+            </a:fld>
+            <a:endParaRPr lang="en-US"/>
+          </a:p>
+        </p:txBody>
+      </p:sp>
+      <p:sp>
+        <p:nvSpPr>
+          <p:cNvPr id="3" name="Footer Placeholder 2"/>
+          <p:cNvSpPr>
+            <a:spLocks noGrp="1"/>
+          </p:cNvSpPr>
+          <p:nvPr>
+            <p:ph type="ftr" sz="quarter" idx="11"/>
+          </p:nvPr>
+        </p:nvSpPr>
+        <p:spPr/>
+        <p:txBody>
+          <a:bodyPr/>
+          <a:lstStyle/>
+          <a:p>
+            <a:endParaRPr lang="en-US"/>
+          </a:p>
+        </p:txBody>
+      </p:sp>
+      <p:sp>
+        <p:nvSpPr>
+          <p:cNvPr id="4" name="Slide Number Placeholder 3"/>
+          <p:cNvSpPr>
+            <a:spLocks noGrp="1"/>
+          </p:cNvSpPr>
+          <p:nvPr>
+            <p:ph type="sldNum" sz="quarter" idx="12"/>
+          </p:nvPr>
+        </p:nvSpPr>
+        <p:spPr/>
+        <p:txBody>
+          <a:bodyPr/>
+          <a:lstStyle/>
+          <a:p>
+            <a:fld id="{54C322D8-1F22-FA42-A079-A02EB09617C1}" type="slidenum">
+              <a:rPr lang="en-US" smtClean="0"/>
+              <a:pPr/>
+              <a:t>‹#›</a:t>
+            </a:fld>
+            <a:endParaRPr lang="en-US"/>
+          </a:p>
+        </p:txBody>
+      </p:sp>
+    </p:spTree>
+    <p:extLst>
+      <p:ext uri="{BB962C8B-B14F-4D97-AF65-F5344CB8AC3E}">
+        <p14:creationId xmlns:p14="http://schemas.microsoft.com/office/powerpoint/2010/main" val="1950188424"/>
+      </p:ext>
+    </p:extLst>
+  </p:cSld>
+  <p:clrMapOvr>
+    <a:masterClrMapping/>
+  </p:clrMapOvr>
+</p:sldLayout>
+</file>
+
+<file path=ppt/slideLayouts/slideLayout19.xml><?xml version="1.0" encoding="utf-8"?>
+<p:sldLayout xmlns:a="http://schemas.openxmlformats.org/drawingml/2006/main" xmlns:r="http://schemas.openxmlformats.org/officeDocument/2006/relationships" xmlns:p="http://schemas.openxmlformats.org/presentationml/2006/main" type="objTx" preserve="1">
+  <p:cSld name="Content with Caption">
+    <p:spTree>
+      <p:nvGrpSpPr>
+        <p:cNvPr id="1" name=""/>
+        <p:cNvGrpSpPr/>
+        <p:nvPr/>
+      </p:nvGrpSpPr>
+      <p:grpSpPr>
+        <a:xfrm>
+          <a:off x="0" y="0"/>
+          <a:ext cx="0" cy="0"/>
+          <a:chOff x="0" y="0"/>
+          <a:chExt cx="0" cy="0"/>
+        </a:xfrm>
+      </p:grpSpPr>
+      <p:sp>
+        <p:nvSpPr>
+          <p:cNvPr id="2" name="Title 1"/>
+          <p:cNvSpPr>
+            <a:spLocks noGrp="1"/>
+          </p:cNvSpPr>
+          <p:nvPr>
+            <p:ph type="title"/>
+          </p:nvPr>
+        </p:nvSpPr>
+        <p:spPr>
+          <a:xfrm>
+            <a:off x="609601" y="273050"/>
+            <a:ext cx="4011084" cy="1162050"/>
+          </a:xfrm>
+        </p:spPr>
+        <p:txBody>
+          <a:bodyPr anchor="b"/>
+          <a:lstStyle>
+            <a:lvl1pPr algn="l">
+              <a:defRPr sz="2000" b="1"/>
+            </a:lvl1pPr>
+          </a:lstStyle>
+          <a:p>
+            <a:r>
+              <a:rPr lang="en-US"/>
+              <a:t>Click to edit Master title style</a:t>
+            </a:r>
+          </a:p>
+        </p:txBody>
+      </p:sp>
+      <p:sp>
+        <p:nvSpPr>
+          <p:cNvPr id="3" name="Content Placeholder 2"/>
+          <p:cNvSpPr>
+            <a:spLocks noGrp="1"/>
+          </p:cNvSpPr>
+          <p:nvPr>
+            <p:ph idx="1"/>
+          </p:nvPr>
+        </p:nvSpPr>
+        <p:spPr>
+          <a:xfrm>
+            <a:off x="4766733" y="273051"/>
+            <a:ext cx="6815667" cy="5853113"/>
+          </a:xfrm>
+        </p:spPr>
+        <p:txBody>
+          <a:bodyPr/>
+          <a:lstStyle>
+            <a:lvl1pPr>
+              <a:defRPr sz="3200"/>
+            </a:lvl1pPr>
+            <a:lvl2pPr>
+              <a:defRPr sz="2800"/>
+            </a:lvl2pPr>
+            <a:lvl3pPr>
+              <a:defRPr sz="2400"/>
+            </a:lvl3pPr>
+            <a:lvl4pPr>
+              <a:defRPr sz="2000"/>
+            </a:lvl4pPr>
+            <a:lvl5pPr>
+              <a:defRPr sz="2000"/>
+            </a:lvl5pPr>
+            <a:lvl6pPr>
+              <a:defRPr sz="2000"/>
+            </a:lvl6pPr>
+            <a:lvl7pPr>
+              <a:defRPr sz="2000"/>
+            </a:lvl7pPr>
+            <a:lvl8pPr>
+              <a:defRPr sz="2000"/>
+            </a:lvl8pPr>
+            <a:lvl9pPr>
+              <a:defRPr sz="2000"/>
+            </a:lvl9pPr>
+          </a:lstStyle>
+          <a:p>
+            <a:pPr lvl="0"/>
+            <a:r>
+              <a:rPr lang="en-US"/>
+              <a:t>Click to edit Master text styles</a:t>
+            </a:r>
+          </a:p>
+          <a:p>
+            <a:pPr lvl="1"/>
+            <a:r>
+              <a:rPr lang="en-US"/>
+              <a:t>Second level</a:t>
+            </a:r>
+          </a:p>
+          <a:p>
+            <a:pPr lvl="2"/>
+            <a:r>
+              <a:rPr lang="en-US"/>
+              <a:t>Third level</a:t>
+            </a:r>
+          </a:p>
+          <a:p>
+            <a:pPr lvl="3"/>
+            <a:r>
+              <a:rPr lang="en-US"/>
+              <a:t>Fourth level</a:t>
+            </a:r>
+          </a:p>
+          <a:p>
+            <a:pPr lvl="4"/>
+            <a:r>
+              <a:rPr lang="en-US"/>
+              <a:t>Fifth level</a:t>
+            </a:r>
+          </a:p>
+        </p:txBody>
+      </p:sp>
+      <p:sp>
+        <p:nvSpPr>
+          <p:cNvPr id="4" name="Text Placeholder 3"/>
+          <p:cNvSpPr>
+            <a:spLocks noGrp="1"/>
+          </p:cNvSpPr>
+          <p:nvPr>
+            <p:ph type="body" sz="half" idx="2"/>
+          </p:nvPr>
+        </p:nvSpPr>
+        <p:spPr>
+          <a:xfrm>
+            <a:off x="609601" y="1435101"/>
+            <a:ext cx="4011084" cy="4691063"/>
+          </a:xfrm>
+        </p:spPr>
+        <p:txBody>
+          <a:bodyPr/>
+          <a:lstStyle>
+            <a:lvl1pPr marL="0" indent="0">
+              <a:buNone/>
+              <a:defRPr sz="1400"/>
+            </a:lvl1pPr>
+            <a:lvl2pPr marL="457200" indent="0">
+              <a:buNone/>
+              <a:defRPr sz="1200"/>
+            </a:lvl2pPr>
+            <a:lvl3pPr marL="914400" indent="0">
+              <a:buNone/>
+              <a:defRPr sz="1000"/>
+            </a:lvl3pPr>
+            <a:lvl4pPr marL="1371600" indent="0">
+              <a:buNone/>
+              <a:defRPr sz="900"/>
+            </a:lvl4pPr>
+            <a:lvl5pPr marL="1828800" indent="0">
+              <a:buNone/>
+              <a:defRPr sz="900"/>
+            </a:lvl5pPr>
+            <a:lvl6pPr marL="2286000" indent="0">
+              <a:buNone/>
+              <a:defRPr sz="900"/>
+            </a:lvl6pPr>
+            <a:lvl7pPr marL="2743200" indent="0">
+              <a:buNone/>
+              <a:defRPr sz="900"/>
+            </a:lvl7pPr>
+            <a:lvl8pPr marL="3200400" indent="0">
+              <a:buNone/>
+              <a:defRPr sz="900"/>
+            </a:lvl8pPr>
+            <a:lvl9pPr marL="3657600" indent="0">
+              <a:buNone/>
+              <a:defRPr sz="900"/>
+            </a:lvl9pPr>
+          </a:lstStyle>
+          <a:p>
+            <a:pPr lvl="0"/>
+            <a:r>
+              <a:rPr lang="en-US"/>
+              <a:t>Click to edit Master text styles</a:t>
+            </a:r>
+          </a:p>
+        </p:txBody>
+      </p:sp>
+      <p:sp>
+        <p:nvSpPr>
+          <p:cNvPr id="5" name="Date Placeholder 4"/>
+          <p:cNvSpPr>
+            <a:spLocks noGrp="1"/>
+          </p:cNvSpPr>
+          <p:nvPr>
+            <p:ph type="dt" sz="half" idx="10"/>
+          </p:nvPr>
+        </p:nvSpPr>
+        <p:spPr/>
+        <p:txBody>
+          <a:bodyPr/>
+          <a:lstStyle/>
+          <a:p>
+            <a:fld id="{C7EA5AEF-268C-3E4A-9F8A-5D6EF85C0AA5}" type="datetimeFigureOut">
+              <a:rPr lang="en-US" smtClean="0"/>
+              <a:pPr/>
+              <a:t>2/21/2022</a:t>
+            </a:fld>
+            <a:endParaRPr lang="en-US"/>
+          </a:p>
+        </p:txBody>
+      </p:sp>
+      <p:sp>
+        <p:nvSpPr>
+          <p:cNvPr id="6" name="Footer Placeholder 5"/>
+          <p:cNvSpPr>
+            <a:spLocks noGrp="1"/>
+          </p:cNvSpPr>
+          <p:nvPr>
+            <p:ph type="ftr" sz="quarter" idx="11"/>
+          </p:nvPr>
+        </p:nvSpPr>
+        <p:spPr/>
+        <p:txBody>
+          <a:bodyPr/>
+          <a:lstStyle/>
+          <a:p>
+            <a:endParaRPr lang="en-US"/>
+          </a:p>
+        </p:txBody>
+      </p:sp>
+      <p:sp>
+        <p:nvSpPr>
+          <p:cNvPr id="7" name="Slide Number Placeholder 6"/>
+          <p:cNvSpPr>
+            <a:spLocks noGrp="1"/>
+          </p:cNvSpPr>
+          <p:nvPr>
+            <p:ph type="sldNum" sz="quarter" idx="12"/>
+          </p:nvPr>
+        </p:nvSpPr>
+        <p:spPr/>
+        <p:txBody>
+          <a:bodyPr/>
+          <a:lstStyle/>
+          <a:p>
+            <a:fld id="{54C322D8-1F22-FA42-A079-A02EB09617C1}" type="slidenum">
+              <a:rPr lang="en-US" smtClean="0"/>
+              <a:pPr/>
+              <a:t>‹#›</a:t>
+            </a:fld>
+            <a:endParaRPr lang="en-US"/>
+          </a:p>
+        </p:txBody>
+      </p:sp>
+    </p:spTree>
+    <p:extLst>
+      <p:ext uri="{BB962C8B-B14F-4D97-AF65-F5344CB8AC3E}">
+        <p14:creationId xmlns:p14="http://schemas.microsoft.com/office/powerpoint/2010/main" val="2252113465"/>
       </p:ext>
     </p:extLst>
   </p:cSld>
@@ -872,7 +3288,7 @@
           <a:p>
             <a:fld id="{5EAA4195-56E2-40FA-8260-A07627050A0A}" type="datetimeFigureOut">
               <a:rPr lang="en-US" smtClean="0"/>
-              <a:t>2/19/2022</a:t>
+              <a:t>2/21/2022</a:t>
             </a:fld>
             <a:endParaRPr lang="en-US"/>
           </a:p>
@@ -936,6 +3352,610 @@
     <p:extLst>
       <p:ext uri="{BB962C8B-B14F-4D97-AF65-F5344CB8AC3E}">
         <p14:creationId xmlns:p14="http://schemas.microsoft.com/office/powerpoint/2010/main" val="852658648"/>
+      </p:ext>
+    </p:extLst>
+  </p:cSld>
+  <p:clrMapOvr>
+    <a:masterClrMapping/>
+  </p:clrMapOvr>
+</p:sldLayout>
+</file>
+
+<file path=ppt/slideLayouts/slideLayout20.xml><?xml version="1.0" encoding="utf-8"?>
+<p:sldLayout xmlns:a="http://schemas.openxmlformats.org/drawingml/2006/main" xmlns:r="http://schemas.openxmlformats.org/officeDocument/2006/relationships" xmlns:p="http://schemas.openxmlformats.org/presentationml/2006/main" type="picTx" preserve="1">
+  <p:cSld name="Picture with Caption">
+    <p:spTree>
+      <p:nvGrpSpPr>
+        <p:cNvPr id="1" name=""/>
+        <p:cNvGrpSpPr/>
+        <p:nvPr/>
+      </p:nvGrpSpPr>
+      <p:grpSpPr>
+        <a:xfrm>
+          <a:off x="0" y="0"/>
+          <a:ext cx="0" cy="0"/>
+          <a:chOff x="0" y="0"/>
+          <a:chExt cx="0" cy="0"/>
+        </a:xfrm>
+      </p:grpSpPr>
+      <p:sp>
+        <p:nvSpPr>
+          <p:cNvPr id="2" name="Title 1"/>
+          <p:cNvSpPr>
+            <a:spLocks noGrp="1"/>
+          </p:cNvSpPr>
+          <p:nvPr>
+            <p:ph type="title"/>
+          </p:nvPr>
+        </p:nvSpPr>
+        <p:spPr>
+          <a:xfrm>
+            <a:off x="2389717" y="4800600"/>
+            <a:ext cx="7315200" cy="566738"/>
+          </a:xfrm>
+        </p:spPr>
+        <p:txBody>
+          <a:bodyPr anchor="b"/>
+          <a:lstStyle>
+            <a:lvl1pPr algn="l">
+              <a:defRPr sz="2000" b="1"/>
+            </a:lvl1pPr>
+          </a:lstStyle>
+          <a:p>
+            <a:r>
+              <a:rPr lang="en-US"/>
+              <a:t>Click to edit Master title style</a:t>
+            </a:r>
+          </a:p>
+        </p:txBody>
+      </p:sp>
+      <p:sp>
+        <p:nvSpPr>
+          <p:cNvPr id="3" name="Picture Placeholder 2"/>
+          <p:cNvSpPr>
+            <a:spLocks noGrp="1"/>
+          </p:cNvSpPr>
+          <p:nvPr>
+            <p:ph type="pic" idx="1"/>
+          </p:nvPr>
+        </p:nvSpPr>
+        <p:spPr>
+          <a:xfrm>
+            <a:off x="2389717" y="612775"/>
+            <a:ext cx="7315200" cy="4114800"/>
+          </a:xfrm>
+        </p:spPr>
+        <p:txBody>
+          <a:bodyPr/>
+          <a:lstStyle>
+            <a:lvl1pPr marL="0" indent="0">
+              <a:buNone/>
+              <a:defRPr sz="3200"/>
+            </a:lvl1pPr>
+            <a:lvl2pPr marL="457200" indent="0">
+              <a:buNone/>
+              <a:defRPr sz="2800"/>
+            </a:lvl2pPr>
+            <a:lvl3pPr marL="914400" indent="0">
+              <a:buNone/>
+              <a:defRPr sz="2400"/>
+            </a:lvl3pPr>
+            <a:lvl4pPr marL="1371600" indent="0">
+              <a:buNone/>
+              <a:defRPr sz="2000"/>
+            </a:lvl4pPr>
+            <a:lvl5pPr marL="1828800" indent="0">
+              <a:buNone/>
+              <a:defRPr sz="2000"/>
+            </a:lvl5pPr>
+            <a:lvl6pPr marL="2286000" indent="0">
+              <a:buNone/>
+              <a:defRPr sz="2000"/>
+            </a:lvl6pPr>
+            <a:lvl7pPr marL="2743200" indent="0">
+              <a:buNone/>
+              <a:defRPr sz="2000"/>
+            </a:lvl7pPr>
+            <a:lvl8pPr marL="3200400" indent="0">
+              <a:buNone/>
+              <a:defRPr sz="2000"/>
+            </a:lvl8pPr>
+            <a:lvl9pPr marL="3657600" indent="0">
+              <a:buNone/>
+              <a:defRPr sz="2000"/>
+            </a:lvl9pPr>
+          </a:lstStyle>
+          <a:p>
+            <a:endParaRPr lang="en-US"/>
+          </a:p>
+        </p:txBody>
+      </p:sp>
+      <p:sp>
+        <p:nvSpPr>
+          <p:cNvPr id="4" name="Text Placeholder 3"/>
+          <p:cNvSpPr>
+            <a:spLocks noGrp="1"/>
+          </p:cNvSpPr>
+          <p:nvPr>
+            <p:ph type="body" sz="half" idx="2"/>
+          </p:nvPr>
+        </p:nvSpPr>
+        <p:spPr>
+          <a:xfrm>
+            <a:off x="2389717" y="5367338"/>
+            <a:ext cx="7315200" cy="804862"/>
+          </a:xfrm>
+        </p:spPr>
+        <p:txBody>
+          <a:bodyPr/>
+          <a:lstStyle>
+            <a:lvl1pPr marL="0" indent="0">
+              <a:buNone/>
+              <a:defRPr sz="1400"/>
+            </a:lvl1pPr>
+            <a:lvl2pPr marL="457200" indent="0">
+              <a:buNone/>
+              <a:defRPr sz="1200"/>
+            </a:lvl2pPr>
+            <a:lvl3pPr marL="914400" indent="0">
+              <a:buNone/>
+              <a:defRPr sz="1000"/>
+            </a:lvl3pPr>
+            <a:lvl4pPr marL="1371600" indent="0">
+              <a:buNone/>
+              <a:defRPr sz="900"/>
+            </a:lvl4pPr>
+            <a:lvl5pPr marL="1828800" indent="0">
+              <a:buNone/>
+              <a:defRPr sz="900"/>
+            </a:lvl5pPr>
+            <a:lvl6pPr marL="2286000" indent="0">
+              <a:buNone/>
+              <a:defRPr sz="900"/>
+            </a:lvl6pPr>
+            <a:lvl7pPr marL="2743200" indent="0">
+              <a:buNone/>
+              <a:defRPr sz="900"/>
+            </a:lvl7pPr>
+            <a:lvl8pPr marL="3200400" indent="0">
+              <a:buNone/>
+              <a:defRPr sz="900"/>
+            </a:lvl8pPr>
+            <a:lvl9pPr marL="3657600" indent="0">
+              <a:buNone/>
+              <a:defRPr sz="900"/>
+            </a:lvl9pPr>
+          </a:lstStyle>
+          <a:p>
+            <a:pPr lvl="0"/>
+            <a:r>
+              <a:rPr lang="en-US"/>
+              <a:t>Click to edit Master text styles</a:t>
+            </a:r>
+          </a:p>
+        </p:txBody>
+      </p:sp>
+      <p:sp>
+        <p:nvSpPr>
+          <p:cNvPr id="5" name="Date Placeholder 4"/>
+          <p:cNvSpPr>
+            <a:spLocks noGrp="1"/>
+          </p:cNvSpPr>
+          <p:nvPr>
+            <p:ph type="dt" sz="half" idx="10"/>
+          </p:nvPr>
+        </p:nvSpPr>
+        <p:spPr/>
+        <p:txBody>
+          <a:bodyPr/>
+          <a:lstStyle/>
+          <a:p>
+            <a:fld id="{C7EA5AEF-268C-3E4A-9F8A-5D6EF85C0AA5}" type="datetimeFigureOut">
+              <a:rPr lang="en-US" smtClean="0"/>
+              <a:pPr/>
+              <a:t>2/21/2022</a:t>
+            </a:fld>
+            <a:endParaRPr lang="en-US"/>
+          </a:p>
+        </p:txBody>
+      </p:sp>
+      <p:sp>
+        <p:nvSpPr>
+          <p:cNvPr id="6" name="Footer Placeholder 5"/>
+          <p:cNvSpPr>
+            <a:spLocks noGrp="1"/>
+          </p:cNvSpPr>
+          <p:nvPr>
+            <p:ph type="ftr" sz="quarter" idx="11"/>
+          </p:nvPr>
+        </p:nvSpPr>
+        <p:spPr/>
+        <p:txBody>
+          <a:bodyPr/>
+          <a:lstStyle/>
+          <a:p>
+            <a:endParaRPr lang="en-US"/>
+          </a:p>
+        </p:txBody>
+      </p:sp>
+      <p:sp>
+        <p:nvSpPr>
+          <p:cNvPr id="7" name="Slide Number Placeholder 6"/>
+          <p:cNvSpPr>
+            <a:spLocks noGrp="1"/>
+          </p:cNvSpPr>
+          <p:nvPr>
+            <p:ph type="sldNum" sz="quarter" idx="12"/>
+          </p:nvPr>
+        </p:nvSpPr>
+        <p:spPr/>
+        <p:txBody>
+          <a:bodyPr/>
+          <a:lstStyle/>
+          <a:p>
+            <a:fld id="{54C322D8-1F22-FA42-A079-A02EB09617C1}" type="slidenum">
+              <a:rPr lang="en-US" smtClean="0"/>
+              <a:pPr/>
+              <a:t>‹#›</a:t>
+            </a:fld>
+            <a:endParaRPr lang="en-US"/>
+          </a:p>
+        </p:txBody>
+      </p:sp>
+    </p:spTree>
+    <p:extLst>
+      <p:ext uri="{BB962C8B-B14F-4D97-AF65-F5344CB8AC3E}">
+        <p14:creationId xmlns:p14="http://schemas.microsoft.com/office/powerpoint/2010/main" val="1742454068"/>
+      </p:ext>
+    </p:extLst>
+  </p:cSld>
+  <p:clrMapOvr>
+    <a:masterClrMapping/>
+  </p:clrMapOvr>
+</p:sldLayout>
+</file>
+
+<file path=ppt/slideLayouts/slideLayout21.xml><?xml version="1.0" encoding="utf-8"?>
+<p:sldLayout xmlns:a="http://schemas.openxmlformats.org/drawingml/2006/main" xmlns:r="http://schemas.openxmlformats.org/officeDocument/2006/relationships" xmlns:p="http://schemas.openxmlformats.org/presentationml/2006/main" type="vertTx" preserve="1">
+  <p:cSld name="Title and Vertical Text">
+    <p:spTree>
+      <p:nvGrpSpPr>
+        <p:cNvPr id="1" name=""/>
+        <p:cNvGrpSpPr/>
+        <p:nvPr/>
+      </p:nvGrpSpPr>
+      <p:grpSpPr>
+        <a:xfrm>
+          <a:off x="0" y="0"/>
+          <a:ext cx="0" cy="0"/>
+          <a:chOff x="0" y="0"/>
+          <a:chExt cx="0" cy="0"/>
+        </a:xfrm>
+      </p:grpSpPr>
+      <p:sp>
+        <p:nvSpPr>
+          <p:cNvPr id="2" name="Title 1"/>
+          <p:cNvSpPr>
+            <a:spLocks noGrp="1"/>
+          </p:cNvSpPr>
+          <p:nvPr>
+            <p:ph type="title"/>
+          </p:nvPr>
+        </p:nvSpPr>
+        <p:spPr/>
+        <p:txBody>
+          <a:bodyPr/>
+          <a:lstStyle/>
+          <a:p>
+            <a:r>
+              <a:rPr lang="en-US"/>
+              <a:t>Click to edit Master title style</a:t>
+            </a:r>
+          </a:p>
+        </p:txBody>
+      </p:sp>
+      <p:sp>
+        <p:nvSpPr>
+          <p:cNvPr id="3" name="Vertical Text Placeholder 2"/>
+          <p:cNvSpPr>
+            <a:spLocks noGrp="1"/>
+          </p:cNvSpPr>
+          <p:nvPr>
+            <p:ph type="body" orient="vert" idx="1"/>
+          </p:nvPr>
+        </p:nvSpPr>
+        <p:spPr/>
+        <p:txBody>
+          <a:bodyPr vert="eaVert"/>
+          <a:lstStyle/>
+          <a:p>
+            <a:pPr lvl="0"/>
+            <a:r>
+              <a:rPr lang="en-US"/>
+              <a:t>Click to edit Master text styles</a:t>
+            </a:r>
+          </a:p>
+          <a:p>
+            <a:pPr lvl="1"/>
+            <a:r>
+              <a:rPr lang="en-US"/>
+              <a:t>Second level</a:t>
+            </a:r>
+          </a:p>
+          <a:p>
+            <a:pPr lvl="2"/>
+            <a:r>
+              <a:rPr lang="en-US"/>
+              <a:t>Third level</a:t>
+            </a:r>
+          </a:p>
+          <a:p>
+            <a:pPr lvl="3"/>
+            <a:r>
+              <a:rPr lang="en-US"/>
+              <a:t>Fourth level</a:t>
+            </a:r>
+          </a:p>
+          <a:p>
+            <a:pPr lvl="4"/>
+            <a:r>
+              <a:rPr lang="en-US"/>
+              <a:t>Fifth level</a:t>
+            </a:r>
+          </a:p>
+        </p:txBody>
+      </p:sp>
+      <p:sp>
+        <p:nvSpPr>
+          <p:cNvPr id="4" name="Date Placeholder 3"/>
+          <p:cNvSpPr>
+            <a:spLocks noGrp="1"/>
+          </p:cNvSpPr>
+          <p:nvPr>
+            <p:ph type="dt" sz="half" idx="10"/>
+          </p:nvPr>
+        </p:nvSpPr>
+        <p:spPr/>
+        <p:txBody>
+          <a:bodyPr/>
+          <a:lstStyle/>
+          <a:p>
+            <a:fld id="{C7EA5AEF-268C-3E4A-9F8A-5D6EF85C0AA5}" type="datetimeFigureOut">
+              <a:rPr lang="en-US" smtClean="0"/>
+              <a:pPr/>
+              <a:t>2/21/2022</a:t>
+            </a:fld>
+            <a:endParaRPr lang="en-US"/>
+          </a:p>
+        </p:txBody>
+      </p:sp>
+      <p:sp>
+        <p:nvSpPr>
+          <p:cNvPr id="5" name="Footer Placeholder 4"/>
+          <p:cNvSpPr>
+            <a:spLocks noGrp="1"/>
+          </p:cNvSpPr>
+          <p:nvPr>
+            <p:ph type="ftr" sz="quarter" idx="11"/>
+          </p:nvPr>
+        </p:nvSpPr>
+        <p:spPr/>
+        <p:txBody>
+          <a:bodyPr/>
+          <a:lstStyle/>
+          <a:p>
+            <a:endParaRPr lang="en-US"/>
+          </a:p>
+        </p:txBody>
+      </p:sp>
+      <p:sp>
+        <p:nvSpPr>
+          <p:cNvPr id="6" name="Slide Number Placeholder 5"/>
+          <p:cNvSpPr>
+            <a:spLocks noGrp="1"/>
+          </p:cNvSpPr>
+          <p:nvPr>
+            <p:ph type="sldNum" sz="quarter" idx="12"/>
+          </p:nvPr>
+        </p:nvSpPr>
+        <p:spPr/>
+        <p:txBody>
+          <a:bodyPr/>
+          <a:lstStyle/>
+          <a:p>
+            <a:fld id="{54C322D8-1F22-FA42-A079-A02EB09617C1}" type="slidenum">
+              <a:rPr lang="en-US" smtClean="0"/>
+              <a:pPr/>
+              <a:t>‹#›</a:t>
+            </a:fld>
+            <a:endParaRPr lang="en-US"/>
+          </a:p>
+        </p:txBody>
+      </p:sp>
+    </p:spTree>
+    <p:extLst>
+      <p:ext uri="{BB962C8B-B14F-4D97-AF65-F5344CB8AC3E}">
+        <p14:creationId xmlns:p14="http://schemas.microsoft.com/office/powerpoint/2010/main" val="434394178"/>
+      </p:ext>
+    </p:extLst>
+  </p:cSld>
+  <p:clrMapOvr>
+    <a:masterClrMapping/>
+  </p:clrMapOvr>
+</p:sldLayout>
+</file>
+
+<file path=ppt/slideLayouts/slideLayout22.xml><?xml version="1.0" encoding="utf-8"?>
+<p:sldLayout xmlns:a="http://schemas.openxmlformats.org/drawingml/2006/main" xmlns:r="http://schemas.openxmlformats.org/officeDocument/2006/relationships" xmlns:p="http://schemas.openxmlformats.org/presentationml/2006/main" type="vertTitleAndTx" preserve="1">
+  <p:cSld name="Vertical Title and Text">
+    <p:spTree>
+      <p:nvGrpSpPr>
+        <p:cNvPr id="1" name=""/>
+        <p:cNvGrpSpPr/>
+        <p:nvPr/>
+      </p:nvGrpSpPr>
+      <p:grpSpPr>
+        <a:xfrm>
+          <a:off x="0" y="0"/>
+          <a:ext cx="0" cy="0"/>
+          <a:chOff x="0" y="0"/>
+          <a:chExt cx="0" cy="0"/>
+        </a:xfrm>
+      </p:grpSpPr>
+      <p:sp>
+        <p:nvSpPr>
+          <p:cNvPr id="2" name="Vertical Title 1"/>
+          <p:cNvSpPr>
+            <a:spLocks noGrp="1"/>
+          </p:cNvSpPr>
+          <p:nvPr>
+            <p:ph type="title" orient="vert"/>
+          </p:nvPr>
+        </p:nvSpPr>
+        <p:spPr>
+          <a:xfrm>
+            <a:off x="8839200" y="274639"/>
+            <a:ext cx="2743200" cy="5851525"/>
+          </a:xfrm>
+        </p:spPr>
+        <p:txBody>
+          <a:bodyPr vert="eaVert"/>
+          <a:lstStyle/>
+          <a:p>
+            <a:r>
+              <a:rPr lang="en-US"/>
+              <a:t>Click to edit Master title style</a:t>
+            </a:r>
+          </a:p>
+        </p:txBody>
+      </p:sp>
+      <p:sp>
+        <p:nvSpPr>
+          <p:cNvPr id="3" name="Vertical Text Placeholder 2"/>
+          <p:cNvSpPr>
+            <a:spLocks noGrp="1"/>
+          </p:cNvSpPr>
+          <p:nvPr>
+            <p:ph type="body" orient="vert" idx="1"/>
+          </p:nvPr>
+        </p:nvSpPr>
+        <p:spPr>
+          <a:xfrm>
+            <a:off x="609600" y="274639"/>
+            <a:ext cx="8026400" cy="5851525"/>
+          </a:xfrm>
+        </p:spPr>
+        <p:txBody>
+          <a:bodyPr vert="eaVert"/>
+          <a:lstStyle/>
+          <a:p>
+            <a:pPr lvl="0"/>
+            <a:r>
+              <a:rPr lang="en-US"/>
+              <a:t>Click to edit Master text styles</a:t>
+            </a:r>
+          </a:p>
+          <a:p>
+            <a:pPr lvl="1"/>
+            <a:r>
+              <a:rPr lang="en-US"/>
+              <a:t>Second level</a:t>
+            </a:r>
+          </a:p>
+          <a:p>
+            <a:pPr lvl="2"/>
+            <a:r>
+              <a:rPr lang="en-US"/>
+              <a:t>Third level</a:t>
+            </a:r>
+          </a:p>
+          <a:p>
+            <a:pPr lvl="3"/>
+            <a:r>
+              <a:rPr lang="en-US"/>
+              <a:t>Fourth level</a:t>
+            </a:r>
+          </a:p>
+          <a:p>
+            <a:pPr lvl="4"/>
+            <a:r>
+              <a:rPr lang="en-US"/>
+              <a:t>Fifth level</a:t>
+            </a:r>
+          </a:p>
+        </p:txBody>
+      </p:sp>
+      <p:sp>
+        <p:nvSpPr>
+          <p:cNvPr id="4" name="Date Placeholder 3"/>
+          <p:cNvSpPr>
+            <a:spLocks noGrp="1"/>
+          </p:cNvSpPr>
+          <p:nvPr>
+            <p:ph type="dt" sz="half" idx="10"/>
+          </p:nvPr>
+        </p:nvSpPr>
+        <p:spPr/>
+        <p:txBody>
+          <a:bodyPr/>
+          <a:lstStyle/>
+          <a:p>
+            <a:fld id="{C7EA5AEF-268C-3E4A-9F8A-5D6EF85C0AA5}" type="datetimeFigureOut">
+              <a:rPr lang="en-US" smtClean="0"/>
+              <a:pPr/>
+              <a:t>2/21/2022</a:t>
+            </a:fld>
+            <a:endParaRPr lang="en-US"/>
+          </a:p>
+        </p:txBody>
+      </p:sp>
+      <p:sp>
+        <p:nvSpPr>
+          <p:cNvPr id="5" name="Footer Placeholder 4"/>
+          <p:cNvSpPr>
+            <a:spLocks noGrp="1"/>
+          </p:cNvSpPr>
+          <p:nvPr>
+            <p:ph type="ftr" sz="quarter" idx="11"/>
+          </p:nvPr>
+        </p:nvSpPr>
+        <p:spPr/>
+        <p:txBody>
+          <a:bodyPr/>
+          <a:lstStyle/>
+          <a:p>
+            <a:endParaRPr lang="en-US"/>
+          </a:p>
+        </p:txBody>
+      </p:sp>
+      <p:sp>
+        <p:nvSpPr>
+          <p:cNvPr id="6" name="Slide Number Placeholder 5"/>
+          <p:cNvSpPr>
+            <a:spLocks noGrp="1"/>
+          </p:cNvSpPr>
+          <p:nvPr>
+            <p:ph type="sldNum" sz="quarter" idx="12"/>
+          </p:nvPr>
+        </p:nvSpPr>
+        <p:spPr/>
+        <p:txBody>
+          <a:bodyPr/>
+          <a:lstStyle/>
+          <a:p>
+            <a:fld id="{54C322D8-1F22-FA42-A079-A02EB09617C1}" type="slidenum">
+              <a:rPr lang="en-US" smtClean="0"/>
+              <a:pPr/>
+              <a:t>‹#›</a:t>
+            </a:fld>
+            <a:endParaRPr lang="en-US"/>
+          </a:p>
+        </p:txBody>
+      </p:sp>
+    </p:spTree>
+    <p:extLst>
+      <p:ext uri="{BB962C8B-B14F-4D97-AF65-F5344CB8AC3E}">
+        <p14:creationId xmlns:p14="http://schemas.microsoft.com/office/powerpoint/2010/main" val="4097908105"/>
       </p:ext>
     </p:extLst>
   </p:cSld>
@@ -1147,7 +4167,7 @@
           <a:p>
             <a:fld id="{5EAA4195-56E2-40FA-8260-A07627050A0A}" type="datetimeFigureOut">
               <a:rPr lang="en-US" smtClean="0"/>
-              <a:t>2/19/2022</a:t>
+              <a:t>2/21/2022</a:t>
             </a:fld>
             <a:endParaRPr lang="en-US"/>
           </a:p>
@@ -1412,7 +4432,7 @@
           <a:p>
             <a:fld id="{5EAA4195-56E2-40FA-8260-A07627050A0A}" type="datetimeFigureOut">
               <a:rPr lang="en-US" smtClean="0"/>
-              <a:t>2/19/2022</a:t>
+              <a:t>2/21/2022</a:t>
             </a:fld>
             <a:endParaRPr lang="en-US"/>
           </a:p>
@@ -1824,7 +4844,7 @@
           <a:p>
             <a:fld id="{5EAA4195-56E2-40FA-8260-A07627050A0A}" type="datetimeFigureOut">
               <a:rPr lang="en-US" smtClean="0"/>
-              <a:t>2/19/2022</a:t>
+              <a:t>2/21/2022</a:t>
             </a:fld>
             <a:endParaRPr lang="en-US"/>
           </a:p>
@@ -1965,7 +4985,7 @@
           <a:p>
             <a:fld id="{5EAA4195-56E2-40FA-8260-A07627050A0A}" type="datetimeFigureOut">
               <a:rPr lang="en-US" smtClean="0"/>
-              <a:t>2/19/2022</a:t>
+              <a:t>2/21/2022</a:t>
             </a:fld>
             <a:endParaRPr lang="en-US"/>
           </a:p>
@@ -2078,7 +5098,7 @@
           <a:p>
             <a:fld id="{5EAA4195-56E2-40FA-8260-A07627050A0A}" type="datetimeFigureOut">
               <a:rPr lang="en-US" smtClean="0"/>
-              <a:t>2/19/2022</a:t>
+              <a:t>2/21/2022</a:t>
             </a:fld>
             <a:endParaRPr lang="en-US"/>
           </a:p>
@@ -2389,7 +5409,7 @@
           <a:p>
             <a:fld id="{5EAA4195-56E2-40FA-8260-A07627050A0A}" type="datetimeFigureOut">
               <a:rPr lang="en-US" smtClean="0"/>
-              <a:t>2/19/2022</a:t>
+              <a:t>2/21/2022</a:t>
             </a:fld>
             <a:endParaRPr lang="en-US"/>
           </a:p>
@@ -2677,7 +5697,7 @@
           <a:p>
             <a:fld id="{5EAA4195-56E2-40FA-8260-A07627050A0A}" type="datetimeFigureOut">
               <a:rPr lang="en-US" smtClean="0"/>
-              <a:t>2/19/2022</a:t>
+              <a:t>2/21/2022</a:t>
             </a:fld>
             <a:endParaRPr lang="en-US"/>
           </a:p>
@@ -2918,7 +5938,7 @@
           <a:p>
             <a:fld id="{5EAA4195-56E2-40FA-8260-A07627050A0A}" type="datetimeFigureOut">
               <a:rPr lang="en-US" smtClean="0"/>
-              <a:t>2/19/2022</a:t>
+              <a:t>2/21/2022</a:t>
             </a:fld>
             <a:endParaRPr lang="en-US"/>
           </a:p>
@@ -3318,9 +6338,14 @@
 </p:sldMaster>
 </file>
 
-<file path=ppt/slides/slide1.xml><?xml version="1.0" encoding="utf-8"?>
-<p:sld xmlns:a="http://schemas.openxmlformats.org/drawingml/2006/main" xmlns:r="http://schemas.openxmlformats.org/officeDocument/2006/relationships" xmlns:p="http://schemas.openxmlformats.org/presentationml/2006/main">
+<file path=ppt/slideMasters/slideMaster2.xml><?xml version="1.0" encoding="utf-8"?>
+<p:sldMaster xmlns:a="http://schemas.openxmlformats.org/drawingml/2006/main" xmlns:r="http://schemas.openxmlformats.org/officeDocument/2006/relationships" xmlns:p="http://schemas.openxmlformats.org/presentationml/2006/main">
   <p:cSld>
+    <p:bg>
+      <p:bgRef idx="1001">
+        <a:schemeClr val="bg1"/>
+      </p:bgRef>
+    </p:bg>
     <p:spTree>
       <p:nvGrpSpPr>
         <p:cNvPr id="1" name=""/>
@@ -3337,78 +6362,699 @@
       </p:grpSpPr>
       <p:sp>
         <p:nvSpPr>
-          <p:cNvPr id="2" name="Title 1">
-            <a:extLst>
-              <a:ext uri="{FF2B5EF4-FFF2-40B4-BE49-F238E27FC236}">
-                <a16:creationId xmlns:a16="http://schemas.microsoft.com/office/drawing/2014/main" id="{FFFD7EFB-68EC-42DF-9E1A-F9C849A0A5E8}"/>
-              </a:ext>
-            </a:extLst>
-          </p:cNvPr>
-          <p:cNvSpPr>
-            <a:spLocks noGrp="1"/>
-          </p:cNvSpPr>
-          <p:nvPr>
-            <p:ph type="ctrTitle"/>
+          <p:cNvPr id="2" name="Title Placeholder 1"/>
+          <p:cNvSpPr>
+            <a:spLocks noGrp="1"/>
+          </p:cNvSpPr>
+          <p:nvPr>
+            <p:ph type="title"/>
           </p:nvPr>
         </p:nvSpPr>
         <p:spPr>
           <a:xfrm>
-            <a:off x="448235" y="2644587"/>
-            <a:ext cx="11295530" cy="865375"/>
+            <a:off x="609600" y="274638"/>
+            <a:ext cx="10972800" cy="1143000"/>
           </a:xfrm>
+          <a:prstGeom prst="rect">
+            <a:avLst/>
+          </a:prstGeom>
         </p:spPr>
         <p:txBody>
-          <a:bodyPr>
+          <a:bodyPr vert="horz" lIns="91440" tIns="45720" rIns="91440" bIns="45720" rtlCol="0" anchor="ctr">
             <a:normAutofit/>
           </a:bodyPr>
           <a:lstStyle/>
           <a:p>
             <a:r>
-              <a:rPr lang="en-US" sz="5400" b="1" dirty="0"/>
-              <a:t>Multispectral Optoacoustic Tomography </a:t>
-            </a:r>
-          </a:p>
-        </p:txBody>
-      </p:sp>
-      <p:sp>
-        <p:nvSpPr>
-          <p:cNvPr id="3" name="Subtitle 2">
-            <a:extLst>
-              <a:ext uri="{FF2B5EF4-FFF2-40B4-BE49-F238E27FC236}">
-                <a16:creationId xmlns:a16="http://schemas.microsoft.com/office/drawing/2014/main" id="{25F91A19-102C-4A0C-A47D-854969CBEE63}"/>
-              </a:ext>
-            </a:extLst>
-          </p:cNvPr>
-          <p:cNvSpPr>
-            <a:spLocks noGrp="1"/>
-          </p:cNvSpPr>
-          <p:nvPr>
-            <p:ph type="subTitle" idx="1"/>
+              <a:rPr lang="en-US" dirty="0"/>
+              <a:t>Click to edit Master title style</a:t>
+            </a:r>
+          </a:p>
+        </p:txBody>
+      </p:sp>
+      <p:sp>
+        <p:nvSpPr>
+          <p:cNvPr id="3" name="Text Placeholder 2"/>
+          <p:cNvSpPr>
+            <a:spLocks noGrp="1"/>
+          </p:cNvSpPr>
+          <p:nvPr>
+            <p:ph type="body" idx="1"/>
           </p:nvPr>
         </p:nvSpPr>
         <p:spPr>
           <a:xfrm>
-            <a:off x="1524000" y="3602038"/>
-            <a:ext cx="9144000" cy="503797"/>
+            <a:off x="609600" y="1600201"/>
+            <a:ext cx="10972800" cy="4525963"/>
           </a:xfrm>
+          <a:prstGeom prst="rect">
+            <a:avLst/>
+          </a:prstGeom>
         </p:spPr>
         <p:txBody>
-          <a:bodyPr>
-            <a:noAutofit/>
+          <a:bodyPr vert="horz" lIns="91440" tIns="45720" rIns="91440" bIns="45720" rtlCol="0">
+            <a:normAutofit/>
           </a:bodyPr>
           <a:lstStyle/>
           <a:p>
-            <a:r>
-              <a:rPr lang="en-US" sz="3600" dirty="0"/>
-              <a:t>Kyle Jones</a:t>
-            </a:r>
+            <a:pPr lvl="0"/>
+            <a:r>
+              <a:rPr lang="en-US" dirty="0"/>
+              <a:t>Click to edit Master text styles</a:t>
+            </a:r>
+          </a:p>
+          <a:p>
+            <a:pPr lvl="1"/>
+            <a:r>
+              <a:rPr lang="en-US" dirty="0"/>
+              <a:t>Second level</a:t>
+            </a:r>
+          </a:p>
+          <a:p>
+            <a:pPr lvl="2"/>
+            <a:r>
+              <a:rPr lang="en-US" dirty="0"/>
+              <a:t>Third level</a:t>
+            </a:r>
+          </a:p>
+          <a:p>
+            <a:pPr lvl="3"/>
+            <a:r>
+              <a:rPr lang="en-US" dirty="0"/>
+              <a:t>Fourth level</a:t>
+            </a:r>
+          </a:p>
+          <a:p>
+            <a:pPr lvl="4"/>
+            <a:r>
+              <a:rPr lang="en-US" dirty="0"/>
+              <a:t>Fifth level</a:t>
+            </a:r>
+          </a:p>
+        </p:txBody>
+      </p:sp>
+      <p:sp>
+        <p:nvSpPr>
+          <p:cNvPr id="4" name="Date Placeholder 3"/>
+          <p:cNvSpPr>
+            <a:spLocks noGrp="1"/>
+          </p:cNvSpPr>
+          <p:nvPr>
+            <p:ph type="dt" sz="half" idx="2"/>
+          </p:nvPr>
+        </p:nvSpPr>
+        <p:spPr>
+          <a:xfrm>
+            <a:off x="609600" y="6356351"/>
+            <a:ext cx="2844800" cy="365125"/>
+          </a:xfrm>
+          <a:prstGeom prst="rect">
+            <a:avLst/>
+          </a:prstGeom>
+        </p:spPr>
+        <p:txBody>
+          <a:bodyPr vert="horz" lIns="91440" tIns="45720" rIns="91440" bIns="45720" rtlCol="0" anchor="ctr"/>
+          <a:lstStyle>
+            <a:lvl1pPr algn="l">
+              <a:defRPr sz="1200">
+                <a:solidFill>
+                  <a:schemeClr val="tx1">
+                    <a:tint val="75000"/>
+                  </a:schemeClr>
+                </a:solidFill>
+                <a:latin typeface="+mn-lt"/>
+                <a:cs typeface="Bookman Old Style"/>
+              </a:defRPr>
+            </a:lvl1pPr>
+          </a:lstStyle>
+          <a:p>
+            <a:fld id="{C7EA5AEF-268C-3E4A-9F8A-5D6EF85C0AA5}" type="datetimeFigureOut">
+              <a:rPr lang="en-US" smtClean="0"/>
+              <a:pPr/>
+              <a:t>2/21/2022</a:t>
+            </a:fld>
+            <a:endParaRPr lang="en-US"/>
+          </a:p>
+        </p:txBody>
+      </p:sp>
+      <p:sp>
+        <p:nvSpPr>
+          <p:cNvPr id="5" name="Footer Placeholder 4"/>
+          <p:cNvSpPr>
+            <a:spLocks noGrp="1"/>
+          </p:cNvSpPr>
+          <p:nvPr>
+            <p:ph type="ftr" sz="quarter" idx="3"/>
+          </p:nvPr>
+        </p:nvSpPr>
+        <p:spPr>
+          <a:xfrm>
+            <a:off x="4165600" y="6356351"/>
+            <a:ext cx="3860800" cy="365125"/>
+          </a:xfrm>
+          <a:prstGeom prst="rect">
+            <a:avLst/>
+          </a:prstGeom>
+        </p:spPr>
+        <p:txBody>
+          <a:bodyPr vert="horz" lIns="91440" tIns="45720" rIns="91440" bIns="45720" rtlCol="0" anchor="ctr"/>
+          <a:lstStyle>
+            <a:lvl1pPr algn="ctr">
+              <a:defRPr sz="1200">
+                <a:solidFill>
+                  <a:schemeClr val="tx1">
+                    <a:tint val="75000"/>
+                  </a:schemeClr>
+                </a:solidFill>
+                <a:latin typeface="+mn-lt"/>
+                <a:cs typeface="Bookman Old Style"/>
+              </a:defRPr>
+            </a:lvl1pPr>
+          </a:lstStyle>
+          <a:p>
+            <a:endParaRPr lang="en-US" dirty="0"/>
+          </a:p>
+        </p:txBody>
+      </p:sp>
+      <p:sp>
+        <p:nvSpPr>
+          <p:cNvPr id="6" name="Slide Number Placeholder 5"/>
+          <p:cNvSpPr>
+            <a:spLocks noGrp="1"/>
+          </p:cNvSpPr>
+          <p:nvPr>
+            <p:ph type="sldNum" sz="quarter" idx="4"/>
+          </p:nvPr>
+        </p:nvSpPr>
+        <p:spPr>
+          <a:xfrm>
+            <a:off x="8737600" y="6356351"/>
+            <a:ext cx="2844800" cy="365125"/>
+          </a:xfrm>
+          <a:prstGeom prst="rect">
+            <a:avLst/>
+          </a:prstGeom>
+        </p:spPr>
+        <p:txBody>
+          <a:bodyPr vert="horz" lIns="91440" tIns="45720" rIns="91440" bIns="45720" rtlCol="0" anchor="ctr"/>
+          <a:lstStyle>
+            <a:lvl1pPr algn="r">
+              <a:defRPr sz="1200">
+                <a:solidFill>
+                  <a:schemeClr val="tx1">
+                    <a:tint val="75000"/>
+                  </a:schemeClr>
+                </a:solidFill>
+                <a:latin typeface="+mn-lt"/>
+                <a:cs typeface="Bookman Old Style"/>
+              </a:defRPr>
+            </a:lvl1pPr>
+          </a:lstStyle>
+          <a:p>
+            <a:fld id="{54C322D8-1F22-FA42-A079-A02EB09617C1}" type="slidenum">
+              <a:rPr lang="en-US" smtClean="0"/>
+              <a:pPr/>
+              <a:t>‹#›</a:t>
+            </a:fld>
+            <a:endParaRPr lang="en-US"/>
           </a:p>
         </p:txBody>
       </p:sp>
     </p:spTree>
     <p:extLst>
       <p:ext uri="{BB962C8B-B14F-4D97-AF65-F5344CB8AC3E}">
-        <p14:creationId xmlns:p14="http://schemas.microsoft.com/office/powerpoint/2010/main" val="1931440805"/>
+        <p14:creationId xmlns:p14="http://schemas.microsoft.com/office/powerpoint/2010/main" val="3477633586"/>
+      </p:ext>
+    </p:extLst>
+  </p:cSld>
+  <p:clrMap bg1="lt1" tx1="dk1" bg2="lt2" tx2="dk2" accent1="accent1" accent2="accent2" accent3="accent3" accent4="accent4" accent5="accent5" accent6="accent6" hlink="hlink" folHlink="folHlink"/>
+  <p:sldLayoutIdLst>
+    <p:sldLayoutId id="2147483661" r:id="rId1"/>
+    <p:sldLayoutId id="2147483662" r:id="rId2"/>
+    <p:sldLayoutId id="2147483663" r:id="rId3"/>
+    <p:sldLayoutId id="2147483664" r:id="rId4"/>
+    <p:sldLayoutId id="2147483665" r:id="rId5"/>
+    <p:sldLayoutId id="2147483666" r:id="rId6"/>
+    <p:sldLayoutId id="2147483667" r:id="rId7"/>
+    <p:sldLayoutId id="2147483668" r:id="rId8"/>
+    <p:sldLayoutId id="2147483669" r:id="rId9"/>
+    <p:sldLayoutId id="2147483670" r:id="rId10"/>
+    <p:sldLayoutId id="2147483671" r:id="rId11"/>
+  </p:sldLayoutIdLst>
+  <p:txStyles>
+    <p:titleStyle>
+      <a:lvl1pPr algn="ctr" defTabSz="457200" rtl="0" eaLnBrk="1" latinLnBrk="0" hangingPunct="1">
+        <a:spcBef>
+          <a:spcPct val="0"/>
+        </a:spcBef>
+        <a:buNone/>
+        <a:defRPr sz="4400" kern="1200">
+          <a:solidFill>
+            <a:srgbClr val="002147"/>
+          </a:solidFill>
+          <a:latin typeface="+mj-lt"/>
+          <a:ea typeface="+mj-ea"/>
+          <a:cs typeface="Bookman Old Style"/>
+        </a:defRPr>
+      </a:lvl1pPr>
+    </p:titleStyle>
+    <p:bodyStyle>
+      <a:lvl1pPr marL="342900" indent="-342900" algn="l" defTabSz="457200" rtl="0" eaLnBrk="1" latinLnBrk="0" hangingPunct="1">
+        <a:spcBef>
+          <a:spcPct val="20000"/>
+        </a:spcBef>
+        <a:buFont typeface="Arial"/>
+        <a:buChar char="•"/>
+        <a:defRPr sz="3200" kern="1200">
+          <a:solidFill>
+            <a:schemeClr val="tx1"/>
+          </a:solidFill>
+          <a:latin typeface="+mn-lt"/>
+          <a:ea typeface="+mn-ea"/>
+          <a:cs typeface="Bookman Old Style"/>
+        </a:defRPr>
+      </a:lvl1pPr>
+      <a:lvl2pPr marL="742950" indent="-285750" algn="l" defTabSz="457200" rtl="0" eaLnBrk="1" latinLnBrk="0" hangingPunct="1">
+        <a:spcBef>
+          <a:spcPct val="20000"/>
+        </a:spcBef>
+        <a:buFont typeface="Arial"/>
+        <a:buChar char="–"/>
+        <a:defRPr sz="2800" kern="1200">
+          <a:solidFill>
+            <a:schemeClr val="tx1"/>
+          </a:solidFill>
+          <a:latin typeface="+mn-lt"/>
+          <a:ea typeface="+mn-ea"/>
+          <a:cs typeface="Bookman Old Style"/>
+        </a:defRPr>
+      </a:lvl2pPr>
+      <a:lvl3pPr marL="1143000" indent="-228600" algn="l" defTabSz="457200" rtl="0" eaLnBrk="1" latinLnBrk="0" hangingPunct="1">
+        <a:spcBef>
+          <a:spcPct val="20000"/>
+        </a:spcBef>
+        <a:buFont typeface="Arial"/>
+        <a:buChar char="•"/>
+        <a:defRPr sz="2400" kern="1200">
+          <a:solidFill>
+            <a:schemeClr val="tx1"/>
+          </a:solidFill>
+          <a:latin typeface="+mn-lt"/>
+          <a:ea typeface="+mn-ea"/>
+          <a:cs typeface="Bookman Old Style"/>
+        </a:defRPr>
+      </a:lvl3pPr>
+      <a:lvl4pPr marL="1600200" indent="-228600" algn="l" defTabSz="457200" rtl="0" eaLnBrk="1" latinLnBrk="0" hangingPunct="1">
+        <a:spcBef>
+          <a:spcPct val="20000"/>
+        </a:spcBef>
+        <a:buFont typeface="Arial"/>
+        <a:buChar char="–"/>
+        <a:defRPr sz="2000" kern="1200">
+          <a:solidFill>
+            <a:schemeClr val="tx1"/>
+          </a:solidFill>
+          <a:latin typeface="+mn-lt"/>
+          <a:ea typeface="+mn-ea"/>
+          <a:cs typeface="Bookman Old Style"/>
+        </a:defRPr>
+      </a:lvl4pPr>
+      <a:lvl5pPr marL="2057400" indent="-228600" algn="l" defTabSz="457200" rtl="0" eaLnBrk="1" latinLnBrk="0" hangingPunct="1">
+        <a:spcBef>
+          <a:spcPct val="20000"/>
+        </a:spcBef>
+        <a:buFont typeface="Arial"/>
+        <a:buChar char="»"/>
+        <a:defRPr sz="2000" kern="1200">
+          <a:solidFill>
+            <a:schemeClr val="tx1"/>
+          </a:solidFill>
+          <a:latin typeface="+mn-lt"/>
+          <a:ea typeface="+mn-ea"/>
+          <a:cs typeface="Bookman Old Style"/>
+        </a:defRPr>
+      </a:lvl5pPr>
+      <a:lvl6pPr marL="2514600" indent="-228600" algn="l" defTabSz="457200" rtl="0" eaLnBrk="1" latinLnBrk="0" hangingPunct="1">
+        <a:spcBef>
+          <a:spcPct val="20000"/>
+        </a:spcBef>
+        <a:buFont typeface="Arial"/>
+        <a:buChar char="•"/>
+        <a:defRPr sz="2000" kern="1200">
+          <a:solidFill>
+            <a:schemeClr val="tx1"/>
+          </a:solidFill>
+          <a:latin typeface="+mn-lt"/>
+          <a:ea typeface="+mn-ea"/>
+          <a:cs typeface="+mn-cs"/>
+        </a:defRPr>
+      </a:lvl6pPr>
+      <a:lvl7pPr marL="2971800" indent="-228600" algn="l" defTabSz="457200" rtl="0" eaLnBrk="1" latinLnBrk="0" hangingPunct="1">
+        <a:spcBef>
+          <a:spcPct val="20000"/>
+        </a:spcBef>
+        <a:buFont typeface="Arial"/>
+        <a:buChar char="•"/>
+        <a:defRPr sz="2000" kern="1200">
+          <a:solidFill>
+            <a:schemeClr val="tx1"/>
+          </a:solidFill>
+          <a:latin typeface="+mn-lt"/>
+          <a:ea typeface="+mn-ea"/>
+          <a:cs typeface="+mn-cs"/>
+        </a:defRPr>
+      </a:lvl7pPr>
+      <a:lvl8pPr marL="3429000" indent="-228600" algn="l" defTabSz="457200" rtl="0" eaLnBrk="1" latinLnBrk="0" hangingPunct="1">
+        <a:spcBef>
+          <a:spcPct val="20000"/>
+        </a:spcBef>
+        <a:buFont typeface="Arial"/>
+        <a:buChar char="•"/>
+        <a:defRPr sz="2000" kern="1200">
+          <a:solidFill>
+            <a:schemeClr val="tx1"/>
+          </a:solidFill>
+          <a:latin typeface="+mn-lt"/>
+          <a:ea typeface="+mn-ea"/>
+          <a:cs typeface="+mn-cs"/>
+        </a:defRPr>
+      </a:lvl8pPr>
+      <a:lvl9pPr marL="3886200" indent="-228600" algn="l" defTabSz="457200" rtl="0" eaLnBrk="1" latinLnBrk="0" hangingPunct="1">
+        <a:spcBef>
+          <a:spcPct val="20000"/>
+        </a:spcBef>
+        <a:buFont typeface="Arial"/>
+        <a:buChar char="•"/>
+        <a:defRPr sz="2000" kern="1200">
+          <a:solidFill>
+            <a:schemeClr val="tx1"/>
+          </a:solidFill>
+          <a:latin typeface="+mn-lt"/>
+          <a:ea typeface="+mn-ea"/>
+          <a:cs typeface="+mn-cs"/>
+        </a:defRPr>
+      </a:lvl9pPr>
+    </p:bodyStyle>
+    <p:otherStyle>
+      <a:defPPr>
+        <a:defRPr lang="en-US"/>
+      </a:defPPr>
+      <a:lvl1pPr marL="0" algn="l" defTabSz="457200" rtl="0" eaLnBrk="1" latinLnBrk="0" hangingPunct="1">
+        <a:defRPr sz="1800" kern="1200">
+          <a:solidFill>
+            <a:schemeClr val="tx1"/>
+          </a:solidFill>
+          <a:latin typeface="+mn-lt"/>
+          <a:ea typeface="+mn-ea"/>
+          <a:cs typeface="+mn-cs"/>
+        </a:defRPr>
+      </a:lvl1pPr>
+      <a:lvl2pPr marL="457200" algn="l" defTabSz="457200" rtl="0" eaLnBrk="1" latinLnBrk="0" hangingPunct="1">
+        <a:defRPr sz="1800" kern="1200">
+          <a:solidFill>
+            <a:schemeClr val="tx1"/>
+          </a:solidFill>
+          <a:latin typeface="+mn-lt"/>
+          <a:ea typeface="+mn-ea"/>
+          <a:cs typeface="+mn-cs"/>
+        </a:defRPr>
+      </a:lvl2pPr>
+      <a:lvl3pPr marL="914400" algn="l" defTabSz="457200" rtl="0" eaLnBrk="1" latinLnBrk="0" hangingPunct="1">
+        <a:defRPr sz="1800" kern="1200">
+          <a:solidFill>
+            <a:schemeClr val="tx1"/>
+          </a:solidFill>
+          <a:latin typeface="+mn-lt"/>
+          <a:ea typeface="+mn-ea"/>
+          <a:cs typeface="+mn-cs"/>
+        </a:defRPr>
+      </a:lvl3pPr>
+      <a:lvl4pPr marL="1371600" algn="l" defTabSz="457200" rtl="0" eaLnBrk="1" latinLnBrk="0" hangingPunct="1">
+        <a:defRPr sz="1800" kern="1200">
+          <a:solidFill>
+            <a:schemeClr val="tx1"/>
+          </a:solidFill>
+          <a:latin typeface="+mn-lt"/>
+          <a:ea typeface="+mn-ea"/>
+          <a:cs typeface="+mn-cs"/>
+        </a:defRPr>
+      </a:lvl4pPr>
+      <a:lvl5pPr marL="1828800" algn="l" defTabSz="457200" rtl="0" eaLnBrk="1" latinLnBrk="0" hangingPunct="1">
+        <a:defRPr sz="1800" kern="1200">
+          <a:solidFill>
+            <a:schemeClr val="tx1"/>
+          </a:solidFill>
+          <a:latin typeface="+mn-lt"/>
+          <a:ea typeface="+mn-ea"/>
+          <a:cs typeface="+mn-cs"/>
+        </a:defRPr>
+      </a:lvl5pPr>
+      <a:lvl6pPr marL="2286000" algn="l" defTabSz="457200" rtl="0" eaLnBrk="1" latinLnBrk="0" hangingPunct="1">
+        <a:defRPr sz="1800" kern="1200">
+          <a:solidFill>
+            <a:schemeClr val="tx1"/>
+          </a:solidFill>
+          <a:latin typeface="+mn-lt"/>
+          <a:ea typeface="+mn-ea"/>
+          <a:cs typeface="+mn-cs"/>
+        </a:defRPr>
+      </a:lvl6pPr>
+      <a:lvl7pPr marL="2743200" algn="l" defTabSz="457200" rtl="0" eaLnBrk="1" latinLnBrk="0" hangingPunct="1">
+        <a:defRPr sz="1800" kern="1200">
+          <a:solidFill>
+            <a:schemeClr val="tx1"/>
+          </a:solidFill>
+          <a:latin typeface="+mn-lt"/>
+          <a:ea typeface="+mn-ea"/>
+          <a:cs typeface="+mn-cs"/>
+        </a:defRPr>
+      </a:lvl7pPr>
+      <a:lvl8pPr marL="3200400" algn="l" defTabSz="457200" rtl="0" eaLnBrk="1" latinLnBrk="0" hangingPunct="1">
+        <a:defRPr sz="1800" kern="1200">
+          <a:solidFill>
+            <a:schemeClr val="tx1"/>
+          </a:solidFill>
+          <a:latin typeface="+mn-lt"/>
+          <a:ea typeface="+mn-ea"/>
+          <a:cs typeface="+mn-cs"/>
+        </a:defRPr>
+      </a:lvl8pPr>
+      <a:lvl9pPr marL="3657600" algn="l" defTabSz="457200" rtl="0" eaLnBrk="1" latinLnBrk="0" hangingPunct="1">
+        <a:defRPr sz="1800" kern="1200">
+          <a:solidFill>
+            <a:schemeClr val="tx1"/>
+          </a:solidFill>
+          <a:latin typeface="+mn-lt"/>
+          <a:ea typeface="+mn-ea"/>
+          <a:cs typeface="+mn-cs"/>
+        </a:defRPr>
+      </a:lvl9pPr>
+    </p:otherStyle>
+  </p:txStyles>
+</p:sldMaster>
+</file>
+
+<file path=ppt/slides/slide1.xml><?xml version="1.0" encoding="utf-8"?>
+<p:sld xmlns:a="http://schemas.openxmlformats.org/drawingml/2006/main" xmlns:r="http://schemas.openxmlformats.org/officeDocument/2006/relationships" xmlns:p="http://schemas.openxmlformats.org/presentationml/2006/main">
+  <p:cSld>
+    <p:bg>
+      <p:bgPr>
+        <a:solidFill>
+          <a:schemeClr val="bg1"/>
+        </a:solidFill>
+        <a:effectLst/>
+      </p:bgPr>
+    </p:bg>
+    <p:spTree>
+      <p:nvGrpSpPr>
+        <p:cNvPr id="1" name=""/>
+        <p:cNvGrpSpPr/>
+        <p:nvPr/>
+      </p:nvGrpSpPr>
+      <p:grpSpPr>
+        <a:xfrm>
+          <a:off x="0" y="0"/>
+          <a:ext cx="0" cy="0"/>
+          <a:chOff x="0" y="0"/>
+          <a:chExt cx="0" cy="0"/>
+        </a:xfrm>
+      </p:grpSpPr>
+      <p:sp>
+        <p:nvSpPr>
+          <p:cNvPr id="3" name="Rectangle 2"/>
+          <p:cNvSpPr/>
+          <p:nvPr/>
+        </p:nvSpPr>
+        <p:spPr>
+          <a:xfrm>
+            <a:off x="0" y="0"/>
+            <a:ext cx="12192000" cy="6858000"/>
+          </a:xfrm>
+          <a:prstGeom prst="rect">
+            <a:avLst/>
+          </a:prstGeom>
+          <a:solidFill>
+            <a:srgbClr val="000000"/>
+          </a:solidFill>
+          <a:effectLst/>
+        </p:spPr>
+        <p:style>
+          <a:lnRef idx="1">
+            <a:schemeClr val="accent1"/>
+          </a:lnRef>
+          <a:fillRef idx="3">
+            <a:schemeClr val="accent1"/>
+          </a:fillRef>
+          <a:effectRef idx="2">
+            <a:schemeClr val="accent1"/>
+          </a:effectRef>
+          <a:fontRef idx="minor">
+            <a:schemeClr val="lt1"/>
+          </a:fontRef>
+        </p:style>
+        <p:txBody>
+          <a:bodyPr rtlCol="0" anchor="ctr"/>
+          <a:lstStyle/>
+          <a:p>
+            <a:pPr algn="ctr" defTabSz="457200"/>
+            <a:endParaRPr lang="en-US">
+              <a:solidFill>
+                <a:prstClr val="white"/>
+              </a:solidFill>
+              <a:latin typeface="Book Antiqua"/>
+            </a:endParaRPr>
+          </a:p>
+        </p:txBody>
+      </p:sp>
+      <p:sp>
+        <p:nvSpPr>
+          <p:cNvPr id="15364" name="Text Box 25"/>
+          <p:cNvSpPr txBox="1">
+            <a:spLocks noChangeArrowheads="1"/>
+          </p:cNvSpPr>
+          <p:nvPr/>
+        </p:nvSpPr>
+        <p:spPr bwMode="auto">
+          <a:xfrm>
+            <a:off x="1106892" y="2710739"/>
+            <a:ext cx="9978216" cy="1846659"/>
+          </a:xfrm>
+          <a:prstGeom prst="rect">
+            <a:avLst/>
+          </a:prstGeom>
+          <a:noFill/>
+          <a:ln w="9525">
+            <a:noFill/>
+            <a:miter lim="800000"/>
+            <a:headEnd/>
+            <a:tailEnd/>
+          </a:ln>
+        </p:spPr>
+        <p:txBody>
+          <a:bodyPr wrap="square">
+            <a:prstTxWarp prst="textNoShape">
+              <a:avLst/>
+            </a:prstTxWarp>
+            <a:spAutoFit/>
+          </a:bodyPr>
+          <a:lstStyle/>
+          <a:p>
+            <a:pPr algn="ctr" defTabSz="457200"/>
+            <a:r>
+              <a:rPr lang="en-US" sz="3200" b="1" dirty="0">
+                <a:solidFill>
+                  <a:srgbClr val="FFFFFF"/>
+                </a:solidFill>
+                <a:latin typeface="Arial"/>
+                <a:cs typeface="Arial"/>
+              </a:rPr>
+              <a:t>Machine Learning applied to </a:t>
+            </a:r>
+          </a:p>
+          <a:p>
+            <a:pPr algn="ctr" defTabSz="457200"/>
+            <a:r>
+              <a:rPr lang="en-US" sz="3200" b="1" dirty="0">
+                <a:solidFill>
+                  <a:srgbClr val="FFFFFF"/>
+                </a:solidFill>
+                <a:latin typeface="Arial"/>
+                <a:cs typeface="Arial"/>
+              </a:rPr>
+              <a:t>Multispectral Optoacoustic Tomography unmixing</a:t>
+            </a:r>
+          </a:p>
+          <a:p>
+            <a:pPr algn="ctr" defTabSz="457200"/>
+            <a:endParaRPr lang="en-US" sz="1600" dirty="0">
+              <a:solidFill>
+                <a:prstClr val="black"/>
+              </a:solidFill>
+              <a:latin typeface="Arial"/>
+              <a:cs typeface="Arial"/>
+            </a:endParaRPr>
+          </a:p>
+          <a:p>
+            <a:pPr defTabSz="457200"/>
+            <a:endParaRPr lang="en-US" sz="1000" b="1" dirty="0">
+              <a:solidFill>
+                <a:prstClr val="white"/>
+              </a:solidFill>
+              <a:latin typeface="Arial"/>
+              <a:ea typeface="Copperplate Gothic Light" charset="0"/>
+              <a:cs typeface="Arial"/>
+            </a:endParaRPr>
+          </a:p>
+          <a:p>
+            <a:pPr algn="ctr" defTabSz="457200"/>
+            <a:r>
+              <a:rPr lang="en-US" sz="2400" b="1" dirty="0">
+                <a:solidFill>
+                  <a:prstClr val="white"/>
+                </a:solidFill>
+                <a:latin typeface="Arial"/>
+                <a:ea typeface="Copperplate Gothic Light" charset="0"/>
+                <a:cs typeface="Arial"/>
+              </a:rPr>
+              <a:t>Kyle Jones</a:t>
+            </a:r>
+          </a:p>
+        </p:txBody>
+      </p:sp>
+      <p:pic>
+        <p:nvPicPr>
+          <p:cNvPr id="7" name="Picture 6" descr="MDAnderson-Master-Logo_Texas_V_Tagline_RGB-REV.png"/>
+          <p:cNvPicPr>
+            <a:picLocks noChangeAspect="1"/>
+          </p:cNvPicPr>
+          <p:nvPr/>
+        </p:nvPicPr>
+        <p:blipFill>
+          <a:blip r:embed="rId3">
+            <a:extLst>
+              <a:ext uri="{28A0092B-C50C-407E-A947-70E740481C1C}">
+                <a14:useLocalDpi xmlns:a14="http://schemas.microsoft.com/office/drawing/2010/main" val="0"/>
+              </a:ext>
+            </a:extLst>
+          </a:blip>
+          <a:stretch>
+            <a:fillRect/>
+          </a:stretch>
+        </p:blipFill>
+        <p:spPr>
+          <a:xfrm>
+            <a:off x="124759" y="185202"/>
+            <a:ext cx="3365014" cy="1629973"/>
+          </a:xfrm>
+          <a:prstGeom prst="rect">
+            <a:avLst/>
+          </a:prstGeom>
+        </p:spPr>
+      </p:pic>
+    </p:spTree>
+    <p:extLst>
+      <p:ext uri="{BB962C8B-B14F-4D97-AF65-F5344CB8AC3E}">
+        <p14:creationId xmlns:p14="http://schemas.microsoft.com/office/powerpoint/2010/main" val="743668442"/>
       </p:ext>
     </p:extLst>
   </p:cSld>
@@ -3451,38 +7097,965 @@
             <p:ph type="title"/>
           </p:nvPr>
         </p:nvSpPr>
-        <p:spPr/>
+        <p:spPr>
+          <a:xfrm>
+            <a:off x="331694" y="864682"/>
+            <a:ext cx="11125200" cy="1010046"/>
+          </a:xfrm>
+        </p:spPr>
+        <p:txBody>
+          <a:bodyPr>
+            <a:normAutofit fontScale="90000"/>
+          </a:bodyPr>
+          <a:lstStyle/>
+          <a:p>
+            <a:r>
+              <a:rPr lang="en-US" b="1" dirty="0"/>
+              <a:t>Discovered resource to read MSOT images into Python</a:t>
+            </a:r>
+          </a:p>
+        </p:txBody>
+      </p:sp>
+      <p:grpSp>
+        <p:nvGrpSpPr>
+          <p:cNvPr id="4" name="Group 3">
+            <a:extLst>
+              <a:ext uri="{FF2B5EF4-FFF2-40B4-BE49-F238E27FC236}">
+                <a16:creationId xmlns:a16="http://schemas.microsoft.com/office/drawing/2014/main" id="{67B3D280-6AB6-441A-9952-39359F1D8827}"/>
+              </a:ext>
+            </a:extLst>
+          </p:cNvPr>
+          <p:cNvGrpSpPr/>
+          <p:nvPr/>
+        </p:nvGrpSpPr>
+        <p:grpSpPr>
+          <a:xfrm>
+            <a:off x="90394" y="84767"/>
+            <a:ext cx="12011959" cy="1105087"/>
+            <a:chOff x="128705" y="1011199"/>
+            <a:chExt cx="8988639" cy="629339"/>
+          </a:xfrm>
+        </p:grpSpPr>
+        <p:sp>
+          <p:nvSpPr>
+            <p:cNvPr id="5" name="Rectangle 4">
+              <a:extLst>
+                <a:ext uri="{FF2B5EF4-FFF2-40B4-BE49-F238E27FC236}">
+                  <a16:creationId xmlns:a16="http://schemas.microsoft.com/office/drawing/2014/main" id="{D646CA79-8CB4-4AC8-89AF-6F94D1C56869}"/>
+                </a:ext>
+              </a:extLst>
+            </p:cNvPr>
+            <p:cNvSpPr/>
+            <p:nvPr/>
+          </p:nvSpPr>
+          <p:spPr>
+            <a:xfrm>
+              <a:off x="128705" y="1351101"/>
+              <a:ext cx="8565550" cy="45719"/>
+            </a:xfrm>
+            <a:prstGeom prst="rect">
+              <a:avLst/>
+            </a:prstGeom>
+            <a:solidFill>
+              <a:srgbClr val="000000"/>
+            </a:solidFill>
+            <a:ln>
+              <a:noFill/>
+            </a:ln>
+            <a:effectLst/>
+          </p:spPr>
+          <p:style>
+            <a:lnRef idx="1">
+              <a:schemeClr val="accent1"/>
+            </a:lnRef>
+            <a:fillRef idx="3">
+              <a:schemeClr val="accent1"/>
+            </a:fillRef>
+            <a:effectRef idx="2">
+              <a:schemeClr val="accent1"/>
+            </a:effectRef>
+            <a:fontRef idx="minor">
+              <a:schemeClr val="lt1"/>
+            </a:fontRef>
+          </p:style>
+          <p:txBody>
+            <a:bodyPr rtlCol="0" anchor="ctr"/>
+            <a:lstStyle/>
+            <a:p>
+              <a:pPr algn="ctr"/>
+              <a:endParaRPr lang="en-US">
+                <a:solidFill>
+                  <a:prstClr val="white"/>
+                </a:solidFill>
+              </a:endParaRPr>
+            </a:p>
+          </p:txBody>
+        </p:sp>
+        <p:pic>
+          <p:nvPicPr>
+            <p:cNvPr id="7" name="Picture 6" descr="camel_logo_notext_transparent.tif">
+              <a:extLst>
+                <a:ext uri="{FF2B5EF4-FFF2-40B4-BE49-F238E27FC236}">
+                  <a16:creationId xmlns:a16="http://schemas.microsoft.com/office/drawing/2014/main" id="{AAEF9F8B-00FE-46EF-8C03-5B1A43416664}"/>
+                </a:ext>
+              </a:extLst>
+            </p:cNvPr>
+            <p:cNvPicPr>
+              <a:picLocks noChangeAspect="1"/>
+            </p:cNvPicPr>
+            <p:nvPr/>
+          </p:nvPicPr>
+          <p:blipFill>
+            <a:blip r:embed="rId2">
+              <a:extLst>
+                <a:ext uri="{28A0092B-C50C-407E-A947-70E740481C1C}">
+                  <a14:useLocalDpi xmlns:a14="http://schemas.microsoft.com/office/drawing/2010/main" val="0"/>
+                </a:ext>
+              </a:extLst>
+            </a:blip>
+            <a:stretch>
+              <a:fillRect/>
+            </a:stretch>
+          </p:blipFill>
+          <p:spPr>
+            <a:xfrm>
+              <a:off x="8159721" y="1065325"/>
+              <a:ext cx="957623" cy="575213"/>
+            </a:xfrm>
+            <a:prstGeom prst="rect">
+              <a:avLst/>
+            </a:prstGeom>
+          </p:spPr>
+        </p:pic>
+        <p:pic>
+          <p:nvPicPr>
+            <p:cNvPr id="8" name="Picture 7" descr="mda.png">
+              <a:extLst>
+                <a:ext uri="{FF2B5EF4-FFF2-40B4-BE49-F238E27FC236}">
+                  <a16:creationId xmlns:a16="http://schemas.microsoft.com/office/drawing/2014/main" id="{41E72154-9093-4D83-9774-4FBBB553A9FA}"/>
+                </a:ext>
+              </a:extLst>
+            </p:cNvPr>
+            <p:cNvPicPr>
+              <a:picLocks noChangeAspect="1"/>
+            </p:cNvPicPr>
+            <p:nvPr/>
+          </p:nvPicPr>
+          <p:blipFill>
+            <a:blip r:embed="rId3">
+              <a:extLst>
+                <a:ext uri="{28A0092B-C50C-407E-A947-70E740481C1C}">
+                  <a14:useLocalDpi xmlns:a14="http://schemas.microsoft.com/office/drawing/2010/main" val="0"/>
+                </a:ext>
+              </a:extLst>
+            </a:blip>
+            <a:stretch>
+              <a:fillRect/>
+            </a:stretch>
+          </p:blipFill>
+          <p:spPr>
+            <a:xfrm>
+              <a:off x="128706" y="1011199"/>
+              <a:ext cx="3050391" cy="316991"/>
+            </a:xfrm>
+            <a:prstGeom prst="rect">
+              <a:avLst/>
+            </a:prstGeom>
+          </p:spPr>
+        </p:pic>
+      </p:grpSp>
+      <p:sp>
+        <p:nvSpPr>
+          <p:cNvPr id="9" name="TextBox 8">
+            <a:extLst>
+              <a:ext uri="{FF2B5EF4-FFF2-40B4-BE49-F238E27FC236}">
+                <a16:creationId xmlns:a16="http://schemas.microsoft.com/office/drawing/2014/main" id="{E15D0CBA-875E-4AE6-B67D-CA65730D1935}"/>
+              </a:ext>
+            </a:extLst>
+          </p:cNvPr>
+          <p:cNvSpPr txBox="1"/>
+          <p:nvPr/>
+        </p:nvSpPr>
+        <p:spPr>
+          <a:xfrm>
+            <a:off x="2962274" y="3199511"/>
+            <a:ext cx="5864039" cy="584775"/>
+          </a:xfrm>
+          <a:prstGeom prst="rect">
+            <a:avLst/>
+          </a:prstGeom>
+          <a:noFill/>
+        </p:spPr>
+        <p:txBody>
+          <a:bodyPr wrap="square">
+            <a:spAutoFit/>
+          </a:bodyPr>
+          <a:lstStyle/>
+          <a:p>
+            <a:r>
+              <a:rPr lang="en-US" sz="3200" dirty="0">
+                <a:solidFill>
+                  <a:schemeClr val="accent1"/>
+                </a:solidFill>
+              </a:rPr>
+              <a:t>https://ithera-medical.com/login</a:t>
+            </a:r>
+          </a:p>
+        </p:txBody>
+      </p:sp>
+    </p:spTree>
+    <p:extLst>
+      <p:ext uri="{BB962C8B-B14F-4D97-AF65-F5344CB8AC3E}">
+        <p14:creationId xmlns:p14="http://schemas.microsoft.com/office/powerpoint/2010/main" val="1868911227"/>
+      </p:ext>
+    </p:extLst>
+  </p:cSld>
+  <p:clrMapOvr>
+    <a:masterClrMapping/>
+  </p:clrMapOvr>
+</p:sld>
+</file>
+
+<file path=ppt/slides/slide11.xml><?xml version="1.0" encoding="utf-8"?>
+<p:sld xmlns:a="http://schemas.openxmlformats.org/drawingml/2006/main" xmlns:r="http://schemas.openxmlformats.org/officeDocument/2006/relationships" xmlns:p="http://schemas.openxmlformats.org/presentationml/2006/main">
+  <p:cSld>
+    <p:spTree>
+      <p:nvGrpSpPr>
+        <p:cNvPr id="1" name=""/>
+        <p:cNvGrpSpPr/>
+        <p:nvPr/>
+      </p:nvGrpSpPr>
+      <p:grpSpPr>
+        <a:xfrm>
+          <a:off x="0" y="0"/>
+          <a:ext cx="0" cy="0"/>
+          <a:chOff x="0" y="0"/>
+          <a:chExt cx="0" cy="0"/>
+        </a:xfrm>
+      </p:grpSpPr>
+      <p:sp>
+        <p:nvSpPr>
+          <p:cNvPr id="2" name="Title 1">
+            <a:extLst>
+              <a:ext uri="{FF2B5EF4-FFF2-40B4-BE49-F238E27FC236}">
+                <a16:creationId xmlns:a16="http://schemas.microsoft.com/office/drawing/2014/main" id="{EAB4C2F3-4F70-4283-9A80-4338A0A2701D}"/>
+              </a:ext>
+            </a:extLst>
+          </p:cNvPr>
+          <p:cNvSpPr>
+            <a:spLocks noGrp="1"/>
+          </p:cNvSpPr>
+          <p:nvPr>
+            <p:ph type="title"/>
+          </p:nvPr>
+        </p:nvSpPr>
+        <p:spPr>
+          <a:xfrm>
+            <a:off x="2926977" y="2695948"/>
+            <a:ext cx="6485965" cy="1325563"/>
+          </a:xfrm>
+        </p:spPr>
         <p:txBody>
           <a:bodyPr/>
           <a:lstStyle/>
           <a:p>
             <a:r>
               <a:rPr lang="en-US" b="1" dirty="0"/>
-              <a:t>Optimal wavelengths to collect</a:t>
-            </a:r>
-          </a:p>
-        </p:txBody>
-      </p:sp>
-      <p:sp>
-        <p:nvSpPr>
-          <p:cNvPr id="3" name="Content Placeholder 2">
-            <a:extLst>
-              <a:ext uri="{FF2B5EF4-FFF2-40B4-BE49-F238E27FC236}">
-                <a16:creationId xmlns:a16="http://schemas.microsoft.com/office/drawing/2014/main" id="{7E7EA47C-BB5D-4E88-AB59-70CAA858D8B0}"/>
-              </a:ext>
-            </a:extLst>
-          </p:cNvPr>
-          <p:cNvSpPr>
-            <a:spLocks noGrp="1"/>
-          </p:cNvSpPr>
-          <p:nvPr>
-            <p:ph idx="1"/>
+              <a:t>Plans after data is collected?</a:t>
+            </a:r>
+          </a:p>
+        </p:txBody>
+      </p:sp>
+      <p:grpSp>
+        <p:nvGrpSpPr>
+          <p:cNvPr id="3" name="Group 2">
+            <a:extLst>
+              <a:ext uri="{FF2B5EF4-FFF2-40B4-BE49-F238E27FC236}">
+                <a16:creationId xmlns:a16="http://schemas.microsoft.com/office/drawing/2014/main" id="{17508C05-841B-4DBC-9358-3590A4E5A363}"/>
+              </a:ext>
+            </a:extLst>
+          </p:cNvPr>
+          <p:cNvGrpSpPr/>
+          <p:nvPr/>
+        </p:nvGrpSpPr>
+        <p:grpSpPr>
+          <a:xfrm>
+            <a:off x="90394" y="84767"/>
+            <a:ext cx="12011959" cy="1105087"/>
+            <a:chOff x="128705" y="1011199"/>
+            <a:chExt cx="8988639" cy="629339"/>
+          </a:xfrm>
+        </p:grpSpPr>
+        <p:sp>
+          <p:nvSpPr>
+            <p:cNvPr id="4" name="Rectangle 3">
+              <a:extLst>
+                <a:ext uri="{FF2B5EF4-FFF2-40B4-BE49-F238E27FC236}">
+                  <a16:creationId xmlns:a16="http://schemas.microsoft.com/office/drawing/2014/main" id="{56B2492B-4F73-41A5-9FEA-3D4AB44CC43D}"/>
+                </a:ext>
+              </a:extLst>
+            </p:cNvPr>
+            <p:cNvSpPr/>
+            <p:nvPr/>
+          </p:nvSpPr>
+          <p:spPr>
+            <a:xfrm>
+              <a:off x="128705" y="1351101"/>
+              <a:ext cx="8565550" cy="45719"/>
+            </a:xfrm>
+            <a:prstGeom prst="rect">
+              <a:avLst/>
+            </a:prstGeom>
+            <a:solidFill>
+              <a:srgbClr val="000000"/>
+            </a:solidFill>
+            <a:ln>
+              <a:noFill/>
+            </a:ln>
+            <a:effectLst/>
+          </p:spPr>
+          <p:style>
+            <a:lnRef idx="1">
+              <a:schemeClr val="accent1"/>
+            </a:lnRef>
+            <a:fillRef idx="3">
+              <a:schemeClr val="accent1"/>
+            </a:fillRef>
+            <a:effectRef idx="2">
+              <a:schemeClr val="accent1"/>
+            </a:effectRef>
+            <a:fontRef idx="minor">
+              <a:schemeClr val="lt1"/>
+            </a:fontRef>
+          </p:style>
+          <p:txBody>
+            <a:bodyPr rtlCol="0" anchor="ctr"/>
+            <a:lstStyle/>
+            <a:p>
+              <a:pPr algn="ctr"/>
+              <a:endParaRPr lang="en-US">
+                <a:solidFill>
+                  <a:prstClr val="white"/>
+                </a:solidFill>
+              </a:endParaRPr>
+            </a:p>
+          </p:txBody>
+        </p:sp>
+        <p:pic>
+          <p:nvPicPr>
+            <p:cNvPr id="5" name="Picture 4" descr="camel_logo_notext_transparent.tif">
+              <a:extLst>
+                <a:ext uri="{FF2B5EF4-FFF2-40B4-BE49-F238E27FC236}">
+                  <a16:creationId xmlns:a16="http://schemas.microsoft.com/office/drawing/2014/main" id="{AC6568DD-2DA7-49F6-B123-570221BEEA4D}"/>
+                </a:ext>
+              </a:extLst>
+            </p:cNvPr>
+            <p:cNvPicPr>
+              <a:picLocks noChangeAspect="1"/>
+            </p:cNvPicPr>
+            <p:nvPr/>
+          </p:nvPicPr>
+          <p:blipFill>
+            <a:blip r:embed="rId2">
+              <a:extLst>
+                <a:ext uri="{28A0092B-C50C-407E-A947-70E740481C1C}">
+                  <a14:useLocalDpi xmlns:a14="http://schemas.microsoft.com/office/drawing/2010/main" val="0"/>
+                </a:ext>
+              </a:extLst>
+            </a:blip>
+            <a:stretch>
+              <a:fillRect/>
+            </a:stretch>
+          </p:blipFill>
+          <p:spPr>
+            <a:xfrm>
+              <a:off x="8159721" y="1065325"/>
+              <a:ext cx="957623" cy="575213"/>
+            </a:xfrm>
+            <a:prstGeom prst="rect">
+              <a:avLst/>
+            </a:prstGeom>
+          </p:spPr>
+        </p:pic>
+        <p:pic>
+          <p:nvPicPr>
+            <p:cNvPr id="6" name="Picture 5" descr="mda.png">
+              <a:extLst>
+                <a:ext uri="{FF2B5EF4-FFF2-40B4-BE49-F238E27FC236}">
+                  <a16:creationId xmlns:a16="http://schemas.microsoft.com/office/drawing/2014/main" id="{B347323D-2D32-46E0-893E-9B74B114A93C}"/>
+                </a:ext>
+              </a:extLst>
+            </p:cNvPr>
+            <p:cNvPicPr>
+              <a:picLocks noChangeAspect="1"/>
+            </p:cNvPicPr>
+            <p:nvPr/>
+          </p:nvPicPr>
+          <p:blipFill>
+            <a:blip r:embed="rId3">
+              <a:extLst>
+                <a:ext uri="{28A0092B-C50C-407E-A947-70E740481C1C}">
+                  <a14:useLocalDpi xmlns:a14="http://schemas.microsoft.com/office/drawing/2010/main" val="0"/>
+                </a:ext>
+              </a:extLst>
+            </a:blip>
+            <a:stretch>
+              <a:fillRect/>
+            </a:stretch>
+          </p:blipFill>
+          <p:spPr>
+            <a:xfrm>
+              <a:off x="128706" y="1011199"/>
+              <a:ext cx="3050391" cy="316991"/>
+            </a:xfrm>
+            <a:prstGeom prst="rect">
+              <a:avLst/>
+            </a:prstGeom>
+          </p:spPr>
+        </p:pic>
+      </p:grpSp>
+    </p:spTree>
+    <p:extLst>
+      <p:ext uri="{BB962C8B-B14F-4D97-AF65-F5344CB8AC3E}">
+        <p14:creationId xmlns:p14="http://schemas.microsoft.com/office/powerpoint/2010/main" val="3641404996"/>
+      </p:ext>
+    </p:extLst>
+  </p:cSld>
+  <p:clrMapOvr>
+    <a:masterClrMapping/>
+  </p:clrMapOvr>
+</p:sld>
+</file>
+
+<file path=ppt/slides/slide12.xml><?xml version="1.0" encoding="utf-8"?>
+<p:sld xmlns:a="http://schemas.openxmlformats.org/drawingml/2006/main" xmlns:r="http://schemas.openxmlformats.org/officeDocument/2006/relationships" xmlns:p="http://schemas.openxmlformats.org/presentationml/2006/main">
+  <p:cSld>
+    <p:spTree>
+      <p:nvGrpSpPr>
+        <p:cNvPr id="1" name=""/>
+        <p:cNvGrpSpPr/>
+        <p:nvPr/>
+      </p:nvGrpSpPr>
+      <p:grpSpPr>
+        <a:xfrm>
+          <a:off x="0" y="0"/>
+          <a:ext cx="0" cy="0"/>
+          <a:chOff x="0" y="0"/>
+          <a:chExt cx="0" cy="0"/>
+        </a:xfrm>
+      </p:grpSpPr>
+      <p:sp>
+        <p:nvSpPr>
+          <p:cNvPr id="2" name="Title 1">
+            <a:extLst>
+              <a:ext uri="{FF2B5EF4-FFF2-40B4-BE49-F238E27FC236}">
+                <a16:creationId xmlns:a16="http://schemas.microsoft.com/office/drawing/2014/main" id="{EAB4C2F3-4F70-4283-9A80-4338A0A2701D}"/>
+              </a:ext>
+            </a:extLst>
+          </p:cNvPr>
+          <p:cNvSpPr>
+            <a:spLocks noGrp="1"/>
+          </p:cNvSpPr>
+          <p:nvPr>
+            <p:ph type="title"/>
           </p:nvPr>
         </p:nvSpPr>
         <p:spPr>
           <a:xfrm>
-            <a:off x="838200" y="1497107"/>
-            <a:ext cx="10515600" cy="4995768"/>
+            <a:off x="1467970" y="821087"/>
+            <a:ext cx="9256059" cy="737534"/>
+          </a:xfrm>
+        </p:spPr>
+        <p:txBody>
+          <a:bodyPr/>
+          <a:lstStyle/>
+          <a:p>
+            <a:r>
+              <a:rPr lang="en-US" b="1" dirty="0"/>
+              <a:t>Machine learning vs. traditional method</a:t>
+            </a:r>
+          </a:p>
+        </p:txBody>
+      </p:sp>
+      <p:grpSp>
+        <p:nvGrpSpPr>
+          <p:cNvPr id="4" name="Group 3">
+            <a:extLst>
+              <a:ext uri="{FF2B5EF4-FFF2-40B4-BE49-F238E27FC236}">
+                <a16:creationId xmlns:a16="http://schemas.microsoft.com/office/drawing/2014/main" id="{B8FA73C2-9F06-4EED-8505-E91969978137}"/>
+              </a:ext>
+            </a:extLst>
+          </p:cNvPr>
+          <p:cNvGrpSpPr/>
+          <p:nvPr/>
+        </p:nvGrpSpPr>
+        <p:grpSpPr>
+          <a:xfrm>
+            <a:off x="90394" y="84767"/>
+            <a:ext cx="12011959" cy="1105087"/>
+            <a:chOff x="128705" y="1011199"/>
+            <a:chExt cx="8988639" cy="629339"/>
+          </a:xfrm>
+        </p:grpSpPr>
+        <p:sp>
+          <p:nvSpPr>
+            <p:cNvPr id="5" name="Rectangle 4">
+              <a:extLst>
+                <a:ext uri="{FF2B5EF4-FFF2-40B4-BE49-F238E27FC236}">
+                  <a16:creationId xmlns:a16="http://schemas.microsoft.com/office/drawing/2014/main" id="{4502D0F8-CD78-4A00-8D82-DACF93C3A068}"/>
+                </a:ext>
+              </a:extLst>
+            </p:cNvPr>
+            <p:cNvSpPr/>
+            <p:nvPr/>
+          </p:nvSpPr>
+          <p:spPr>
+            <a:xfrm>
+              <a:off x="128705" y="1351101"/>
+              <a:ext cx="8565550" cy="45719"/>
+            </a:xfrm>
+            <a:prstGeom prst="rect">
+              <a:avLst/>
+            </a:prstGeom>
+            <a:solidFill>
+              <a:srgbClr val="000000"/>
+            </a:solidFill>
+            <a:ln>
+              <a:noFill/>
+            </a:ln>
+            <a:effectLst/>
+          </p:spPr>
+          <p:style>
+            <a:lnRef idx="1">
+              <a:schemeClr val="accent1"/>
+            </a:lnRef>
+            <a:fillRef idx="3">
+              <a:schemeClr val="accent1"/>
+            </a:fillRef>
+            <a:effectRef idx="2">
+              <a:schemeClr val="accent1"/>
+            </a:effectRef>
+            <a:fontRef idx="minor">
+              <a:schemeClr val="lt1"/>
+            </a:fontRef>
+          </p:style>
+          <p:txBody>
+            <a:bodyPr rtlCol="0" anchor="ctr"/>
+            <a:lstStyle/>
+            <a:p>
+              <a:pPr algn="ctr"/>
+              <a:endParaRPr lang="en-US">
+                <a:solidFill>
+                  <a:prstClr val="white"/>
+                </a:solidFill>
+              </a:endParaRPr>
+            </a:p>
+          </p:txBody>
+        </p:sp>
+        <p:pic>
+          <p:nvPicPr>
+            <p:cNvPr id="6" name="Picture 5" descr="camel_logo_notext_transparent.tif">
+              <a:extLst>
+                <a:ext uri="{FF2B5EF4-FFF2-40B4-BE49-F238E27FC236}">
+                  <a16:creationId xmlns:a16="http://schemas.microsoft.com/office/drawing/2014/main" id="{A901A3E7-70DC-47C1-BF5E-4C4338693C86}"/>
+                </a:ext>
+              </a:extLst>
+            </p:cNvPr>
+            <p:cNvPicPr>
+              <a:picLocks noChangeAspect="1"/>
+            </p:cNvPicPr>
+            <p:nvPr/>
+          </p:nvPicPr>
+          <p:blipFill>
+            <a:blip r:embed="rId2">
+              <a:extLst>
+                <a:ext uri="{28A0092B-C50C-407E-A947-70E740481C1C}">
+                  <a14:useLocalDpi xmlns:a14="http://schemas.microsoft.com/office/drawing/2010/main" val="0"/>
+                </a:ext>
+              </a:extLst>
+            </a:blip>
+            <a:stretch>
+              <a:fillRect/>
+            </a:stretch>
+          </p:blipFill>
+          <p:spPr>
+            <a:xfrm>
+              <a:off x="8159721" y="1065325"/>
+              <a:ext cx="957623" cy="575213"/>
+            </a:xfrm>
+            <a:prstGeom prst="rect">
+              <a:avLst/>
+            </a:prstGeom>
+          </p:spPr>
+        </p:pic>
+        <p:pic>
+          <p:nvPicPr>
+            <p:cNvPr id="7" name="Picture 6" descr="mda.png">
+              <a:extLst>
+                <a:ext uri="{FF2B5EF4-FFF2-40B4-BE49-F238E27FC236}">
+                  <a16:creationId xmlns:a16="http://schemas.microsoft.com/office/drawing/2014/main" id="{33135C37-7822-4B54-A9DD-4A93A2A6E811}"/>
+                </a:ext>
+              </a:extLst>
+            </p:cNvPr>
+            <p:cNvPicPr>
+              <a:picLocks noChangeAspect="1"/>
+            </p:cNvPicPr>
+            <p:nvPr/>
+          </p:nvPicPr>
+          <p:blipFill>
+            <a:blip r:embed="rId3">
+              <a:extLst>
+                <a:ext uri="{28A0092B-C50C-407E-A947-70E740481C1C}">
+                  <a14:useLocalDpi xmlns:a14="http://schemas.microsoft.com/office/drawing/2010/main" val="0"/>
+                </a:ext>
+              </a:extLst>
+            </a:blip>
+            <a:stretch>
+              <a:fillRect/>
+            </a:stretch>
+          </p:blipFill>
+          <p:spPr>
+            <a:xfrm>
+              <a:off x="128706" y="1011199"/>
+              <a:ext cx="3050391" cy="316991"/>
+            </a:xfrm>
+            <a:prstGeom prst="rect">
+              <a:avLst/>
+            </a:prstGeom>
+          </p:spPr>
+        </p:pic>
+      </p:grpSp>
+      <p:sp>
+        <p:nvSpPr>
+          <p:cNvPr id="8" name="Content Placeholder 2">
+            <a:extLst>
+              <a:ext uri="{FF2B5EF4-FFF2-40B4-BE49-F238E27FC236}">
+                <a16:creationId xmlns:a16="http://schemas.microsoft.com/office/drawing/2014/main" id="{F3DAD962-BE99-4EE1-A9BE-3797A42237E3}"/>
+              </a:ext>
+            </a:extLst>
+          </p:cNvPr>
+          <p:cNvSpPr>
+            <a:spLocks noGrp="1"/>
+          </p:cNvSpPr>
+          <p:nvPr>
+            <p:ph idx="1"/>
+          </p:nvPr>
+        </p:nvSpPr>
+        <p:spPr>
+          <a:xfrm>
+            <a:off x="632011" y="2300818"/>
+            <a:ext cx="10762129" cy="3633817"/>
+          </a:xfrm>
+        </p:spPr>
+        <p:txBody>
+          <a:bodyPr>
+            <a:normAutofit lnSpcReduction="10000"/>
+          </a:bodyPr>
+          <a:lstStyle/>
+          <a:p>
+            <a:r>
+              <a:rPr lang="en-US" dirty="0"/>
+              <a:t>Measure Hb and HbO2 fractions using traditional unmixing method and machine learning alternatives under low and high SNR conditions.</a:t>
+            </a:r>
+          </a:p>
+          <a:p>
+            <a:pPr lvl="1">
+              <a:buFont typeface="Courier New" panose="02070309020205020404" pitchFamily="49" charset="0"/>
+              <a:buChar char="o"/>
+            </a:pPr>
+            <a:r>
+              <a:rPr lang="en-US" dirty="0"/>
+              <a:t>Densely sampled spectrum will be used for this part of analysis.</a:t>
+            </a:r>
+          </a:p>
+          <a:p>
+            <a:pPr lvl="1">
+              <a:buFont typeface="Courier New" panose="02070309020205020404" pitchFamily="49" charset="0"/>
+              <a:buChar char="o"/>
+            </a:pPr>
+            <a:r>
+              <a:rPr lang="en-US" dirty="0"/>
+              <a:t>Data collected will be very clean (high SNR)</a:t>
+            </a:r>
+          </a:p>
+          <a:p>
+            <a:pPr lvl="1">
+              <a:buFont typeface="Courier New" panose="02070309020205020404" pitchFamily="49" charset="0"/>
+              <a:buChar char="o"/>
+            </a:pPr>
+            <a:r>
+              <a:rPr lang="en-US" dirty="0"/>
+              <a:t>“Noisy” spectra will by simulated by adding gaussian noise to clean spectra.</a:t>
+            </a:r>
+          </a:p>
+          <a:p>
+            <a:pPr lvl="1">
+              <a:buFont typeface="Courier New" panose="02070309020205020404" pitchFamily="49" charset="0"/>
+              <a:buChar char="o"/>
+            </a:pPr>
+            <a:endParaRPr lang="en-US" dirty="0"/>
+          </a:p>
+          <a:p>
+            <a:r>
+              <a:rPr lang="en-US" dirty="0"/>
+              <a:t>Quantify accuracy (RMSE) of each methods’ estimate of Hb and HbO2. </a:t>
+            </a:r>
+          </a:p>
+          <a:p>
+            <a:pPr lvl="1">
+              <a:buFont typeface="Courier New" panose="02070309020205020404" pitchFamily="49" charset="0"/>
+              <a:buChar char="o"/>
+            </a:pPr>
+            <a:r>
+              <a:rPr lang="en-US" dirty="0"/>
+              <a:t>Cross-Validation performance will be used to compare methods.</a:t>
+            </a:r>
+          </a:p>
+          <a:p>
+            <a:pPr lvl="1">
+              <a:buFont typeface="Courier New" panose="02070309020205020404" pitchFamily="49" charset="0"/>
+              <a:buChar char="o"/>
+            </a:pPr>
+            <a:r>
+              <a:rPr lang="en-US" dirty="0"/>
+              <a:t>Is the best method the same under varying levels of noise?</a:t>
+            </a:r>
+          </a:p>
+        </p:txBody>
+      </p:sp>
+    </p:spTree>
+    <p:extLst>
+      <p:ext uri="{BB962C8B-B14F-4D97-AF65-F5344CB8AC3E}">
+        <p14:creationId xmlns:p14="http://schemas.microsoft.com/office/powerpoint/2010/main" val="1021032332"/>
+      </p:ext>
+    </p:extLst>
+  </p:cSld>
+  <p:clrMapOvr>
+    <a:masterClrMapping/>
+  </p:clrMapOvr>
+</p:sld>
+</file>
+
+<file path=ppt/slides/slide13.xml><?xml version="1.0" encoding="utf-8"?>
+<p:sld xmlns:a="http://schemas.openxmlformats.org/drawingml/2006/main" xmlns:r="http://schemas.openxmlformats.org/officeDocument/2006/relationships" xmlns:p="http://schemas.openxmlformats.org/presentationml/2006/main">
+  <p:cSld>
+    <p:spTree>
+      <p:nvGrpSpPr>
+        <p:cNvPr id="1" name=""/>
+        <p:cNvGrpSpPr/>
+        <p:nvPr/>
+      </p:nvGrpSpPr>
+      <p:grpSpPr>
+        <a:xfrm>
+          <a:off x="0" y="0"/>
+          <a:ext cx="0" cy="0"/>
+          <a:chOff x="0" y="0"/>
+          <a:chExt cx="0" cy="0"/>
+        </a:xfrm>
+      </p:grpSpPr>
+      <p:sp>
+        <p:nvSpPr>
+          <p:cNvPr id="2" name="Title 1">
+            <a:extLst>
+              <a:ext uri="{FF2B5EF4-FFF2-40B4-BE49-F238E27FC236}">
+                <a16:creationId xmlns:a16="http://schemas.microsoft.com/office/drawing/2014/main" id="{EAB4C2F3-4F70-4283-9A80-4338A0A2701D}"/>
+              </a:ext>
+            </a:extLst>
+          </p:cNvPr>
+          <p:cNvSpPr>
+            <a:spLocks noGrp="1"/>
+          </p:cNvSpPr>
+          <p:nvPr>
+            <p:ph type="title"/>
+          </p:nvPr>
+        </p:nvSpPr>
+        <p:spPr>
+          <a:xfrm>
+            <a:off x="-85165" y="999207"/>
+            <a:ext cx="12362330" cy="809251"/>
+          </a:xfrm>
+        </p:spPr>
+        <p:txBody>
+          <a:bodyPr>
+            <a:normAutofit fontScale="90000"/>
+          </a:bodyPr>
+          <a:lstStyle/>
+          <a:p>
+            <a:r>
+              <a:rPr lang="en-US" b="1" dirty="0"/>
+              <a:t>Optimize wavelengths to collect using best unmixing method</a:t>
+            </a:r>
+          </a:p>
+        </p:txBody>
+      </p:sp>
+      <p:grpSp>
+        <p:nvGrpSpPr>
+          <p:cNvPr id="4" name="Group 3">
+            <a:extLst>
+              <a:ext uri="{FF2B5EF4-FFF2-40B4-BE49-F238E27FC236}">
+                <a16:creationId xmlns:a16="http://schemas.microsoft.com/office/drawing/2014/main" id="{0BAF4C10-B5EE-4BE0-A20D-9285BC97F53B}"/>
+              </a:ext>
+            </a:extLst>
+          </p:cNvPr>
+          <p:cNvGrpSpPr/>
+          <p:nvPr/>
+        </p:nvGrpSpPr>
+        <p:grpSpPr>
+          <a:xfrm>
+            <a:off x="90394" y="84767"/>
+            <a:ext cx="12011959" cy="1105087"/>
+            <a:chOff x="128705" y="1011199"/>
+            <a:chExt cx="8988639" cy="629339"/>
+          </a:xfrm>
+        </p:grpSpPr>
+        <p:sp>
+          <p:nvSpPr>
+            <p:cNvPr id="5" name="Rectangle 4">
+              <a:extLst>
+                <a:ext uri="{FF2B5EF4-FFF2-40B4-BE49-F238E27FC236}">
+                  <a16:creationId xmlns:a16="http://schemas.microsoft.com/office/drawing/2014/main" id="{03241AB7-8EEE-4471-BEC5-6AD57326766F}"/>
+                </a:ext>
+              </a:extLst>
+            </p:cNvPr>
+            <p:cNvSpPr/>
+            <p:nvPr/>
+          </p:nvSpPr>
+          <p:spPr>
+            <a:xfrm>
+              <a:off x="128705" y="1351101"/>
+              <a:ext cx="8565550" cy="45719"/>
+            </a:xfrm>
+            <a:prstGeom prst="rect">
+              <a:avLst/>
+            </a:prstGeom>
+            <a:solidFill>
+              <a:srgbClr val="000000"/>
+            </a:solidFill>
+            <a:ln>
+              <a:noFill/>
+            </a:ln>
+            <a:effectLst/>
+          </p:spPr>
+          <p:style>
+            <a:lnRef idx="1">
+              <a:schemeClr val="accent1"/>
+            </a:lnRef>
+            <a:fillRef idx="3">
+              <a:schemeClr val="accent1"/>
+            </a:fillRef>
+            <a:effectRef idx="2">
+              <a:schemeClr val="accent1"/>
+            </a:effectRef>
+            <a:fontRef idx="minor">
+              <a:schemeClr val="lt1"/>
+            </a:fontRef>
+          </p:style>
+          <p:txBody>
+            <a:bodyPr rtlCol="0" anchor="ctr"/>
+            <a:lstStyle/>
+            <a:p>
+              <a:pPr algn="ctr"/>
+              <a:endParaRPr lang="en-US">
+                <a:solidFill>
+                  <a:prstClr val="white"/>
+                </a:solidFill>
+              </a:endParaRPr>
+            </a:p>
+          </p:txBody>
+        </p:sp>
+        <p:pic>
+          <p:nvPicPr>
+            <p:cNvPr id="6" name="Picture 5" descr="camel_logo_notext_transparent.tif">
+              <a:extLst>
+                <a:ext uri="{FF2B5EF4-FFF2-40B4-BE49-F238E27FC236}">
+                  <a16:creationId xmlns:a16="http://schemas.microsoft.com/office/drawing/2014/main" id="{6D7D1715-8921-485C-909F-36AF5C94399E}"/>
+                </a:ext>
+              </a:extLst>
+            </p:cNvPr>
+            <p:cNvPicPr>
+              <a:picLocks noChangeAspect="1"/>
+            </p:cNvPicPr>
+            <p:nvPr/>
+          </p:nvPicPr>
+          <p:blipFill>
+            <a:blip r:embed="rId2">
+              <a:extLst>
+                <a:ext uri="{28A0092B-C50C-407E-A947-70E740481C1C}">
+                  <a14:useLocalDpi xmlns:a14="http://schemas.microsoft.com/office/drawing/2010/main" val="0"/>
+                </a:ext>
+              </a:extLst>
+            </a:blip>
+            <a:stretch>
+              <a:fillRect/>
+            </a:stretch>
+          </p:blipFill>
+          <p:spPr>
+            <a:xfrm>
+              <a:off x="8159721" y="1065325"/>
+              <a:ext cx="957623" cy="575213"/>
+            </a:xfrm>
+            <a:prstGeom prst="rect">
+              <a:avLst/>
+            </a:prstGeom>
+          </p:spPr>
+        </p:pic>
+        <p:pic>
+          <p:nvPicPr>
+            <p:cNvPr id="7" name="Picture 6" descr="mda.png">
+              <a:extLst>
+                <a:ext uri="{FF2B5EF4-FFF2-40B4-BE49-F238E27FC236}">
+                  <a16:creationId xmlns:a16="http://schemas.microsoft.com/office/drawing/2014/main" id="{8313BCD6-1148-491E-B1D8-FF1379903B37}"/>
+                </a:ext>
+              </a:extLst>
+            </p:cNvPr>
+            <p:cNvPicPr>
+              <a:picLocks noChangeAspect="1"/>
+            </p:cNvPicPr>
+            <p:nvPr/>
+          </p:nvPicPr>
+          <p:blipFill>
+            <a:blip r:embed="rId3">
+              <a:extLst>
+                <a:ext uri="{28A0092B-C50C-407E-A947-70E740481C1C}">
+                  <a14:useLocalDpi xmlns:a14="http://schemas.microsoft.com/office/drawing/2010/main" val="0"/>
+                </a:ext>
+              </a:extLst>
+            </a:blip>
+            <a:stretch>
+              <a:fillRect/>
+            </a:stretch>
+          </p:blipFill>
+          <p:spPr>
+            <a:xfrm>
+              <a:off x="128706" y="1011199"/>
+              <a:ext cx="3050391" cy="316991"/>
+            </a:xfrm>
+            <a:prstGeom prst="rect">
+              <a:avLst/>
+            </a:prstGeom>
+          </p:spPr>
+        </p:pic>
+      </p:grpSp>
+      <p:sp>
+        <p:nvSpPr>
+          <p:cNvPr id="8" name="Content Placeholder 2">
+            <a:extLst>
+              <a:ext uri="{FF2B5EF4-FFF2-40B4-BE49-F238E27FC236}">
+                <a16:creationId xmlns:a16="http://schemas.microsoft.com/office/drawing/2014/main" id="{1A58A4FC-912F-4880-BCD5-BC2E4B7BF7FC}"/>
+              </a:ext>
+            </a:extLst>
+          </p:cNvPr>
+          <p:cNvSpPr>
+            <a:spLocks noGrp="1"/>
+          </p:cNvSpPr>
+          <p:nvPr>
+            <p:ph idx="1"/>
+          </p:nvPr>
+        </p:nvSpPr>
+        <p:spPr>
+          <a:xfrm>
+            <a:off x="461682" y="2794964"/>
+            <a:ext cx="11506199" cy="2341812"/>
           </a:xfrm>
         </p:spPr>
         <p:txBody>
@@ -3491,9 +8064,36 @@
           </a:bodyPr>
           <a:lstStyle/>
           <a:p>
-            <a:pPr marL="0" indent="0">
-              <a:buNone/>
+            <a:r>
+              <a:rPr lang="en-US" dirty="0"/>
+              <a:t>Identify unmixing method that performs best with densely sampled spectra.</a:t>
+            </a:r>
+          </a:p>
+          <a:p>
+            <a:pPr lvl="1">
+              <a:buFont typeface="Courier New" panose="02070309020205020404" pitchFamily="49" charset="0"/>
+              <a:buChar char="o"/>
             </a:pPr>
+            <a:endParaRPr lang="en-US" dirty="0"/>
+          </a:p>
+          <a:p>
+            <a:r>
+              <a:rPr lang="en-US" dirty="0"/>
+              <a:t>Using best method, determine which X wavelengths result in most accurate Hb and HbO2 estimation?</a:t>
+            </a:r>
+          </a:p>
+          <a:p>
+            <a:pPr lvl="1">
+              <a:buFont typeface="Courier New" panose="02070309020205020404" pitchFamily="49" charset="0"/>
+              <a:buChar char="o"/>
+            </a:pPr>
+            <a:r>
+              <a:rPr lang="en-US" dirty="0"/>
+              <a:t>Is the answer the same under varying levels of noise?</a:t>
+            </a:r>
+          </a:p>
+          <a:p>
+            <a:pPr lvl="1"/>
             <a:endParaRPr lang="en-US" dirty="0"/>
           </a:p>
         </p:txBody>
@@ -3544,7 +8144,12 @@
             <p:ph type="title"/>
           </p:nvPr>
         </p:nvSpPr>
-        <p:spPr/>
+        <p:spPr>
+          <a:xfrm>
+            <a:off x="0" y="737450"/>
+            <a:ext cx="3249706" cy="1105087"/>
+          </a:xfrm>
+        </p:spPr>
         <p:txBody>
           <a:bodyPr/>
           <a:lstStyle/>
@@ -3572,9 +8177,16 @@
             <p:ph idx="1"/>
           </p:nvPr>
         </p:nvSpPr>
-        <p:spPr/>
-        <p:txBody>
-          <a:bodyPr/>
+        <p:spPr>
+          <a:xfrm>
+            <a:off x="183087" y="2471794"/>
+            <a:ext cx="7965831" cy="2803645"/>
+          </a:xfrm>
+        </p:spPr>
+        <p:txBody>
+          <a:bodyPr>
+            <a:normAutofit/>
+          </a:bodyPr>
           <a:lstStyle/>
           <a:p>
             <a:r>
@@ -3593,27 +8205,243 @@
             </a:pPr>
             <a:r>
               <a:rPr lang="en-US" dirty="0"/>
-              <a:t>MSOT spectra contain information relevant to clinicians, such as tumor oxygenation and vascular perfusion</a:t>
-            </a:r>
-          </a:p>
-          <a:p>
-            <a:endParaRPr lang="en-US" dirty="0"/>
-          </a:p>
-          <a:p>
-            <a:r>
-              <a:rPr lang="en-US" dirty="0"/>
-              <a:t>MSOT spectra are currently evaluated using a spectral unmixing technique that works well under noise-free conditions, but poorly under noisy conditions.</a:t>
-            </a:r>
-          </a:p>
-          <a:p>
-            <a:pPr lvl="1">
-              <a:buFont typeface="Courier New" panose="02070309020205020404" pitchFamily="49" charset="0"/>
-              <a:buChar char="o"/>
-            </a:pPr>
-            <a:r>
-              <a:rPr lang="en-US" dirty="0"/>
-              <a:t>Machine learning algorithms may perform better under noisy conditions.</a:t>
-            </a:r>
+              <a:t>E.g., MSOT can be used to measure tumor oxygenation levels and degree of vascular perfusion.</a:t>
+            </a:r>
+          </a:p>
+        </p:txBody>
+      </p:sp>
+      <p:grpSp>
+        <p:nvGrpSpPr>
+          <p:cNvPr id="4" name="Group 3">
+            <a:extLst>
+              <a:ext uri="{FF2B5EF4-FFF2-40B4-BE49-F238E27FC236}">
+                <a16:creationId xmlns:a16="http://schemas.microsoft.com/office/drawing/2014/main" id="{0C87B48C-2AED-4CF6-8352-61BA89CF5804}"/>
+              </a:ext>
+            </a:extLst>
+          </p:cNvPr>
+          <p:cNvGrpSpPr/>
+          <p:nvPr/>
+        </p:nvGrpSpPr>
+        <p:grpSpPr>
+          <a:xfrm>
+            <a:off x="90394" y="84767"/>
+            <a:ext cx="12011959" cy="1105087"/>
+            <a:chOff x="128705" y="1011199"/>
+            <a:chExt cx="8988639" cy="629339"/>
+          </a:xfrm>
+        </p:grpSpPr>
+        <p:sp>
+          <p:nvSpPr>
+            <p:cNvPr id="5" name="Rectangle 4">
+              <a:extLst>
+                <a:ext uri="{FF2B5EF4-FFF2-40B4-BE49-F238E27FC236}">
+                  <a16:creationId xmlns:a16="http://schemas.microsoft.com/office/drawing/2014/main" id="{FEBA4720-A4F8-42D7-A71B-6BBBFFD313A4}"/>
+                </a:ext>
+              </a:extLst>
+            </p:cNvPr>
+            <p:cNvSpPr/>
+            <p:nvPr/>
+          </p:nvSpPr>
+          <p:spPr>
+            <a:xfrm>
+              <a:off x="128705" y="1351101"/>
+              <a:ext cx="8565550" cy="45719"/>
+            </a:xfrm>
+            <a:prstGeom prst="rect">
+              <a:avLst/>
+            </a:prstGeom>
+            <a:solidFill>
+              <a:srgbClr val="000000"/>
+            </a:solidFill>
+            <a:ln>
+              <a:noFill/>
+            </a:ln>
+            <a:effectLst/>
+          </p:spPr>
+          <p:style>
+            <a:lnRef idx="1">
+              <a:schemeClr val="accent1"/>
+            </a:lnRef>
+            <a:fillRef idx="3">
+              <a:schemeClr val="accent1"/>
+            </a:fillRef>
+            <a:effectRef idx="2">
+              <a:schemeClr val="accent1"/>
+            </a:effectRef>
+            <a:fontRef idx="minor">
+              <a:schemeClr val="lt1"/>
+            </a:fontRef>
+          </p:style>
+          <p:txBody>
+            <a:bodyPr rtlCol="0" anchor="ctr"/>
+            <a:lstStyle/>
+            <a:p>
+              <a:pPr algn="ctr"/>
+              <a:endParaRPr lang="en-US">
+                <a:solidFill>
+                  <a:prstClr val="white"/>
+                </a:solidFill>
+              </a:endParaRPr>
+            </a:p>
+          </p:txBody>
+        </p:sp>
+        <p:pic>
+          <p:nvPicPr>
+            <p:cNvPr id="6" name="Picture 5" descr="camel_logo_notext_transparent.tif">
+              <a:extLst>
+                <a:ext uri="{FF2B5EF4-FFF2-40B4-BE49-F238E27FC236}">
+                  <a16:creationId xmlns:a16="http://schemas.microsoft.com/office/drawing/2014/main" id="{576CD851-C0C4-4C9B-810C-098531F74BC2}"/>
+                </a:ext>
+              </a:extLst>
+            </p:cNvPr>
+            <p:cNvPicPr>
+              <a:picLocks noChangeAspect="1"/>
+            </p:cNvPicPr>
+            <p:nvPr/>
+          </p:nvPicPr>
+          <p:blipFill>
+            <a:blip r:embed="rId2">
+              <a:extLst>
+                <a:ext uri="{28A0092B-C50C-407E-A947-70E740481C1C}">
+                  <a14:useLocalDpi xmlns:a14="http://schemas.microsoft.com/office/drawing/2010/main" val="0"/>
+                </a:ext>
+              </a:extLst>
+            </a:blip>
+            <a:stretch>
+              <a:fillRect/>
+            </a:stretch>
+          </p:blipFill>
+          <p:spPr>
+            <a:xfrm>
+              <a:off x="8159721" y="1065325"/>
+              <a:ext cx="957623" cy="575213"/>
+            </a:xfrm>
+            <a:prstGeom prst="rect">
+              <a:avLst/>
+            </a:prstGeom>
+          </p:spPr>
+        </p:pic>
+        <p:pic>
+          <p:nvPicPr>
+            <p:cNvPr id="7" name="Picture 6" descr="mda.png">
+              <a:extLst>
+                <a:ext uri="{FF2B5EF4-FFF2-40B4-BE49-F238E27FC236}">
+                  <a16:creationId xmlns:a16="http://schemas.microsoft.com/office/drawing/2014/main" id="{9CCE27CA-4E99-49CA-974B-AD016F40F29D}"/>
+                </a:ext>
+              </a:extLst>
+            </p:cNvPr>
+            <p:cNvPicPr>
+              <a:picLocks noChangeAspect="1"/>
+            </p:cNvPicPr>
+            <p:nvPr/>
+          </p:nvPicPr>
+          <p:blipFill>
+            <a:blip r:embed="rId3">
+              <a:extLst>
+                <a:ext uri="{28A0092B-C50C-407E-A947-70E740481C1C}">
+                  <a14:useLocalDpi xmlns:a14="http://schemas.microsoft.com/office/drawing/2010/main" val="0"/>
+                </a:ext>
+              </a:extLst>
+            </a:blip>
+            <a:stretch>
+              <a:fillRect/>
+            </a:stretch>
+          </p:blipFill>
+          <p:spPr>
+            <a:xfrm>
+              <a:off x="128706" y="1011199"/>
+              <a:ext cx="3050391" cy="316991"/>
+            </a:xfrm>
+            <a:prstGeom prst="rect">
+              <a:avLst/>
+            </a:prstGeom>
+          </p:spPr>
+        </p:pic>
+      </p:grpSp>
+      <p:pic>
+        <p:nvPicPr>
+          <p:cNvPr id="1026" name="Picture 2" descr="MSOT inVision - iThera">
+            <a:extLst>
+              <a:ext uri="{FF2B5EF4-FFF2-40B4-BE49-F238E27FC236}">
+                <a16:creationId xmlns:a16="http://schemas.microsoft.com/office/drawing/2014/main" id="{50E662AD-9DDB-46E2-B4CD-408E4BE8145A}"/>
+              </a:ext>
+            </a:extLst>
+          </p:cNvPr>
+          <p:cNvPicPr>
+            <a:picLocks noChangeAspect="1" noChangeArrowheads="1"/>
+          </p:cNvPicPr>
+          <p:nvPr/>
+        </p:nvPicPr>
+        <p:blipFill>
+          <a:blip r:embed="rId4">
+            <a:extLst>
+              <a:ext uri="{28A0092B-C50C-407E-A947-70E740481C1C}">
+                <a14:useLocalDpi xmlns:a14="http://schemas.microsoft.com/office/drawing/2010/main" val="0"/>
+              </a:ext>
+            </a:extLst>
+          </a:blip>
+          <a:srcRect/>
+          <a:stretch>
+            <a:fillRect/>
+          </a:stretch>
+        </p:blipFill>
+        <p:spPr bwMode="auto">
+          <a:xfrm>
+            <a:off x="8332902" y="1116609"/>
+            <a:ext cx="3676011" cy="5514016"/>
+          </a:xfrm>
+          <a:prstGeom prst="rect">
+            <a:avLst/>
+          </a:prstGeom>
+          <a:noFill/>
+          <a:extLst>
+            <a:ext uri="{909E8E84-426E-40DD-AFC4-6F175D3DCCD1}">
+              <a14:hiddenFill xmlns:a14="http://schemas.microsoft.com/office/drawing/2010/main">
+                <a:solidFill>
+                  <a:srgbClr val="FFFFFF"/>
+                </a:solidFill>
+              </a14:hiddenFill>
+            </a:ext>
+          </a:extLst>
+        </p:spPr>
+      </p:pic>
+      <p:sp>
+        <p:nvSpPr>
+          <p:cNvPr id="8" name="TextBox 7">
+            <a:extLst>
+              <a:ext uri="{FF2B5EF4-FFF2-40B4-BE49-F238E27FC236}">
+                <a16:creationId xmlns:a16="http://schemas.microsoft.com/office/drawing/2014/main" id="{09AF5AD7-C6EC-4235-AF06-1B10D1DB8BAA}"/>
+              </a:ext>
+            </a:extLst>
+          </p:cNvPr>
+          <p:cNvSpPr txBox="1"/>
+          <p:nvPr/>
+        </p:nvSpPr>
+        <p:spPr>
+          <a:xfrm>
+            <a:off x="9538448" y="1498642"/>
+            <a:ext cx="1786210" cy="400110"/>
+          </a:xfrm>
+          <a:prstGeom prst="rect">
+            <a:avLst/>
+          </a:prstGeom>
+          <a:noFill/>
+        </p:spPr>
+        <p:txBody>
+          <a:bodyPr wrap="square" rtlCol="0">
+            <a:spAutoFit/>
+          </a:bodyPr>
+          <a:lstStyle/>
+          <a:p>
+            <a:r>
+              <a:rPr lang="en-US" sz="2000" dirty="0"/>
+              <a:t>MSOT </a:t>
+            </a:r>
+            <a:r>
+              <a:rPr lang="en-US" sz="2000" dirty="0" err="1"/>
+              <a:t>inVision</a:t>
+            </a:r>
+            <a:endParaRPr lang="en-US" sz="2000" dirty="0"/>
           </a:p>
         </p:txBody>
       </p:sp>
@@ -3663,114 +8491,216 @@
             <p:ph type="title"/>
           </p:nvPr>
         </p:nvSpPr>
-        <p:spPr/>
-        <p:txBody>
-          <a:bodyPr/>
-          <a:lstStyle/>
-          <a:p>
-            <a:r>
-              <a:rPr lang="en-US" b="1" dirty="0"/>
-              <a:t>Purpose</a:t>
-            </a:r>
-          </a:p>
-        </p:txBody>
-      </p:sp>
-      <p:sp>
-        <p:nvSpPr>
-          <p:cNvPr id="3" name="Content Placeholder 2">
-            <a:extLst>
-              <a:ext uri="{FF2B5EF4-FFF2-40B4-BE49-F238E27FC236}">
-                <a16:creationId xmlns:a16="http://schemas.microsoft.com/office/drawing/2014/main" id="{7E7EA47C-BB5D-4E88-AB59-70CAA858D8B0}"/>
-              </a:ext>
-            </a:extLst>
-          </p:cNvPr>
-          <p:cNvSpPr>
-            <a:spLocks noGrp="1"/>
-          </p:cNvSpPr>
-          <p:nvPr>
-            <p:ph idx="1"/>
-          </p:nvPr>
-        </p:nvSpPr>
         <p:spPr>
           <a:xfrm>
-            <a:off x="838200" y="1497107"/>
-            <a:ext cx="10515600" cy="4995768"/>
+            <a:off x="0" y="862957"/>
+            <a:ext cx="7377953" cy="768621"/>
           </a:xfrm>
         </p:spPr>
         <p:txBody>
           <a:bodyPr>
-            <a:normAutofit lnSpcReduction="10000"/>
+            <a:normAutofit fontScale="90000"/>
           </a:bodyPr>
           <a:lstStyle/>
           <a:p>
             <a:r>
-              <a:rPr lang="en-US" u="sng" dirty="0"/>
-              <a:t>Purpose 1</a:t>
-            </a:r>
-            <a:r>
-              <a:rPr lang="en-US" dirty="0"/>
-              <a:t>: compare the accuracy and precision of Hemoglobin (Hb), Oxygen (O2) and ICG fractional component measurements between the traditional spectral unmixing method and machine learning methods.</a:t>
-            </a:r>
-          </a:p>
-          <a:p>
-            <a:pPr lvl="1">
-              <a:buFont typeface="Courier New" panose="02070309020205020404" pitchFamily="49" charset="0"/>
-              <a:buChar char="o"/>
-            </a:pPr>
-            <a:r>
-              <a:rPr lang="en-US" dirty="0"/>
-              <a:t>Comparisons will be done under noise-free and noisy conditions.</a:t>
-            </a:r>
-          </a:p>
-          <a:p>
-            <a:endParaRPr lang="en-US" dirty="0"/>
-          </a:p>
-          <a:p>
-            <a:r>
-              <a:rPr lang="en-US" u="sng" dirty="0"/>
-              <a:t>Purpose 2</a:t>
-            </a:r>
-            <a:r>
-              <a:rPr lang="en-US" dirty="0"/>
-              <a:t>: determine the optimal wavelength components when acquiring an MSOT spectrum</a:t>
-            </a:r>
-          </a:p>
-          <a:p>
-            <a:pPr lvl="1">
-              <a:buFont typeface="Courier New" panose="02070309020205020404" pitchFamily="49" charset="0"/>
-              <a:buChar char="o"/>
-            </a:pPr>
-            <a:r>
-              <a:rPr lang="en-US" dirty="0"/>
-              <a:t>Under in vivo conditions, it’s not realistic to acquire densely sampled spectra</a:t>
-            </a:r>
-          </a:p>
-          <a:p>
-            <a:pPr lvl="1">
-              <a:buFont typeface="Courier New" panose="02070309020205020404" pitchFamily="49" charset="0"/>
-              <a:buChar char="o"/>
-            </a:pPr>
-            <a:r>
-              <a:rPr lang="en-US" dirty="0"/>
-              <a:t>If we only have time to acquire 6 images (i.e., 6 wavelengths), what wavelengths will give the most accurate Hb, O2, and ICG measurements?</a:t>
-            </a:r>
-          </a:p>
-          <a:p>
-            <a:pPr lvl="1">
-              <a:buFont typeface="Courier New" panose="02070309020205020404" pitchFamily="49" charset="0"/>
-              <a:buChar char="o"/>
-            </a:pPr>
-            <a:r>
-              <a:rPr lang="en-US" dirty="0"/>
-              <a:t>Do machine learning methods work better than the traditional unmixing method when the MSOT spectrum is sparse?</a:t>
-            </a:r>
-          </a:p>
-        </p:txBody>
-      </p:sp>
+              <a:rPr lang="en-US" b="1" dirty="0"/>
+              <a:t>Example: Oxygen Enhanced MSOT</a:t>
+            </a:r>
+          </a:p>
+        </p:txBody>
+      </p:sp>
+      <p:grpSp>
+        <p:nvGrpSpPr>
+          <p:cNvPr id="4" name="Group 3">
+            <a:extLst>
+              <a:ext uri="{FF2B5EF4-FFF2-40B4-BE49-F238E27FC236}">
+                <a16:creationId xmlns:a16="http://schemas.microsoft.com/office/drawing/2014/main" id="{0C87B48C-2AED-4CF6-8352-61BA89CF5804}"/>
+              </a:ext>
+            </a:extLst>
+          </p:cNvPr>
+          <p:cNvGrpSpPr/>
+          <p:nvPr/>
+        </p:nvGrpSpPr>
+        <p:grpSpPr>
+          <a:xfrm>
+            <a:off x="90394" y="84767"/>
+            <a:ext cx="12011959" cy="1105087"/>
+            <a:chOff x="128705" y="1011199"/>
+            <a:chExt cx="8988639" cy="629339"/>
+          </a:xfrm>
+        </p:grpSpPr>
+        <p:sp>
+          <p:nvSpPr>
+            <p:cNvPr id="5" name="Rectangle 4">
+              <a:extLst>
+                <a:ext uri="{FF2B5EF4-FFF2-40B4-BE49-F238E27FC236}">
+                  <a16:creationId xmlns:a16="http://schemas.microsoft.com/office/drawing/2014/main" id="{FEBA4720-A4F8-42D7-A71B-6BBBFFD313A4}"/>
+                </a:ext>
+              </a:extLst>
+            </p:cNvPr>
+            <p:cNvSpPr/>
+            <p:nvPr/>
+          </p:nvSpPr>
+          <p:spPr>
+            <a:xfrm>
+              <a:off x="128705" y="1351101"/>
+              <a:ext cx="8565550" cy="45719"/>
+            </a:xfrm>
+            <a:prstGeom prst="rect">
+              <a:avLst/>
+            </a:prstGeom>
+            <a:solidFill>
+              <a:srgbClr val="000000"/>
+            </a:solidFill>
+            <a:ln>
+              <a:noFill/>
+            </a:ln>
+            <a:effectLst/>
+          </p:spPr>
+          <p:style>
+            <a:lnRef idx="1">
+              <a:schemeClr val="accent1"/>
+            </a:lnRef>
+            <a:fillRef idx="3">
+              <a:schemeClr val="accent1"/>
+            </a:fillRef>
+            <a:effectRef idx="2">
+              <a:schemeClr val="accent1"/>
+            </a:effectRef>
+            <a:fontRef idx="minor">
+              <a:schemeClr val="lt1"/>
+            </a:fontRef>
+          </p:style>
+          <p:txBody>
+            <a:bodyPr rtlCol="0" anchor="ctr"/>
+            <a:lstStyle/>
+            <a:p>
+              <a:pPr algn="ctr"/>
+              <a:endParaRPr lang="en-US">
+                <a:solidFill>
+                  <a:prstClr val="white"/>
+                </a:solidFill>
+              </a:endParaRPr>
+            </a:p>
+          </p:txBody>
+        </p:sp>
+        <p:pic>
+          <p:nvPicPr>
+            <p:cNvPr id="6" name="Picture 5" descr="camel_logo_notext_transparent.tif">
+              <a:extLst>
+                <a:ext uri="{FF2B5EF4-FFF2-40B4-BE49-F238E27FC236}">
+                  <a16:creationId xmlns:a16="http://schemas.microsoft.com/office/drawing/2014/main" id="{576CD851-C0C4-4C9B-810C-098531F74BC2}"/>
+                </a:ext>
+              </a:extLst>
+            </p:cNvPr>
+            <p:cNvPicPr>
+              <a:picLocks noChangeAspect="1"/>
+            </p:cNvPicPr>
+            <p:nvPr/>
+          </p:nvPicPr>
+          <p:blipFill>
+            <a:blip r:embed="rId2">
+              <a:extLst>
+                <a:ext uri="{28A0092B-C50C-407E-A947-70E740481C1C}">
+                  <a14:useLocalDpi xmlns:a14="http://schemas.microsoft.com/office/drawing/2010/main" val="0"/>
+                </a:ext>
+              </a:extLst>
+            </a:blip>
+            <a:stretch>
+              <a:fillRect/>
+            </a:stretch>
+          </p:blipFill>
+          <p:spPr>
+            <a:xfrm>
+              <a:off x="8159721" y="1065325"/>
+              <a:ext cx="957623" cy="575213"/>
+            </a:xfrm>
+            <a:prstGeom prst="rect">
+              <a:avLst/>
+            </a:prstGeom>
+          </p:spPr>
+        </p:pic>
+        <p:pic>
+          <p:nvPicPr>
+            <p:cNvPr id="7" name="Picture 6" descr="mda.png">
+              <a:extLst>
+                <a:ext uri="{FF2B5EF4-FFF2-40B4-BE49-F238E27FC236}">
+                  <a16:creationId xmlns:a16="http://schemas.microsoft.com/office/drawing/2014/main" id="{9CCE27CA-4E99-49CA-974B-AD016F40F29D}"/>
+                </a:ext>
+              </a:extLst>
+            </p:cNvPr>
+            <p:cNvPicPr>
+              <a:picLocks noChangeAspect="1"/>
+            </p:cNvPicPr>
+            <p:nvPr/>
+          </p:nvPicPr>
+          <p:blipFill>
+            <a:blip r:embed="rId3">
+              <a:extLst>
+                <a:ext uri="{28A0092B-C50C-407E-A947-70E740481C1C}">
+                  <a14:useLocalDpi xmlns:a14="http://schemas.microsoft.com/office/drawing/2010/main" val="0"/>
+                </a:ext>
+              </a:extLst>
+            </a:blip>
+            <a:stretch>
+              <a:fillRect/>
+            </a:stretch>
+          </p:blipFill>
+          <p:spPr>
+            <a:xfrm>
+              <a:off x="128706" y="1011199"/>
+              <a:ext cx="3050391" cy="316991"/>
+            </a:xfrm>
+            <a:prstGeom prst="rect">
+              <a:avLst/>
+            </a:prstGeom>
+          </p:spPr>
+        </p:pic>
+      </p:grpSp>
+      <p:pic>
+        <p:nvPicPr>
+          <p:cNvPr id="10" name="Picture 9">
+            <a:extLst>
+              <a:ext uri="{FF2B5EF4-FFF2-40B4-BE49-F238E27FC236}">
+                <a16:creationId xmlns:a16="http://schemas.microsoft.com/office/drawing/2014/main" id="{6D72A551-2D75-4CEB-A2FC-58C8262792C9}"/>
+              </a:ext>
+            </a:extLst>
+          </p:cNvPr>
+          <p:cNvPicPr/>
+          <p:nvPr/>
+        </p:nvPicPr>
+        <p:blipFill>
+          <a:blip r:embed="rId4">
+            <a:extLst>
+              <a:ext uri="{28A0092B-C50C-407E-A947-70E740481C1C}">
+                <a14:useLocalDpi xmlns:a14="http://schemas.microsoft.com/office/drawing/2010/main" val="0"/>
+              </a:ext>
+            </a:extLst>
+          </a:blip>
+          <a:srcRect/>
+          <a:stretch>
+            <a:fillRect/>
+          </a:stretch>
+        </p:blipFill>
+        <p:spPr bwMode="auto">
+          <a:xfrm>
+            <a:off x="1802854" y="1672458"/>
+            <a:ext cx="8597245" cy="4939646"/>
+          </a:xfrm>
+          <a:prstGeom prst="rect">
+            <a:avLst/>
+          </a:prstGeom>
+          <a:noFill/>
+          <a:ln>
+            <a:noFill/>
+          </a:ln>
+        </p:spPr>
+      </p:pic>
     </p:spTree>
     <p:extLst>
       <p:ext uri="{BB962C8B-B14F-4D97-AF65-F5344CB8AC3E}">
-        <p14:creationId xmlns:p14="http://schemas.microsoft.com/office/powerpoint/2010/main" val="3387029587"/>
+        <p14:creationId xmlns:p14="http://schemas.microsoft.com/office/powerpoint/2010/main" val="3904171326"/>
       </p:ext>
     </p:extLst>
   </p:cSld>
@@ -3815,25 +8745,228 @@
         </p:nvSpPr>
         <p:spPr>
           <a:xfrm>
-            <a:off x="2926977" y="2382183"/>
-            <a:ext cx="6485965" cy="1325563"/>
+            <a:off x="-1" y="737450"/>
+            <a:ext cx="6974541" cy="1105087"/>
           </a:xfrm>
         </p:spPr>
         <p:txBody>
+          <a:bodyPr>
+            <a:normAutofit/>
+          </a:bodyPr>
+          <a:lstStyle/>
+          <a:p>
+            <a:r>
+              <a:rPr lang="en-US" b="1" dirty="0"/>
+              <a:t>Opportunity for improvement</a:t>
+            </a:r>
+          </a:p>
+        </p:txBody>
+      </p:sp>
+      <p:sp>
+        <p:nvSpPr>
+          <p:cNvPr id="3" name="Content Placeholder 2">
+            <a:extLst>
+              <a:ext uri="{FF2B5EF4-FFF2-40B4-BE49-F238E27FC236}">
+                <a16:creationId xmlns:a16="http://schemas.microsoft.com/office/drawing/2014/main" id="{7E7EA47C-BB5D-4E88-AB59-70CAA858D8B0}"/>
+              </a:ext>
+            </a:extLst>
+          </p:cNvPr>
+          <p:cNvSpPr>
+            <a:spLocks noGrp="1"/>
+          </p:cNvSpPr>
+          <p:nvPr>
+            <p:ph idx="1"/>
+          </p:nvPr>
+        </p:nvSpPr>
+        <p:spPr>
+          <a:xfrm>
+            <a:off x="946893" y="2794321"/>
+            <a:ext cx="10515600" cy="1737338"/>
+          </a:xfrm>
+        </p:spPr>
+        <p:txBody>
           <a:bodyPr/>
           <a:lstStyle/>
           <a:p>
             <a:r>
-              <a:rPr lang="en-US" b="1" dirty="0"/>
-              <a:t>What has been done so far?</a:t>
-            </a:r>
-          </a:p>
-        </p:txBody>
-      </p:sp>
+              <a:rPr lang="en-US" dirty="0"/>
+              <a:t>The multiple signals within an MSOT spectrum can be decomposed using a simple unmixing method (slide 7).</a:t>
+            </a:r>
+          </a:p>
+          <a:p>
+            <a:pPr lvl="1">
+              <a:buFont typeface="Courier New" panose="02070309020205020404" pitchFamily="49" charset="0"/>
+              <a:buChar char="o"/>
+            </a:pPr>
+            <a:r>
+              <a:rPr lang="en-US" dirty="0"/>
+              <a:t>Works well with clean spectra, but poorly under noisy conditions.</a:t>
+            </a:r>
+          </a:p>
+          <a:p>
+            <a:pPr lvl="1">
+              <a:buFont typeface="Courier New" panose="02070309020205020404" pitchFamily="49" charset="0"/>
+              <a:buChar char="o"/>
+            </a:pPr>
+            <a:r>
+              <a:rPr lang="en-US" dirty="0"/>
+              <a:t>Machine learning algorithms may perform better when SNR is low.</a:t>
+            </a:r>
+          </a:p>
+        </p:txBody>
+      </p:sp>
+      <p:grpSp>
+        <p:nvGrpSpPr>
+          <p:cNvPr id="4" name="Group 3">
+            <a:extLst>
+              <a:ext uri="{FF2B5EF4-FFF2-40B4-BE49-F238E27FC236}">
+                <a16:creationId xmlns:a16="http://schemas.microsoft.com/office/drawing/2014/main" id="{0C87B48C-2AED-4CF6-8352-61BA89CF5804}"/>
+              </a:ext>
+            </a:extLst>
+          </p:cNvPr>
+          <p:cNvGrpSpPr/>
+          <p:nvPr/>
+        </p:nvGrpSpPr>
+        <p:grpSpPr>
+          <a:xfrm>
+            <a:off x="90394" y="84767"/>
+            <a:ext cx="12011959" cy="1105087"/>
+            <a:chOff x="128705" y="1011199"/>
+            <a:chExt cx="8988639" cy="629339"/>
+          </a:xfrm>
+        </p:grpSpPr>
+        <p:sp>
+          <p:nvSpPr>
+            <p:cNvPr id="5" name="Rectangle 4">
+              <a:extLst>
+                <a:ext uri="{FF2B5EF4-FFF2-40B4-BE49-F238E27FC236}">
+                  <a16:creationId xmlns:a16="http://schemas.microsoft.com/office/drawing/2014/main" id="{FEBA4720-A4F8-42D7-A71B-6BBBFFD313A4}"/>
+                </a:ext>
+              </a:extLst>
+            </p:cNvPr>
+            <p:cNvSpPr/>
+            <p:nvPr/>
+          </p:nvSpPr>
+          <p:spPr>
+            <a:xfrm>
+              <a:off x="128705" y="1351101"/>
+              <a:ext cx="8565550" cy="45719"/>
+            </a:xfrm>
+            <a:prstGeom prst="rect">
+              <a:avLst/>
+            </a:prstGeom>
+            <a:solidFill>
+              <a:srgbClr val="000000"/>
+            </a:solidFill>
+            <a:ln>
+              <a:noFill/>
+            </a:ln>
+            <a:effectLst/>
+          </p:spPr>
+          <p:style>
+            <a:lnRef idx="1">
+              <a:schemeClr val="accent1"/>
+            </a:lnRef>
+            <a:fillRef idx="3">
+              <a:schemeClr val="accent1"/>
+            </a:fillRef>
+            <a:effectRef idx="2">
+              <a:schemeClr val="accent1"/>
+            </a:effectRef>
+            <a:fontRef idx="minor">
+              <a:schemeClr val="lt1"/>
+            </a:fontRef>
+          </p:style>
+          <p:txBody>
+            <a:bodyPr rtlCol="0" anchor="ctr"/>
+            <a:lstStyle/>
+            <a:p>
+              <a:pPr algn="ctr"/>
+              <a:endParaRPr lang="en-US">
+                <a:solidFill>
+                  <a:prstClr val="white"/>
+                </a:solidFill>
+              </a:endParaRPr>
+            </a:p>
+          </p:txBody>
+        </p:sp>
+        <p:pic>
+          <p:nvPicPr>
+            <p:cNvPr id="6" name="Picture 5" descr="camel_logo_notext_transparent.tif">
+              <a:extLst>
+                <a:ext uri="{FF2B5EF4-FFF2-40B4-BE49-F238E27FC236}">
+                  <a16:creationId xmlns:a16="http://schemas.microsoft.com/office/drawing/2014/main" id="{576CD851-C0C4-4C9B-810C-098531F74BC2}"/>
+                </a:ext>
+              </a:extLst>
+            </p:cNvPr>
+            <p:cNvPicPr>
+              <a:picLocks noChangeAspect="1"/>
+            </p:cNvPicPr>
+            <p:nvPr/>
+          </p:nvPicPr>
+          <p:blipFill>
+            <a:blip r:embed="rId2">
+              <a:extLst>
+                <a:ext uri="{28A0092B-C50C-407E-A947-70E740481C1C}">
+                  <a14:useLocalDpi xmlns:a14="http://schemas.microsoft.com/office/drawing/2010/main" val="0"/>
+                </a:ext>
+              </a:extLst>
+            </a:blip>
+            <a:stretch>
+              <a:fillRect/>
+            </a:stretch>
+          </p:blipFill>
+          <p:spPr>
+            <a:xfrm>
+              <a:off x="8159721" y="1065325"/>
+              <a:ext cx="957623" cy="575213"/>
+            </a:xfrm>
+            <a:prstGeom prst="rect">
+              <a:avLst/>
+            </a:prstGeom>
+          </p:spPr>
+        </p:pic>
+        <p:pic>
+          <p:nvPicPr>
+            <p:cNvPr id="7" name="Picture 6" descr="mda.png">
+              <a:extLst>
+                <a:ext uri="{FF2B5EF4-FFF2-40B4-BE49-F238E27FC236}">
+                  <a16:creationId xmlns:a16="http://schemas.microsoft.com/office/drawing/2014/main" id="{9CCE27CA-4E99-49CA-974B-AD016F40F29D}"/>
+                </a:ext>
+              </a:extLst>
+            </p:cNvPr>
+            <p:cNvPicPr>
+              <a:picLocks noChangeAspect="1"/>
+            </p:cNvPicPr>
+            <p:nvPr/>
+          </p:nvPicPr>
+          <p:blipFill>
+            <a:blip r:embed="rId3">
+              <a:extLst>
+                <a:ext uri="{28A0092B-C50C-407E-A947-70E740481C1C}">
+                  <a14:useLocalDpi xmlns:a14="http://schemas.microsoft.com/office/drawing/2010/main" val="0"/>
+                </a:ext>
+              </a:extLst>
+            </a:blip>
+            <a:stretch>
+              <a:fillRect/>
+            </a:stretch>
+          </p:blipFill>
+          <p:spPr>
+            <a:xfrm>
+              <a:off x="128706" y="1011199"/>
+              <a:ext cx="3050391" cy="316991"/>
+            </a:xfrm>
+            <a:prstGeom prst="rect">
+              <a:avLst/>
+            </a:prstGeom>
+          </p:spPr>
+        </p:pic>
+      </p:grpSp>
     </p:spTree>
     <p:extLst>
       <p:ext uri="{BB962C8B-B14F-4D97-AF65-F5344CB8AC3E}">
-        <p14:creationId xmlns:p14="http://schemas.microsoft.com/office/powerpoint/2010/main" val="1344121547"/>
+        <p14:creationId xmlns:p14="http://schemas.microsoft.com/office/powerpoint/2010/main" val="2406977908"/>
       </p:ext>
     </p:extLst>
   </p:cSld>
@@ -3878,8 +9011,522 @@
         </p:nvSpPr>
         <p:spPr>
           <a:xfrm>
-            <a:off x="838200" y="69288"/>
-            <a:ext cx="10515600" cy="1325563"/>
+            <a:off x="89647" y="527072"/>
+            <a:ext cx="4076387" cy="1325563"/>
+          </a:xfrm>
+        </p:spPr>
+        <p:txBody>
+          <a:bodyPr/>
+          <a:lstStyle/>
+          <a:p>
+            <a:r>
+              <a:rPr lang="en-US" b="1" dirty="0"/>
+              <a:t>Goals for Project</a:t>
+            </a:r>
+          </a:p>
+        </p:txBody>
+      </p:sp>
+      <p:sp>
+        <p:nvSpPr>
+          <p:cNvPr id="3" name="Content Placeholder 2">
+            <a:extLst>
+              <a:ext uri="{FF2B5EF4-FFF2-40B4-BE49-F238E27FC236}">
+                <a16:creationId xmlns:a16="http://schemas.microsoft.com/office/drawing/2014/main" id="{7E7EA47C-BB5D-4E88-AB59-70CAA858D8B0}"/>
+              </a:ext>
+            </a:extLst>
+          </p:cNvPr>
+          <p:cNvSpPr>
+            <a:spLocks noGrp="1"/>
+          </p:cNvSpPr>
+          <p:nvPr>
+            <p:ph idx="1"/>
+          </p:nvPr>
+        </p:nvSpPr>
+        <p:spPr>
+          <a:xfrm>
+            <a:off x="562535" y="1569809"/>
+            <a:ext cx="11066929" cy="4661645"/>
+          </a:xfrm>
+        </p:spPr>
+        <p:txBody>
+          <a:bodyPr>
+            <a:normAutofit lnSpcReduction="10000"/>
+          </a:bodyPr>
+          <a:lstStyle/>
+          <a:p>
+            <a:r>
+              <a:rPr lang="en-US" u="sng" dirty="0"/>
+              <a:t>Goal 1</a:t>
+            </a:r>
+            <a:r>
+              <a:rPr lang="en-US" dirty="0"/>
+              <a:t>: compare the accuracy of MSOT decomposition between the traditional unmixing method and machine learning methods.</a:t>
+            </a:r>
+          </a:p>
+          <a:p>
+            <a:pPr lvl="1">
+              <a:buFont typeface="Courier New" panose="02070309020205020404" pitchFamily="49" charset="0"/>
+              <a:buChar char="o"/>
+            </a:pPr>
+            <a:r>
+              <a:rPr lang="en-US" dirty="0"/>
+              <a:t>Comparisons will be done under low and high SNR conditions.</a:t>
+            </a:r>
+          </a:p>
+          <a:p>
+            <a:endParaRPr lang="en-US" dirty="0"/>
+          </a:p>
+          <a:p>
+            <a:r>
+              <a:rPr lang="en-US" u="sng" dirty="0"/>
+              <a:t>Goal 2</a:t>
+            </a:r>
+            <a:r>
+              <a:rPr lang="en-US" dirty="0"/>
+              <a:t>: determine the optimal wavelength components when acquiring an MSOT spectrum</a:t>
+            </a:r>
+          </a:p>
+          <a:p>
+            <a:pPr lvl="1">
+              <a:buFont typeface="Courier New" panose="02070309020205020404" pitchFamily="49" charset="0"/>
+              <a:buChar char="o"/>
+            </a:pPr>
+            <a:r>
+              <a:rPr lang="en-US" dirty="0"/>
+              <a:t>Under most experimental conditions, it’s not realistic to acquire densely sampled spectra</a:t>
+            </a:r>
+          </a:p>
+          <a:p>
+            <a:pPr lvl="1">
+              <a:buFont typeface="Courier New" panose="02070309020205020404" pitchFamily="49" charset="0"/>
+              <a:buChar char="o"/>
+            </a:pPr>
+            <a:r>
+              <a:rPr lang="en-US" dirty="0"/>
+              <a:t>E.g., What 6 wavelengths should we acquire images at if we only have time to acquire 6 images?</a:t>
+            </a:r>
+          </a:p>
+          <a:p>
+            <a:pPr lvl="1">
+              <a:buFont typeface="Courier New" panose="02070309020205020404" pitchFamily="49" charset="0"/>
+              <a:buChar char="o"/>
+            </a:pPr>
+            <a:r>
+              <a:rPr lang="en-US" dirty="0"/>
+              <a:t>Do machine learning methods work better than the traditional unmixing method when the MSOT spectrum is sparse?</a:t>
+            </a:r>
+          </a:p>
+        </p:txBody>
+      </p:sp>
+      <p:grpSp>
+        <p:nvGrpSpPr>
+          <p:cNvPr id="4" name="Group 3">
+            <a:extLst>
+              <a:ext uri="{FF2B5EF4-FFF2-40B4-BE49-F238E27FC236}">
+                <a16:creationId xmlns:a16="http://schemas.microsoft.com/office/drawing/2014/main" id="{460BB241-9AE2-4FF1-9095-A763FDC45DE5}"/>
+              </a:ext>
+            </a:extLst>
+          </p:cNvPr>
+          <p:cNvGrpSpPr/>
+          <p:nvPr/>
+        </p:nvGrpSpPr>
+        <p:grpSpPr>
+          <a:xfrm>
+            <a:off x="90394" y="84767"/>
+            <a:ext cx="12011959" cy="1105087"/>
+            <a:chOff x="128705" y="1011199"/>
+            <a:chExt cx="8988639" cy="629339"/>
+          </a:xfrm>
+        </p:grpSpPr>
+        <p:sp>
+          <p:nvSpPr>
+            <p:cNvPr id="5" name="Rectangle 4">
+              <a:extLst>
+                <a:ext uri="{FF2B5EF4-FFF2-40B4-BE49-F238E27FC236}">
+                  <a16:creationId xmlns:a16="http://schemas.microsoft.com/office/drawing/2014/main" id="{68A53901-36BB-48BB-A26D-8DF1928A0A9D}"/>
+                </a:ext>
+              </a:extLst>
+            </p:cNvPr>
+            <p:cNvSpPr/>
+            <p:nvPr/>
+          </p:nvSpPr>
+          <p:spPr>
+            <a:xfrm>
+              <a:off x="128705" y="1351101"/>
+              <a:ext cx="8565550" cy="45719"/>
+            </a:xfrm>
+            <a:prstGeom prst="rect">
+              <a:avLst/>
+            </a:prstGeom>
+            <a:solidFill>
+              <a:srgbClr val="000000"/>
+            </a:solidFill>
+            <a:ln>
+              <a:noFill/>
+            </a:ln>
+            <a:effectLst/>
+          </p:spPr>
+          <p:style>
+            <a:lnRef idx="1">
+              <a:schemeClr val="accent1"/>
+            </a:lnRef>
+            <a:fillRef idx="3">
+              <a:schemeClr val="accent1"/>
+            </a:fillRef>
+            <a:effectRef idx="2">
+              <a:schemeClr val="accent1"/>
+            </a:effectRef>
+            <a:fontRef idx="minor">
+              <a:schemeClr val="lt1"/>
+            </a:fontRef>
+          </p:style>
+          <p:txBody>
+            <a:bodyPr rtlCol="0" anchor="ctr"/>
+            <a:lstStyle/>
+            <a:p>
+              <a:pPr algn="ctr"/>
+              <a:endParaRPr lang="en-US">
+                <a:solidFill>
+                  <a:prstClr val="white"/>
+                </a:solidFill>
+              </a:endParaRPr>
+            </a:p>
+          </p:txBody>
+        </p:sp>
+        <p:pic>
+          <p:nvPicPr>
+            <p:cNvPr id="6" name="Picture 5" descr="camel_logo_notext_transparent.tif">
+              <a:extLst>
+                <a:ext uri="{FF2B5EF4-FFF2-40B4-BE49-F238E27FC236}">
+                  <a16:creationId xmlns:a16="http://schemas.microsoft.com/office/drawing/2014/main" id="{0D2CA334-560F-49E4-8253-0F40E2984EC8}"/>
+                </a:ext>
+              </a:extLst>
+            </p:cNvPr>
+            <p:cNvPicPr>
+              <a:picLocks noChangeAspect="1"/>
+            </p:cNvPicPr>
+            <p:nvPr/>
+          </p:nvPicPr>
+          <p:blipFill>
+            <a:blip r:embed="rId2">
+              <a:extLst>
+                <a:ext uri="{28A0092B-C50C-407E-A947-70E740481C1C}">
+                  <a14:useLocalDpi xmlns:a14="http://schemas.microsoft.com/office/drawing/2010/main" val="0"/>
+                </a:ext>
+              </a:extLst>
+            </a:blip>
+            <a:stretch>
+              <a:fillRect/>
+            </a:stretch>
+          </p:blipFill>
+          <p:spPr>
+            <a:xfrm>
+              <a:off x="8159721" y="1065325"/>
+              <a:ext cx="957623" cy="575213"/>
+            </a:xfrm>
+            <a:prstGeom prst="rect">
+              <a:avLst/>
+            </a:prstGeom>
+          </p:spPr>
+        </p:pic>
+        <p:pic>
+          <p:nvPicPr>
+            <p:cNvPr id="7" name="Picture 6" descr="mda.png">
+              <a:extLst>
+                <a:ext uri="{FF2B5EF4-FFF2-40B4-BE49-F238E27FC236}">
+                  <a16:creationId xmlns:a16="http://schemas.microsoft.com/office/drawing/2014/main" id="{69632BF8-CF87-479F-8881-6734F9B1445C}"/>
+                </a:ext>
+              </a:extLst>
+            </p:cNvPr>
+            <p:cNvPicPr>
+              <a:picLocks noChangeAspect="1"/>
+            </p:cNvPicPr>
+            <p:nvPr/>
+          </p:nvPicPr>
+          <p:blipFill>
+            <a:blip r:embed="rId3">
+              <a:extLst>
+                <a:ext uri="{28A0092B-C50C-407E-A947-70E740481C1C}">
+                  <a14:useLocalDpi xmlns:a14="http://schemas.microsoft.com/office/drawing/2010/main" val="0"/>
+                </a:ext>
+              </a:extLst>
+            </a:blip>
+            <a:stretch>
+              <a:fillRect/>
+            </a:stretch>
+          </p:blipFill>
+          <p:spPr>
+            <a:xfrm>
+              <a:off x="128706" y="1011199"/>
+              <a:ext cx="3050391" cy="316991"/>
+            </a:xfrm>
+            <a:prstGeom prst="rect">
+              <a:avLst/>
+            </a:prstGeom>
+          </p:spPr>
+        </p:pic>
+      </p:grpSp>
+    </p:spTree>
+    <p:extLst>
+      <p:ext uri="{BB962C8B-B14F-4D97-AF65-F5344CB8AC3E}">
+        <p14:creationId xmlns:p14="http://schemas.microsoft.com/office/powerpoint/2010/main" val="3387029587"/>
+      </p:ext>
+    </p:extLst>
+  </p:cSld>
+  <p:clrMapOvr>
+    <a:masterClrMapping/>
+  </p:clrMapOvr>
+</p:sld>
+</file>
+
+<file path=ppt/slides/slide6.xml><?xml version="1.0" encoding="utf-8"?>
+<p:sld xmlns:a="http://schemas.openxmlformats.org/drawingml/2006/main" xmlns:r="http://schemas.openxmlformats.org/officeDocument/2006/relationships" xmlns:p="http://schemas.openxmlformats.org/presentationml/2006/main">
+  <p:cSld>
+    <p:spTree>
+      <p:nvGrpSpPr>
+        <p:cNvPr id="1" name=""/>
+        <p:cNvGrpSpPr/>
+        <p:nvPr/>
+      </p:nvGrpSpPr>
+      <p:grpSpPr>
+        <a:xfrm>
+          <a:off x="0" y="0"/>
+          <a:ext cx="0" cy="0"/>
+          <a:chOff x="0" y="0"/>
+          <a:chExt cx="0" cy="0"/>
+        </a:xfrm>
+      </p:grpSpPr>
+      <p:sp>
+        <p:nvSpPr>
+          <p:cNvPr id="2" name="Title 1">
+            <a:extLst>
+              <a:ext uri="{FF2B5EF4-FFF2-40B4-BE49-F238E27FC236}">
+                <a16:creationId xmlns:a16="http://schemas.microsoft.com/office/drawing/2014/main" id="{EAB4C2F3-4F70-4283-9A80-4338A0A2701D}"/>
+              </a:ext>
+            </a:extLst>
+          </p:cNvPr>
+          <p:cNvSpPr>
+            <a:spLocks noGrp="1"/>
+          </p:cNvSpPr>
+          <p:nvPr>
+            <p:ph type="title"/>
+          </p:nvPr>
+        </p:nvSpPr>
+        <p:spPr>
+          <a:xfrm>
+            <a:off x="2926977" y="2382183"/>
+            <a:ext cx="6485965" cy="1325563"/>
+          </a:xfrm>
+        </p:spPr>
+        <p:txBody>
+          <a:bodyPr/>
+          <a:lstStyle/>
+          <a:p>
+            <a:r>
+              <a:rPr lang="en-US" b="1" dirty="0"/>
+              <a:t>What has been done so far?</a:t>
+            </a:r>
+          </a:p>
+        </p:txBody>
+      </p:sp>
+      <p:grpSp>
+        <p:nvGrpSpPr>
+          <p:cNvPr id="3" name="Group 2">
+            <a:extLst>
+              <a:ext uri="{FF2B5EF4-FFF2-40B4-BE49-F238E27FC236}">
+                <a16:creationId xmlns:a16="http://schemas.microsoft.com/office/drawing/2014/main" id="{2D1DD6C1-ACE0-488E-82AD-E8D746C2E8D5}"/>
+              </a:ext>
+            </a:extLst>
+          </p:cNvPr>
+          <p:cNvGrpSpPr/>
+          <p:nvPr/>
+        </p:nvGrpSpPr>
+        <p:grpSpPr>
+          <a:xfrm>
+            <a:off x="90394" y="84767"/>
+            <a:ext cx="12011959" cy="1105087"/>
+            <a:chOff x="128705" y="1011199"/>
+            <a:chExt cx="8988639" cy="629339"/>
+          </a:xfrm>
+        </p:grpSpPr>
+        <p:sp>
+          <p:nvSpPr>
+            <p:cNvPr id="4" name="Rectangle 3">
+              <a:extLst>
+                <a:ext uri="{FF2B5EF4-FFF2-40B4-BE49-F238E27FC236}">
+                  <a16:creationId xmlns:a16="http://schemas.microsoft.com/office/drawing/2014/main" id="{7C4CA645-CBE1-465E-BFB2-6426C61BFA6C}"/>
+                </a:ext>
+              </a:extLst>
+            </p:cNvPr>
+            <p:cNvSpPr/>
+            <p:nvPr/>
+          </p:nvSpPr>
+          <p:spPr>
+            <a:xfrm>
+              <a:off x="128705" y="1351101"/>
+              <a:ext cx="8565550" cy="45719"/>
+            </a:xfrm>
+            <a:prstGeom prst="rect">
+              <a:avLst/>
+            </a:prstGeom>
+            <a:solidFill>
+              <a:srgbClr val="000000"/>
+            </a:solidFill>
+            <a:ln>
+              <a:noFill/>
+            </a:ln>
+            <a:effectLst/>
+          </p:spPr>
+          <p:style>
+            <a:lnRef idx="1">
+              <a:schemeClr val="accent1"/>
+            </a:lnRef>
+            <a:fillRef idx="3">
+              <a:schemeClr val="accent1"/>
+            </a:fillRef>
+            <a:effectRef idx="2">
+              <a:schemeClr val="accent1"/>
+            </a:effectRef>
+            <a:fontRef idx="minor">
+              <a:schemeClr val="lt1"/>
+            </a:fontRef>
+          </p:style>
+          <p:txBody>
+            <a:bodyPr rtlCol="0" anchor="ctr"/>
+            <a:lstStyle/>
+            <a:p>
+              <a:pPr algn="ctr"/>
+              <a:endParaRPr lang="en-US">
+                <a:solidFill>
+                  <a:prstClr val="white"/>
+                </a:solidFill>
+              </a:endParaRPr>
+            </a:p>
+          </p:txBody>
+        </p:sp>
+        <p:pic>
+          <p:nvPicPr>
+            <p:cNvPr id="5" name="Picture 4" descr="camel_logo_notext_transparent.tif">
+              <a:extLst>
+                <a:ext uri="{FF2B5EF4-FFF2-40B4-BE49-F238E27FC236}">
+                  <a16:creationId xmlns:a16="http://schemas.microsoft.com/office/drawing/2014/main" id="{AAA063BB-B914-4F12-B3CE-499D0D688D03}"/>
+                </a:ext>
+              </a:extLst>
+            </p:cNvPr>
+            <p:cNvPicPr>
+              <a:picLocks noChangeAspect="1"/>
+            </p:cNvPicPr>
+            <p:nvPr/>
+          </p:nvPicPr>
+          <p:blipFill>
+            <a:blip r:embed="rId2">
+              <a:extLst>
+                <a:ext uri="{28A0092B-C50C-407E-A947-70E740481C1C}">
+                  <a14:useLocalDpi xmlns:a14="http://schemas.microsoft.com/office/drawing/2010/main" val="0"/>
+                </a:ext>
+              </a:extLst>
+            </a:blip>
+            <a:stretch>
+              <a:fillRect/>
+            </a:stretch>
+          </p:blipFill>
+          <p:spPr>
+            <a:xfrm>
+              <a:off x="8159721" y="1065325"/>
+              <a:ext cx="957623" cy="575213"/>
+            </a:xfrm>
+            <a:prstGeom prst="rect">
+              <a:avLst/>
+            </a:prstGeom>
+          </p:spPr>
+        </p:pic>
+        <p:pic>
+          <p:nvPicPr>
+            <p:cNvPr id="6" name="Picture 5" descr="mda.png">
+              <a:extLst>
+                <a:ext uri="{FF2B5EF4-FFF2-40B4-BE49-F238E27FC236}">
+                  <a16:creationId xmlns:a16="http://schemas.microsoft.com/office/drawing/2014/main" id="{F042AB8C-B046-4E94-BC5A-27B3B10B809E}"/>
+                </a:ext>
+              </a:extLst>
+            </p:cNvPr>
+            <p:cNvPicPr>
+              <a:picLocks noChangeAspect="1"/>
+            </p:cNvPicPr>
+            <p:nvPr/>
+          </p:nvPicPr>
+          <p:blipFill>
+            <a:blip r:embed="rId3">
+              <a:extLst>
+                <a:ext uri="{28A0092B-C50C-407E-A947-70E740481C1C}">
+                  <a14:useLocalDpi xmlns:a14="http://schemas.microsoft.com/office/drawing/2010/main" val="0"/>
+                </a:ext>
+              </a:extLst>
+            </a:blip>
+            <a:stretch>
+              <a:fillRect/>
+            </a:stretch>
+          </p:blipFill>
+          <p:spPr>
+            <a:xfrm>
+              <a:off x="128706" y="1011199"/>
+              <a:ext cx="3050391" cy="316991"/>
+            </a:xfrm>
+            <a:prstGeom prst="rect">
+              <a:avLst/>
+            </a:prstGeom>
+          </p:spPr>
+        </p:pic>
+      </p:grpSp>
+    </p:spTree>
+    <p:extLst>
+      <p:ext uri="{BB962C8B-B14F-4D97-AF65-F5344CB8AC3E}">
+        <p14:creationId xmlns:p14="http://schemas.microsoft.com/office/powerpoint/2010/main" val="1344121547"/>
+      </p:ext>
+    </p:extLst>
+  </p:cSld>
+  <p:clrMapOvr>
+    <a:masterClrMapping/>
+  </p:clrMapOvr>
+</p:sld>
+</file>
+
+<file path=ppt/slides/slide7.xml><?xml version="1.0" encoding="utf-8"?>
+<p:sld xmlns:a="http://schemas.openxmlformats.org/drawingml/2006/main" xmlns:r="http://schemas.openxmlformats.org/officeDocument/2006/relationships" xmlns:p="http://schemas.openxmlformats.org/presentationml/2006/main">
+  <p:cSld>
+    <p:spTree>
+      <p:nvGrpSpPr>
+        <p:cNvPr id="1" name=""/>
+        <p:cNvGrpSpPr/>
+        <p:nvPr/>
+      </p:nvGrpSpPr>
+      <p:grpSpPr>
+        <a:xfrm>
+          <a:off x="0" y="0"/>
+          <a:ext cx="0" cy="0"/>
+          <a:chOff x="0" y="0"/>
+          <a:chExt cx="0" cy="0"/>
+        </a:xfrm>
+      </p:grpSpPr>
+      <p:sp>
+        <p:nvSpPr>
+          <p:cNvPr id="2" name="Title 1">
+            <a:extLst>
+              <a:ext uri="{FF2B5EF4-FFF2-40B4-BE49-F238E27FC236}">
+                <a16:creationId xmlns:a16="http://schemas.microsoft.com/office/drawing/2014/main" id="{EAB4C2F3-4F70-4283-9A80-4338A0A2701D}"/>
+              </a:ext>
+            </a:extLst>
+          </p:cNvPr>
+          <p:cNvSpPr>
+            <a:spLocks noGrp="1"/>
+          </p:cNvSpPr>
+          <p:nvPr>
+            <p:ph type="title"/>
+          </p:nvPr>
+        </p:nvSpPr>
+        <p:spPr>
+          <a:xfrm>
+            <a:off x="838200" y="761968"/>
+            <a:ext cx="10515600" cy="686673"/>
           </a:xfrm>
         </p:spPr>
         <p:txBody>
@@ -3910,14 +9557,14 @@
           <p:nvPr>
             <p:extLst>
               <p:ext uri="{D42A27DB-BD31-4B8C-83A1-F6EECF244321}">
-                <p14:modId xmlns:p14="http://schemas.microsoft.com/office/powerpoint/2010/main" val="2607105639"/>
+                <p14:modId xmlns:p14="http://schemas.microsoft.com/office/powerpoint/2010/main" val="2568864500"/>
               </p:ext>
             </p:extLst>
           </p:nvPr>
         </p:nvGraphicFramePr>
         <p:xfrm>
-          <a:off x="147915" y="1308843"/>
-          <a:ext cx="11501721" cy="1752600"/>
+          <a:off x="1752599" y="1506060"/>
+          <a:ext cx="8834719" cy="1752600"/>
         </p:xfrm>
         <a:graphic>
           <a:graphicData uri="http://schemas.openxmlformats.org/drawingml/2006/table">
@@ -3940,17 +9587,10 @@
                     </a:ext>
                   </a:extLst>
                 </a:gridCol>
-                <a:gridCol w="2814917">
+                <a:gridCol w="3151092">
                   <a:extLst>
                     <a:ext uri="{9D8B030D-6E8A-4147-A177-3AD203B41FA5}">
                       <a16:colId xmlns:a16="http://schemas.microsoft.com/office/drawing/2014/main" val="3002192346"/>
-                    </a:ext>
-                  </a:extLst>
-                </a:gridCol>
-                <a:gridCol w="3003177">
-                  <a:extLst>
-                    <a:ext uri="{9D8B030D-6E8A-4147-A177-3AD203B41FA5}">
-                      <a16:colId xmlns:a16="http://schemas.microsoft.com/office/drawing/2014/main" val="2150674968"/>
                     </a:ext>
                   </a:extLst>
                 </a:gridCol>
@@ -4006,35 +9646,14 @@
                       <a:pPr algn="ctr"/>
                       <a:r>
                         <a:rPr lang="en-US" dirty="0"/>
-                        <a:t>O2</a:t>
+                        <a:t>HbO2</a:t>
                       </a:r>
                     </a:p>
                     <a:p>
                       <a:pPr algn="ctr"/>
                       <a:r>
                         <a:rPr lang="en-US" dirty="0"/>
-                        <a:t>(known 100% O2 spectrum)</a:t>
-                      </a:r>
-                    </a:p>
-                  </a:txBody>
-                  <a:tcPr/>
-                </a:tc>
-                <a:tc>
-                  <a:txBody>
-                    <a:bodyPr/>
-                    <a:lstStyle/>
-                    <a:p>
-                      <a:pPr algn="ctr"/>
-                      <a:r>
-                        <a:rPr lang="en-US" dirty="0"/>
-                        <a:t>ICG</a:t>
-                      </a:r>
-                    </a:p>
-                    <a:p>
-                      <a:pPr algn="ctr"/>
-                      <a:r>
-                        <a:rPr lang="en-US" dirty="0"/>
-                        <a:t>(known 100% ICG spectrum)</a:t>
+                        <a:t>(known 100% HbO2 spectrum)</a:t>
                       </a:r>
                     </a:p>
                   </a:txBody>
@@ -4047,20 +9666,6 @@
                 </a:extLst>
               </a:tr>
               <a:tr h="370840">
-                <a:tc>
-                  <a:txBody>
-                    <a:bodyPr/>
-                    <a:lstStyle/>
-                    <a:p>
-                      <a:pPr algn="ctr"/>
-                      <a:r>
-                        <a:rPr lang="en-US" dirty="0"/>
-                        <a:t>1</a:t>
-                      </a:r>
-                    </a:p>
-                  </a:txBody>
-                  <a:tcPr/>
-                </a:tc>
                 <a:tc>
                   <a:txBody>
                     <a:bodyPr/>
@@ -4152,20 +9757,6 @@
                   </a:txBody>
                   <a:tcPr/>
                 </a:tc>
-                <a:tc>
-                  <a:txBody>
-                    <a:bodyPr/>
-                    <a:lstStyle/>
-                    <a:p>
-                      <a:pPr algn="ctr"/>
-                      <a:r>
-                        <a:rPr lang="en-US" dirty="0"/>
-                        <a:t>0.5</a:t>
-                      </a:r>
-                    </a:p>
-                  </a:txBody>
-                  <a:tcPr/>
-                </a:tc>
                 <a:extLst>
                   <a:ext uri="{0D108BD9-81ED-4DB2-BD59-A6C34878D82A}">
                     <a16:rowId xmlns:a16="http://schemas.microsoft.com/office/drawing/2014/main" val="1624402395"/>
@@ -4215,20 +9806,6 @@
                   </a:txBody>
                   <a:tcPr/>
                 </a:tc>
-                <a:tc>
-                  <a:txBody>
-                    <a:bodyPr/>
-                    <a:lstStyle/>
-                    <a:p>
-                      <a:pPr algn="ctr"/>
-                      <a:r>
-                        <a:rPr lang="en-US" dirty="0"/>
-                        <a:t>0.1</a:t>
-                      </a:r>
-                    </a:p>
-                  </a:txBody>
-                  <a:tcPr/>
-                </a:tc>
                 <a:extLst>
                   <a:ext uri="{0D108BD9-81ED-4DB2-BD59-A6C34878D82A}">
                     <a16:rowId xmlns:a16="http://schemas.microsoft.com/office/drawing/2014/main" val="1021223636"/>
@@ -4253,7 +9830,7 @@
         </p:nvSpPr>
         <p:spPr>
           <a:xfrm>
-            <a:off x="147915" y="903305"/>
+            <a:off x="608106" y="1371947"/>
             <a:ext cx="1213224" cy="461665"/>
           </a:xfrm>
           <a:prstGeom prst="rect">
@@ -4289,14 +9866,14 @@
           <p:nvPr>
             <p:extLst>
               <p:ext uri="{D42A27DB-BD31-4B8C-83A1-F6EECF244321}">
-                <p14:modId xmlns:p14="http://schemas.microsoft.com/office/powerpoint/2010/main" val="3095502129"/>
+                <p14:modId xmlns:p14="http://schemas.microsoft.com/office/powerpoint/2010/main" val="3321417959"/>
               </p:ext>
             </p:extLst>
           </p:nvPr>
         </p:nvGraphicFramePr>
         <p:xfrm>
-          <a:off x="147915" y="3466981"/>
-          <a:ext cx="11501720" cy="369909"/>
+          <a:off x="1752599" y="3664198"/>
+          <a:ext cx="8852648" cy="369909"/>
         </p:xfrm>
         <a:graphic>
           <a:graphicData uri="http://schemas.openxmlformats.org/drawingml/2006/table">
@@ -4319,17 +9896,10 @@
                     </a:ext>
                   </a:extLst>
                 </a:gridCol>
-                <a:gridCol w="2850776">
+                <a:gridCol w="3182468">
                   <a:extLst>
                     <a:ext uri="{9D8B030D-6E8A-4147-A177-3AD203B41FA5}">
                       <a16:colId xmlns:a16="http://schemas.microsoft.com/office/drawing/2014/main" val="3002192346"/>
-                    </a:ext>
-                  </a:extLst>
-                </a:gridCol>
-                <a:gridCol w="2980764">
-                  <a:extLst>
-                    <a:ext uri="{9D8B030D-6E8A-4147-A177-3AD203B41FA5}">
-                      <a16:colId xmlns:a16="http://schemas.microsoft.com/office/drawing/2014/main" val="2150674968"/>
                     </a:ext>
                   </a:extLst>
                 </a:gridCol>
@@ -4347,7 +9917,7 @@
                             <a:schemeClr val="tx1"/>
                           </a:solidFill>
                         </a:rPr>
-                        <a:t>1</a:t>
+                        <a:t>0.11</a:t>
                       </a:r>
                     </a:p>
                   </a:txBody>
@@ -4372,7 +9942,7 @@
                             <a:schemeClr val="tx1"/>
                           </a:solidFill>
                         </a:rPr>
-                        <a:t>1</a:t>
+                        <a:t>.2</a:t>
                       </a:r>
                     </a:p>
                   </a:txBody>
@@ -4397,32 +9967,7 @@
                             <a:schemeClr val="tx1"/>
                           </a:solidFill>
                         </a:rPr>
-                        <a:t>1</a:t>
-                      </a:r>
-                    </a:p>
-                  </a:txBody>
-                  <a:tcPr>
-                    <a:solidFill>
-                      <a:schemeClr val="accent1">
-                        <a:lumMod val="20000"/>
-                        <a:lumOff val="80000"/>
-                      </a:schemeClr>
-                    </a:solidFill>
-                  </a:tcPr>
-                </a:tc>
-                <a:tc>
-                  <a:txBody>
-                    <a:bodyPr/>
-                    <a:lstStyle/>
-                    <a:p>
-                      <a:pPr algn="ctr"/>
-                      <a:r>
-                        <a:rPr lang="en-US" b="0" dirty="0">
-                          <a:solidFill>
-                            <a:schemeClr val="tx1"/>
-                          </a:solidFill>
-                        </a:rPr>
-                        <a:t>1</a:t>
+                        <a:t>.8</a:t>
                       </a:r>
                     </a:p>
                   </a:txBody>
@@ -4459,7 +10004,7 @@
         </p:nvSpPr>
         <p:spPr>
           <a:xfrm>
-            <a:off x="5661210" y="2943761"/>
+            <a:off x="7265894" y="3140978"/>
             <a:ext cx="475129" cy="523220"/>
           </a:xfrm>
           <a:prstGeom prst="rect">
@@ -4494,7 +10039,7 @@
         </p:nvSpPr>
         <p:spPr>
           <a:xfrm>
-            <a:off x="11672046" y="3562285"/>
+            <a:off x="10632132" y="3803274"/>
             <a:ext cx="381004" cy="461665"/>
           </a:xfrm>
           <a:prstGeom prst="rect">
@@ -4531,7 +10076,7 @@
         </p:nvCxnSpPr>
         <p:spPr>
           <a:xfrm>
-            <a:off x="1595718" y="3899644"/>
+            <a:off x="3200402" y="4096861"/>
             <a:ext cx="0" cy="358588"/>
           </a:xfrm>
           <a:prstGeom prst="straightConnector1">
@@ -4570,7 +10115,7 @@
         </p:nvSpPr>
         <p:spPr>
           <a:xfrm>
-            <a:off x="564779" y="4320986"/>
+            <a:off x="2169463" y="4518203"/>
             <a:ext cx="2099422" cy="584775"/>
           </a:xfrm>
           <a:prstGeom prst="rect">
@@ -4608,7 +10153,7 @@
         </p:nvCxnSpPr>
         <p:spPr>
           <a:xfrm>
-            <a:off x="4437529" y="3899644"/>
+            <a:off x="6042213" y="4096861"/>
             <a:ext cx="0" cy="358588"/>
           </a:xfrm>
           <a:prstGeom prst="straightConnector1">
@@ -4649,7 +10194,7 @@
         </p:nvCxnSpPr>
         <p:spPr>
           <a:xfrm>
-            <a:off x="7234518" y="3898444"/>
+            <a:off x="8839202" y="4095661"/>
             <a:ext cx="0" cy="358588"/>
           </a:xfrm>
           <a:prstGeom prst="straightConnector1">
@@ -4674,62 +10219,21 @@
           </a:fontRef>
         </p:style>
       </p:cxnSp>
-      <p:cxnSp>
-        <p:nvCxnSpPr>
-          <p:cNvPr id="18" name="Straight Arrow Connector 17">
-            <a:extLst>
-              <a:ext uri="{FF2B5EF4-FFF2-40B4-BE49-F238E27FC236}">
-                <a16:creationId xmlns:a16="http://schemas.microsoft.com/office/drawing/2014/main" id="{A50EA231-2414-42C8-A02E-D5C74ED66189}"/>
-              </a:ext>
-            </a:extLst>
-          </p:cNvPr>
-          <p:cNvCxnSpPr>
-            <a:cxnSpLocks/>
-          </p:cNvCxnSpPr>
+      <p:sp>
+        <p:nvSpPr>
+          <p:cNvPr id="19" name="TextBox 18">
+            <a:extLst>
+              <a:ext uri="{FF2B5EF4-FFF2-40B4-BE49-F238E27FC236}">
+                <a16:creationId xmlns:a16="http://schemas.microsoft.com/office/drawing/2014/main" id="{BE07454D-9F19-4C5C-B19F-191A94720D3C}"/>
+              </a:ext>
+            </a:extLst>
+          </p:cNvPr>
+          <p:cNvSpPr txBox="1"/>
           <p:nvPr/>
-        </p:nvCxnSpPr>
+        </p:nvSpPr>
         <p:spPr>
           <a:xfrm>
-            <a:off x="10165976" y="3898444"/>
-            <a:ext cx="0" cy="358588"/>
-          </a:xfrm>
-          <a:prstGeom prst="straightConnector1">
-            <a:avLst/>
-          </a:prstGeom>
-          <a:ln>
-            <a:tailEnd type="triangle"/>
-          </a:ln>
-        </p:spPr>
-        <p:style>
-          <a:lnRef idx="1">
-            <a:schemeClr val="dk1"/>
-          </a:lnRef>
-          <a:fillRef idx="0">
-            <a:schemeClr val="dk1"/>
-          </a:fillRef>
-          <a:effectRef idx="0">
-            <a:schemeClr val="dk1"/>
-          </a:effectRef>
-          <a:fontRef idx="minor">
-            <a:schemeClr val="tx1"/>
-          </a:fontRef>
-        </p:style>
-      </p:cxnSp>
-      <p:sp>
-        <p:nvSpPr>
-          <p:cNvPr id="19" name="TextBox 18">
-            <a:extLst>
-              <a:ext uri="{FF2B5EF4-FFF2-40B4-BE49-F238E27FC236}">
-                <a16:creationId xmlns:a16="http://schemas.microsoft.com/office/drawing/2014/main" id="{BE07454D-9F19-4C5C-B19F-191A94720D3C}"/>
-              </a:ext>
-            </a:extLst>
-          </p:cNvPr>
-          <p:cNvSpPr txBox="1"/>
-          <p:nvPr/>
-        </p:nvSpPr>
-        <p:spPr>
-          <a:xfrm>
-            <a:off x="3379693" y="4320986"/>
+            <a:off x="4984377" y="4518203"/>
             <a:ext cx="2133600" cy="584775"/>
           </a:xfrm>
           <a:prstGeom prst="rect">
@@ -4765,8 +10269,8 @@
         </p:nvSpPr>
         <p:spPr>
           <a:xfrm>
-            <a:off x="6185641" y="4318586"/>
-            <a:ext cx="2133599" cy="584775"/>
+            <a:off x="7790325" y="4515803"/>
+            <a:ext cx="2303932" cy="584775"/>
           </a:xfrm>
           <a:prstGeom prst="rect">
             <a:avLst/>
@@ -4782,43 +10286,7 @@
             <a:pPr algn="ctr"/>
             <a:r>
               <a:rPr lang="en-US" sz="1600" dirty="0"/>
-              <a:t>known 100% O2 MSOT signal at n wavelengths</a:t>
-            </a:r>
-          </a:p>
-        </p:txBody>
-      </p:sp>
-      <p:sp>
-        <p:nvSpPr>
-          <p:cNvPr id="21" name="TextBox 20">
-            <a:extLst>
-              <a:ext uri="{FF2B5EF4-FFF2-40B4-BE49-F238E27FC236}">
-                <a16:creationId xmlns:a16="http://schemas.microsoft.com/office/drawing/2014/main" id="{73AD9F73-BBCF-4C7C-BA3C-BFFA099A19DA}"/>
-              </a:ext>
-            </a:extLst>
-          </p:cNvPr>
-          <p:cNvSpPr txBox="1"/>
-          <p:nvPr/>
-        </p:nvSpPr>
-        <p:spPr>
-          <a:xfrm>
-            <a:off x="9072273" y="4318586"/>
-            <a:ext cx="2133599" cy="584775"/>
-          </a:xfrm>
-          <a:prstGeom prst="rect">
-            <a:avLst/>
-          </a:prstGeom>
-          <a:noFill/>
-        </p:spPr>
-        <p:txBody>
-          <a:bodyPr wrap="square" rtlCol="0">
-            <a:spAutoFit/>
-          </a:bodyPr>
-          <a:lstStyle/>
-          <a:p>
-            <a:pPr algn="ctr"/>
-            <a:r>
-              <a:rPr lang="en-US" sz="1600" dirty="0"/>
-              <a:t>known 100% ICG MSOT signal at n wavelengths</a:t>
+              <a:t>known 100% HbO2 MSOT signal at n wavelengths</a:t>
             </a:r>
           </a:p>
         </p:txBody>
@@ -4873,7 +10341,7 @@
         <p:spPr>
           <a:xfrm>
             <a:off x="430308" y="5506426"/>
-            <a:ext cx="4814046" cy="523220"/>
+            <a:ext cx="3838576" cy="523220"/>
           </a:xfrm>
           <a:prstGeom prst="rect">
             <a:avLst/>
@@ -4888,7 +10356,7 @@
           <a:p>
             <a:r>
               <a:rPr lang="en-US" sz="2800" dirty="0"/>
-              <a:t>Y = B1 x Hb + B2 x O2 + B3 x ICG</a:t>
+              <a:t>Y = B1 x Hb + B2 x HbO2</a:t>
             </a:r>
           </a:p>
         </p:txBody>
@@ -5038,58 +10506,6 @@
           </a:p>
         </p:txBody>
       </p:sp>
-      <p:sp>
-        <p:nvSpPr>
-          <p:cNvPr id="27" name="Rectangle 26">
-            <a:extLst>
-              <a:ext uri="{FF2B5EF4-FFF2-40B4-BE49-F238E27FC236}">
-                <a16:creationId xmlns:a16="http://schemas.microsoft.com/office/drawing/2014/main" id="{E8D4E041-D85B-408D-922E-1D2719634EB1}"/>
-              </a:ext>
-            </a:extLst>
-          </p:cNvPr>
-          <p:cNvSpPr/>
-          <p:nvPr/>
-        </p:nvSpPr>
-        <p:spPr>
-          <a:xfrm>
-            <a:off x="3839696" y="5544526"/>
-            <a:ext cx="510988" cy="448269"/>
-          </a:xfrm>
-          <a:prstGeom prst="rect">
-            <a:avLst/>
-          </a:prstGeom>
-          <a:noFill/>
-          <a:ln w="25400">
-            <a:solidFill>
-              <a:srgbClr val="92D050"/>
-            </a:solidFill>
-          </a:ln>
-        </p:spPr>
-        <p:style>
-          <a:lnRef idx="2">
-            <a:schemeClr val="accent1">
-              <a:shade val="50000"/>
-            </a:schemeClr>
-          </a:lnRef>
-          <a:fillRef idx="1">
-            <a:schemeClr val="accent1"/>
-          </a:fillRef>
-          <a:effectRef idx="0">
-            <a:schemeClr val="accent1"/>
-          </a:effectRef>
-          <a:fontRef idx="minor">
-            <a:schemeClr val="lt1"/>
-          </a:fontRef>
-        </p:style>
-        <p:txBody>
-          <a:bodyPr rtlCol="0" anchor="ctr"/>
-          <a:lstStyle/>
-          <a:p>
-            <a:pPr algn="ctr"/>
-            <a:endParaRPr lang="en-US"/>
-          </a:p>
-        </p:txBody>
-      </p:sp>
       <p:cxnSp>
         <p:nvCxnSpPr>
           <p:cNvPr id="28" name="Straight Arrow Connector 27">
@@ -5131,47 +10547,6 @@
           </a:fontRef>
         </p:style>
       </p:cxnSp>
-      <p:cxnSp>
-        <p:nvCxnSpPr>
-          <p:cNvPr id="29" name="Straight Arrow Connector 28">
-            <a:extLst>
-              <a:ext uri="{FF2B5EF4-FFF2-40B4-BE49-F238E27FC236}">
-                <a16:creationId xmlns:a16="http://schemas.microsoft.com/office/drawing/2014/main" id="{EDA79CC5-4194-49E1-BFE5-EE858DE6EF8D}"/>
-              </a:ext>
-            </a:extLst>
-          </p:cNvPr>
-          <p:cNvCxnSpPr>
-            <a:cxnSpLocks/>
-          </p:cNvCxnSpPr>
-          <p:nvPr/>
-        </p:nvCxnSpPr>
-        <p:spPr>
-          <a:xfrm>
-            <a:off x="4111441" y="6029646"/>
-            <a:ext cx="0" cy="358588"/>
-          </a:xfrm>
-          <a:prstGeom prst="straightConnector1">
-            <a:avLst/>
-          </a:prstGeom>
-          <a:ln>
-            <a:tailEnd type="triangle"/>
-          </a:ln>
-        </p:spPr>
-        <p:style>
-          <a:lnRef idx="1">
-            <a:schemeClr val="dk1"/>
-          </a:lnRef>
-          <a:fillRef idx="0">
-            <a:schemeClr val="dk1"/>
-          </a:fillRef>
-          <a:effectRef idx="0">
-            <a:schemeClr val="dk1"/>
-          </a:effectRef>
-          <a:fontRef idx="minor">
-            <a:schemeClr val="tx1"/>
-          </a:fontRef>
-        </p:style>
-      </p:cxnSp>
       <p:sp>
         <p:nvSpPr>
           <p:cNvPr id="30" name="TextBox 29">
@@ -5239,43 +10614,7 @@
             <a:pPr algn="ctr"/>
             <a:r>
               <a:rPr lang="en-US" sz="1600" dirty="0"/>
-              <a:t>estimated O2 fraction in Y</a:t>
-            </a:r>
-          </a:p>
-        </p:txBody>
-      </p:sp>
-      <p:sp>
-        <p:nvSpPr>
-          <p:cNvPr id="32" name="TextBox 31">
-            <a:extLst>
-              <a:ext uri="{FF2B5EF4-FFF2-40B4-BE49-F238E27FC236}">
-                <a16:creationId xmlns:a16="http://schemas.microsoft.com/office/drawing/2014/main" id="{5D6A8F21-0862-4C0C-81B9-814266A25B0C}"/>
-              </a:ext>
-            </a:extLst>
-          </p:cNvPr>
-          <p:cNvSpPr txBox="1"/>
-          <p:nvPr/>
-        </p:nvSpPr>
-        <p:spPr>
-          <a:xfrm>
-            <a:off x="3208241" y="6337922"/>
-            <a:ext cx="1835522" cy="584775"/>
-          </a:xfrm>
-          <a:prstGeom prst="rect">
-            <a:avLst/>
-          </a:prstGeom>
-          <a:noFill/>
-        </p:spPr>
-        <p:txBody>
-          <a:bodyPr wrap="square" rtlCol="0">
-            <a:spAutoFit/>
-          </a:bodyPr>
-          <a:lstStyle/>
-          <a:p>
-            <a:pPr algn="ctr"/>
-            <a:r>
-              <a:rPr lang="en-US" sz="1600" dirty="0"/>
-              <a:t>estimated ICG fraction in Y</a:t>
+              <a:t>estimated HbO2 fraction in Y</a:t>
             </a:r>
           </a:p>
         </p:txBody>
@@ -5294,7 +10633,7 @@
         </p:nvCxnSpPr>
         <p:spPr>
           <a:xfrm>
-            <a:off x="5043763" y="6029646"/>
+            <a:off x="3790388" y="6158628"/>
             <a:ext cx="0" cy="179294"/>
           </a:xfrm>
           <a:prstGeom prst="line">
@@ -5335,7 +10674,7 @@
         </p:nvCxnSpPr>
         <p:spPr>
           <a:xfrm>
-            <a:off x="5043763" y="6208940"/>
+            <a:off x="3790388" y="6337922"/>
             <a:ext cx="855011" cy="0"/>
           </a:xfrm>
           <a:prstGeom prst="line">
@@ -5374,8 +10713,8 @@
         </p:nvSpPr>
         <p:spPr>
           <a:xfrm>
-            <a:off x="5895409" y="5747275"/>
-            <a:ext cx="5799042" cy="923330"/>
+            <a:off x="4793317" y="6011608"/>
+            <a:ext cx="6440015" cy="646331"/>
           </a:xfrm>
           <a:prstGeom prst="rect">
             <a:avLst/>
@@ -5390,11 +10729,159 @@
           <a:p>
             <a:r>
               <a:rPr lang="en-US" dirty="0"/>
-              <a:t>estimate B1, B2, and B3 using linear regression with nonnegative least squares, to ensure you don’t get negative fractional components.</a:t>
-            </a:r>
-          </a:p>
-        </p:txBody>
-      </p:sp>
+              <a:t>estimate B1 and B2 using linear regression with nonnegative least squares, to ensure you don’t get negative fractional components.</a:t>
+            </a:r>
+          </a:p>
+        </p:txBody>
+      </p:sp>
+      <p:grpSp>
+        <p:nvGrpSpPr>
+          <p:cNvPr id="33" name="Group 32">
+            <a:extLst>
+              <a:ext uri="{FF2B5EF4-FFF2-40B4-BE49-F238E27FC236}">
+                <a16:creationId xmlns:a16="http://schemas.microsoft.com/office/drawing/2014/main" id="{D23569BD-98AF-4C09-85E4-87D80CAE596E}"/>
+              </a:ext>
+            </a:extLst>
+          </p:cNvPr>
+          <p:cNvGrpSpPr/>
+          <p:nvPr/>
+        </p:nvGrpSpPr>
+        <p:grpSpPr>
+          <a:xfrm>
+            <a:off x="90394" y="84767"/>
+            <a:ext cx="12011959" cy="1105087"/>
+            <a:chOff x="128705" y="1011199"/>
+            <a:chExt cx="8988639" cy="629339"/>
+          </a:xfrm>
+        </p:grpSpPr>
+        <p:sp>
+          <p:nvSpPr>
+            <p:cNvPr id="35" name="Rectangle 34">
+              <a:extLst>
+                <a:ext uri="{FF2B5EF4-FFF2-40B4-BE49-F238E27FC236}">
+                  <a16:creationId xmlns:a16="http://schemas.microsoft.com/office/drawing/2014/main" id="{83897705-E05E-440F-BE04-0D1E52FCC172}"/>
+                </a:ext>
+              </a:extLst>
+            </p:cNvPr>
+            <p:cNvSpPr/>
+            <p:nvPr/>
+          </p:nvSpPr>
+          <p:spPr>
+            <a:xfrm>
+              <a:off x="128705" y="1351101"/>
+              <a:ext cx="8565550" cy="45719"/>
+            </a:xfrm>
+            <a:prstGeom prst="rect">
+              <a:avLst/>
+            </a:prstGeom>
+            <a:solidFill>
+              <a:srgbClr val="000000"/>
+            </a:solidFill>
+            <a:ln>
+              <a:noFill/>
+            </a:ln>
+            <a:effectLst/>
+          </p:spPr>
+          <p:style>
+            <a:lnRef idx="1">
+              <a:schemeClr val="accent1"/>
+            </a:lnRef>
+            <a:fillRef idx="3">
+              <a:schemeClr val="accent1"/>
+            </a:fillRef>
+            <a:effectRef idx="2">
+              <a:schemeClr val="accent1"/>
+            </a:effectRef>
+            <a:fontRef idx="minor">
+              <a:schemeClr val="lt1"/>
+            </a:fontRef>
+          </p:style>
+          <p:txBody>
+            <a:bodyPr rtlCol="0" anchor="ctr"/>
+            <a:lstStyle/>
+            <a:p>
+              <a:pPr algn="ctr"/>
+              <a:endParaRPr lang="en-US">
+                <a:solidFill>
+                  <a:prstClr val="white"/>
+                </a:solidFill>
+              </a:endParaRPr>
+            </a:p>
+          </p:txBody>
+        </p:sp>
+        <p:pic>
+          <p:nvPicPr>
+            <p:cNvPr id="38" name="Picture 37" descr="camel_logo_notext_transparent.tif">
+              <a:extLst>
+                <a:ext uri="{FF2B5EF4-FFF2-40B4-BE49-F238E27FC236}">
+                  <a16:creationId xmlns:a16="http://schemas.microsoft.com/office/drawing/2014/main" id="{0D245E9F-6005-4EE4-B959-5FFF9DDFF0D5}"/>
+                </a:ext>
+              </a:extLst>
+            </p:cNvPr>
+            <p:cNvPicPr>
+              <a:picLocks noChangeAspect="1"/>
+            </p:cNvPicPr>
+            <p:nvPr/>
+          </p:nvPicPr>
+          <p:blipFill>
+            <a:blip r:embed="rId2">
+              <a:extLst>
+                <a:ext uri="{28A0092B-C50C-407E-A947-70E740481C1C}">
+                  <a14:useLocalDpi xmlns:a14="http://schemas.microsoft.com/office/drawing/2010/main" val="0"/>
+                </a:ext>
+              </a:extLst>
+            </a:blip>
+            <a:stretch>
+              <a:fillRect/>
+            </a:stretch>
+          </p:blipFill>
+          <p:spPr>
+            <a:xfrm>
+              <a:off x="8159721" y="1065325"/>
+              <a:ext cx="957623" cy="575213"/>
+            </a:xfrm>
+            <a:prstGeom prst="rect">
+              <a:avLst/>
+            </a:prstGeom>
+          </p:spPr>
+        </p:pic>
+        <p:pic>
+          <p:nvPicPr>
+            <p:cNvPr id="39" name="Picture 38" descr="mda.png">
+              <a:extLst>
+                <a:ext uri="{FF2B5EF4-FFF2-40B4-BE49-F238E27FC236}">
+                  <a16:creationId xmlns:a16="http://schemas.microsoft.com/office/drawing/2014/main" id="{C6BA20F3-BAF9-437C-B36D-646A850BB6E2}"/>
+                </a:ext>
+              </a:extLst>
+            </p:cNvPr>
+            <p:cNvPicPr>
+              <a:picLocks noChangeAspect="1"/>
+            </p:cNvPicPr>
+            <p:nvPr/>
+          </p:nvPicPr>
+          <p:blipFill>
+            <a:blip r:embed="rId3">
+              <a:extLst>
+                <a:ext uri="{28A0092B-C50C-407E-A947-70E740481C1C}">
+                  <a14:useLocalDpi xmlns:a14="http://schemas.microsoft.com/office/drawing/2010/main" val="0"/>
+                </a:ext>
+              </a:extLst>
+            </a:blip>
+            <a:stretch>
+              <a:fillRect/>
+            </a:stretch>
+          </p:blipFill>
+          <p:spPr>
+            <a:xfrm>
+              <a:off x="128706" y="1011199"/>
+              <a:ext cx="3050391" cy="316991"/>
+            </a:xfrm>
+            <a:prstGeom prst="rect">
+              <a:avLst/>
+            </a:prstGeom>
+          </p:spPr>
+        </p:pic>
+      </p:grpSp>
     </p:spTree>
     <p:extLst>
       <p:ext uri="{BB962C8B-B14F-4D97-AF65-F5344CB8AC3E}">
@@ -5408,7 +10895,7 @@
 </p:sld>
 </file>
 
-<file path=ppt/slides/slide6.xml><?xml version="1.0" encoding="utf-8"?>
+<file path=ppt/slides/slide8.xml><?xml version="1.0" encoding="utf-8"?>
 <p:sld xmlns:a="http://schemas.openxmlformats.org/drawingml/2006/main" xmlns:r="http://schemas.openxmlformats.org/officeDocument/2006/relationships" xmlns:p="http://schemas.openxmlformats.org/presentationml/2006/main">
   <p:cSld>
     <p:spTree>
@@ -5443,8 +10930,8 @@
         </p:nvSpPr>
         <p:spPr>
           <a:xfrm>
-            <a:off x="838200" y="69289"/>
-            <a:ext cx="8054788" cy="1042336"/>
+            <a:off x="2285254" y="832932"/>
+            <a:ext cx="7436224" cy="500534"/>
           </a:xfrm>
         </p:spPr>
         <p:txBody>
@@ -5475,14 +10962,14 @@
           <p:nvPr>
             <p:extLst>
               <p:ext uri="{D42A27DB-BD31-4B8C-83A1-F6EECF244321}">
-                <p14:modId xmlns:p14="http://schemas.microsoft.com/office/powerpoint/2010/main" val="3502107701"/>
+                <p14:modId xmlns:p14="http://schemas.microsoft.com/office/powerpoint/2010/main" val="2632353550"/>
               </p:ext>
             </p:extLst>
           </p:nvPr>
         </p:nvGraphicFramePr>
         <p:xfrm>
-          <a:off x="147913" y="1327261"/>
-          <a:ext cx="7209162" cy="2910828"/>
+          <a:off x="1627091" y="1569308"/>
+          <a:ext cx="5599557" cy="2910828"/>
         </p:xfrm>
         <a:graphic>
           <a:graphicData uri="http://schemas.openxmlformats.org/drawingml/2006/table">
@@ -5498,21 +10985,14 @@
                     </a:ext>
                   </a:extLst>
                 </a:gridCol>
-                <a:gridCol w="1532693">
+                <a:gridCol w="1656217">
                   <a:extLst>
                     <a:ext uri="{9D8B030D-6E8A-4147-A177-3AD203B41FA5}">
                       <a16:colId xmlns:a16="http://schemas.microsoft.com/office/drawing/2014/main" val="1233416698"/>
                     </a:ext>
                   </a:extLst>
                 </a:gridCol>
-                <a:gridCol w="1609605">
-                  <a:extLst>
-                    <a:ext uri="{9D8B030D-6E8A-4147-A177-3AD203B41FA5}">
-                      <a16:colId xmlns:a16="http://schemas.microsoft.com/office/drawing/2014/main" val="3002192346"/>
-                    </a:ext>
-                  </a:extLst>
-                </a:gridCol>
-                <a:gridCol w="1332086">
+                <a:gridCol w="1208562">
                   <a:extLst>
                     <a:ext uri="{9D8B030D-6E8A-4147-A177-3AD203B41FA5}">
                       <a16:colId xmlns:a16="http://schemas.microsoft.com/office/drawing/2014/main" val="2150674968"/>
@@ -5564,28 +11044,7 @@
                       <a:pPr algn="ctr"/>
                       <a:r>
                         <a:rPr lang="en-US" dirty="0"/>
-                        <a:t>(O2 fraction)</a:t>
-                      </a:r>
-                    </a:p>
-                  </a:txBody>
-                  <a:tcPr/>
-                </a:tc>
-                <a:tc>
-                  <a:txBody>
-                    <a:bodyPr/>
-                    <a:lstStyle/>
-                    <a:p>
-                      <a:pPr algn="ctr"/>
-                      <a:r>
-                        <a:rPr lang="en-US" dirty="0"/>
-                        <a:t>Y3</a:t>
-                      </a:r>
-                    </a:p>
-                    <a:p>
-                      <a:pPr algn="ctr"/>
-                      <a:r>
-                        <a:rPr lang="en-US" dirty="0"/>
-                        <a:t>(ICG fraction)</a:t>
+                        <a:t>(HbO2 fraction)</a:t>
                       </a:r>
                     </a:p>
                   </a:txBody>
@@ -5639,20 +11098,6 @@
                       <a:r>
                         <a:rPr lang="en-US" dirty="0"/>
                         <a:t>1</a:t>
-                      </a:r>
-                    </a:p>
-                  </a:txBody>
-                  <a:tcPr/>
-                </a:tc>
-                <a:tc>
-                  <a:txBody>
-                    <a:bodyPr/>
-                    <a:lstStyle/>
-                    <a:p>
-                      <a:pPr algn="ctr"/>
-                      <a:r>
-                        <a:rPr lang="en-US" dirty="0"/>
-                        <a:t>0</a:t>
                       </a:r>
                     </a:p>
                   </a:txBody>
@@ -5752,20 +11197,6 @@
                     <a:bodyPr/>
                     <a:lstStyle/>
                     <a:p>
-                      <a:pPr algn="ctr"/>
-                      <a:r>
-                        <a:rPr lang="en-US" dirty="0"/>
-                        <a:t>0</a:t>
-                      </a:r>
-                    </a:p>
-                  </a:txBody>
-                  <a:tcPr/>
-                </a:tc>
-                <a:tc>
-                  <a:txBody>
-                    <a:bodyPr/>
-                    <a:lstStyle/>
-                    <a:p>
                       <a:pPr algn="ctr" fontAlgn="b"/>
                       <a:r>
                         <a:rPr lang="en-US" sz="1800" b="0" i="0" u="none" strike="noStrike" dirty="0">
@@ -5831,20 +11262,6 @@
                       <a:r>
                         <a:rPr lang="en-US" dirty="0"/>
                         <a:t>0.2</a:t>
-                      </a:r>
-                    </a:p>
-                  </a:txBody>
-                  <a:tcPr/>
-                </a:tc>
-                <a:tc>
-                  <a:txBody>
-                    <a:bodyPr/>
-                    <a:lstStyle/>
-                    <a:p>
-                      <a:pPr algn="ctr"/>
-                      <a:r>
-                        <a:rPr lang="en-US" dirty="0"/>
-                        <a:t>0</a:t>
                       </a:r>
                     </a:p>
                   </a:txBody>
@@ -5930,20 +11347,6 @@
                     <a:bodyPr/>
                     <a:lstStyle/>
                     <a:p>
-                      <a:pPr algn="ctr"/>
-                      <a:r>
-                        <a:rPr lang="en-US" dirty="0"/>
-                        <a:t>0</a:t>
-                      </a:r>
-                    </a:p>
-                  </a:txBody>
-                  <a:tcPr/>
-                </a:tc>
-                <a:tc>
-                  <a:txBody>
-                    <a:bodyPr/>
-                    <a:lstStyle/>
-                    <a:p>
                       <a:pPr algn="ctr" fontAlgn="b"/>
                       <a:r>
                         <a:rPr lang="en-US" sz="1800" b="0" i="0" u="none" strike="noStrike">
@@ -6009,20 +11412,6 @@
                       <a:r>
                         <a:rPr lang="en-US" dirty="0"/>
                         <a:t>0.4</a:t>
-                      </a:r>
-                    </a:p>
-                  </a:txBody>
-                  <a:tcPr/>
-                </a:tc>
-                <a:tc>
-                  <a:txBody>
-                    <a:bodyPr/>
-                    <a:lstStyle/>
-                    <a:p>
-                      <a:pPr algn="ctr"/>
-                      <a:r>
-                        <a:rPr lang="en-US" dirty="0"/>
-                        <a:t>0</a:t>
                       </a:r>
                     </a:p>
                   </a:txBody>
@@ -6108,23 +11497,9 @@
                     <a:bodyPr/>
                     <a:lstStyle/>
                     <a:p>
-                      <a:pPr algn="ctr"/>
-                      <a:r>
-                        <a:rPr lang="en-US" dirty="0"/>
-                        <a:t>0</a:t>
-                      </a:r>
-                    </a:p>
-                  </a:txBody>
-                  <a:tcPr/>
-                </a:tc>
-                <a:tc>
-                  <a:txBody>
-                    <a:bodyPr/>
-                    <a:lstStyle/>
-                    <a:p>
                       <a:pPr algn="ctr" fontAlgn="b"/>
                       <a:r>
-                        <a:rPr lang="en-US" sz="1800" b="0" i="0" u="none" strike="noStrike">
+                        <a:rPr lang="en-US" sz="1800" b="0" i="0" u="none" strike="noStrike" dirty="0">
                           <a:solidFill>
                             <a:srgbClr val="000000"/>
                           </a:solidFill>
@@ -6181,7 +11556,7 @@
         </p:nvSpPr>
         <p:spPr>
           <a:xfrm>
-            <a:off x="147915" y="903305"/>
+            <a:off x="1627093" y="1145352"/>
             <a:ext cx="1213224" cy="461665"/>
           </a:xfrm>
           <a:prstGeom prst="rect">
@@ -6216,7 +11591,7 @@
         </p:nvSpPr>
         <p:spPr>
           <a:xfrm rot="16200000">
-            <a:off x="7381123" y="2881011"/>
+            <a:off x="7136246" y="3153942"/>
             <a:ext cx="475129" cy="523220"/>
           </a:xfrm>
           <a:prstGeom prst="rect">
@@ -6252,13 +11627,13 @@
           <p:nvPr>
             <p:extLst>
               <p:ext uri="{D42A27DB-BD31-4B8C-83A1-F6EECF244321}">
-                <p14:modId xmlns:p14="http://schemas.microsoft.com/office/powerpoint/2010/main" val="2857261043"/>
+                <p14:modId xmlns:p14="http://schemas.microsoft.com/office/powerpoint/2010/main" val="63802072"/>
               </p:ext>
             </p:extLst>
           </p:nvPr>
         </p:nvGraphicFramePr>
         <p:xfrm>
-          <a:off x="7989624" y="1327261"/>
+          <a:off x="7819293" y="1569308"/>
           <a:ext cx="1446495" cy="2910828"/>
         </p:xfrm>
         <a:graphic>
@@ -6479,14 +11854,14 @@
           <p:nvPr>
             <p:extLst>
               <p:ext uri="{D42A27DB-BD31-4B8C-83A1-F6EECF244321}">
-                <p14:modId xmlns:p14="http://schemas.microsoft.com/office/powerpoint/2010/main" val="801692866"/>
+                <p14:modId xmlns:p14="http://schemas.microsoft.com/office/powerpoint/2010/main" val="1154479888"/>
               </p:ext>
             </p:extLst>
           </p:nvPr>
         </p:nvGraphicFramePr>
         <p:xfrm>
-          <a:off x="147913" y="4532955"/>
-          <a:ext cx="7209165" cy="365760"/>
+          <a:off x="1627091" y="4775002"/>
+          <a:ext cx="5613447" cy="365760"/>
         </p:xfrm>
         <a:graphic>
           <a:graphicData uri="http://schemas.openxmlformats.org/drawingml/2006/table">
@@ -6509,13 +11884,6 @@
                     </a:ext>
                   </a:extLst>
                 </a:gridCol>
-                <a:gridCol w="1595718">
-                  <a:extLst>
-                    <a:ext uri="{9D8B030D-6E8A-4147-A177-3AD203B41FA5}">
-                      <a16:colId xmlns:a16="http://schemas.microsoft.com/office/drawing/2014/main" val="3002192346"/>
-                    </a:ext>
-                  </a:extLst>
-                </a:gridCol>
                 <a:gridCol w="1308847">
                   <a:extLst>
                     <a:ext uri="{9D8B030D-6E8A-4147-A177-3AD203B41FA5}">
@@ -6532,31 +11900,6 @@
                 </a:gridCol>
               </a:tblGrid>
               <a:tr h="345922">
-                <a:tc>
-                  <a:txBody>
-                    <a:bodyPr/>
-                    <a:lstStyle/>
-                    <a:p>
-                      <a:pPr algn="ctr"/>
-                      <a:r>
-                        <a:rPr lang="en-US" b="0" dirty="0">
-                          <a:solidFill>
-                            <a:schemeClr val="tx1"/>
-                          </a:solidFill>
-                        </a:rPr>
-                        <a:t>0</a:t>
-                      </a:r>
-                    </a:p>
-                  </a:txBody>
-                  <a:tcPr>
-                    <a:solidFill>
-                      <a:schemeClr val="accent1">
-                        <a:lumMod val="20000"/>
-                        <a:lumOff val="80000"/>
-                      </a:schemeClr>
-                    </a:solidFill>
-                  </a:tcPr>
-                </a:tc>
                 <a:tc>
                   <a:txBody>
                     <a:bodyPr/>
@@ -6682,13 +12025,13 @@
           <p:nvPr>
             <p:extLst>
               <p:ext uri="{D42A27DB-BD31-4B8C-83A1-F6EECF244321}">
-                <p14:modId xmlns:p14="http://schemas.microsoft.com/office/powerpoint/2010/main" val="3882147545"/>
+                <p14:modId xmlns:p14="http://schemas.microsoft.com/office/powerpoint/2010/main" val="218165714"/>
               </p:ext>
             </p:extLst>
           </p:nvPr>
         </p:nvGraphicFramePr>
         <p:xfrm>
-          <a:off x="7989624" y="4532955"/>
+          <a:off x="7819293" y="4775002"/>
           <a:ext cx="1446494" cy="365760"/>
         </p:xfrm>
         <a:graphic>
@@ -6756,7 +12099,7 @@
         </p:nvSpPr>
         <p:spPr>
           <a:xfrm>
-            <a:off x="4513728" y="4028153"/>
+            <a:off x="5992906" y="4270200"/>
             <a:ext cx="475129" cy="523220"/>
           </a:xfrm>
           <a:prstGeom prst="rect">
@@ -6791,7 +12134,7 @@
         </p:nvCxnSpPr>
         <p:spPr>
           <a:xfrm>
-            <a:off x="8892988" y="1506071"/>
+            <a:off x="8722657" y="1748118"/>
             <a:ext cx="941294" cy="0"/>
           </a:xfrm>
           <a:prstGeom prst="straightConnector1">
@@ -6830,7 +12173,7 @@
         </p:nvSpPr>
         <p:spPr>
           <a:xfrm>
-            <a:off x="9730443" y="1213683"/>
+            <a:off x="9560112" y="1455730"/>
             <a:ext cx="2496666" cy="584775"/>
           </a:xfrm>
           <a:prstGeom prst="rect">
@@ -6866,7 +12209,7 @@
         </p:nvCxnSpPr>
         <p:spPr>
           <a:xfrm>
-            <a:off x="4778187" y="5029200"/>
+            <a:off x="4706471" y="5181595"/>
             <a:ext cx="0" cy="286871"/>
           </a:xfrm>
           <a:prstGeom prst="line">
@@ -6909,8 +12252,8 @@
         </p:nvCxnSpPr>
         <p:spPr>
           <a:xfrm>
-            <a:off x="4778187" y="5316071"/>
-            <a:ext cx="4616829" cy="0"/>
+            <a:off x="4706471" y="5482099"/>
+            <a:ext cx="4559316" cy="0"/>
           </a:xfrm>
           <a:prstGeom prst="line">
             <a:avLst/>
@@ -6950,7 +12293,7 @@
         </p:nvCxnSpPr>
         <p:spPr>
           <a:xfrm>
-            <a:off x="9395016" y="5029199"/>
+            <a:off x="9256828" y="5185048"/>
             <a:ext cx="0" cy="286871"/>
           </a:xfrm>
           <a:prstGeom prst="line">
@@ -6993,7 +12336,7 @@
         </p:nvCxnSpPr>
         <p:spPr>
           <a:xfrm>
-            <a:off x="156876" y="5029200"/>
+            <a:off x="1640533" y="5158154"/>
             <a:ext cx="0" cy="286871"/>
           </a:xfrm>
           <a:prstGeom prst="line">
@@ -7036,7 +12379,7 @@
         </p:nvCxnSpPr>
         <p:spPr>
           <a:xfrm>
-            <a:off x="4686300" y="5029198"/>
+            <a:off x="4614584" y="5177300"/>
             <a:ext cx="0" cy="286871"/>
           </a:xfrm>
           <a:prstGeom prst="line">
@@ -7079,8 +12422,8 @@
         </p:nvCxnSpPr>
         <p:spPr>
           <a:xfrm>
-            <a:off x="147913" y="5316069"/>
-            <a:ext cx="4538387" cy="0"/>
+            <a:off x="1627091" y="5464171"/>
+            <a:ext cx="2996458" cy="0"/>
           </a:xfrm>
           <a:prstGeom prst="line">
             <a:avLst/>
@@ -7120,7 +12463,7 @@
         </p:nvSpPr>
         <p:spPr>
           <a:xfrm>
-            <a:off x="6774311" y="4920726"/>
+            <a:off x="6805692" y="5075422"/>
             <a:ext cx="418387" cy="461665"/>
           </a:xfrm>
           <a:prstGeom prst="rect">
@@ -7155,7 +12498,7 @@
         </p:nvSpPr>
         <p:spPr>
           <a:xfrm>
-            <a:off x="1998719" y="4929193"/>
+            <a:off x="2883561" y="5002506"/>
             <a:ext cx="418387" cy="461665"/>
           </a:xfrm>
           <a:prstGeom prst="rect">
@@ -7190,7 +12533,7 @@
         </p:nvSpPr>
         <p:spPr>
           <a:xfrm>
-            <a:off x="9453278" y="4597878"/>
+            <a:off x="9282947" y="4839925"/>
             <a:ext cx="381004" cy="461665"/>
           </a:xfrm>
           <a:prstGeom prst="rect">
@@ -7225,7 +12568,7 @@
         </p:nvSpPr>
         <p:spPr>
           <a:xfrm>
-            <a:off x="10088641" y="4659433"/>
+            <a:off x="9918310" y="4901480"/>
             <a:ext cx="2103359" cy="338554"/>
           </a:xfrm>
           <a:prstGeom prst="rect">
@@ -7263,7 +12606,7 @@
         </p:nvCxnSpPr>
         <p:spPr>
           <a:xfrm>
-            <a:off x="9775268" y="4828710"/>
+            <a:off x="9604937" y="5070757"/>
             <a:ext cx="358198" cy="0"/>
           </a:xfrm>
           <a:prstGeom prst="straightConnector1">
@@ -7302,7 +12645,7 @@
         </p:nvSpPr>
         <p:spPr>
           <a:xfrm>
-            <a:off x="951003" y="5518641"/>
+            <a:off x="1336488" y="5787582"/>
             <a:ext cx="7600577" cy="646331"/>
           </a:xfrm>
           <a:prstGeom prst="rect">
@@ -7318,10 +12661,9 @@
           <a:p>
             <a:pPr algn="ctr"/>
             <a:r>
-              <a:rPr lang="en-US"/>
+              <a:rPr lang="en-US" dirty="0"/>
               <a:t>There are machine learning algorithms that support multioutput predictions (e.g., linear regression, k-nearest neighbor, decision tree, etc.). </a:t>
             </a:r>
-            <a:endParaRPr lang="en-US" dirty="0"/>
           </a:p>
         </p:txBody>
       </p:sp>
@@ -7339,8 +12681,8 @@
         </p:nvSpPr>
         <p:spPr>
           <a:xfrm>
-            <a:off x="3827130" y="6225772"/>
-            <a:ext cx="8106335" cy="369332"/>
+            <a:off x="4212616" y="6494713"/>
+            <a:ext cx="7979384" cy="369332"/>
           </a:xfrm>
           <a:prstGeom prst="rect">
             <a:avLst/>
@@ -7378,7 +12720,7 @@
         </p:nvCxnSpPr>
         <p:spPr>
           <a:xfrm>
-            <a:off x="3146612" y="6137525"/>
+            <a:off x="3532097" y="6406466"/>
             <a:ext cx="0" cy="272913"/>
           </a:xfrm>
           <a:prstGeom prst="line">
@@ -7414,7 +12756,7 @@
         </p:nvCxnSpPr>
         <p:spPr>
           <a:xfrm>
-            <a:off x="3146612" y="6410438"/>
+            <a:off x="3532097" y="6679379"/>
             <a:ext cx="605882" cy="0"/>
           </a:xfrm>
           <a:prstGeom prst="line">
@@ -7439,232 +12781,158 @@
           </a:fontRef>
         </p:style>
       </p:cxnSp>
+      <p:grpSp>
+        <p:nvGrpSpPr>
+          <p:cNvPr id="27" name="Group 26">
+            <a:extLst>
+              <a:ext uri="{FF2B5EF4-FFF2-40B4-BE49-F238E27FC236}">
+                <a16:creationId xmlns:a16="http://schemas.microsoft.com/office/drawing/2014/main" id="{9CC5CF12-2DD6-4F28-B274-08C3DC56B479}"/>
+              </a:ext>
+            </a:extLst>
+          </p:cNvPr>
+          <p:cNvGrpSpPr/>
+          <p:nvPr/>
+        </p:nvGrpSpPr>
+        <p:grpSpPr>
+          <a:xfrm>
+            <a:off x="90394" y="84767"/>
+            <a:ext cx="12011959" cy="1105087"/>
+            <a:chOff x="128705" y="1011199"/>
+            <a:chExt cx="8988639" cy="629339"/>
+          </a:xfrm>
+        </p:grpSpPr>
+        <p:sp>
+          <p:nvSpPr>
+            <p:cNvPr id="28" name="Rectangle 27">
+              <a:extLst>
+                <a:ext uri="{FF2B5EF4-FFF2-40B4-BE49-F238E27FC236}">
+                  <a16:creationId xmlns:a16="http://schemas.microsoft.com/office/drawing/2014/main" id="{B2C1DF7E-DDD0-45C6-BD3C-6C385F31D2D8}"/>
+                </a:ext>
+              </a:extLst>
+            </p:cNvPr>
+            <p:cNvSpPr/>
+            <p:nvPr/>
+          </p:nvSpPr>
+          <p:spPr>
+            <a:xfrm>
+              <a:off x="128705" y="1351101"/>
+              <a:ext cx="8565550" cy="45719"/>
+            </a:xfrm>
+            <a:prstGeom prst="rect">
+              <a:avLst/>
+            </a:prstGeom>
+            <a:solidFill>
+              <a:srgbClr val="000000"/>
+            </a:solidFill>
+            <a:ln>
+              <a:noFill/>
+            </a:ln>
+            <a:effectLst/>
+          </p:spPr>
+          <p:style>
+            <a:lnRef idx="1">
+              <a:schemeClr val="accent1"/>
+            </a:lnRef>
+            <a:fillRef idx="3">
+              <a:schemeClr val="accent1"/>
+            </a:fillRef>
+            <a:effectRef idx="2">
+              <a:schemeClr val="accent1"/>
+            </a:effectRef>
+            <a:fontRef idx="minor">
+              <a:schemeClr val="lt1"/>
+            </a:fontRef>
+          </p:style>
+          <p:txBody>
+            <a:bodyPr rtlCol="0" anchor="ctr"/>
+            <a:lstStyle/>
+            <a:p>
+              <a:pPr algn="ctr"/>
+              <a:endParaRPr lang="en-US">
+                <a:solidFill>
+                  <a:prstClr val="white"/>
+                </a:solidFill>
+              </a:endParaRPr>
+            </a:p>
+          </p:txBody>
+        </p:sp>
+        <p:pic>
+          <p:nvPicPr>
+            <p:cNvPr id="32" name="Picture 31" descr="camel_logo_notext_transparent.tif">
+              <a:extLst>
+                <a:ext uri="{FF2B5EF4-FFF2-40B4-BE49-F238E27FC236}">
+                  <a16:creationId xmlns:a16="http://schemas.microsoft.com/office/drawing/2014/main" id="{19677470-1A74-47FA-AD93-9BBCB1CD95E0}"/>
+                </a:ext>
+              </a:extLst>
+            </p:cNvPr>
+            <p:cNvPicPr>
+              <a:picLocks noChangeAspect="1"/>
+            </p:cNvPicPr>
+            <p:nvPr/>
+          </p:nvPicPr>
+          <p:blipFill>
+            <a:blip r:embed="rId2">
+              <a:extLst>
+                <a:ext uri="{28A0092B-C50C-407E-A947-70E740481C1C}">
+                  <a14:useLocalDpi xmlns:a14="http://schemas.microsoft.com/office/drawing/2010/main" val="0"/>
+                </a:ext>
+              </a:extLst>
+            </a:blip>
+            <a:stretch>
+              <a:fillRect/>
+            </a:stretch>
+          </p:blipFill>
+          <p:spPr>
+            <a:xfrm>
+              <a:off x="8159721" y="1065325"/>
+              <a:ext cx="957623" cy="575213"/>
+            </a:xfrm>
+            <a:prstGeom prst="rect">
+              <a:avLst/>
+            </a:prstGeom>
+          </p:spPr>
+        </p:pic>
+        <p:pic>
+          <p:nvPicPr>
+            <p:cNvPr id="33" name="Picture 32" descr="mda.png">
+              <a:extLst>
+                <a:ext uri="{FF2B5EF4-FFF2-40B4-BE49-F238E27FC236}">
+                  <a16:creationId xmlns:a16="http://schemas.microsoft.com/office/drawing/2014/main" id="{E2851A5A-9835-4972-A17B-4A9004D825E9}"/>
+                </a:ext>
+              </a:extLst>
+            </p:cNvPr>
+            <p:cNvPicPr>
+              <a:picLocks noChangeAspect="1"/>
+            </p:cNvPicPr>
+            <p:nvPr/>
+          </p:nvPicPr>
+          <p:blipFill>
+            <a:blip r:embed="rId3">
+              <a:extLst>
+                <a:ext uri="{28A0092B-C50C-407E-A947-70E740481C1C}">
+                  <a14:useLocalDpi xmlns:a14="http://schemas.microsoft.com/office/drawing/2010/main" val="0"/>
+                </a:ext>
+              </a:extLst>
+            </a:blip>
+            <a:stretch>
+              <a:fillRect/>
+            </a:stretch>
+          </p:blipFill>
+          <p:spPr>
+            <a:xfrm>
+              <a:off x="128706" y="1011199"/>
+              <a:ext cx="3050391" cy="316991"/>
+            </a:xfrm>
+            <a:prstGeom prst="rect">
+              <a:avLst/>
+            </a:prstGeom>
+          </p:spPr>
+        </p:pic>
+      </p:grpSp>
     </p:spTree>
     <p:extLst>
       <p:ext uri="{BB962C8B-B14F-4D97-AF65-F5344CB8AC3E}">
         <p14:creationId xmlns:p14="http://schemas.microsoft.com/office/powerpoint/2010/main" val="807876865"/>
-      </p:ext>
-    </p:extLst>
-  </p:cSld>
-  <p:clrMapOvr>
-    <a:masterClrMapping/>
-  </p:clrMapOvr>
-</p:sld>
-</file>
-
-<file path=ppt/slides/slide7.xml><?xml version="1.0" encoding="utf-8"?>
-<p:sld xmlns:a="http://schemas.openxmlformats.org/drawingml/2006/main" xmlns:r="http://schemas.openxmlformats.org/officeDocument/2006/relationships" xmlns:p="http://schemas.openxmlformats.org/presentationml/2006/main">
-  <p:cSld>
-    <p:spTree>
-      <p:nvGrpSpPr>
-        <p:cNvPr id="1" name=""/>
-        <p:cNvGrpSpPr/>
-        <p:nvPr/>
-      </p:nvGrpSpPr>
-      <p:grpSpPr>
-        <a:xfrm>
-          <a:off x="0" y="0"/>
-          <a:ext cx="0" cy="0"/>
-          <a:chOff x="0" y="0"/>
-          <a:chExt cx="0" cy="0"/>
-        </a:xfrm>
-      </p:grpSpPr>
-      <p:sp>
-        <p:nvSpPr>
-          <p:cNvPr id="2" name="Title 1">
-            <a:extLst>
-              <a:ext uri="{FF2B5EF4-FFF2-40B4-BE49-F238E27FC236}">
-                <a16:creationId xmlns:a16="http://schemas.microsoft.com/office/drawing/2014/main" id="{EAB4C2F3-4F70-4283-9A80-4338A0A2701D}"/>
-              </a:ext>
-            </a:extLst>
-          </p:cNvPr>
-          <p:cNvSpPr>
-            <a:spLocks noGrp="1"/>
-          </p:cNvSpPr>
-          <p:nvPr>
-            <p:ph type="title"/>
-          </p:nvPr>
-        </p:nvSpPr>
-        <p:spPr/>
-        <p:txBody>
-          <a:bodyPr/>
-          <a:lstStyle/>
-          <a:p>
-            <a:r>
-              <a:rPr lang="en-US" b="1" dirty="0"/>
-              <a:t>Developed data collection plan</a:t>
-            </a:r>
-          </a:p>
-        </p:txBody>
-      </p:sp>
-      <p:sp>
-        <p:nvSpPr>
-          <p:cNvPr id="6" name="TextBox 5">
-            <a:extLst>
-              <a:ext uri="{FF2B5EF4-FFF2-40B4-BE49-F238E27FC236}">
-                <a16:creationId xmlns:a16="http://schemas.microsoft.com/office/drawing/2014/main" id="{55FF3FE9-A4C1-4D69-9C7E-DC4C8B81CB94}"/>
-              </a:ext>
-            </a:extLst>
-          </p:cNvPr>
-          <p:cNvSpPr txBox="1"/>
-          <p:nvPr/>
-        </p:nvSpPr>
-        <p:spPr>
-          <a:xfrm>
-            <a:off x="1156448" y="1874728"/>
-            <a:ext cx="10089776" cy="3108543"/>
-          </a:xfrm>
-          <a:prstGeom prst="rect">
-            <a:avLst/>
-          </a:prstGeom>
-          <a:noFill/>
-        </p:spPr>
-        <p:txBody>
-          <a:bodyPr wrap="square" rtlCol="0">
-            <a:spAutoFit/>
-          </a:bodyPr>
-          <a:lstStyle/>
-          <a:p>
-            <a:pPr marL="285750" indent="-285750">
-              <a:buFont typeface="Arial" panose="020B0604020202020204" pitchFamily="34" charset="0"/>
-              <a:buChar char="•"/>
-            </a:pPr>
-            <a:r>
-              <a:rPr lang="en-US" sz="2800" dirty="0"/>
-              <a:t>Acquire high SNR MSOT spectra at 1 mm wavelength steps between 680 nm to 900 nm. </a:t>
-            </a:r>
-          </a:p>
-          <a:p>
-            <a:pPr marL="914400" lvl="1" indent="-457200">
-              <a:buFont typeface="Courier New" panose="02070309020205020404" pitchFamily="49" charset="0"/>
-              <a:buChar char="o"/>
-            </a:pPr>
-            <a:endParaRPr lang="en-US" sz="2800" dirty="0"/>
-          </a:p>
-          <a:p>
-            <a:pPr marL="457200" indent="-457200">
-              <a:buFont typeface="Arial" panose="020B0604020202020204" pitchFamily="34" charset="0"/>
-              <a:buChar char="•"/>
-            </a:pPr>
-            <a:r>
-              <a:rPr lang="en-US" sz="2800" dirty="0">
-                <a:solidFill>
-                  <a:srgbClr val="FF0000"/>
-                </a:solidFill>
-              </a:rPr>
-              <a:t>X</a:t>
-            </a:r>
-            <a:r>
-              <a:rPr lang="en-US" sz="2800" dirty="0"/>
-              <a:t> MSOT spectra will be collected at </a:t>
-            </a:r>
-            <a:r>
-              <a:rPr lang="en-US" sz="2800" dirty="0">
-                <a:solidFill>
-                  <a:srgbClr val="FF0000"/>
-                </a:solidFill>
-              </a:rPr>
-              <a:t>X</a:t>
-            </a:r>
-            <a:r>
-              <a:rPr lang="en-US" sz="2800" dirty="0"/>
-              <a:t> different mixtures of Hb, O2, and ICG.</a:t>
-            </a:r>
-          </a:p>
-          <a:p>
-            <a:pPr marL="457200" indent="-457200">
-              <a:buFont typeface="Arial" panose="020B0604020202020204" pitchFamily="34" charset="0"/>
-              <a:buChar char="•"/>
-            </a:pPr>
-            <a:endParaRPr lang="en-US" sz="2800" dirty="0"/>
-          </a:p>
-          <a:p>
-            <a:pPr marL="457200" indent="-457200">
-              <a:buFont typeface="Arial" panose="020B0604020202020204" pitchFamily="34" charset="0"/>
-              <a:buChar char="•"/>
-            </a:pPr>
-            <a:r>
-              <a:rPr lang="en-US" sz="2800" dirty="0"/>
-              <a:t>Data will be collected by </a:t>
-            </a:r>
-            <a:r>
-              <a:rPr lang="en-US" sz="2800" dirty="0">
-                <a:solidFill>
-                  <a:srgbClr val="FF0000"/>
-                </a:solidFill>
-              </a:rPr>
-              <a:t>X</a:t>
-            </a:r>
-          </a:p>
-        </p:txBody>
-      </p:sp>
-    </p:spTree>
-    <p:extLst>
-      <p:ext uri="{BB962C8B-B14F-4D97-AF65-F5344CB8AC3E}">
-        <p14:creationId xmlns:p14="http://schemas.microsoft.com/office/powerpoint/2010/main" val="1757204623"/>
-      </p:ext>
-    </p:extLst>
-  </p:cSld>
-  <p:clrMapOvr>
-    <a:masterClrMapping/>
-  </p:clrMapOvr>
-</p:sld>
-</file>
-
-<file path=ppt/slides/slide8.xml><?xml version="1.0" encoding="utf-8"?>
-<p:sld xmlns:a="http://schemas.openxmlformats.org/drawingml/2006/main" xmlns:r="http://schemas.openxmlformats.org/officeDocument/2006/relationships" xmlns:p="http://schemas.openxmlformats.org/presentationml/2006/main">
-  <p:cSld>
-    <p:spTree>
-      <p:nvGrpSpPr>
-        <p:cNvPr id="1" name=""/>
-        <p:cNvGrpSpPr/>
-        <p:nvPr/>
-      </p:nvGrpSpPr>
-      <p:grpSpPr>
-        <a:xfrm>
-          <a:off x="0" y="0"/>
-          <a:ext cx="0" cy="0"/>
-          <a:chOff x="0" y="0"/>
-          <a:chExt cx="0" cy="0"/>
-        </a:xfrm>
-      </p:grpSpPr>
-      <p:sp>
-        <p:nvSpPr>
-          <p:cNvPr id="2" name="Title 1">
-            <a:extLst>
-              <a:ext uri="{FF2B5EF4-FFF2-40B4-BE49-F238E27FC236}">
-                <a16:creationId xmlns:a16="http://schemas.microsoft.com/office/drawing/2014/main" id="{EAB4C2F3-4F70-4283-9A80-4338A0A2701D}"/>
-              </a:ext>
-            </a:extLst>
-          </p:cNvPr>
-          <p:cNvSpPr>
-            <a:spLocks noGrp="1"/>
-          </p:cNvSpPr>
-          <p:nvPr>
-            <p:ph type="title"/>
-          </p:nvPr>
-        </p:nvSpPr>
-        <p:spPr>
-          <a:xfrm>
-            <a:off x="2926977" y="2382183"/>
-            <a:ext cx="6485965" cy="1325563"/>
-          </a:xfrm>
-        </p:spPr>
-        <p:txBody>
-          <a:bodyPr/>
-          <a:lstStyle/>
-          <a:p>
-            <a:r>
-              <a:rPr lang="en-US" b="1" dirty="0"/>
-              <a:t>Plans after data is collected?</a:t>
-            </a:r>
-          </a:p>
-        </p:txBody>
-      </p:sp>
-    </p:spTree>
-    <p:extLst>
-      <p:ext uri="{BB962C8B-B14F-4D97-AF65-F5344CB8AC3E}">
-        <p14:creationId xmlns:p14="http://schemas.microsoft.com/office/powerpoint/2010/main" val="3641404996"/>
       </p:ext>
     </p:extLst>
   </p:cSld>
@@ -7707,57 +12975,248 @@
             <p:ph type="title"/>
           </p:nvPr>
         </p:nvSpPr>
-        <p:spPr/>
+        <p:spPr>
+          <a:xfrm>
+            <a:off x="2176246" y="864682"/>
+            <a:ext cx="7274859" cy="1010046"/>
+          </a:xfrm>
+        </p:spPr>
         <p:txBody>
           <a:bodyPr/>
           <a:lstStyle/>
           <a:p>
             <a:r>
               <a:rPr lang="en-US" b="1" dirty="0"/>
-              <a:t>Machine learning vs. traditional method</a:t>
-            </a:r>
-          </a:p>
-        </p:txBody>
-      </p:sp>
-      <p:sp>
-        <p:nvSpPr>
-          <p:cNvPr id="3" name="Content Placeholder 2">
-            <a:extLst>
-              <a:ext uri="{FF2B5EF4-FFF2-40B4-BE49-F238E27FC236}">
-                <a16:creationId xmlns:a16="http://schemas.microsoft.com/office/drawing/2014/main" id="{7E7EA47C-BB5D-4E88-AB59-70CAA858D8B0}"/>
-              </a:ext>
-            </a:extLst>
-          </p:cNvPr>
-          <p:cNvSpPr>
-            <a:spLocks noGrp="1"/>
-          </p:cNvSpPr>
-          <p:nvPr>
-            <p:ph idx="1"/>
-          </p:nvPr>
+              <a:t>Developed data collection plan</a:t>
+            </a:r>
+          </a:p>
+        </p:txBody>
+      </p:sp>
+      <p:sp>
+        <p:nvSpPr>
+          <p:cNvPr id="6" name="TextBox 5">
+            <a:extLst>
+              <a:ext uri="{FF2B5EF4-FFF2-40B4-BE49-F238E27FC236}">
+                <a16:creationId xmlns:a16="http://schemas.microsoft.com/office/drawing/2014/main" id="{55FF3FE9-A4C1-4D69-9C7E-DC4C8B81CB94}"/>
+              </a:ext>
+            </a:extLst>
+          </p:cNvPr>
+          <p:cNvSpPr txBox="1"/>
+          <p:nvPr/>
         </p:nvSpPr>
         <p:spPr>
           <a:xfrm>
-            <a:off x="838200" y="1497107"/>
-            <a:ext cx="10515600" cy="4995768"/>
+            <a:off x="1156448" y="2062988"/>
+            <a:ext cx="10089776" cy="3108543"/>
           </a:xfrm>
+          <a:prstGeom prst="rect">
+            <a:avLst/>
+          </a:prstGeom>
+          <a:noFill/>
         </p:spPr>
         <p:txBody>
-          <a:bodyPr>
-            <a:normAutofit/>
+          <a:bodyPr wrap="square" rtlCol="0">
+            <a:spAutoFit/>
           </a:bodyPr>
           <a:lstStyle/>
           <a:p>
-            <a:pPr marL="0" indent="0">
-              <a:buNone/>
+            <a:pPr marL="285750" indent="-285750">
+              <a:buFont typeface="Arial" panose="020B0604020202020204" pitchFamily="34" charset="0"/>
+              <a:buChar char="•"/>
             </a:pPr>
-            <a:endParaRPr lang="en-US" dirty="0"/>
-          </a:p>
-        </p:txBody>
-      </p:sp>
+            <a:r>
+              <a:rPr lang="en-US" sz="2800" dirty="0"/>
+              <a:t>Acquire high SNR MSOT spectra at 1 mm wavelength steps between 680 nm to 900 nm. </a:t>
+            </a:r>
+          </a:p>
+          <a:p>
+            <a:pPr marL="914400" lvl="1" indent="-457200">
+              <a:buFont typeface="Courier New" panose="02070309020205020404" pitchFamily="49" charset="0"/>
+              <a:buChar char="o"/>
+            </a:pPr>
+            <a:endParaRPr lang="en-US" sz="2800" dirty="0"/>
+          </a:p>
+          <a:p>
+            <a:pPr marL="457200" indent="-457200">
+              <a:buFont typeface="Arial" panose="020B0604020202020204" pitchFamily="34" charset="0"/>
+              <a:buChar char="•"/>
+            </a:pPr>
+            <a:r>
+              <a:rPr lang="en-US" sz="2800" dirty="0"/>
+              <a:t>MSOT spectra will be collected of blood samples with various levels of O2.</a:t>
+            </a:r>
+          </a:p>
+          <a:p>
+            <a:pPr marL="457200" indent="-457200">
+              <a:buFont typeface="Arial" panose="020B0604020202020204" pitchFamily="34" charset="0"/>
+              <a:buChar char="•"/>
+            </a:pPr>
+            <a:endParaRPr lang="en-US" sz="2800" dirty="0"/>
+          </a:p>
+          <a:p>
+            <a:pPr marL="457200" indent="-457200">
+              <a:buFont typeface="Arial" panose="020B0604020202020204" pitchFamily="34" charset="0"/>
+              <a:buChar char="•"/>
+            </a:pPr>
+            <a:r>
+              <a:rPr lang="en-US" sz="2800" dirty="0"/>
+              <a:t>Data will be collected by March 7th</a:t>
+            </a:r>
+          </a:p>
+        </p:txBody>
+      </p:sp>
+      <p:grpSp>
+        <p:nvGrpSpPr>
+          <p:cNvPr id="4" name="Group 3">
+            <a:extLst>
+              <a:ext uri="{FF2B5EF4-FFF2-40B4-BE49-F238E27FC236}">
+                <a16:creationId xmlns:a16="http://schemas.microsoft.com/office/drawing/2014/main" id="{67B3D280-6AB6-441A-9952-39359F1D8827}"/>
+              </a:ext>
+            </a:extLst>
+          </p:cNvPr>
+          <p:cNvGrpSpPr/>
+          <p:nvPr/>
+        </p:nvGrpSpPr>
+        <p:grpSpPr>
+          <a:xfrm>
+            <a:off x="90394" y="84767"/>
+            <a:ext cx="12011959" cy="1105087"/>
+            <a:chOff x="128705" y="1011199"/>
+            <a:chExt cx="8988639" cy="629339"/>
+          </a:xfrm>
+        </p:grpSpPr>
+        <p:sp>
+          <p:nvSpPr>
+            <p:cNvPr id="5" name="Rectangle 4">
+              <a:extLst>
+                <a:ext uri="{FF2B5EF4-FFF2-40B4-BE49-F238E27FC236}">
+                  <a16:creationId xmlns:a16="http://schemas.microsoft.com/office/drawing/2014/main" id="{D646CA79-8CB4-4AC8-89AF-6F94D1C56869}"/>
+                </a:ext>
+              </a:extLst>
+            </p:cNvPr>
+            <p:cNvSpPr/>
+            <p:nvPr/>
+          </p:nvSpPr>
+          <p:spPr>
+            <a:xfrm>
+              <a:off x="128705" y="1351101"/>
+              <a:ext cx="8565550" cy="45719"/>
+            </a:xfrm>
+            <a:prstGeom prst="rect">
+              <a:avLst/>
+            </a:prstGeom>
+            <a:solidFill>
+              <a:srgbClr val="000000"/>
+            </a:solidFill>
+            <a:ln>
+              <a:noFill/>
+            </a:ln>
+            <a:effectLst/>
+          </p:spPr>
+          <p:style>
+            <a:lnRef idx="1">
+              <a:schemeClr val="accent1"/>
+            </a:lnRef>
+            <a:fillRef idx="3">
+              <a:schemeClr val="accent1"/>
+            </a:fillRef>
+            <a:effectRef idx="2">
+              <a:schemeClr val="accent1"/>
+            </a:effectRef>
+            <a:fontRef idx="minor">
+              <a:schemeClr val="lt1"/>
+            </a:fontRef>
+          </p:style>
+          <p:txBody>
+            <a:bodyPr rtlCol="0" anchor="ctr"/>
+            <a:lstStyle/>
+            <a:p>
+              <a:pPr algn="ctr"/>
+              <a:endParaRPr lang="en-US">
+                <a:solidFill>
+                  <a:prstClr val="white"/>
+                </a:solidFill>
+              </a:endParaRPr>
+            </a:p>
+          </p:txBody>
+        </p:sp>
+        <p:pic>
+          <p:nvPicPr>
+            <p:cNvPr id="7" name="Picture 6" descr="camel_logo_notext_transparent.tif">
+              <a:extLst>
+                <a:ext uri="{FF2B5EF4-FFF2-40B4-BE49-F238E27FC236}">
+                  <a16:creationId xmlns:a16="http://schemas.microsoft.com/office/drawing/2014/main" id="{AAEF9F8B-00FE-46EF-8C03-5B1A43416664}"/>
+                </a:ext>
+              </a:extLst>
+            </p:cNvPr>
+            <p:cNvPicPr>
+              <a:picLocks noChangeAspect="1"/>
+            </p:cNvPicPr>
+            <p:nvPr/>
+          </p:nvPicPr>
+          <p:blipFill>
+            <a:blip r:embed="rId2">
+              <a:extLst>
+                <a:ext uri="{28A0092B-C50C-407E-A947-70E740481C1C}">
+                  <a14:useLocalDpi xmlns:a14="http://schemas.microsoft.com/office/drawing/2010/main" val="0"/>
+                </a:ext>
+              </a:extLst>
+            </a:blip>
+            <a:stretch>
+              <a:fillRect/>
+            </a:stretch>
+          </p:blipFill>
+          <p:spPr>
+            <a:xfrm>
+              <a:off x="8159721" y="1065325"/>
+              <a:ext cx="957623" cy="575213"/>
+            </a:xfrm>
+            <a:prstGeom prst="rect">
+              <a:avLst/>
+            </a:prstGeom>
+          </p:spPr>
+        </p:pic>
+        <p:pic>
+          <p:nvPicPr>
+            <p:cNvPr id="8" name="Picture 7" descr="mda.png">
+              <a:extLst>
+                <a:ext uri="{FF2B5EF4-FFF2-40B4-BE49-F238E27FC236}">
+                  <a16:creationId xmlns:a16="http://schemas.microsoft.com/office/drawing/2014/main" id="{41E72154-9093-4D83-9774-4FBBB553A9FA}"/>
+                </a:ext>
+              </a:extLst>
+            </p:cNvPr>
+            <p:cNvPicPr>
+              <a:picLocks noChangeAspect="1"/>
+            </p:cNvPicPr>
+            <p:nvPr/>
+          </p:nvPicPr>
+          <p:blipFill>
+            <a:blip r:embed="rId3">
+              <a:extLst>
+                <a:ext uri="{28A0092B-C50C-407E-A947-70E740481C1C}">
+                  <a14:useLocalDpi xmlns:a14="http://schemas.microsoft.com/office/drawing/2010/main" val="0"/>
+                </a:ext>
+              </a:extLst>
+            </a:blip>
+            <a:stretch>
+              <a:fillRect/>
+            </a:stretch>
+          </p:blipFill>
+          <p:spPr>
+            <a:xfrm>
+              <a:off x="128706" y="1011199"/>
+              <a:ext cx="3050391" cy="316991"/>
+            </a:xfrm>
+            <a:prstGeom prst="rect">
+              <a:avLst/>
+            </a:prstGeom>
+          </p:spPr>
+        </p:pic>
+      </p:grpSp>
     </p:spTree>
     <p:extLst>
       <p:ext uri="{BB962C8B-B14F-4D97-AF65-F5344CB8AC3E}">
-        <p14:creationId xmlns:p14="http://schemas.microsoft.com/office/powerpoint/2010/main" val="1021032332"/>
+        <p14:creationId xmlns:p14="http://schemas.microsoft.com/office/powerpoint/2010/main" val="1757204623"/>
       </p:ext>
     </p:extLst>
   </p:cSld>
@@ -8060,4 +13519,561 @@
     </a:ext>
   </a:extLst>
 </a:theme>
+</file>
+
+<file path=ppt/theme/theme2.xml><?xml version="1.0" encoding="utf-8"?>
+<a:theme xmlns:a="http://schemas.openxmlformats.org/drawingml/2006/main" name="CAMEL powerpoint template">
+  <a:themeElements>
+    <a:clrScheme name="Custom 2">
+      <a:dk1>
+        <a:sysClr val="windowText" lastClr="000000"/>
+      </a:dk1>
+      <a:lt1>
+        <a:sysClr val="window" lastClr="FFFFFF"/>
+      </a:lt1>
+      <a:dk2>
+        <a:srgbClr val="AB0520"/>
+      </a:dk2>
+      <a:lt2>
+        <a:srgbClr val="002147"/>
+      </a:lt2>
+      <a:accent1>
+        <a:srgbClr val="4F81BD"/>
+      </a:accent1>
+      <a:accent2>
+        <a:srgbClr val="C0504D"/>
+      </a:accent2>
+      <a:accent3>
+        <a:srgbClr val="9BBB59"/>
+      </a:accent3>
+      <a:accent4>
+        <a:srgbClr val="8064A2"/>
+      </a:accent4>
+      <a:accent5>
+        <a:srgbClr val="4BACC6"/>
+      </a:accent5>
+      <a:accent6>
+        <a:srgbClr val="F79646"/>
+      </a:accent6>
+      <a:hlink>
+        <a:srgbClr val="0000FF"/>
+      </a:hlink>
+      <a:folHlink>
+        <a:srgbClr val="800080"/>
+      </a:folHlink>
+    </a:clrScheme>
+    <a:fontScheme name="Saddle">
+      <a:majorFont>
+        <a:latin typeface="Book Antiqua"/>
+        <a:ea typeface=""/>
+        <a:cs typeface=""/>
+        <a:font script="Jpan" typeface="ＭＳ 明朝"/>
+      </a:majorFont>
+      <a:minorFont>
+        <a:latin typeface="Book Antiqua"/>
+        <a:ea typeface=""/>
+        <a:cs typeface=""/>
+        <a:font script="Jpan" typeface="ＭＳ 明朝"/>
+      </a:minorFont>
+    </a:fontScheme>
+    <a:fmtScheme name="Office">
+      <a:fillStyleLst>
+        <a:solidFill>
+          <a:schemeClr val="phClr"/>
+        </a:solidFill>
+        <a:gradFill rotWithShape="1">
+          <a:gsLst>
+            <a:gs pos="0">
+              <a:schemeClr val="phClr">
+                <a:tint val="50000"/>
+                <a:satMod val="300000"/>
+              </a:schemeClr>
+            </a:gs>
+            <a:gs pos="35000">
+              <a:schemeClr val="phClr">
+                <a:tint val="37000"/>
+                <a:satMod val="300000"/>
+              </a:schemeClr>
+            </a:gs>
+            <a:gs pos="100000">
+              <a:schemeClr val="phClr">
+                <a:tint val="15000"/>
+                <a:satMod val="350000"/>
+              </a:schemeClr>
+            </a:gs>
+          </a:gsLst>
+          <a:lin ang="16200000" scaled="1"/>
+        </a:gradFill>
+        <a:gradFill rotWithShape="1">
+          <a:gsLst>
+            <a:gs pos="0">
+              <a:schemeClr val="phClr">
+                <a:tint val="100000"/>
+                <a:shade val="100000"/>
+                <a:satMod val="130000"/>
+              </a:schemeClr>
+            </a:gs>
+            <a:gs pos="100000">
+              <a:schemeClr val="phClr">
+                <a:tint val="50000"/>
+                <a:shade val="100000"/>
+                <a:satMod val="350000"/>
+              </a:schemeClr>
+            </a:gs>
+          </a:gsLst>
+          <a:lin ang="16200000" scaled="0"/>
+        </a:gradFill>
+      </a:fillStyleLst>
+      <a:lnStyleLst>
+        <a:ln w="9525" cap="flat" cmpd="sng" algn="ctr">
+          <a:solidFill>
+            <a:schemeClr val="phClr">
+              <a:shade val="95000"/>
+              <a:satMod val="105000"/>
+            </a:schemeClr>
+          </a:solidFill>
+          <a:prstDash val="solid"/>
+        </a:ln>
+        <a:ln w="25400" cap="flat" cmpd="sng" algn="ctr">
+          <a:solidFill>
+            <a:schemeClr val="phClr"/>
+          </a:solidFill>
+          <a:prstDash val="solid"/>
+        </a:ln>
+        <a:ln w="38100" cap="flat" cmpd="sng" algn="ctr">
+          <a:solidFill>
+            <a:schemeClr val="phClr"/>
+          </a:solidFill>
+          <a:prstDash val="solid"/>
+        </a:ln>
+      </a:lnStyleLst>
+      <a:effectStyleLst>
+        <a:effectStyle>
+          <a:effectLst>
+            <a:outerShdw blurRad="40000" dist="20000" dir="5400000" rotWithShape="0">
+              <a:srgbClr val="000000">
+                <a:alpha val="38000"/>
+              </a:srgbClr>
+            </a:outerShdw>
+          </a:effectLst>
+        </a:effectStyle>
+        <a:effectStyle>
+          <a:effectLst>
+            <a:outerShdw blurRad="40000" dist="23000" dir="5400000" rotWithShape="0">
+              <a:srgbClr val="000000">
+                <a:alpha val="35000"/>
+              </a:srgbClr>
+            </a:outerShdw>
+          </a:effectLst>
+        </a:effectStyle>
+        <a:effectStyle>
+          <a:effectLst>
+            <a:outerShdw blurRad="40000" dist="23000" dir="5400000" rotWithShape="0">
+              <a:srgbClr val="000000">
+                <a:alpha val="35000"/>
+              </a:srgbClr>
+            </a:outerShdw>
+          </a:effectLst>
+          <a:scene3d>
+            <a:camera prst="orthographicFront">
+              <a:rot lat="0" lon="0" rev="0"/>
+            </a:camera>
+            <a:lightRig rig="threePt" dir="t">
+              <a:rot lat="0" lon="0" rev="1200000"/>
+            </a:lightRig>
+          </a:scene3d>
+          <a:sp3d>
+            <a:bevelT w="63500" h="25400"/>
+          </a:sp3d>
+        </a:effectStyle>
+      </a:effectStyleLst>
+      <a:bgFillStyleLst>
+        <a:solidFill>
+          <a:schemeClr val="phClr"/>
+        </a:solidFill>
+        <a:gradFill rotWithShape="1">
+          <a:gsLst>
+            <a:gs pos="0">
+              <a:schemeClr val="phClr">
+                <a:tint val="40000"/>
+                <a:satMod val="350000"/>
+              </a:schemeClr>
+            </a:gs>
+            <a:gs pos="40000">
+              <a:schemeClr val="phClr">
+                <a:tint val="45000"/>
+                <a:shade val="99000"/>
+                <a:satMod val="350000"/>
+              </a:schemeClr>
+            </a:gs>
+            <a:gs pos="100000">
+              <a:schemeClr val="phClr">
+                <a:shade val="20000"/>
+                <a:satMod val="255000"/>
+              </a:schemeClr>
+            </a:gs>
+          </a:gsLst>
+          <a:path path="circle">
+            <a:fillToRect l="50000" t="-80000" r="50000" b="180000"/>
+          </a:path>
+        </a:gradFill>
+        <a:gradFill rotWithShape="1">
+          <a:gsLst>
+            <a:gs pos="0">
+              <a:schemeClr val="phClr">
+                <a:tint val="80000"/>
+                <a:satMod val="300000"/>
+              </a:schemeClr>
+            </a:gs>
+            <a:gs pos="100000">
+              <a:schemeClr val="phClr">
+                <a:shade val="30000"/>
+                <a:satMod val="200000"/>
+              </a:schemeClr>
+            </a:gs>
+          </a:gsLst>
+          <a:path path="circle">
+            <a:fillToRect l="50000" t="50000" r="50000" b="50000"/>
+          </a:path>
+        </a:gradFill>
+      </a:bgFillStyleLst>
+    </a:fmtScheme>
+  </a:themeElements>
+  <a:objectDefaults>
+    <a:spDef>
+      <a:spPr/>
+      <a:bodyPr/>
+      <a:lstStyle/>
+      <a:style>
+        <a:lnRef idx="1">
+          <a:schemeClr val="accent1"/>
+        </a:lnRef>
+        <a:fillRef idx="3">
+          <a:schemeClr val="accent1"/>
+        </a:fillRef>
+        <a:effectRef idx="2">
+          <a:schemeClr val="accent1"/>
+        </a:effectRef>
+        <a:fontRef idx="minor">
+          <a:schemeClr val="lt1"/>
+        </a:fontRef>
+      </a:style>
+    </a:spDef>
+    <a:lnDef>
+      <a:spPr/>
+      <a:bodyPr/>
+      <a:lstStyle/>
+      <a:style>
+        <a:lnRef idx="2">
+          <a:schemeClr val="accent1"/>
+        </a:lnRef>
+        <a:fillRef idx="0">
+          <a:schemeClr val="accent1"/>
+        </a:fillRef>
+        <a:effectRef idx="1">
+          <a:schemeClr val="accent1"/>
+        </a:effectRef>
+        <a:fontRef idx="minor">
+          <a:schemeClr val="tx1"/>
+        </a:fontRef>
+      </a:style>
+    </a:lnDef>
+  </a:objectDefaults>
+  <a:extraClrSchemeLst/>
+</a:theme>
+</file>
+
+<file path=ppt/theme/theme3.xml><?xml version="1.0" encoding="utf-8"?>
+<a:theme xmlns:a="http://schemas.openxmlformats.org/drawingml/2006/main" name="Office Theme">
+  <a:themeElements>
+    <a:clrScheme name="Office">
+      <a:dk1>
+        <a:sysClr val="windowText" lastClr="000000"/>
+      </a:dk1>
+      <a:lt1>
+        <a:sysClr val="window" lastClr="FFFFFF"/>
+      </a:lt1>
+      <a:dk2>
+        <a:srgbClr val="44546A"/>
+      </a:dk2>
+      <a:lt2>
+        <a:srgbClr val="E7E6E6"/>
+      </a:lt2>
+      <a:accent1>
+        <a:srgbClr val="4472C4"/>
+      </a:accent1>
+      <a:accent2>
+        <a:srgbClr val="ED7D31"/>
+      </a:accent2>
+      <a:accent3>
+        <a:srgbClr val="A5A5A5"/>
+      </a:accent3>
+      <a:accent4>
+        <a:srgbClr val="FFC000"/>
+      </a:accent4>
+      <a:accent5>
+        <a:srgbClr val="5B9BD5"/>
+      </a:accent5>
+      <a:accent6>
+        <a:srgbClr val="70AD47"/>
+      </a:accent6>
+      <a:hlink>
+        <a:srgbClr val="0563C1"/>
+      </a:hlink>
+      <a:folHlink>
+        <a:srgbClr val="954F72"/>
+      </a:folHlink>
+    </a:clrScheme>
+    <a:fontScheme name="Office">
+      <a:majorFont>
+        <a:latin typeface="Calibri Light" panose="020F0302020204030204"/>
+        <a:ea typeface=""/>
+        <a:cs typeface=""/>
+        <a:font script="Jpan" typeface="游ゴシック Light"/>
+        <a:font script="Hang" typeface="맑은 고딕"/>
+        <a:font script="Hans" typeface="等线 Light"/>
+        <a:font script="Hant" typeface="新細明體"/>
+        <a:font script="Arab" typeface="Times New Roman"/>
+        <a:font script="Hebr" typeface="Times New Roman"/>
+        <a:font script="Thai" typeface="Angsana New"/>
+        <a:font script="Ethi" typeface="Nyala"/>
+        <a:font script="Beng" typeface="Vrinda"/>
+        <a:font script="Gujr" typeface="Shruti"/>
+        <a:font script="Khmr" typeface="MoolBoran"/>
+        <a:font script="Knda" typeface="Tunga"/>
+        <a:font script="Guru" typeface="Raavi"/>
+        <a:font script="Cans" typeface="Euphemia"/>
+        <a:font script="Cher" typeface="Plantagenet Cherokee"/>
+        <a:font script="Yiii" typeface="Microsoft Yi Baiti"/>
+        <a:font script="Tibt" typeface="Microsoft Himalaya"/>
+        <a:font script="Thaa" typeface="MV Boli"/>
+        <a:font script="Deva" typeface="Mangal"/>
+        <a:font script="Telu" typeface="Gautami"/>
+        <a:font script="Taml" typeface="Latha"/>
+        <a:font script="Syrc" typeface="Estrangelo Edessa"/>
+        <a:font script="Orya" typeface="Kalinga"/>
+        <a:font script="Mlym" typeface="Kartika"/>
+        <a:font script="Laoo" typeface="DokChampa"/>
+        <a:font script="Sinh" typeface="Iskoola Pota"/>
+        <a:font script="Mong" typeface="Mongolian Baiti"/>
+        <a:font script="Viet" typeface="Times New Roman"/>
+        <a:font script="Uigh" typeface="Microsoft Uighur"/>
+        <a:font script="Geor" typeface="Sylfaen"/>
+        <a:font script="Armn" typeface="Arial"/>
+        <a:font script="Bugi" typeface="Leelawadee UI"/>
+        <a:font script="Bopo" typeface="Microsoft JhengHei"/>
+        <a:font script="Java" typeface="Javanese Text"/>
+        <a:font script="Lisu" typeface="Segoe UI"/>
+        <a:font script="Mymr" typeface="Myanmar Text"/>
+        <a:font script="Nkoo" typeface="Ebrima"/>
+        <a:font script="Olck" typeface="Nirmala UI"/>
+        <a:font script="Osma" typeface="Ebrima"/>
+        <a:font script="Phag" typeface="Phagspa"/>
+        <a:font script="Syrn" typeface="Estrangelo Edessa"/>
+        <a:font script="Syrj" typeface="Estrangelo Edessa"/>
+        <a:font script="Syre" typeface="Estrangelo Edessa"/>
+        <a:font script="Sora" typeface="Nirmala UI"/>
+        <a:font script="Tale" typeface="Microsoft Tai Le"/>
+        <a:font script="Talu" typeface="Microsoft New Tai Lue"/>
+        <a:font script="Tfng" typeface="Ebrima"/>
+      </a:majorFont>
+      <a:minorFont>
+        <a:latin typeface="Calibri" panose="020F0502020204030204"/>
+        <a:ea typeface=""/>
+        <a:cs typeface=""/>
+        <a:font script="Jpan" typeface="游ゴシック"/>
+        <a:font script="Hang" typeface="맑은 고딕"/>
+        <a:font script="Hans" typeface="等线"/>
+        <a:font script="Hant" typeface="新細明體"/>
+        <a:font script="Arab" typeface="Arial"/>
+        <a:font script="Hebr" typeface="Arial"/>
+        <a:font script="Thai" typeface="Cordia New"/>
+        <a:font script="Ethi" typeface="Nyala"/>
+        <a:font script="Beng" typeface="Vrinda"/>
+        <a:font script="Gujr" typeface="Shruti"/>
+        <a:font script="Khmr" typeface="DaunPenh"/>
+        <a:font script="Knda" typeface="Tunga"/>
+        <a:font script="Guru" typeface="Raavi"/>
+        <a:font script="Cans" typeface="Euphemia"/>
+        <a:font script="Cher" typeface="Plantagenet Cherokee"/>
+        <a:font script="Yiii" typeface="Microsoft Yi Baiti"/>
+        <a:font script="Tibt" typeface="Microsoft Himalaya"/>
+        <a:font script="Thaa" typeface="MV Boli"/>
+        <a:font script="Deva" typeface="Mangal"/>
+        <a:font script="Telu" typeface="Gautami"/>
+        <a:font script="Taml" typeface="Latha"/>
+        <a:font script="Syrc" typeface="Estrangelo Edessa"/>
+        <a:font script="Orya" typeface="Kalinga"/>
+        <a:font script="Mlym" typeface="Kartika"/>
+        <a:font script="Laoo" typeface="DokChampa"/>
+        <a:font script="Sinh" typeface="Iskoola Pota"/>
+        <a:font script="Mong" typeface="Mongolian Baiti"/>
+        <a:font script="Viet" typeface="Arial"/>
+        <a:font script="Uigh" typeface="Microsoft Uighur"/>
+        <a:font script="Geor" typeface="Sylfaen"/>
+        <a:font script="Armn" typeface="Arial"/>
+        <a:font script="Bugi" typeface="Leelawadee UI"/>
+        <a:font script="Bopo" typeface="Microsoft JhengHei"/>
+        <a:font script="Java" typeface="Javanese Text"/>
+        <a:font script="Lisu" typeface="Segoe UI"/>
+        <a:font script="Mymr" typeface="Myanmar Text"/>
+        <a:font script="Nkoo" typeface="Ebrima"/>
+        <a:font script="Olck" typeface="Nirmala UI"/>
+        <a:font script="Osma" typeface="Ebrima"/>
+        <a:font script="Phag" typeface="Phagspa"/>
+        <a:font script="Syrn" typeface="Estrangelo Edessa"/>
+        <a:font script="Syrj" typeface="Estrangelo Edessa"/>
+        <a:font script="Syre" typeface="Estrangelo Edessa"/>
+        <a:font script="Sora" typeface="Nirmala UI"/>
+        <a:font script="Tale" typeface="Microsoft Tai Le"/>
+        <a:font script="Talu" typeface="Microsoft New Tai Lue"/>
+        <a:font script="Tfng" typeface="Ebrima"/>
+      </a:minorFont>
+    </a:fontScheme>
+    <a:fmtScheme name="Office">
+      <a:fillStyleLst>
+        <a:solidFill>
+          <a:schemeClr val="phClr"/>
+        </a:solidFill>
+        <a:gradFill rotWithShape="1">
+          <a:gsLst>
+            <a:gs pos="0">
+              <a:schemeClr val="phClr">
+                <a:lumMod val="110000"/>
+                <a:satMod val="105000"/>
+                <a:tint val="67000"/>
+              </a:schemeClr>
+            </a:gs>
+            <a:gs pos="50000">
+              <a:schemeClr val="phClr">
+                <a:lumMod val="105000"/>
+                <a:satMod val="103000"/>
+                <a:tint val="73000"/>
+              </a:schemeClr>
+            </a:gs>
+            <a:gs pos="100000">
+              <a:schemeClr val="phClr">
+                <a:lumMod val="105000"/>
+                <a:satMod val="109000"/>
+                <a:tint val="81000"/>
+              </a:schemeClr>
+            </a:gs>
+          </a:gsLst>
+          <a:lin ang="5400000" scaled="0"/>
+        </a:gradFill>
+        <a:gradFill rotWithShape="1">
+          <a:gsLst>
+            <a:gs pos="0">
+              <a:schemeClr val="phClr">
+                <a:satMod val="103000"/>
+                <a:lumMod val="102000"/>
+                <a:tint val="94000"/>
+              </a:schemeClr>
+            </a:gs>
+            <a:gs pos="50000">
+              <a:schemeClr val="phClr">
+                <a:satMod val="110000"/>
+                <a:lumMod val="100000"/>
+                <a:shade val="100000"/>
+              </a:schemeClr>
+            </a:gs>
+            <a:gs pos="100000">
+              <a:schemeClr val="phClr">
+                <a:lumMod val="99000"/>
+                <a:satMod val="120000"/>
+                <a:shade val="78000"/>
+              </a:schemeClr>
+            </a:gs>
+          </a:gsLst>
+          <a:lin ang="5400000" scaled="0"/>
+        </a:gradFill>
+      </a:fillStyleLst>
+      <a:lnStyleLst>
+        <a:ln w="6350" cap="flat" cmpd="sng" algn="ctr">
+          <a:solidFill>
+            <a:schemeClr val="phClr"/>
+          </a:solidFill>
+          <a:prstDash val="solid"/>
+          <a:miter lim="800000"/>
+        </a:ln>
+        <a:ln w="12700" cap="flat" cmpd="sng" algn="ctr">
+          <a:solidFill>
+            <a:schemeClr val="phClr"/>
+          </a:solidFill>
+          <a:prstDash val="solid"/>
+          <a:miter lim="800000"/>
+        </a:ln>
+        <a:ln w="19050" cap="flat" cmpd="sng" algn="ctr">
+          <a:solidFill>
+            <a:schemeClr val="phClr"/>
+          </a:solidFill>
+          <a:prstDash val="solid"/>
+          <a:miter lim="800000"/>
+        </a:ln>
+      </a:lnStyleLst>
+      <a:effectStyleLst>
+        <a:effectStyle>
+          <a:effectLst/>
+        </a:effectStyle>
+        <a:effectStyle>
+          <a:effectLst/>
+        </a:effectStyle>
+        <a:effectStyle>
+          <a:effectLst>
+            <a:outerShdw blurRad="57150" dist="19050" dir="5400000" algn="ctr" rotWithShape="0">
+              <a:srgbClr val="000000">
+                <a:alpha val="63000"/>
+              </a:srgbClr>
+            </a:outerShdw>
+          </a:effectLst>
+        </a:effectStyle>
+      </a:effectStyleLst>
+      <a:bgFillStyleLst>
+        <a:solidFill>
+          <a:schemeClr val="phClr"/>
+        </a:solidFill>
+        <a:solidFill>
+          <a:schemeClr val="phClr">
+            <a:tint val="95000"/>
+            <a:satMod val="170000"/>
+          </a:schemeClr>
+        </a:solidFill>
+        <a:gradFill rotWithShape="1">
+          <a:gsLst>
+            <a:gs pos="0">
+              <a:schemeClr val="phClr">
+                <a:tint val="93000"/>
+                <a:satMod val="150000"/>
+                <a:shade val="98000"/>
+                <a:lumMod val="102000"/>
+              </a:schemeClr>
+            </a:gs>
+            <a:gs pos="50000">
+              <a:schemeClr val="phClr">
+                <a:tint val="98000"/>
+                <a:satMod val="130000"/>
+                <a:shade val="90000"/>
+                <a:lumMod val="103000"/>
+              </a:schemeClr>
+            </a:gs>
+            <a:gs pos="100000">
+              <a:schemeClr val="phClr">
+                <a:shade val="63000"/>
+                <a:satMod val="120000"/>
+              </a:schemeClr>
+            </a:gs>
+          </a:gsLst>
+          <a:lin ang="5400000" scaled="0"/>
+        </a:gradFill>
+      </a:bgFillStyleLst>
+    </a:fmtScheme>
+  </a:themeElements>
+  <a:objectDefaults/>
+  <a:extraClrSchemeLst/>
+  <a:extLst>
+    <a:ext uri="{05A4C25C-085E-4340-85A3-A5531E510DB2}">
+      <thm15:themeFamily xmlns:thm15="http://schemas.microsoft.com/office/thememl/2012/main" name="Office Theme" id="{62F939B6-93AF-4DB8-9C6B-D6C7DFDC589F}" vid="{4A3C46E8-61CC-4603-A589-7422A47A8E4A}"/>
+    </a:ext>
+  </a:extLst>
+</a:theme>
 </file>
--- a/spectral-unmixing/ppt_presentations/midterm_project_report.pptx
+++ b/spectral-unmixing/ppt_presentations/midterm_project_report.pptx
@@ -17,8 +17,8 @@
     <p:sldId id="259" r:id="rId8"/>
     <p:sldId id="260" r:id="rId9"/>
     <p:sldId id="261" r:id="rId10"/>
-    <p:sldId id="262" r:id="rId11"/>
-    <p:sldId id="1033" r:id="rId12"/>
+    <p:sldId id="1033" r:id="rId11"/>
+    <p:sldId id="262" r:id="rId12"/>
     <p:sldId id="263" r:id="rId13"/>
     <p:sldId id="264" r:id="rId14"/>
     <p:sldId id="265" r:id="rId15"/>
@@ -7099,19 +7099,90 @@
         </p:nvSpPr>
         <p:spPr>
           <a:xfrm>
-            <a:off x="331694" y="864682"/>
-            <a:ext cx="11125200" cy="1010046"/>
+            <a:off x="2176246" y="864682"/>
+            <a:ext cx="7274859" cy="1010046"/>
           </a:xfrm>
         </p:spPr>
         <p:txBody>
-          <a:bodyPr>
-            <a:normAutofit fontScale="90000"/>
+          <a:bodyPr/>
+          <a:lstStyle/>
+          <a:p>
+            <a:r>
+              <a:rPr lang="en-US" b="1" dirty="0"/>
+              <a:t>Developed data collection plan</a:t>
+            </a:r>
+          </a:p>
+        </p:txBody>
+      </p:sp>
+      <p:sp>
+        <p:nvSpPr>
+          <p:cNvPr id="6" name="TextBox 5">
+            <a:extLst>
+              <a:ext uri="{FF2B5EF4-FFF2-40B4-BE49-F238E27FC236}">
+                <a16:creationId xmlns:a16="http://schemas.microsoft.com/office/drawing/2014/main" id="{55FF3FE9-A4C1-4D69-9C7E-DC4C8B81CB94}"/>
+              </a:ext>
+            </a:extLst>
+          </p:cNvPr>
+          <p:cNvSpPr txBox="1"/>
+          <p:nvPr/>
+        </p:nvSpPr>
+        <p:spPr>
+          <a:xfrm>
+            <a:off x="1156448" y="2062988"/>
+            <a:ext cx="10089776" cy="3108543"/>
+          </a:xfrm>
+          <a:prstGeom prst="rect">
+            <a:avLst/>
+          </a:prstGeom>
+          <a:noFill/>
+        </p:spPr>
+        <p:txBody>
+          <a:bodyPr wrap="square" rtlCol="0">
+            <a:spAutoFit/>
           </a:bodyPr>
           <a:lstStyle/>
           <a:p>
-            <a:r>
-              <a:rPr lang="en-US" b="1" dirty="0"/>
-              <a:t>Discovered resource to read MSOT images into Python</a:t>
+            <a:pPr marL="285750" indent="-285750">
+              <a:buFont typeface="Arial" panose="020B0604020202020204" pitchFamily="34" charset="0"/>
+              <a:buChar char="•"/>
+            </a:pPr>
+            <a:r>
+              <a:rPr lang="en-US" sz="2800" dirty="0"/>
+              <a:t>Acquire high SNR MSOT spectra at 1 mm wavelength steps between 680 nm to 900 nm. </a:t>
+            </a:r>
+          </a:p>
+          <a:p>
+            <a:pPr marL="914400" lvl="1" indent="-457200">
+              <a:buFont typeface="Courier New" panose="02070309020205020404" pitchFamily="49" charset="0"/>
+              <a:buChar char="o"/>
+            </a:pPr>
+            <a:endParaRPr lang="en-US" sz="2800" dirty="0"/>
+          </a:p>
+          <a:p>
+            <a:pPr marL="457200" indent="-457200">
+              <a:buFont typeface="Arial" panose="020B0604020202020204" pitchFamily="34" charset="0"/>
+              <a:buChar char="•"/>
+            </a:pPr>
+            <a:r>
+              <a:rPr lang="en-US" sz="2800" dirty="0"/>
+              <a:t>MSOT spectra will be collected on blood samples with varying levels of O2.</a:t>
+            </a:r>
+          </a:p>
+          <a:p>
+            <a:pPr marL="457200" indent="-457200">
+              <a:buFont typeface="Arial" panose="020B0604020202020204" pitchFamily="34" charset="0"/>
+              <a:buChar char="•"/>
+            </a:pPr>
+            <a:endParaRPr lang="en-US" sz="2800" dirty="0"/>
+          </a:p>
+          <a:p>
+            <a:pPr marL="457200" indent="-457200">
+              <a:buFont typeface="Arial" panose="020B0604020202020204" pitchFamily="34" charset="0"/>
+              <a:buChar char="•"/>
+            </a:pPr>
+            <a:r>
+              <a:rPr lang="en-US" sz="2800" dirty="0"/>
+              <a:t>Data will be collected by March 7th</a:t>
             </a:r>
           </a:p>
         </p:txBody>
@@ -7264,49 +7335,10 @@
           </p:spPr>
         </p:pic>
       </p:grpSp>
-      <p:sp>
-        <p:nvSpPr>
-          <p:cNvPr id="9" name="TextBox 8">
-            <a:extLst>
-              <a:ext uri="{FF2B5EF4-FFF2-40B4-BE49-F238E27FC236}">
-                <a16:creationId xmlns:a16="http://schemas.microsoft.com/office/drawing/2014/main" id="{E15D0CBA-875E-4AE6-B67D-CA65730D1935}"/>
-              </a:ext>
-            </a:extLst>
-          </p:cNvPr>
-          <p:cNvSpPr txBox="1"/>
-          <p:nvPr/>
-        </p:nvSpPr>
-        <p:spPr>
-          <a:xfrm>
-            <a:off x="2962274" y="3199511"/>
-            <a:ext cx="5864039" cy="584775"/>
-          </a:xfrm>
-          <a:prstGeom prst="rect">
-            <a:avLst/>
-          </a:prstGeom>
-          <a:noFill/>
-        </p:spPr>
-        <p:txBody>
-          <a:bodyPr wrap="square">
-            <a:spAutoFit/>
-          </a:bodyPr>
-          <a:lstStyle/>
-          <a:p>
-            <a:r>
-              <a:rPr lang="en-US" sz="3200" dirty="0">
-                <a:solidFill>
-                  <a:schemeClr val="accent1"/>
-                </a:solidFill>
-              </a:rPr>
-              <a:t>https://ithera-medical.com/login</a:t>
-            </a:r>
-          </a:p>
-        </p:txBody>
-      </p:sp>
     </p:spTree>
     <p:extLst>
       <p:ext uri="{BB962C8B-B14F-4D97-AF65-F5344CB8AC3E}">
-        <p14:creationId xmlns:p14="http://schemas.microsoft.com/office/powerpoint/2010/main" val="1868911227"/>
+        <p14:creationId xmlns:p14="http://schemas.microsoft.com/office/powerpoint/2010/main" val="1757204623"/>
       </p:ext>
     </p:extLst>
   </p:cSld>
@@ -7743,13 +7775,13 @@
         </p:nvSpPr>
         <p:spPr>
           <a:xfrm>
-            <a:off x="632011" y="2300818"/>
-            <a:ext cx="10762129" cy="3633817"/>
+            <a:off x="531158" y="1960159"/>
+            <a:ext cx="11129683" cy="3736095"/>
           </a:xfrm>
         </p:spPr>
         <p:txBody>
           <a:bodyPr>
-            <a:normAutofit lnSpcReduction="10000"/>
+            <a:normAutofit/>
           </a:bodyPr>
           <a:lstStyle/>
           <a:p>
@@ -7765,7 +7797,7 @@
             </a:pPr>
             <a:r>
               <a:rPr lang="en-US" dirty="0"/>
-              <a:t>Densely sampled spectrum will be used for this part of analysis.</a:t>
+              <a:t>Densely sampled spectra will be used for this part of analysis.</a:t>
             </a:r>
           </a:p>
           <a:p>
@@ -7785,7 +7817,7 @@
             </a:pPr>
             <a:r>
               <a:rPr lang="en-US" dirty="0"/>
-              <a:t>“Noisy” spectra will by simulated by adding gaussian noise to clean spectra.</a:t>
+              <a:t>“Noisy” spectra will be simulated by adding gaussian noise to clean spectra.</a:t>
             </a:r>
           </a:p>
           <a:p>
@@ -7808,7 +7840,7 @@
             </a:pPr>
             <a:r>
               <a:rPr lang="en-US" dirty="0"/>
-              <a:t>Cross-Validation performance will be used to compare methods.</a:t>
+              <a:t>Cross-Validation performance will be used to compare machine learning methods.</a:t>
             </a:r>
           </a:p>
           <a:p>
@@ -8195,7 +8227,7 @@
             </a:r>
             <a:r>
               <a:rPr lang="en-US" dirty="0"/>
-              <a:t>: a non-invasive molecular imaging method that can be used to diagnose tumors and monitor treatment response.</a:t>
+              <a:t>: a non-invasive molecular imaging method that can be used to diagnose tumors and monitor treatment response</a:t>
             </a:r>
           </a:p>
           <a:p>
@@ -8205,7 +8237,7 @@
             </a:pPr>
             <a:r>
               <a:rPr lang="en-US" dirty="0"/>
-              <a:t>E.g., MSOT can be used to measure tumor oxygenation levels and degree of vascular perfusion.</a:t>
+              <a:t>E.g., MSOT can be used to measure tumor oxygenation levels and degree of vascular perfusion</a:t>
             </a:r>
           </a:p>
         </p:txBody>
@@ -9050,7 +9082,7 @@
         </p:spPr>
         <p:txBody>
           <a:bodyPr>
-            <a:normAutofit lnSpcReduction="10000"/>
+            <a:normAutofit/>
           </a:bodyPr>
           <a:lstStyle/>
           <a:p>
@@ -9060,7 +9092,7 @@
             </a:r>
             <a:r>
               <a:rPr lang="en-US" dirty="0"/>
-              <a:t>: compare the accuracy of MSOT decomposition between the traditional unmixing method and machine learning methods.</a:t>
+              <a:t>: compare the accuracy of MSOT decomposition between the traditional unmixing method and machine learning methods</a:t>
             </a:r>
           </a:p>
           <a:p>
@@ -9070,7 +9102,7 @@
             </a:pPr>
             <a:r>
               <a:rPr lang="en-US" dirty="0"/>
-              <a:t>Comparisons will be done under low and high SNR conditions.</a:t>
+              <a:t>Comparisons will be done under low and high SNR conditions</a:t>
             </a:r>
           </a:p>
           <a:p>
@@ -9084,16 +9116,6 @@
             <a:r>
               <a:rPr lang="en-US" dirty="0"/>
               <a:t>: determine the optimal wavelength components when acquiring an MSOT spectrum</a:t>
-            </a:r>
-          </a:p>
-          <a:p>
-            <a:pPr lvl="1">
-              <a:buFont typeface="Courier New" panose="02070309020205020404" pitchFamily="49" charset="0"/>
-              <a:buChar char="o"/>
-            </a:pPr>
-            <a:r>
-              <a:rPr lang="en-US" dirty="0"/>
-              <a:t>Under most experimental conditions, it’s not realistic to acquire densely sampled spectra</a:t>
             </a:r>
           </a:p>
           <a:p>
@@ -10729,7 +10751,7 @@
           <a:p>
             <a:r>
               <a:rPr lang="en-US" dirty="0"/>
-              <a:t>estimate B1 and B2 using linear regression with nonnegative least squares, to ensure you don’t get negative fractional components.</a:t>
+              <a:t>estimate B1 and B2 using linear regression with nonnegative least squares, to ensure fractional components are positive</a:t>
             </a:r>
           </a:p>
         </p:txBody>
@@ -10930,8 +10952,8 @@
         </p:nvSpPr>
         <p:spPr>
           <a:xfrm>
-            <a:off x="2285254" y="832932"/>
-            <a:ext cx="7436224" cy="500534"/>
+            <a:off x="1873251" y="796364"/>
+            <a:ext cx="8283762" cy="500534"/>
           </a:xfrm>
         </p:spPr>
         <p:txBody>
@@ -10942,7 +10964,7 @@
           <a:p>
             <a:r>
               <a:rPr lang="en-US" sz="4000" b="1" dirty="0"/>
-              <a:t>Developed machine learning alternative</a:t>
+              <a:t>Conceptualized machine learning alternative</a:t>
             </a:r>
           </a:p>
         </p:txBody>
@@ -11556,7 +11578,7 @@
         </p:nvSpPr>
         <p:spPr>
           <a:xfrm>
-            <a:off x="1627093" y="1145352"/>
+            <a:off x="427834" y="1393828"/>
             <a:ext cx="1213224" cy="461665"/>
           </a:xfrm>
           <a:prstGeom prst="rect">
@@ -12977,90 +12999,19 @@
         </p:nvSpPr>
         <p:spPr>
           <a:xfrm>
-            <a:off x="2176246" y="864682"/>
-            <a:ext cx="7274859" cy="1010046"/>
+            <a:off x="331694" y="864682"/>
+            <a:ext cx="11125200" cy="1010046"/>
           </a:xfrm>
         </p:spPr>
         <p:txBody>
-          <a:bodyPr/>
-          <a:lstStyle/>
-          <a:p>
-            <a:r>
-              <a:rPr lang="en-US" b="1" dirty="0"/>
-              <a:t>Developed data collection plan</a:t>
-            </a:r>
-          </a:p>
-        </p:txBody>
-      </p:sp>
-      <p:sp>
-        <p:nvSpPr>
-          <p:cNvPr id="6" name="TextBox 5">
-            <a:extLst>
-              <a:ext uri="{FF2B5EF4-FFF2-40B4-BE49-F238E27FC236}">
-                <a16:creationId xmlns:a16="http://schemas.microsoft.com/office/drawing/2014/main" id="{55FF3FE9-A4C1-4D69-9C7E-DC4C8B81CB94}"/>
-              </a:ext>
-            </a:extLst>
-          </p:cNvPr>
-          <p:cNvSpPr txBox="1"/>
-          <p:nvPr/>
-        </p:nvSpPr>
-        <p:spPr>
-          <a:xfrm>
-            <a:off x="1156448" y="2062988"/>
-            <a:ext cx="10089776" cy="3108543"/>
-          </a:xfrm>
-          <a:prstGeom prst="rect">
-            <a:avLst/>
-          </a:prstGeom>
-          <a:noFill/>
-        </p:spPr>
-        <p:txBody>
-          <a:bodyPr wrap="square" rtlCol="0">
-            <a:spAutoFit/>
+          <a:bodyPr>
+            <a:normAutofit fontScale="90000"/>
           </a:bodyPr>
           <a:lstStyle/>
           <a:p>
-            <a:pPr marL="285750" indent="-285750">
-              <a:buFont typeface="Arial" panose="020B0604020202020204" pitchFamily="34" charset="0"/>
-              <a:buChar char="•"/>
-            </a:pPr>
-            <a:r>
-              <a:rPr lang="en-US" sz="2800" dirty="0"/>
-              <a:t>Acquire high SNR MSOT spectra at 1 mm wavelength steps between 680 nm to 900 nm. </a:t>
-            </a:r>
-          </a:p>
-          <a:p>
-            <a:pPr marL="914400" lvl="1" indent="-457200">
-              <a:buFont typeface="Courier New" panose="02070309020205020404" pitchFamily="49" charset="0"/>
-              <a:buChar char="o"/>
-            </a:pPr>
-            <a:endParaRPr lang="en-US" sz="2800" dirty="0"/>
-          </a:p>
-          <a:p>
-            <a:pPr marL="457200" indent="-457200">
-              <a:buFont typeface="Arial" panose="020B0604020202020204" pitchFamily="34" charset="0"/>
-              <a:buChar char="•"/>
-            </a:pPr>
-            <a:r>
-              <a:rPr lang="en-US" sz="2800" dirty="0"/>
-              <a:t>MSOT spectra will be collected of blood samples with various levels of O2.</a:t>
-            </a:r>
-          </a:p>
-          <a:p>
-            <a:pPr marL="457200" indent="-457200">
-              <a:buFont typeface="Arial" panose="020B0604020202020204" pitchFamily="34" charset="0"/>
-              <a:buChar char="•"/>
-            </a:pPr>
-            <a:endParaRPr lang="en-US" sz="2800" dirty="0"/>
-          </a:p>
-          <a:p>
-            <a:pPr marL="457200" indent="-457200">
-              <a:buFont typeface="Arial" panose="020B0604020202020204" pitchFamily="34" charset="0"/>
-              <a:buChar char="•"/>
-            </a:pPr>
-            <a:r>
-              <a:rPr lang="en-US" sz="2800" dirty="0"/>
-              <a:t>Data will be collected by March 7th</a:t>
+            <a:r>
+              <a:rPr lang="en-US" b="1" dirty="0"/>
+              <a:t>Discovered resource to read MSOT images into Python</a:t>
             </a:r>
           </a:p>
         </p:txBody>
@@ -13213,10 +13164,49 @@
           </p:spPr>
         </p:pic>
       </p:grpSp>
+      <p:sp>
+        <p:nvSpPr>
+          <p:cNvPr id="9" name="TextBox 8">
+            <a:extLst>
+              <a:ext uri="{FF2B5EF4-FFF2-40B4-BE49-F238E27FC236}">
+                <a16:creationId xmlns:a16="http://schemas.microsoft.com/office/drawing/2014/main" id="{E15D0CBA-875E-4AE6-B67D-CA65730D1935}"/>
+              </a:ext>
+            </a:extLst>
+          </p:cNvPr>
+          <p:cNvSpPr txBox="1"/>
+          <p:nvPr/>
+        </p:nvSpPr>
+        <p:spPr>
+          <a:xfrm>
+            <a:off x="2962274" y="3199511"/>
+            <a:ext cx="5864039" cy="584775"/>
+          </a:xfrm>
+          <a:prstGeom prst="rect">
+            <a:avLst/>
+          </a:prstGeom>
+          <a:noFill/>
+        </p:spPr>
+        <p:txBody>
+          <a:bodyPr wrap="square">
+            <a:spAutoFit/>
+          </a:bodyPr>
+          <a:lstStyle/>
+          <a:p>
+            <a:r>
+              <a:rPr lang="en-US" sz="3200" dirty="0">
+                <a:solidFill>
+                  <a:schemeClr val="accent1"/>
+                </a:solidFill>
+              </a:rPr>
+              <a:t>https://ithera-medical.com/login</a:t>
+            </a:r>
+          </a:p>
+        </p:txBody>
+      </p:sp>
     </p:spTree>
     <p:extLst>
       <p:ext uri="{BB962C8B-B14F-4D97-AF65-F5344CB8AC3E}">
-        <p14:creationId xmlns:p14="http://schemas.microsoft.com/office/powerpoint/2010/main" val="1757204623"/>
+        <p14:creationId xmlns:p14="http://schemas.microsoft.com/office/powerpoint/2010/main" val="1868911227"/>
       </p:ext>
     </p:extLst>
   </p:cSld>

--- a/spectral-unmixing/ppt_presentations/midterm_project_report.pptx
+++ b/spectral-unmixing/ppt_presentations/midterm_project_report.pptx
@@ -210,7 +210,7 @@
           <a:p>
             <a:fld id="{EF08C773-0D72-4E39-BD67-01B27FF19E21}" type="datetimeFigureOut">
               <a:rPr lang="en-US" smtClean="0"/>
-              <a:t>2/21/2022</a:t>
+              <a:t>2/22/22</a:t>
             </a:fld>
             <a:endParaRPr lang="en-US"/>
           </a:p>
@@ -775,7 +775,7 @@
           <a:p>
             <a:fld id="{5EAA4195-56E2-40FA-8260-A07627050A0A}" type="datetimeFigureOut">
               <a:rPr lang="en-US" smtClean="0"/>
-              <a:t>2/21/2022</a:t>
+              <a:t>2/22/22</a:t>
             </a:fld>
             <a:endParaRPr lang="en-US"/>
           </a:p>
@@ -973,7 +973,7 @@
           <a:p>
             <a:fld id="{5EAA4195-56E2-40FA-8260-A07627050A0A}" type="datetimeFigureOut">
               <a:rPr lang="en-US" smtClean="0"/>
-              <a:t>2/21/2022</a:t>
+              <a:t>2/22/22</a:t>
             </a:fld>
             <a:endParaRPr lang="en-US"/>
           </a:p>
@@ -1181,7 +1181,7 @@
           <a:p>
             <a:fld id="{5EAA4195-56E2-40FA-8260-A07627050A0A}" type="datetimeFigureOut">
               <a:rPr lang="en-US" smtClean="0"/>
-              <a:t>2/21/2022</a:t>
+              <a:t>2/22/22</a:t>
             </a:fld>
             <a:endParaRPr lang="en-US"/>
           </a:p>
@@ -1450,7 +1450,7 @@
             <a:fld id="{C7EA5AEF-268C-3E4A-9F8A-5D6EF85C0AA5}" type="datetimeFigureOut">
               <a:rPr lang="en-US" smtClean="0"/>
               <a:pPr/>
-              <a:t>2/21/2022</a:t>
+              <a:t>2/22/22</a:t>
             </a:fld>
             <a:endParaRPr lang="en-US" dirty="0"/>
           </a:p>
@@ -1628,7 +1628,7 @@
             <a:fld id="{C7EA5AEF-268C-3E4A-9F8A-5D6EF85C0AA5}" type="datetimeFigureOut">
               <a:rPr lang="en-US" smtClean="0"/>
               <a:pPr/>
-              <a:t>2/21/2022</a:t>
+              <a:t>2/22/22</a:t>
             </a:fld>
             <a:endParaRPr lang="en-US"/>
           </a:p>
@@ -1880,7 +1880,7 @@
             <a:fld id="{C7EA5AEF-268C-3E4A-9F8A-5D6EF85C0AA5}" type="datetimeFigureOut">
               <a:rPr lang="en-US" smtClean="0"/>
               <a:pPr/>
-              <a:t>2/21/2022</a:t>
+              <a:t>2/22/22</a:t>
             </a:fld>
             <a:endParaRPr lang="en-US"/>
           </a:p>
@@ -2175,7 +2175,7 @@
             <a:fld id="{C7EA5AEF-268C-3E4A-9F8A-5D6EF85C0AA5}" type="datetimeFigureOut">
               <a:rPr lang="en-US" smtClean="0"/>
               <a:pPr/>
-              <a:t>2/21/2022</a:t>
+              <a:t>2/22/22</a:t>
             </a:fld>
             <a:endParaRPr lang="en-US"/>
           </a:p>
@@ -2600,7 +2600,7 @@
             <a:fld id="{C7EA5AEF-268C-3E4A-9F8A-5D6EF85C0AA5}" type="datetimeFigureOut">
               <a:rPr lang="en-US" smtClean="0"/>
               <a:pPr/>
-              <a:t>2/21/2022</a:t>
+              <a:t>2/22/22</a:t>
             </a:fld>
             <a:endParaRPr lang="en-US"/>
           </a:p>
@@ -2727,7 +2727,7 @@
             <a:fld id="{C7EA5AEF-268C-3E4A-9F8A-5D6EF85C0AA5}" type="datetimeFigureOut">
               <a:rPr lang="en-US" smtClean="0"/>
               <a:pPr/>
-              <a:t>2/21/2022</a:t>
+              <a:t>2/22/22</a:t>
             </a:fld>
             <a:endParaRPr lang="en-US"/>
           </a:p>
@@ -2824,7 +2824,7 @@
             <a:fld id="{C7EA5AEF-268C-3E4A-9F8A-5D6EF85C0AA5}" type="datetimeFigureOut">
               <a:rPr lang="en-US" smtClean="0"/>
               <a:pPr/>
-              <a:t>2/21/2022</a:t>
+              <a:t>2/22/22</a:t>
             </a:fld>
             <a:endParaRPr lang="en-US"/>
           </a:p>
@@ -3101,7 +3101,7 @@
             <a:fld id="{C7EA5AEF-268C-3E4A-9F8A-5D6EF85C0AA5}" type="datetimeFigureOut">
               <a:rPr lang="en-US" smtClean="0"/>
               <a:pPr/>
-              <a:t>2/21/2022</a:t>
+              <a:t>2/22/22</a:t>
             </a:fld>
             <a:endParaRPr lang="en-US"/>
           </a:p>
@@ -3288,7 +3288,7 @@
           <a:p>
             <a:fld id="{5EAA4195-56E2-40FA-8260-A07627050A0A}" type="datetimeFigureOut">
               <a:rPr lang="en-US" smtClean="0"/>
-              <a:t>2/21/2022</a:t>
+              <a:t>2/22/22</a:t>
             </a:fld>
             <a:endParaRPr lang="en-US"/>
           </a:p>
@@ -3553,7 +3553,7 @@
             <a:fld id="{C7EA5AEF-268C-3E4A-9F8A-5D6EF85C0AA5}" type="datetimeFigureOut">
               <a:rPr lang="en-US" smtClean="0"/>
               <a:pPr/>
-              <a:t>2/21/2022</a:t>
+              <a:t>2/22/22</a:t>
             </a:fld>
             <a:endParaRPr lang="en-US"/>
           </a:p>
@@ -3723,7 +3723,7 @@
             <a:fld id="{C7EA5AEF-268C-3E4A-9F8A-5D6EF85C0AA5}" type="datetimeFigureOut">
               <a:rPr lang="en-US" smtClean="0"/>
               <a:pPr/>
-              <a:t>2/21/2022</a:t>
+              <a:t>2/22/22</a:t>
             </a:fld>
             <a:endParaRPr lang="en-US"/>
           </a:p>
@@ -3903,7 +3903,7 @@
             <a:fld id="{C7EA5AEF-268C-3E4A-9F8A-5D6EF85C0AA5}" type="datetimeFigureOut">
               <a:rPr lang="en-US" smtClean="0"/>
               <a:pPr/>
-              <a:t>2/21/2022</a:t>
+              <a:t>2/22/22</a:t>
             </a:fld>
             <a:endParaRPr lang="en-US"/>
           </a:p>
@@ -4167,7 +4167,7 @@
           <a:p>
             <a:fld id="{5EAA4195-56E2-40FA-8260-A07627050A0A}" type="datetimeFigureOut">
               <a:rPr lang="en-US" smtClean="0"/>
-              <a:t>2/21/2022</a:t>
+              <a:t>2/22/22</a:t>
             </a:fld>
             <a:endParaRPr lang="en-US"/>
           </a:p>
@@ -4432,7 +4432,7 @@
           <a:p>
             <a:fld id="{5EAA4195-56E2-40FA-8260-A07627050A0A}" type="datetimeFigureOut">
               <a:rPr lang="en-US" smtClean="0"/>
-              <a:t>2/21/2022</a:t>
+              <a:t>2/22/22</a:t>
             </a:fld>
             <a:endParaRPr lang="en-US"/>
           </a:p>
@@ -4844,7 +4844,7 @@
           <a:p>
             <a:fld id="{5EAA4195-56E2-40FA-8260-A07627050A0A}" type="datetimeFigureOut">
               <a:rPr lang="en-US" smtClean="0"/>
-              <a:t>2/21/2022</a:t>
+              <a:t>2/22/22</a:t>
             </a:fld>
             <a:endParaRPr lang="en-US"/>
           </a:p>
@@ -4985,7 +4985,7 @@
           <a:p>
             <a:fld id="{5EAA4195-56E2-40FA-8260-A07627050A0A}" type="datetimeFigureOut">
               <a:rPr lang="en-US" smtClean="0"/>
-              <a:t>2/21/2022</a:t>
+              <a:t>2/22/22</a:t>
             </a:fld>
             <a:endParaRPr lang="en-US"/>
           </a:p>
@@ -5098,7 +5098,7 @@
           <a:p>
             <a:fld id="{5EAA4195-56E2-40FA-8260-A07627050A0A}" type="datetimeFigureOut">
               <a:rPr lang="en-US" smtClean="0"/>
-              <a:t>2/21/2022</a:t>
+              <a:t>2/22/22</a:t>
             </a:fld>
             <a:endParaRPr lang="en-US"/>
           </a:p>
@@ -5409,7 +5409,7 @@
           <a:p>
             <a:fld id="{5EAA4195-56E2-40FA-8260-A07627050A0A}" type="datetimeFigureOut">
               <a:rPr lang="en-US" smtClean="0"/>
-              <a:t>2/21/2022</a:t>
+              <a:t>2/22/22</a:t>
             </a:fld>
             <a:endParaRPr lang="en-US"/>
           </a:p>
@@ -5697,7 +5697,7 @@
           <a:p>
             <a:fld id="{5EAA4195-56E2-40FA-8260-A07627050A0A}" type="datetimeFigureOut">
               <a:rPr lang="en-US" smtClean="0"/>
-              <a:t>2/21/2022</a:t>
+              <a:t>2/22/22</a:t>
             </a:fld>
             <a:endParaRPr lang="en-US"/>
           </a:p>
@@ -5938,7 +5938,7 @@
           <a:p>
             <a:fld id="{5EAA4195-56E2-40FA-8260-A07627050A0A}" type="datetimeFigureOut">
               <a:rPr lang="en-US" smtClean="0"/>
-              <a:t>2/21/2022</a:t>
+              <a:t>2/22/22</a:t>
             </a:fld>
             <a:endParaRPr lang="en-US"/>
           </a:p>
@@ -6491,7 +6491,7 @@
             <a:fld id="{C7EA5AEF-268C-3E4A-9F8A-5D6EF85C0AA5}" type="datetimeFigureOut">
               <a:rPr lang="en-US" smtClean="0"/>
               <a:pPr/>
-              <a:t>2/21/2022</a:t>
+              <a:t>2/22/22</a:t>
             </a:fld>
             <a:endParaRPr lang="en-US"/>
           </a:p>
@@ -6937,7 +6937,7 @@
         <p:spPr bwMode="auto">
           <a:xfrm>
             <a:off x="1106892" y="2710739"/>
-            <a:ext cx="9978216" cy="1846659"/>
+            <a:ext cx="9978216" cy="2185214"/>
           </a:xfrm>
           <a:prstGeom prst="rect">
             <a:avLst/>
@@ -6968,7 +6968,7 @@
                 <a:latin typeface="Arial"/>
                 <a:cs typeface="Arial"/>
               </a:rPr>
-              <a:t>Machine Learning applied to </a:t>
+              <a:t>Machine Learning applied to the Analysis of </a:t>
             </a:r>
           </a:p>
           <a:p>
@@ -6981,22 +6981,12 @@
                 <a:latin typeface="Arial"/>
                 <a:cs typeface="Arial"/>
               </a:rPr>
-              <a:t>Multispectral Optoacoustic Tomography unmixing</a:t>
+              <a:t>Multispectral Optoacoustic Tomography</a:t>
             </a:r>
           </a:p>
           <a:p>
             <a:pPr algn="ctr" defTabSz="457200"/>
-            <a:endParaRPr lang="en-US" sz="1600" dirty="0">
-              <a:solidFill>
-                <a:prstClr val="black"/>
-              </a:solidFill>
-              <a:latin typeface="Arial"/>
-              <a:cs typeface="Arial"/>
-            </a:endParaRPr>
-          </a:p>
-          <a:p>
-            <a:pPr defTabSz="457200"/>
-            <a:endParaRPr lang="en-US" sz="1000" b="1" dirty="0">
+            <a:endParaRPr lang="en-US" sz="2400" b="1" dirty="0">
               <a:solidFill>
                 <a:prstClr val="white"/>
               </a:solidFill>
@@ -7004,6 +6994,20 @@
               <a:ea typeface="Copperplate Gothic Light" charset="0"/>
               <a:cs typeface="Arial"/>
             </a:endParaRPr>
+          </a:p>
+          <a:p>
+            <a:pPr algn="ctr" defTabSz="457200"/>
+            <a:r>
+              <a:rPr lang="en-US" sz="2400" b="1" dirty="0">
+                <a:solidFill>
+                  <a:prstClr val="white"/>
+                </a:solidFill>
+                <a:latin typeface="Arial"/>
+                <a:ea typeface="Copperplate Gothic Light" charset="0"/>
+                <a:cs typeface="Arial"/>
+              </a:rPr>
+              <a:t>Midterm Project Report</a:t>
+            </a:r>
           </a:p>
           <a:p>
             <a:pPr algn="ctr" defTabSz="457200"/>
@@ -7165,7 +7169,15 @@
             </a:pPr>
             <a:r>
               <a:rPr lang="en-US" sz="2800" dirty="0"/>
-              <a:t>MSOT spectra will be collected on blood samples with varying levels of O2.</a:t>
+              <a:t>MSOT spectra will be collected on blood samples with varying levels of O</a:t>
+            </a:r>
+            <a:r>
+              <a:rPr lang="en-US" sz="2800" baseline="-25000" dirty="0"/>
+              <a:t>2</a:t>
+            </a:r>
+            <a:r>
+              <a:rPr lang="en-US" sz="2800" dirty="0"/>
+              <a:t>.</a:t>
             </a:r>
           </a:p>
           <a:p>
@@ -7384,7 +7396,7 @@
         <p:spPr>
           <a:xfrm>
             <a:off x="2926977" y="2695948"/>
-            <a:ext cx="6485965" cy="1325563"/>
+            <a:ext cx="6723919" cy="1325563"/>
           </a:xfrm>
         </p:spPr>
         <p:txBody>
@@ -7787,7 +7799,15 @@
           <a:p>
             <a:r>
               <a:rPr lang="en-US" dirty="0"/>
-              <a:t>Measure Hb and HbO2 fractions using traditional unmixing method and machine learning alternatives under low and high SNR conditions.</a:t>
+              <a:t>Measure Hb and HbO</a:t>
+            </a:r>
+            <a:r>
+              <a:rPr lang="en-US" baseline="-25000" dirty="0"/>
+              <a:t>2</a:t>
+            </a:r>
+            <a:r>
+              <a:rPr lang="en-US" dirty="0"/>
+              <a:t> fractions using traditional unmixing method and machine learning alternatives under low and high SNR conditions.</a:t>
             </a:r>
           </a:p>
           <a:p>
@@ -7830,7 +7850,15 @@
           <a:p>
             <a:r>
               <a:rPr lang="en-US" dirty="0"/>
-              <a:t>Quantify accuracy (RMSE) of each methods’ estimate of Hb and HbO2. </a:t>
+              <a:t>Quantify accuracy (RMSE) of each methods’ estimate of Hb and HbO</a:t>
+            </a:r>
+            <a:r>
+              <a:rPr lang="en-US" baseline="-25000" dirty="0"/>
+              <a:t>2</a:t>
+            </a:r>
+            <a:r>
+              <a:rPr lang="en-US" dirty="0"/>
+              <a:t>. </a:t>
             </a:r>
           </a:p>
           <a:p>
@@ -7903,19 +7931,19 @@
         </p:nvSpPr>
         <p:spPr>
           <a:xfrm>
-            <a:off x="-85165" y="999207"/>
-            <a:ext cx="12362330" cy="809251"/>
+            <a:off x="1258128" y="1058207"/>
+            <a:ext cx="9675743" cy="809251"/>
           </a:xfrm>
         </p:spPr>
         <p:txBody>
           <a:bodyPr>
-            <a:normAutofit fontScale="90000"/>
+            <a:normAutofit/>
           </a:bodyPr>
           <a:lstStyle/>
           <a:p>
             <a:r>
-              <a:rPr lang="en-US" b="1" dirty="0"/>
-              <a:t>Optimize wavelengths to collect using best unmixing method</a:t>
+              <a:rPr lang="en-US" sz="3600" b="1" dirty="0"/>
+              <a:t>Optimize wavelengths to collect using best method</a:t>
             </a:r>
           </a:p>
         </p:txBody>
@@ -8098,7 +8126,7 @@
           <a:p>
             <a:r>
               <a:rPr lang="en-US" dirty="0"/>
-              <a:t>Identify unmixing method that performs best with densely sampled spectra.</a:t>
+              <a:t>Identify analytic method that performs best with densely sampled spectra.</a:t>
             </a:r>
           </a:p>
           <a:p>
@@ -8111,7 +8139,15 @@
           <a:p>
             <a:r>
               <a:rPr lang="en-US" dirty="0"/>
-              <a:t>Using best method, determine which X wavelengths result in most accurate Hb and HbO2 estimation?</a:t>
+              <a:t>Using best method, determine which X wavelengths result in most accurate Hb and HbO</a:t>
+            </a:r>
+            <a:r>
+              <a:rPr lang="en-US" baseline="-25000" dirty="0"/>
+              <a:t>2</a:t>
+            </a:r>
+            <a:r>
+              <a:rPr lang="en-US" dirty="0"/>
+              <a:t> estimation?</a:t>
             </a:r>
           </a:p>
           <a:p>
@@ -8841,8 +8877,12 @@
               <a:buChar char="o"/>
             </a:pPr>
             <a:r>
+              <a:rPr lang="en-US" u="sng" dirty="0"/>
+              <a:t>Machine learning algorithms may perform better when SNR is low</a:t>
+            </a:r>
+            <a:r>
               <a:rPr lang="en-US" dirty="0"/>
-              <a:t>Machine learning algorithms may perform better when SNR is low.</a:t>
+              <a:t>.</a:t>
             </a:r>
           </a:p>
         </p:txBody>
@@ -9579,7 +9619,7 @@
           <p:nvPr>
             <p:extLst>
               <p:ext uri="{D42A27DB-BD31-4B8C-83A1-F6EECF244321}">
-                <p14:modId xmlns:p14="http://schemas.microsoft.com/office/powerpoint/2010/main" val="2568864500"/>
+                <p14:modId xmlns:p14="http://schemas.microsoft.com/office/powerpoint/2010/main" val="2232717013"/>
               </p:ext>
             </p:extLst>
           </p:nvPr>
@@ -9668,14 +9708,26 @@
                       <a:pPr algn="ctr"/>
                       <a:r>
                         <a:rPr lang="en-US" dirty="0"/>
-                        <a:t>HbO2</a:t>
+                        <a:t>HbO</a:t>
+                      </a:r>
+                      <a:r>
+                        <a:rPr lang="en-US" baseline="-25000" dirty="0"/>
+                        <a:t>2</a:t>
                       </a:r>
                     </a:p>
                     <a:p>
                       <a:pPr algn="ctr"/>
                       <a:r>
                         <a:rPr lang="en-US" dirty="0"/>
-                        <a:t>(known 100% HbO2 spectrum)</a:t>
+                        <a:t>(known 100% HbO</a:t>
+                      </a:r>
+                      <a:r>
+                        <a:rPr lang="en-US" baseline="-25000" dirty="0"/>
+                        <a:t>2</a:t>
+                      </a:r>
+                      <a:r>
+                        <a:rPr lang="en-US" dirty="0"/>
+                        <a:t> spectrum)</a:t>
                       </a:r>
                     </a:p>
                   </a:txBody>
@@ -10308,7 +10360,15 @@
             <a:pPr algn="ctr"/>
             <a:r>
               <a:rPr lang="en-US" sz="1600" dirty="0"/>
-              <a:t>known 100% HbO2 MSOT signal at n wavelengths</a:t>
+              <a:t>known 100% HbO</a:t>
+            </a:r>
+            <a:r>
+              <a:rPr lang="en-US" sz="1600" baseline="-25000" dirty="0"/>
+              <a:t>2</a:t>
+            </a:r>
+            <a:r>
+              <a:rPr lang="en-US" sz="1600" dirty="0"/>
+              <a:t> MSOT signal at n wavelengths</a:t>
             </a:r>
           </a:p>
         </p:txBody>
@@ -10378,7 +10438,11 @@
           <a:p>
             <a:r>
               <a:rPr lang="en-US" sz="2800" dirty="0"/>
-              <a:t>Y = B1 x Hb + B2 x HbO2</a:t>
+              <a:t>Y = B1 x Hb + B2 x HbO</a:t>
+            </a:r>
+            <a:r>
+              <a:rPr lang="en-US" sz="2800" baseline="-25000" dirty="0"/>
+              <a:t>2</a:t>
             </a:r>
           </a:p>
         </p:txBody>
@@ -10636,7 +10700,15 @@
             <a:pPr algn="ctr"/>
             <a:r>
               <a:rPr lang="en-US" sz="1600" dirty="0"/>
-              <a:t>estimated HbO2 fraction in Y</a:t>
+              <a:t>estimated HbO</a:t>
+            </a:r>
+            <a:r>
+              <a:rPr lang="en-US" sz="1600" baseline="-25000" dirty="0"/>
+              <a:t>2</a:t>
+            </a:r>
+            <a:r>
+              <a:rPr lang="en-US" sz="1600" dirty="0"/>
+              <a:t> fraction in Y</a:t>
             </a:r>
           </a:p>
         </p:txBody>
@@ -10751,7 +10823,7 @@
           <a:p>
             <a:r>
               <a:rPr lang="en-US" dirty="0"/>
-              <a:t>estimate B1 and B2 using linear regression with nonnegative least squares, to ensure fractional components are positive</a:t>
+              <a:t>estimate B1 and B2 using linear regression with nonnegative least squares, to ensure estimated fractional components are positive</a:t>
             </a:r>
           </a:p>
         </p:txBody>
@@ -10952,8 +11024,8 @@
         </p:nvSpPr>
         <p:spPr>
           <a:xfrm>
-            <a:off x="1873251" y="796364"/>
-            <a:ext cx="8283762" cy="500534"/>
+            <a:off x="1904663" y="874584"/>
+            <a:ext cx="8382674" cy="500534"/>
           </a:xfrm>
         </p:spPr>
         <p:txBody>
@@ -10984,7 +11056,7 @@
           <p:nvPr>
             <p:extLst>
               <p:ext uri="{D42A27DB-BD31-4B8C-83A1-F6EECF244321}">
-                <p14:modId xmlns:p14="http://schemas.microsoft.com/office/powerpoint/2010/main" val="2632353550"/>
+                <p14:modId xmlns:p14="http://schemas.microsoft.com/office/powerpoint/2010/main" val="1979157415"/>
               </p:ext>
             </p:extLst>
           </p:nvPr>
@@ -11066,7 +11138,15 @@
                       <a:pPr algn="ctr"/>
                       <a:r>
                         <a:rPr lang="en-US" dirty="0"/>
-                        <a:t>(HbO2 fraction)</a:t>
+                        <a:t>(HbO</a:t>
+                      </a:r>
+                      <a:r>
+                        <a:rPr lang="en-US" baseline="-25000" dirty="0"/>
+                        <a:t>2</a:t>
+                      </a:r>
+                      <a:r>
+                        <a:rPr lang="en-US" dirty="0"/>
+                        <a:t> fraction)</a:t>
                       </a:r>
                     </a:p>
                   </a:txBody>
@@ -11080,7 +11160,7 @@
                       <a:pPr algn="ctr"/>
                       <a:r>
                         <a:rPr lang="en-US" dirty="0"/>
-                        <a:t>X1</a:t>
+                        <a:t>X1 signal</a:t>
                       </a:r>
                     </a:p>
                     <a:p>
@@ -11098,7 +11178,7 @@
                       <a:pPr algn="ctr"/>
                       <a:r>
                         <a:rPr lang="en-US" dirty="0"/>
-                        <a:t>X2</a:t>
+                        <a:t>X2 signal</a:t>
                       </a:r>
                     </a:p>
                   </a:txBody>
@@ -11649,7 +11729,7 @@
           <p:nvPr>
             <p:extLst>
               <p:ext uri="{D42A27DB-BD31-4B8C-83A1-F6EECF244321}">
-                <p14:modId xmlns:p14="http://schemas.microsoft.com/office/powerpoint/2010/main" val="63802072"/>
+                <p14:modId xmlns:p14="http://schemas.microsoft.com/office/powerpoint/2010/main" val="900083824"/>
               </p:ext>
             </p:extLst>
           </p:nvPr>
@@ -11684,7 +11764,10 @@
                         <a:rPr lang="en-US" dirty="0" err="1"/>
                         <a:t>Xp</a:t>
                       </a:r>
-                      <a:endParaRPr lang="en-US" dirty="0"/>
+                      <a:r>
+                        <a:rPr lang="en-US" dirty="0"/>
+                        <a:t> signal</a:t>
+                      </a:r>
                     </a:p>
                   </a:txBody>
                   <a:tcPr/>
@@ -12151,13 +12234,15 @@
               </a:ext>
             </a:extLst>
           </p:cNvPr>
-          <p:cNvCxnSpPr/>
+          <p:cNvCxnSpPr>
+            <a:cxnSpLocks/>
+          </p:cNvCxnSpPr>
           <p:nvPr/>
         </p:nvCxnSpPr>
         <p:spPr>
           <a:xfrm>
-            <a:off x="8722657" y="1748118"/>
-            <a:ext cx="941294" cy="0"/>
+            <a:off x="9024730" y="1748118"/>
+            <a:ext cx="639221" cy="0"/>
           </a:xfrm>
           <a:prstGeom prst="straightConnector1">
             <a:avLst/>
@@ -12195,8 +12280,8 @@
         </p:nvSpPr>
         <p:spPr>
           <a:xfrm>
-            <a:off x="9560112" y="1455730"/>
-            <a:ext cx="2496666" cy="584775"/>
+            <a:off x="9604937" y="1278584"/>
+            <a:ext cx="2258461" cy="1077218"/>
           </a:xfrm>
           <a:prstGeom prst="rect">
             <a:avLst/>
@@ -12212,7 +12297,7 @@
             <a:pPr algn="ctr"/>
             <a:r>
               <a:rPr lang="en-US" sz="1600" dirty="0"/>
-              <a:t>p wavelengths, where each wavelength is a predictor.</a:t>
+              <a:t>p wavelengths, where the signal at each wavelength is a predictor of Y1 and Y2.</a:t>
             </a:r>
           </a:p>
         </p:txBody>
@@ -13000,7 +13085,7 @@
         <p:spPr>
           <a:xfrm>
             <a:off x="331694" y="864682"/>
-            <a:ext cx="11125200" cy="1010046"/>
+            <a:ext cx="11446564" cy="1010046"/>
           </a:xfrm>
         </p:spPr>
         <p:txBody>
